--- a/nasbench-master/第8组_中期.pptx
+++ b/nasbench-master/第8组_中期.pptx
@@ -3,27 +3,25 @@
 <p:presentation xmlns:a="http://schemas.openxmlformats.org/drawingml/2006/main" xmlns:r="http://schemas.openxmlformats.org/officeDocument/2006/relationships" xmlns:p="http://schemas.openxmlformats.org/presentationml/2006/main">
   <p:sldMasterIdLst>
     <p:sldMasterId id="2147483648" r:id="rId1"/>
-    <p:sldMasterId id="2147483650" r:id="rId3"/>
-    <p:sldMasterId id="2147483662" r:id="rId4"/>
+    <p:sldMasterId id="2147483650" r:id="rId2"/>
+    <p:sldMasterId id="2147483662" r:id="rId3"/>
   </p:sldMasterIdLst>
   <p:notesMasterIdLst>
-    <p:notesMasterId r:id="rId19"/>
+    <p:notesMasterId r:id="rId16"/>
   </p:notesMasterIdLst>
   <p:sldIdLst>
-    <p:sldId id="268" r:id="rId5"/>
-    <p:sldId id="345" r:id="rId6"/>
-    <p:sldId id="346" r:id="rId7"/>
-    <p:sldId id="347" r:id="rId8"/>
-    <p:sldId id="348" r:id="rId9"/>
-    <p:sldId id="339" r:id="rId10"/>
-    <p:sldId id="350" r:id="rId11"/>
-    <p:sldId id="342" r:id="rId12"/>
-    <p:sldId id="340" r:id="rId13"/>
-    <p:sldId id="343" r:id="rId14"/>
-    <p:sldId id="344" r:id="rId15"/>
-    <p:sldId id="341" r:id="rId16"/>
-    <p:sldId id="349" r:id="rId17"/>
-    <p:sldId id="287" r:id="rId18"/>
+    <p:sldId id="268" r:id="rId4"/>
+    <p:sldId id="345" r:id="rId5"/>
+    <p:sldId id="347" r:id="rId6"/>
+    <p:sldId id="339" r:id="rId7"/>
+    <p:sldId id="351" r:id="rId8"/>
+    <p:sldId id="342" r:id="rId9"/>
+    <p:sldId id="350" r:id="rId10"/>
+    <p:sldId id="343" r:id="rId11"/>
+    <p:sldId id="352" r:id="rId12"/>
+    <p:sldId id="349" r:id="rId13"/>
+    <p:sldId id="341" r:id="rId14"/>
+    <p:sldId id="287" r:id="rId15"/>
   </p:sldIdLst>
   <p:sldSz cx="12192000" cy="6858000"/>
   <p:notesSz cx="6858000" cy="9144000"/>
@@ -243,6 +241,7 @@
           <a:p>
             <a:fld id="{D2A48B96-639E-45A3-A0BA-2464DFDB1FAA}" type="datetimeFigureOut">
               <a:rPr lang="zh-CN" altLang="en-US" smtClean="0"/>
+              <a:t>2025/12/8</a:t>
             </a:fld>
             <a:endParaRPr lang="zh-CN" altLang="en-US"/>
           </a:p>
@@ -306,42 +305,37 @@
           <a:p>
             <a:pPr lvl="0"/>
             <a:r>
-              <a:rPr lang="zh-CN" altLang="en-US" smtClean="0"/>
+              <a:rPr lang="zh-CN" altLang="en-US"/>
               <a:t>单击此处编辑母版文本样式</a:t>
             </a:r>
-            <a:endParaRPr lang="zh-CN" altLang="en-US" smtClean="0"/>
           </a:p>
           <a:p>
             <a:pPr lvl="1"/>
             <a:r>
-              <a:rPr lang="zh-CN" altLang="en-US" smtClean="0"/>
+              <a:rPr lang="zh-CN" altLang="en-US"/>
               <a:t>第二级</a:t>
             </a:r>
-            <a:endParaRPr lang="zh-CN" altLang="en-US" smtClean="0"/>
           </a:p>
           <a:p>
             <a:pPr lvl="2"/>
             <a:r>
-              <a:rPr lang="zh-CN" altLang="en-US" smtClean="0"/>
+              <a:rPr lang="zh-CN" altLang="en-US"/>
               <a:t>第三级</a:t>
             </a:r>
-            <a:endParaRPr lang="zh-CN" altLang="en-US" smtClean="0"/>
           </a:p>
           <a:p>
             <a:pPr lvl="3"/>
             <a:r>
-              <a:rPr lang="zh-CN" altLang="en-US" smtClean="0"/>
+              <a:rPr lang="zh-CN" altLang="en-US"/>
               <a:t>第四级</a:t>
             </a:r>
-            <a:endParaRPr lang="zh-CN" altLang="en-US" smtClean="0"/>
           </a:p>
           <a:p>
             <a:pPr lvl="4"/>
             <a:r>
-              <a:rPr lang="zh-CN" altLang="en-US" smtClean="0"/>
+              <a:rPr lang="zh-CN" altLang="en-US"/>
               <a:t>第五级</a:t>
             </a:r>
-            <a:endParaRPr lang="zh-CN" altLang="en-US"/>
           </a:p>
         </p:txBody>
       </p:sp>
@@ -405,6 +399,7 @@
           <a:p>
             <a:fld id="{A6837353-30EB-4A48-80EB-173D804AEFBD}" type="slidenum">
               <a:rPr lang="zh-CN" altLang="en-US" smtClean="0"/>
+              <a:t>‹#›</a:t>
             </a:fld>
             <a:endParaRPr lang="zh-CN" altLang="en-US"/>
           </a:p>
@@ -578,7 +573,6 @@
               <a:rPr lang="en-US"/>
               <a:t>Click to edit Master title style</a:t>
             </a:r>
-            <a:endParaRPr lang="en-US"/>
           </a:p>
         </p:txBody>
       </p:sp>
@@ -705,7 +699,6 @@
               <a:rPr lang="en-US"/>
               <a:t>Click to edit Master text styles</a:t>
             </a:r>
-            <a:endParaRPr lang="en-US"/>
           </a:p>
         </p:txBody>
       </p:sp>
@@ -740,7 +733,6 @@
               <a:rPr lang="en-US"/>
               <a:t>TU3C-2</a:t>
             </a:r>
-            <a:endParaRPr lang="en-US"/>
           </a:p>
         </p:txBody>
       </p:sp>
@@ -788,7 +780,6 @@
               <a:rPr lang="en-US"/>
               <a:t>Click to edit Master title style</a:t>
             </a:r>
-            <a:endParaRPr lang="en-US"/>
           </a:p>
         </p:txBody>
       </p:sp>
@@ -812,7 +803,6 @@
               <a:rPr lang="en-US"/>
               <a:t>Click to edit Master text styles</a:t>
             </a:r>
-            <a:endParaRPr lang="en-US"/>
           </a:p>
           <a:p>
             <a:pPr lvl="1"/>
@@ -820,7 +810,6 @@
               <a:rPr lang="en-US"/>
               <a:t>Second level</a:t>
             </a:r>
-            <a:endParaRPr lang="en-US"/>
           </a:p>
           <a:p>
             <a:pPr lvl="2"/>
@@ -828,7 +817,6 @@
               <a:rPr lang="en-US"/>
               <a:t>Third level</a:t>
             </a:r>
-            <a:endParaRPr lang="en-US"/>
           </a:p>
           <a:p>
             <a:pPr lvl="3"/>
@@ -836,7 +824,6 @@
               <a:rPr lang="en-US"/>
               <a:t>Fourth level</a:t>
             </a:r>
-            <a:endParaRPr lang="en-US"/>
           </a:p>
           <a:p>
             <a:pPr lvl="4"/>
@@ -844,7 +831,6 @@
               <a:rPr lang="en-US"/>
               <a:t>Fifth level</a:t>
             </a:r>
-            <a:endParaRPr lang="en-US"/>
           </a:p>
         </p:txBody>
       </p:sp>
@@ -879,7 +865,6 @@
               <a:rPr lang="en-US"/>
               <a:t>TU3C-2</a:t>
             </a:r>
-            <a:endParaRPr lang="en-US"/>
           </a:p>
         </p:txBody>
       </p:sp>
@@ -932,7 +917,6 @@
               <a:rPr lang="en-US"/>
               <a:t>Click to edit Master title style</a:t>
             </a:r>
-            <a:endParaRPr lang="en-US"/>
           </a:p>
         </p:txBody>
       </p:sp>
@@ -961,7 +945,6 @@
               <a:rPr lang="en-US"/>
               <a:t>Click to edit Master text styles</a:t>
             </a:r>
-            <a:endParaRPr lang="en-US"/>
           </a:p>
           <a:p>
             <a:pPr lvl="1"/>
@@ -969,7 +952,6 @@
               <a:rPr lang="en-US"/>
               <a:t>Second level</a:t>
             </a:r>
-            <a:endParaRPr lang="en-US"/>
           </a:p>
           <a:p>
             <a:pPr lvl="2"/>
@@ -977,7 +959,6 @@
               <a:rPr lang="en-US"/>
               <a:t>Third level</a:t>
             </a:r>
-            <a:endParaRPr lang="en-US"/>
           </a:p>
           <a:p>
             <a:pPr lvl="3"/>
@@ -985,7 +966,6 @@
               <a:rPr lang="en-US"/>
               <a:t>Fourth level</a:t>
             </a:r>
-            <a:endParaRPr lang="en-US"/>
           </a:p>
           <a:p>
             <a:pPr lvl="4"/>
@@ -993,7 +973,6 @@
               <a:rPr lang="en-US"/>
               <a:t>Fifth level</a:t>
             </a:r>
-            <a:endParaRPr lang="en-US"/>
           </a:p>
         </p:txBody>
       </p:sp>
@@ -1028,7 +1007,6 @@
               <a:rPr lang="en-US"/>
               <a:t>TU3C-2</a:t>
             </a:r>
-            <a:endParaRPr lang="en-US"/>
           </a:p>
         </p:txBody>
       </p:sp>
@@ -1106,7 +1084,6 @@
               <a:rPr lang="en-US"/>
               <a:t>Click to edit Master title style</a:t>
             </a:r>
-            <a:endParaRPr lang="en-US"/>
           </a:p>
         </p:txBody>
       </p:sp>
@@ -1225,7 +1202,6 @@
               <a:rPr lang="en-US"/>
               <a:t>Click to edit Master subtitle style</a:t>
             </a:r>
-            <a:endParaRPr lang="en-US"/>
           </a:p>
         </p:txBody>
       </p:sp>
@@ -1260,7 +1236,6 @@
               <a:rPr lang="en-US"/>
               <a:t>TU3C-2</a:t>
             </a:r>
-            <a:endParaRPr lang="en-US"/>
           </a:p>
         </p:txBody>
       </p:sp>
@@ -1308,7 +1283,6 @@
               <a:rPr lang="en-US" dirty="0"/>
               <a:t>Click to edit Master title style</a:t>
             </a:r>
-            <a:endParaRPr lang="en-US" dirty="0"/>
           </a:p>
         </p:txBody>
       </p:sp>
@@ -1332,7 +1306,6 @@
               <a:rPr lang="en-US"/>
               <a:t>Click to edit Master text styles</a:t>
             </a:r>
-            <a:endParaRPr lang="en-US"/>
           </a:p>
           <a:p>
             <a:pPr lvl="1"/>
@@ -1340,7 +1313,6 @@
               <a:rPr lang="en-US"/>
               <a:t>Second level</a:t>
             </a:r>
-            <a:endParaRPr lang="en-US"/>
           </a:p>
           <a:p>
             <a:pPr lvl="2"/>
@@ -1348,7 +1320,6 @@
               <a:rPr lang="en-US"/>
               <a:t>Third level</a:t>
             </a:r>
-            <a:endParaRPr lang="en-US"/>
           </a:p>
           <a:p>
             <a:pPr lvl="3"/>
@@ -1356,7 +1327,6 @@
               <a:rPr lang="en-US"/>
               <a:t>Fourth level</a:t>
             </a:r>
-            <a:endParaRPr lang="en-US"/>
           </a:p>
           <a:p>
             <a:pPr lvl="4"/>
@@ -1364,7 +1334,6 @@
               <a:rPr lang="en-US"/>
               <a:t>Fifth level</a:t>
             </a:r>
-            <a:endParaRPr lang="en-US"/>
           </a:p>
         </p:txBody>
       </p:sp>
@@ -1395,7 +1364,6 @@
               <a:rPr lang="en-US"/>
               <a:t>TU3C-2</a:t>
             </a:r>
-            <a:endParaRPr lang="en-US"/>
           </a:p>
         </p:txBody>
       </p:sp>
@@ -1452,7 +1420,6 @@
               <a:rPr lang="en-US"/>
               <a:t>Click to edit Master title style</a:t>
             </a:r>
-            <a:endParaRPr lang="en-US"/>
           </a:p>
         </p:txBody>
       </p:sp>
@@ -1572,7 +1539,6 @@
               <a:rPr lang="en-US"/>
               <a:t>Click to edit Master text styles</a:t>
             </a:r>
-            <a:endParaRPr lang="en-US"/>
           </a:p>
         </p:txBody>
       </p:sp>
@@ -1603,7 +1569,6 @@
               <a:rPr lang="en-US"/>
               <a:t>TU3C-2</a:t>
             </a:r>
-            <a:endParaRPr lang="en-US"/>
           </a:p>
         </p:txBody>
       </p:sp>
@@ -1651,7 +1616,6 @@
               <a:rPr lang="en-US"/>
               <a:t>Click to edit Master title style</a:t>
             </a:r>
-            <a:endParaRPr lang="en-US"/>
           </a:p>
         </p:txBody>
       </p:sp>
@@ -1708,7 +1672,6 @@
               <a:rPr lang="en-US"/>
               <a:t>Click to edit Master text styles</a:t>
             </a:r>
-            <a:endParaRPr lang="en-US"/>
           </a:p>
           <a:p>
             <a:pPr lvl="1"/>
@@ -1716,7 +1679,6 @@
               <a:rPr lang="en-US"/>
               <a:t>Second level</a:t>
             </a:r>
-            <a:endParaRPr lang="en-US"/>
           </a:p>
           <a:p>
             <a:pPr lvl="2"/>
@@ -1724,7 +1686,6 @@
               <a:rPr lang="en-US"/>
               <a:t>Third level</a:t>
             </a:r>
-            <a:endParaRPr lang="en-US"/>
           </a:p>
           <a:p>
             <a:pPr lvl="3"/>
@@ -1732,7 +1693,6 @@
               <a:rPr lang="en-US"/>
               <a:t>Fourth level</a:t>
             </a:r>
-            <a:endParaRPr lang="en-US"/>
           </a:p>
           <a:p>
             <a:pPr lvl="4"/>
@@ -1740,7 +1700,6 @@
               <a:rPr lang="en-US"/>
               <a:t>Fifth level</a:t>
             </a:r>
-            <a:endParaRPr lang="en-US"/>
           </a:p>
         </p:txBody>
       </p:sp>
@@ -1797,7 +1756,6 @@
               <a:rPr lang="en-US"/>
               <a:t>Click to edit Master text styles</a:t>
             </a:r>
-            <a:endParaRPr lang="en-US"/>
           </a:p>
           <a:p>
             <a:pPr lvl="1"/>
@@ -1805,7 +1763,6 @@
               <a:rPr lang="en-US"/>
               <a:t>Second level</a:t>
             </a:r>
-            <a:endParaRPr lang="en-US"/>
           </a:p>
           <a:p>
             <a:pPr lvl="2"/>
@@ -1813,7 +1770,6 @@
               <a:rPr lang="en-US"/>
               <a:t>Third level</a:t>
             </a:r>
-            <a:endParaRPr lang="en-US"/>
           </a:p>
           <a:p>
             <a:pPr lvl="3"/>
@@ -1821,7 +1777,6 @@
               <a:rPr lang="en-US"/>
               <a:t>Fourth level</a:t>
             </a:r>
-            <a:endParaRPr lang="en-US"/>
           </a:p>
           <a:p>
             <a:pPr lvl="4"/>
@@ -1829,7 +1784,6 @@
               <a:rPr lang="en-US"/>
               <a:t>Fifth level</a:t>
             </a:r>
-            <a:endParaRPr lang="en-US"/>
           </a:p>
         </p:txBody>
       </p:sp>
@@ -1860,7 +1814,6 @@
               <a:rPr lang="en-US"/>
               <a:t>TU3C-2</a:t>
             </a:r>
-            <a:endParaRPr lang="en-US"/>
           </a:p>
         </p:txBody>
       </p:sp>
@@ -1912,7 +1865,6 @@
               <a:rPr lang="en-US"/>
               <a:t>Click to edit Master title style</a:t>
             </a:r>
-            <a:endParaRPr lang="en-US"/>
           </a:p>
         </p:txBody>
       </p:sp>
@@ -1978,7 +1930,6 @@
               <a:rPr lang="en-US"/>
               <a:t>Click to edit Master text styles</a:t>
             </a:r>
-            <a:endParaRPr lang="en-US"/>
           </a:p>
         </p:txBody>
       </p:sp>
@@ -2035,7 +1986,6 @@
               <a:rPr lang="en-US"/>
               <a:t>Click to edit Master text styles</a:t>
             </a:r>
-            <a:endParaRPr lang="en-US"/>
           </a:p>
           <a:p>
             <a:pPr lvl="1"/>
@@ -2043,7 +1993,6 @@
               <a:rPr lang="en-US"/>
               <a:t>Second level</a:t>
             </a:r>
-            <a:endParaRPr lang="en-US"/>
           </a:p>
           <a:p>
             <a:pPr lvl="2"/>
@@ -2051,7 +2000,6 @@
               <a:rPr lang="en-US"/>
               <a:t>Third level</a:t>
             </a:r>
-            <a:endParaRPr lang="en-US"/>
           </a:p>
           <a:p>
             <a:pPr lvl="3"/>
@@ -2059,7 +2007,6 @@
               <a:rPr lang="en-US"/>
               <a:t>Fourth level</a:t>
             </a:r>
-            <a:endParaRPr lang="en-US"/>
           </a:p>
           <a:p>
             <a:pPr lvl="4"/>
@@ -2067,7 +2014,6 @@
               <a:rPr lang="en-US"/>
               <a:t>Fifth level</a:t>
             </a:r>
-            <a:endParaRPr lang="en-US"/>
           </a:p>
         </p:txBody>
       </p:sp>
@@ -2133,7 +2079,6 @@
               <a:rPr lang="en-US"/>
               <a:t>Click to edit Master text styles</a:t>
             </a:r>
-            <a:endParaRPr lang="en-US"/>
           </a:p>
         </p:txBody>
       </p:sp>
@@ -2190,7 +2135,6 @@
               <a:rPr lang="en-US"/>
               <a:t>Click to edit Master text styles</a:t>
             </a:r>
-            <a:endParaRPr lang="en-US"/>
           </a:p>
           <a:p>
             <a:pPr lvl="1"/>
@@ -2198,7 +2142,6 @@
               <a:rPr lang="en-US"/>
               <a:t>Second level</a:t>
             </a:r>
-            <a:endParaRPr lang="en-US"/>
           </a:p>
           <a:p>
             <a:pPr lvl="2"/>
@@ -2206,7 +2149,6 @@
               <a:rPr lang="en-US"/>
               <a:t>Third level</a:t>
             </a:r>
-            <a:endParaRPr lang="en-US"/>
           </a:p>
           <a:p>
             <a:pPr lvl="3"/>
@@ -2214,7 +2156,6 @@
               <a:rPr lang="en-US"/>
               <a:t>Fourth level</a:t>
             </a:r>
-            <a:endParaRPr lang="en-US"/>
           </a:p>
           <a:p>
             <a:pPr lvl="4"/>
@@ -2222,7 +2163,6 @@
               <a:rPr lang="en-US"/>
               <a:t>Fifth level</a:t>
             </a:r>
-            <a:endParaRPr lang="en-US"/>
           </a:p>
         </p:txBody>
       </p:sp>
@@ -2280,7 +2220,6 @@
               <a:rPr lang="en-US"/>
               <a:t>TU3C-2</a:t>
             </a:r>
-            <a:endParaRPr lang="en-US"/>
           </a:p>
         </p:txBody>
       </p:sp>
@@ -2328,7 +2267,6 @@
               <a:rPr lang="en-US"/>
               <a:t>Click to edit Master title style</a:t>
             </a:r>
-            <a:endParaRPr lang="en-US"/>
           </a:p>
         </p:txBody>
       </p:sp>
@@ -2363,7 +2301,6 @@
               <a:rPr lang="en-US"/>
               <a:t>TU3C-2</a:t>
             </a:r>
-            <a:endParaRPr lang="en-US"/>
           </a:p>
         </p:txBody>
       </p:sp>
@@ -2450,7 +2387,6 @@
               <a:rPr lang="en-US"/>
               <a:t>TU3C-2</a:t>
             </a:r>
-            <a:endParaRPr lang="en-US"/>
           </a:p>
         </p:txBody>
       </p:sp>
@@ -2507,7 +2443,6 @@
               <a:rPr lang="en-US"/>
               <a:t>Click to edit Master title style</a:t>
             </a:r>
-            <a:endParaRPr lang="en-US"/>
           </a:p>
         </p:txBody>
       </p:sp>
@@ -2564,7 +2499,6 @@
               <a:rPr lang="en-US"/>
               <a:t>Click to edit Master text styles</a:t>
             </a:r>
-            <a:endParaRPr lang="en-US"/>
           </a:p>
           <a:p>
             <a:pPr lvl="1"/>
@@ -2572,7 +2506,6 @@
               <a:rPr lang="en-US"/>
               <a:t>Second level</a:t>
             </a:r>
-            <a:endParaRPr lang="en-US"/>
           </a:p>
           <a:p>
             <a:pPr lvl="2"/>
@@ -2580,7 +2513,6 @@
               <a:rPr lang="en-US"/>
               <a:t>Third level</a:t>
             </a:r>
-            <a:endParaRPr lang="en-US"/>
           </a:p>
           <a:p>
             <a:pPr lvl="3"/>
@@ -2588,7 +2520,6 @@
               <a:rPr lang="en-US"/>
               <a:t>Fourth level</a:t>
             </a:r>
-            <a:endParaRPr lang="en-US"/>
           </a:p>
           <a:p>
             <a:pPr lvl="4"/>
@@ -2596,7 +2527,6 @@
               <a:rPr lang="en-US"/>
               <a:t>Fifth level</a:t>
             </a:r>
-            <a:endParaRPr lang="en-US"/>
           </a:p>
         </p:txBody>
       </p:sp>
@@ -2662,7 +2592,6 @@
               <a:rPr lang="en-US"/>
               <a:t>Click to edit Master text styles</a:t>
             </a:r>
-            <a:endParaRPr lang="en-US"/>
           </a:p>
         </p:txBody>
       </p:sp>
@@ -2697,7 +2626,6 @@
               <a:rPr lang="en-US"/>
               <a:t>TU3C-2</a:t>
             </a:r>
-            <a:endParaRPr lang="en-US"/>
           </a:p>
         </p:txBody>
       </p:sp>
@@ -3065,11 +2993,11 @@
             <p:nvPr userDrawn="1"/>
           </p:nvPicPr>
           <p:blipFill>
-            <a:blip r:embed="rId12">
+            <a:blip r:embed="rId13">
               <a:extLst>
                 <a:ext uri="{BEBA8EAE-BF5A-486C-A8C5-ECC9F3942E4B}">
                   <a14:imgProps xmlns:a14="http://schemas.microsoft.com/office/drawing/2010/main">
-                    <a14:imgLayer r:embed="rId13">
+                    <a14:imgLayer r:embed="rId14">
                       <a14:imgEffect>
                         <a14:backgroundRemoval t="400" b="90000" l="1900" r="99300">
                           <a14:foregroundMark x1="99333" y1="622" x2="99333" y2="622"/>
@@ -3108,11 +3036,11 @@
             <p:nvPr userDrawn="1"/>
           </p:nvPicPr>
           <p:blipFill rotWithShape="1">
-            <a:blip r:embed="rId12">
+            <a:blip r:embed="rId13">
               <a:extLst>
                 <a:ext uri="{BEBA8EAE-BF5A-486C-A8C5-ECC9F3942E4B}">
                   <a14:imgProps xmlns:a14="http://schemas.microsoft.com/office/drawing/2010/main">
-                    <a14:imgLayer r:embed="rId13">
+                    <a14:imgLayer r:embed="rId14">
                       <a14:imgEffect>
                         <a14:backgroundRemoval t="400" b="90000" l="1900" r="99300">
                           <a14:foregroundMark x1="99333" y1="622" x2="99333" y2="622"/>
@@ -3173,7 +3101,6 @@
               <a:rPr lang="en-US" dirty="0"/>
               <a:t>Click to edit Master title style</a:t>
             </a:r>
-            <a:endParaRPr lang="en-US" dirty="0"/>
           </a:p>
         </p:txBody>
       </p:sp>
@@ -3207,7 +3134,6 @@
               <a:rPr lang="en-US" dirty="0"/>
               <a:t>Click to edit Master text styles</a:t>
             </a:r>
-            <a:endParaRPr lang="en-US" dirty="0"/>
           </a:p>
           <a:p>
             <a:pPr lvl="1"/>
@@ -3215,7 +3141,6 @@
               <a:rPr lang="en-US" dirty="0"/>
               <a:t>Second level</a:t>
             </a:r>
-            <a:endParaRPr lang="en-US" dirty="0"/>
           </a:p>
           <a:p>
             <a:pPr lvl="2"/>
@@ -3223,7 +3148,6 @@
               <a:rPr lang="en-US" dirty="0"/>
               <a:t>Third level</a:t>
             </a:r>
-            <a:endParaRPr lang="en-US" dirty="0"/>
           </a:p>
           <a:p>
             <a:pPr lvl="3"/>
@@ -3231,7 +3155,6 @@
               <a:rPr lang="en-US" dirty="0"/>
               <a:t>Fourth level</a:t>
             </a:r>
-            <a:endParaRPr lang="en-US" dirty="0"/>
           </a:p>
           <a:p>
             <a:pPr lvl="4"/>
@@ -3239,43 +3162,12 @@
               <a:rPr lang="en-US" dirty="0"/>
               <a:t>Fifth level</a:t>
             </a:r>
-            <a:endParaRPr lang="en-US" dirty="0"/>
           </a:p>
         </p:txBody>
       </p:sp>
       <p:pic>
         <p:nvPicPr>
           <p:cNvPr id="5" name="Picture 4"/>
-          <p:cNvPicPr>
-            <a:picLocks noChangeAspect="1"/>
-          </p:cNvPicPr>
-          <p:nvPr userDrawn="1"/>
-        </p:nvPicPr>
-        <p:blipFill>
-          <a:blip r:embed="rId14" cstate="print">
-            <a:extLst>
-              <a:ext uri="{28A0092B-C50C-407E-A947-70E740481C1C}">
-                <a14:useLocalDpi xmlns:a14="http://schemas.microsoft.com/office/drawing/2010/main" val="0"/>
-              </a:ext>
-            </a:extLst>
-          </a:blip>
-          <a:stretch>
-            <a:fillRect/>
-          </a:stretch>
-        </p:blipFill>
-        <p:spPr>
-          <a:xfrm>
-            <a:off x="1" y="-10304"/>
-            <a:ext cx="1814284" cy="457200"/>
-          </a:xfrm>
-          <a:prstGeom prst="rect">
-            <a:avLst/>
-          </a:prstGeom>
-        </p:spPr>
-      </p:pic>
-      <p:pic>
-        <p:nvPicPr>
-          <p:cNvPr id="6" name="Picture 5"/>
           <p:cNvPicPr>
             <a:picLocks noChangeAspect="1"/>
           </p:cNvPicPr>
@@ -3295,6 +3187,36 @@
         </p:blipFill>
         <p:spPr>
           <a:xfrm>
+            <a:off x="1" y="-10304"/>
+            <a:ext cx="1814284" cy="457200"/>
+          </a:xfrm>
+          <a:prstGeom prst="rect">
+            <a:avLst/>
+          </a:prstGeom>
+        </p:spPr>
+      </p:pic>
+      <p:pic>
+        <p:nvPicPr>
+          <p:cNvPr id="6" name="Picture 5"/>
+          <p:cNvPicPr>
+            <a:picLocks noChangeAspect="1"/>
+          </p:cNvPicPr>
+          <p:nvPr userDrawn="1"/>
+        </p:nvPicPr>
+        <p:blipFill>
+          <a:blip r:embed="rId16" cstate="print">
+            <a:extLst>
+              <a:ext uri="{28A0092B-C50C-407E-A947-70E740481C1C}">
+                <a14:useLocalDpi xmlns:a14="http://schemas.microsoft.com/office/drawing/2010/main" val="0"/>
+              </a:ext>
+            </a:extLst>
+          </a:blip>
+          <a:stretch>
+            <a:fillRect/>
+          </a:stretch>
+        </p:blipFill>
+        <p:spPr>
+          <a:xfrm>
             <a:off x="1695751" y="103996"/>
             <a:ext cx="529047" cy="274320"/>
           </a:xfrm>
@@ -3331,6 +3253,7 @@
                   <a:schemeClr val="tx1"/>
                 </a:solidFill>
               </a:rPr>
+              <a:t>‹#›</a:t>
             </a:fld>
             <a:endParaRPr lang="en-US" sz="1400" dirty="0">
               <a:solidFill>
@@ -3371,7 +3294,6 @@
               <a:rPr lang="en-US"/>
               <a:t>TU3C-2</a:t>
             </a:r>
-            <a:endParaRPr lang="en-US"/>
           </a:p>
         </p:txBody>
       </p:sp>
@@ -3384,7 +3306,7 @@
           <p:nvPr userDrawn="1"/>
         </p:nvPicPr>
         <p:blipFill>
-          <a:blip r:embed="rId16">
+          <a:blip r:embed="rId17">
             <a:extLst>
               <a:ext uri="{28A0092B-C50C-407E-A947-70E740481C1C}">
                 <a14:useLocalDpi xmlns:a14="http://schemas.microsoft.com/office/drawing/2010/main" val="0"/>
@@ -3460,12 +3382,6 @@
               </a:rPr>
               <a:t>IMS</a:t>
             </a:r>
-            <a:endParaRPr lang="en-US" sz="2400" dirty="0">
-              <a:solidFill>
-                <a:schemeClr val="bg1"/>
-              </a:solidFill>
-              <a:latin typeface="+mj-lt"/>
-            </a:endParaRPr>
           </a:p>
         </p:txBody>
       </p:sp>
@@ -3478,7 +3394,7 @@
           <p:nvPr userDrawn="1"/>
         </p:nvPicPr>
         <p:blipFill rotWithShape="1">
-          <a:blip r:embed="rId17"/>
+          <a:blip r:embed="rId18"/>
           <a:srcRect l="75099" t="89739" r="1372" b="2026"/>
           <a:stretch>
             <a:fillRect/>
@@ -4101,10 +4017,10 @@
           <p:nvPr/>
         </p:nvPicPr>
         <p:blipFill>
-          <a:blip r:embed="rId1">
+          <a:blip r:embed="rId2">
             <a:extLst>
               <a:ext uri="{96DAC541-7B7A-43D3-8B79-37D633B846F1}">
-                <asvg:svgBlip xmlns:asvg="http://schemas.microsoft.com/office/drawing/2016/SVG/main" r:embed="rId2"/>
+                <asvg:svgBlip xmlns:asvg="http://schemas.microsoft.com/office/drawing/2016/SVG/main" r:embed="rId3"/>
               </a:ext>
             </a:extLst>
           </a:blip>
@@ -4131,13 +4047,13 @@
           <p:nvPr/>
         </p:nvPicPr>
         <p:blipFill>
-          <a:blip r:embed="rId3">
+          <a:blip r:embed="rId4">
             <a:extLst>
               <a:ext uri="{28A0092B-C50C-407E-A947-70E740481C1C}">
                 <a14:useLocalDpi xmlns:a14="http://schemas.microsoft.com/office/drawing/2010/main" val="0"/>
               </a:ext>
               <a:ext uri="{96DAC541-7B7A-43D3-8B79-37D633B846F1}">
-                <asvg:svgBlip xmlns:asvg="http://schemas.microsoft.com/office/drawing/2016/SVG/main" r:embed="rId4"/>
+                <asvg:svgBlip xmlns:asvg="http://schemas.microsoft.com/office/drawing/2016/SVG/main" r:embed="rId5"/>
               </a:ext>
             </a:extLst>
           </a:blip>
@@ -4208,17 +4124,6 @@
               </a:rPr>
               <a:t>Project Proposal</a:t>
             </a:r>
-            <a:endParaRPr kumimoji="0" lang="en-US" altLang="zh-CN" sz="4000" i="0" u="none" strike="noStrike" kern="1200" cap="none" spc="300" normalizeH="0" baseline="0" noProof="0" dirty="0">
-              <a:ln>
-                <a:noFill/>
-              </a:ln>
-              <a:effectLst/>
-              <a:uLnTx/>
-              <a:uFillTx/>
-              <a:latin typeface="Times New Roman" panose="02020603050405020304" charset="0"/>
-              <a:ea typeface="思源黑体 CN Light" panose="020B0300000000000000" pitchFamily="34" charset="-122"/>
-              <a:cs typeface="Times New Roman" panose="02020603050405020304" charset="0"/>
-            </a:endParaRPr>
           </a:p>
           <a:p>
             <a:pPr marL="0" marR="0" lvl="0" indent="0" algn="ctr" defTabSz="914400" rtl="0" eaLnBrk="1" fontAlgn="auto" latinLnBrk="0" hangingPunct="1">
@@ -4254,20 +4159,6 @@
               </a:rPr>
               <a:t>Evolutionary Neural Architecture Search </a:t>
             </a:r>
-            <a:endParaRPr kumimoji="0" lang="en-US" altLang="zh-CN" sz="4000" i="0" u="none" strike="noStrike" kern="1200" cap="none" spc="300" normalizeH="0" baseline="0" noProof="0" dirty="0">
-              <a:ln>
-                <a:noFill/>
-              </a:ln>
-              <a:solidFill>
-                <a:srgbClr val="2BB7B3"/>
-              </a:solidFill>
-              <a:effectLst/>
-              <a:uLnTx/>
-              <a:uFillTx/>
-              <a:latin typeface="Times New Roman" panose="02020603050405020304" charset="0"/>
-              <a:ea typeface="思源黑体 CN Light" panose="020B0300000000000000" pitchFamily="34" charset="-122"/>
-              <a:cs typeface="Times New Roman" panose="02020603050405020304" charset="0"/>
-            </a:endParaRPr>
           </a:p>
           <a:p>
             <a:pPr marL="0" marR="0" lvl="0" indent="0" algn="ctr" defTabSz="914400" rtl="0" eaLnBrk="1" fontAlgn="auto" latinLnBrk="0" hangingPunct="1">
@@ -4303,20 +4194,6 @@
               </a:rPr>
               <a:t>Based on NAS-Bench-101</a:t>
             </a:r>
-            <a:endParaRPr kumimoji="0" lang="en-US" altLang="zh-CN" sz="4000" i="0" u="none" strike="noStrike" kern="1200" cap="none" spc="300" normalizeH="0" baseline="0" noProof="0" dirty="0">
-              <a:ln>
-                <a:noFill/>
-              </a:ln>
-              <a:solidFill>
-                <a:srgbClr val="2BB7B3"/>
-              </a:solidFill>
-              <a:effectLst/>
-              <a:uLnTx/>
-              <a:uFillTx/>
-              <a:latin typeface="Times New Roman" panose="02020603050405020304" charset="0"/>
-              <a:ea typeface="思源黑体 CN Light" panose="020B0300000000000000" pitchFamily="34" charset="-122"/>
-              <a:cs typeface="Times New Roman" panose="02020603050405020304" charset="0"/>
-            </a:endParaRPr>
           </a:p>
         </p:txBody>
       </p:sp>
@@ -4403,10 +4280,10 @@
           <p:nvPr/>
         </p:nvPicPr>
         <p:blipFill>
-          <a:blip r:embed="rId5">
+          <a:blip r:embed="rId6">
             <a:extLst>
               <a:ext uri="{96DAC541-7B7A-43D3-8B79-37D633B846F1}">
-                <asvg:svgBlip xmlns:asvg="http://schemas.microsoft.com/office/drawing/2016/SVG/main" r:embed="rId6"/>
+                <asvg:svgBlip xmlns:asvg="http://schemas.microsoft.com/office/drawing/2016/SVG/main" r:embed="rId7"/>
               </a:ext>
             </a:extLst>
           </a:blip>
@@ -4632,16 +4509,6 @@
               </a:rPr>
               <a:t>540020</a:t>
             </a:r>
-            <a:endParaRPr lang="en-US" altLang="zh-CN" sz="2000" spc="300" dirty="0">
-              <a:solidFill>
-                <a:schemeClr val="bg2">
-                  <a:lumMod val="10000"/>
-                </a:schemeClr>
-              </a:solidFill>
-              <a:latin typeface="Times New Roman" panose="02020603050405020304" charset="0"/>
-              <a:ea typeface="思源黑体 CN Light" panose="020B0300000000000000" pitchFamily="34" charset="-122"/>
-              <a:cs typeface="Times New Roman" panose="02020603050405020304" charset="0"/>
-            </a:endParaRPr>
           </a:p>
           <a:p>
             <a:pPr marL="0" marR="0" lvl="0" indent="0" algn="ctr" defTabSz="914400" rtl="0" eaLnBrk="1" fontAlgn="auto" latinLnBrk="0" hangingPunct="1">
@@ -4698,22 +4565,6 @@
               </a:rPr>
               <a:t>12532567</a:t>
             </a:r>
-            <a:endParaRPr kumimoji="0" lang="en-US" altLang="zh-CN" sz="2000" b="0" i="0" u="none" strike="noStrike" kern="1200" cap="none" spc="300" normalizeH="0" baseline="0" noProof="0" dirty="0">
-              <a:ln>
-                <a:noFill/>
-              </a:ln>
-              <a:solidFill>
-                <a:schemeClr val="bg2">
-                  <a:lumMod val="10000"/>
-                </a:schemeClr>
-              </a:solidFill>
-              <a:effectLst/>
-              <a:uLnTx/>
-              <a:uFillTx/>
-              <a:latin typeface="Times New Roman" panose="02020603050405020304" charset="0"/>
-              <a:ea typeface="思源黑体 CN Light" panose="020B0300000000000000" pitchFamily="34" charset="-122"/>
-              <a:cs typeface="Times New Roman" panose="02020603050405020304" charset="0"/>
-            </a:endParaRPr>
           </a:p>
           <a:p>
             <a:pPr marL="0" marR="0" lvl="0" indent="0" algn="ctr" defTabSz="914400" rtl="0" eaLnBrk="1" fontAlgn="auto" latinLnBrk="0" hangingPunct="1">
@@ -4992,7 +4843,7 @@
           <p:nvPr/>
         </p:nvPicPr>
         <p:blipFill rotWithShape="1">
-          <a:blip r:embed="rId1"/>
+          <a:blip r:embed="rId2"/>
           <a:srcRect b="30952"/>
           <a:stretch>
             <a:fillRect/>
@@ -5017,10 +4868,10 @@
           <p:nvPr/>
         </p:nvPicPr>
         <p:blipFill>
-          <a:blip r:embed="rId2">
+          <a:blip r:embed="rId3">
             <a:extLst>
               <a:ext uri="{96DAC541-7B7A-43D3-8B79-37D633B846F1}">
-                <asvg:svgBlip xmlns:asvg="http://schemas.microsoft.com/office/drawing/2016/SVG/main" r:embed="rId3"/>
+                <asvg:svgBlip xmlns:asvg="http://schemas.microsoft.com/office/drawing/2016/SVG/main" r:embed="rId4"/>
               </a:ext>
             </a:extLst>
           </a:blip>
@@ -5046,8 +4897,8 @@
         </p:nvSpPr>
         <p:spPr>
           <a:xfrm>
-            <a:off x="515938" y="560070"/>
-            <a:ext cx="3802380" cy="645160"/>
+            <a:off x="516255" y="560070"/>
+            <a:ext cx="4444365" cy="645160"/>
           </a:xfrm>
           <a:prstGeom prst="rect">
             <a:avLst/>
@@ -5055,7 +4906,7 @@
           <a:noFill/>
         </p:spPr>
         <p:txBody>
-          <a:bodyPr wrap="none" rtlCol="0">
+          <a:bodyPr wrap="square" rtlCol="0">
             <a:spAutoFit/>
           </a:bodyPr>
           <a:lstStyle/>
@@ -5077,43 +4928,35 @@
               <a:defRPr/>
             </a:pPr>
             <a:r>
-              <a:rPr lang="en-US" altLang="zh-CN" sz="3600" spc="300" dirty="0">
+              <a:rPr kumimoji="0" lang="en-US" altLang="zh-CN" sz="3600" b="0" i="0" u="none" strike="noStrike" kern="1200" cap="none" spc="300" normalizeH="0" baseline="0" noProof="0" dirty="0">
+                <a:ln>
+                  <a:noFill/>
+                </a:ln>
                 <a:solidFill>
                   <a:srgbClr val="003F43"/>
                 </a:solidFill>
+                <a:effectLst/>
+                <a:uLnTx/>
+                <a:uFillTx/>
                 <a:latin typeface="Times New Roman" panose="02020603050405020304" charset="0"/>
                 <a:ea typeface="思源黑体 CN Bold" panose="020B0800000000000000" pitchFamily="34" charset="-122"/>
                 <a:cs typeface="Times New Roman" panose="02020603050405020304" charset="0"/>
               </a:rPr>
-              <a:t>Expected results</a:t>
-            </a:r>
-            <a:endParaRPr kumimoji="0" lang="en-US" altLang="zh-CN" sz="3600" b="0" i="0" u="none" strike="noStrike" kern="1200" cap="none" spc="300" normalizeH="0" baseline="0" noProof="0" dirty="0">
-              <a:ln>
-                <a:noFill/>
-              </a:ln>
-              <a:solidFill>
-                <a:srgbClr val="003F43"/>
-              </a:solidFill>
-              <a:effectLst/>
-              <a:uLnTx/>
-              <a:uFillTx/>
-              <a:latin typeface="Times New Roman" panose="02020603050405020304" charset="0"/>
-              <a:ea typeface="思源黑体 CN Bold" panose="020B0800000000000000" pitchFamily="34" charset="-122"/>
-              <a:cs typeface="Times New Roman" panose="02020603050405020304" charset="0"/>
-            </a:endParaRPr>
+              <a:t>Future Work</a:t>
+            </a:r>
           </a:p>
         </p:txBody>
       </p:sp>
       <p:sp>
         <p:nvSpPr>
-          <p:cNvPr id="3" name="文本框 2"/>
+          <p:cNvPr id="6" name="文本框 5"/>
           <p:cNvSpPr txBox="1"/>
           <p:nvPr/>
         </p:nvSpPr>
         <p:spPr>
           <a:xfrm>
-            <a:off x="685165" y="1627505"/>
-            <a:ext cx="8560435" cy="4219575"/>
+            <a:off x="1034415" y="1620520"/>
+            <a:ext cx="8260715" cy="4521559"/>
           </a:xfrm>
           <a:prstGeom prst="rect">
             <a:avLst/>
@@ -5122,13 +4965,23 @@
         </p:spPr>
         <p:txBody>
           <a:bodyPr wrap="square" rtlCol="0">
-            <a:noAutofit/>
+            <a:spAutoFit/>
           </a:bodyPr>
           <a:lstStyle/>
           <a:p>
-            <a:pPr lvl="1"/>
-            <a:r>
-              <a:rPr lang="en-US" altLang="zh-CN" sz="2400" dirty="0">
+            <a:pPr marL="457200" lvl="0" indent="-457200">
+              <a:lnSpc>
+                <a:spcPct val="150000"/>
+              </a:lnSpc>
+              <a:spcBef>
+                <a:spcPts val="1200"/>
+              </a:spcBef>
+              <a:buFont typeface="Arial" panose="020B0604020202020204" pitchFamily="34" charset="0"/>
+              <a:buChar char="•"/>
+              <a:defRPr/>
+            </a:pPr>
+            <a:r>
+              <a:rPr lang="en-US" altLang="zh-CN" sz="2800" dirty="0">
                 <a:solidFill>
                   <a:schemeClr val="bg2">
                     <a:lumMod val="10000"/>
@@ -5138,9 +4991,22 @@
                 <a:ea typeface="思源黑体 CN Bold" panose="020B0800000000000000"/>
                 <a:cs typeface="Times New Roman" panose="02020603050405020304" charset="0"/>
               </a:rPr>
-              <a:t>The population, which is a sound representation of the problem space, engages in the generation of new populations (solutions) through mechanisms such as crossover, mutation, and tournament selection.</a:t>
-            </a:r>
-            <a:endParaRPr lang="en-US" altLang="zh-CN" sz="2400" dirty="0">
+              <a:t>Explore multi-objective optimization</a:t>
+            </a:r>
+          </a:p>
+          <a:p>
+            <a:pPr marL="457200" lvl="0" indent="-457200">
+              <a:lnSpc>
+                <a:spcPct val="150000"/>
+              </a:lnSpc>
+              <a:spcBef>
+                <a:spcPts val="1200"/>
+              </a:spcBef>
+              <a:buFont typeface="Arial" panose="020B0604020202020204" pitchFamily="34" charset="0"/>
+              <a:buChar char="•"/>
+              <a:defRPr/>
+            </a:pPr>
+            <a:endParaRPr lang="en-US" altLang="zh-CN" sz="2800" dirty="0">
               <a:solidFill>
                 <a:schemeClr val="bg2">
                   <a:lumMod val="10000"/>
@@ -5152,8 +5018,18 @@
             </a:endParaRPr>
           </a:p>
           <a:p>
-            <a:pPr lvl="1"/>
-            <a:endParaRPr lang="en-US" altLang="zh-CN" sz="2400" dirty="0">
+            <a:pPr marL="457200" lvl="0" indent="-457200">
+              <a:lnSpc>
+                <a:spcPct val="150000"/>
+              </a:lnSpc>
+              <a:spcBef>
+                <a:spcPts val="1200"/>
+              </a:spcBef>
+              <a:buFont typeface="Arial" panose="020B0604020202020204" pitchFamily="34" charset="0"/>
+              <a:buChar char="•"/>
+              <a:defRPr/>
+            </a:pPr>
+            <a:endParaRPr lang="en-US" altLang="zh-CN" sz="2800" dirty="0">
               <a:solidFill>
                 <a:schemeClr val="bg2">
                   <a:lumMod val="10000"/>
@@ -5165,9 +5041,19 @@
             </a:endParaRPr>
           </a:p>
           <a:p>
-            <a:pPr lvl="1"/>
-            <a:r>
-              <a:rPr lang="en-US" altLang="zh-CN" sz="2400" dirty="0">
+            <a:pPr marL="457200" lvl="0" indent="-457200">
+              <a:lnSpc>
+                <a:spcPct val="150000"/>
+              </a:lnSpc>
+              <a:spcBef>
+                <a:spcPts val="1200"/>
+              </a:spcBef>
+              <a:buFont typeface="Arial" panose="020B0604020202020204" pitchFamily="34" charset="0"/>
+              <a:buChar char="•"/>
+              <a:defRPr/>
+            </a:pPr>
+            <a:r>
+              <a:rPr lang="en-US" altLang="zh-CN" sz="2800" dirty="0">
                 <a:solidFill>
                   <a:schemeClr val="bg2">
                     <a:lumMod val="10000"/>
@@ -5177,54 +5063,67 @@
                 <a:ea typeface="思源黑体 CN Bold" panose="020B0800000000000000"/>
                 <a:cs typeface="Times New Roman" panose="02020603050405020304" charset="0"/>
               </a:rPr>
-              <a:t>Evaluation of the population reveals its convergent characteristic toward progressively superior solutions. </a:t>
-            </a:r>
-            <a:endParaRPr lang="en-US" altLang="zh-CN" sz="2400" dirty="0">
+              <a:t>PSO</a:t>
+            </a:r>
+            <a:endParaRPr lang="en-US" altLang="zh-CN" sz="2800" dirty="0">
               <a:solidFill>
                 <a:schemeClr val="bg2">
                   <a:lumMod val="10000"/>
                 </a:schemeClr>
               </a:solidFill>
-              <a:latin typeface="Times New Roman" panose="02020603050405020304" charset="0"/>
+              <a:latin typeface="思源黑体 CN Regular"/>
               <a:ea typeface="思源黑体 CN Bold" panose="020B0800000000000000"/>
-              <a:cs typeface="Times New Roman" panose="02020603050405020304" charset="0"/>
+              <a:cs typeface="Calibri" panose="020F0502020204030204" pitchFamily="34" charset="0"/>
             </a:endParaRPr>
           </a:p>
           <a:p>
-            <a:pPr lvl="1"/>
-            <a:endParaRPr lang="en-US" altLang="zh-CN" sz="2400" dirty="0">
+            <a:endParaRPr lang="en-US" altLang="zh-CN" sz="2800" dirty="0">
               <a:solidFill>
                 <a:schemeClr val="bg2">
                   <a:lumMod val="10000"/>
                 </a:schemeClr>
               </a:solidFill>
-              <a:latin typeface="Times New Roman" panose="02020603050405020304" charset="0"/>
+              <a:latin typeface="思源黑体 CN Regular"/>
               <a:ea typeface="思源黑体 CN Bold" panose="020B0800000000000000"/>
-              <a:cs typeface="Times New Roman" panose="02020603050405020304" charset="0"/>
+              <a:cs typeface="Calibri" panose="020F0502020204030204" pitchFamily="34" charset="0"/>
             </a:endParaRPr>
           </a:p>
           <a:p>
-            <a:pPr lvl="1"/>
-            <a:r>
-              <a:rPr lang="en-US" altLang="zh-CN" sz="2400" dirty="0">
+            <a:pPr indent="0">
+              <a:buFont typeface="Arial" panose="020B0604020202020204" pitchFamily="34" charset="0"/>
+              <a:buNone/>
+            </a:pPr>
+            <a:r>
+              <a:rPr lang="en-US" altLang="zh-CN" sz="2800" dirty="0">
                 <a:solidFill>
                   <a:schemeClr val="bg2">
                     <a:lumMod val="10000"/>
                   </a:schemeClr>
                 </a:solidFill>
-                <a:latin typeface="Times New Roman" panose="02020603050405020304" charset="0"/>
+                <a:latin typeface="思源黑体 CN Regular"/>
                 <a:ea typeface="思源黑体 CN Bold" panose="020B0800000000000000"/>
-                <a:cs typeface="Times New Roman" panose="02020603050405020304" charset="0"/>
+                <a:cs typeface="Calibri" panose="020F0502020204030204" pitchFamily="34" charset="0"/>
               </a:rPr>
-              <a:t>Ultimately, the algorithm is capable of discovering the optimal network architecture, or one that is highly competitive with the best solution present within the dataset.</a:t>
-            </a:r>
+              <a:t> </a:t>
+            </a:r>
+          </a:p>
+          <a:p>
+            <a:pPr lvl="0">
+              <a:lnSpc>
+                <a:spcPct val="150000"/>
+              </a:lnSpc>
+              <a:spcBef>
+                <a:spcPts val="1200"/>
+              </a:spcBef>
+              <a:defRPr/>
+            </a:pPr>
             <a:endParaRPr lang="zh-CN" altLang="en-US" dirty="0">
               <a:solidFill>
                 <a:srgbClr val="06383C"/>
               </a:solidFill>
-              <a:latin typeface="Times New Roman" panose="02020603050405020304" charset="0"/>
+              <a:latin typeface="微软雅黑" panose="020B0503020204020204" pitchFamily="34" charset="-122"/>
               <a:ea typeface="思源黑体 CN Bold" panose="020B0800000000000000"/>
-              <a:cs typeface="Times New Roman" panose="02020603050405020304" charset="0"/>
+              <a:cs typeface="Open Sans" panose="020B0606030504020204" pitchFamily="34" charset="0"/>
             </a:endParaRPr>
           </a:p>
         </p:txBody>
@@ -5238,221 +5137,21 @@
           <p:nvPr/>
         </p:nvPicPr>
         <p:blipFill>
-          <a:blip r:embed="rId4"/>
+          <a:blip r:embed="rId5"/>
           <a:stretch>
             <a:fillRect/>
           </a:stretch>
         </p:blipFill>
         <p:spPr>
           <a:xfrm>
-            <a:off x="9307195" y="1838960"/>
-            <a:ext cx="2368550" cy="1227455"/>
+            <a:off x="942111" y="2303622"/>
+            <a:ext cx="6214745" cy="1907540"/>
           </a:xfrm>
           <a:prstGeom prst="rect">
             <a:avLst/>
           </a:prstGeom>
         </p:spPr>
       </p:pic>
-      <p:cxnSp>
-        <p:nvCxnSpPr>
-          <p:cNvPr id="16" name="直接箭头连接符 15"/>
-          <p:cNvCxnSpPr/>
-          <p:nvPr/>
-        </p:nvCxnSpPr>
-        <p:spPr>
-          <a:xfrm>
-            <a:off x="10386060" y="2268855"/>
-            <a:ext cx="210820" cy="6350"/>
-          </a:xfrm>
-          <a:prstGeom prst="straightConnector1">
-            <a:avLst/>
-          </a:prstGeom>
-          <a:ln>
-            <a:tailEnd type="arrow"/>
-          </a:ln>
-        </p:spPr>
-        <p:style>
-          <a:lnRef idx="2">
-            <a:schemeClr val="accent1"/>
-          </a:lnRef>
-          <a:fillRef idx="0">
-            <a:srgbClr val="FFFFFF"/>
-          </a:fillRef>
-          <a:effectRef idx="0">
-            <a:srgbClr val="FFFFFF"/>
-          </a:effectRef>
-          <a:fontRef idx="minor">
-            <a:schemeClr val="tx1"/>
-          </a:fontRef>
-        </p:style>
-      </p:cxnSp>
-      <p:sp>
-        <p:nvSpPr>
-          <p:cNvPr id="17" name="文本框 16"/>
-          <p:cNvSpPr txBox="1"/>
-          <p:nvPr/>
-        </p:nvSpPr>
-        <p:spPr>
-          <a:xfrm>
-            <a:off x="9435783" y="4581525"/>
-            <a:ext cx="2316480" cy="645160"/>
-          </a:xfrm>
-          <a:prstGeom prst="rect">
-            <a:avLst/>
-          </a:prstGeom>
-          <a:noFill/>
-        </p:spPr>
-        <p:txBody>
-          <a:bodyPr wrap="none" rtlCol="0">
-            <a:spAutoFit/>
-          </a:bodyPr>
-          <a:lstStyle/>
-          <a:p>
-            <a:pPr marL="0" marR="0" lvl="0" indent="0" algn="l" defTabSz="914400" rtl="0" eaLnBrk="1" fontAlgn="auto" latinLnBrk="0" hangingPunct="1">
-              <a:lnSpc>
-                <a:spcPct val="100000"/>
-              </a:lnSpc>
-              <a:spcBef>
-                <a:spcPts val="0"/>
-              </a:spcBef>
-              <a:spcAft>
-                <a:spcPts val="0"/>
-              </a:spcAft>
-              <a:buClrTx/>
-              <a:buSzTx/>
-              <a:buFontTx/>
-              <a:buNone/>
-              <a:defRPr/>
-            </a:pPr>
-            <a:r>
-              <a:rPr lang="en-US" altLang="zh-CN" sz="3600" spc="300" dirty="0">
-                <a:solidFill>
-                  <a:srgbClr val="003F43"/>
-                </a:solidFill>
-                <a:latin typeface="思源黑体 CN Bold" panose="020B0800000000000000" pitchFamily="34" charset="-122"/>
-                <a:ea typeface="思源黑体 CN Bold" panose="020B0800000000000000" pitchFamily="34" charset="-122"/>
-              </a:rPr>
-              <a:t>Optimal!</a:t>
-            </a:r>
-            <a:endParaRPr kumimoji="0" lang="zh-CN" altLang="en-US" sz="3600" b="0" i="0" u="none" strike="noStrike" kern="1200" cap="none" spc="300" normalizeH="0" baseline="0" noProof="0" dirty="0">
-              <a:ln>
-                <a:noFill/>
-              </a:ln>
-              <a:solidFill>
-                <a:srgbClr val="003F43"/>
-              </a:solidFill>
-              <a:effectLst/>
-              <a:uLnTx/>
-              <a:uFillTx/>
-              <a:latin typeface="思源黑体 CN Bold" panose="020B0800000000000000" pitchFamily="34" charset="-122"/>
-              <a:ea typeface="思源黑体 CN Bold" panose="020B0800000000000000" pitchFamily="34" charset="-122"/>
-            </a:endParaRPr>
-          </a:p>
-        </p:txBody>
-      </p:sp>
-      <p:cxnSp>
-        <p:nvCxnSpPr>
-          <p:cNvPr id="18" name="直接箭头连接符 17"/>
-          <p:cNvCxnSpPr/>
-          <p:nvPr/>
-        </p:nvCxnSpPr>
-        <p:spPr>
-          <a:xfrm>
-            <a:off x="9679305" y="4358005"/>
-            <a:ext cx="1830070" cy="0"/>
-          </a:xfrm>
-          <a:prstGeom prst="straightConnector1">
-            <a:avLst/>
-          </a:prstGeom>
-          <a:ln>
-            <a:tailEnd type="arrow"/>
-          </a:ln>
-        </p:spPr>
-        <p:style>
-          <a:lnRef idx="2">
-            <a:schemeClr val="accent1"/>
-          </a:lnRef>
-          <a:fillRef idx="0">
-            <a:srgbClr val="FFFFFF"/>
-          </a:fillRef>
-          <a:effectRef idx="0">
-            <a:srgbClr val="FFFFFF"/>
-          </a:effectRef>
-          <a:fontRef idx="minor">
-            <a:schemeClr val="tx1"/>
-          </a:fontRef>
-        </p:style>
-      </p:cxnSp>
-      <p:cxnSp>
-        <p:nvCxnSpPr>
-          <p:cNvPr id="19" name="直接箭头连接符 18"/>
-          <p:cNvCxnSpPr/>
-          <p:nvPr/>
-        </p:nvCxnSpPr>
-        <p:spPr>
-          <a:xfrm flipH="1" flipV="1">
-            <a:off x="9679305" y="3234055"/>
-            <a:ext cx="3810" cy="1123950"/>
-          </a:xfrm>
-          <a:prstGeom prst="straightConnector1">
-            <a:avLst/>
-          </a:prstGeom>
-          <a:ln>
-            <a:tailEnd type="arrow"/>
-          </a:ln>
-        </p:spPr>
-        <p:style>
-          <a:lnRef idx="2">
-            <a:schemeClr val="accent1"/>
-          </a:lnRef>
-          <a:fillRef idx="0">
-            <a:srgbClr val="FFFFFF"/>
-          </a:fillRef>
-          <a:effectRef idx="0">
-            <a:srgbClr val="FFFFFF"/>
-          </a:effectRef>
-          <a:fontRef idx="minor">
-            <a:schemeClr val="tx1"/>
-          </a:fontRef>
-        </p:style>
-      </p:cxnSp>
-      <p:sp>
-        <p:nvSpPr>
-          <p:cNvPr id="20" name="弧形 19"/>
-          <p:cNvSpPr/>
-          <p:nvPr/>
-        </p:nvSpPr>
-        <p:spPr>
-          <a:xfrm rot="10620000">
-            <a:off x="9986010" y="2684145"/>
-            <a:ext cx="1652270" cy="1488440"/>
-          </a:xfrm>
-          <a:prstGeom prst="arc">
-            <a:avLst/>
-          </a:prstGeom>
-        </p:spPr>
-        <p:style>
-          <a:lnRef idx="2">
-            <a:schemeClr val="accent1"/>
-          </a:lnRef>
-          <a:fillRef idx="0">
-            <a:srgbClr val="FFFFFF"/>
-          </a:fillRef>
-          <a:effectRef idx="0">
-            <a:srgbClr val="FFFFFF"/>
-          </a:effectRef>
-          <a:fontRef idx="minor">
-            <a:schemeClr val="tx1"/>
-          </a:fontRef>
-        </p:style>
-        <p:txBody>
-          <a:bodyPr rtlCol="0" anchor="ctr"/>
-          <a:p>
-            <a:pPr algn="ctr"/>
-            <a:endParaRPr lang="zh-CN" altLang="en-US"/>
-          </a:p>
-        </p:txBody>
-      </p:sp>
     </p:spTree>
   </p:cSld>
   <p:clrMapOvr>
@@ -5492,7 +5191,7 @@
                                           </p:stCondLst>
                                         </p:cTn>
                                         <p:tgtEl>
-                                          <p:spTgt spid="3"/>
+                                          <p:spTgt spid="6"/>
                                         </p:tgtEl>
                                         <p:attrNameLst>
                                           <p:attrName>style.visibility</p:attrName>
@@ -5533,7 +5232,7 @@
       </p:par>
     </p:tnLst>
     <p:bldLst>
-      <p:bldP spid="3" grpId="0"/>
+      <p:bldP spid="6" grpId="0"/>
     </p:bldLst>
   </p:timing>
 </p:sld>
@@ -5565,7 +5264,7 @@
           <p:nvPr/>
         </p:nvPicPr>
         <p:blipFill rotWithShape="1">
-          <a:blip r:embed="rId1"/>
+          <a:blip r:embed="rId2"/>
           <a:srcRect b="30952"/>
           <a:stretch>
             <a:fillRect/>
@@ -5590,10 +5289,10 @@
           <p:nvPr/>
         </p:nvPicPr>
         <p:blipFill>
-          <a:blip r:embed="rId2">
+          <a:blip r:embed="rId3">
             <a:extLst>
               <a:ext uri="{96DAC541-7B7A-43D3-8B79-37D633B846F1}">
-                <asvg:svgBlip xmlns:asvg="http://schemas.microsoft.com/office/drawing/2016/SVG/main" r:embed="rId3"/>
+                <asvg:svgBlip xmlns:asvg="http://schemas.microsoft.com/office/drawing/2016/SVG/main" r:embed="rId4"/>
               </a:ext>
             </a:extLst>
           </a:blip>
@@ -5620,7 +5319,7 @@
         <p:spPr>
           <a:xfrm>
             <a:off x="515938" y="560070"/>
-            <a:ext cx="4227195" cy="645160"/>
+            <a:ext cx="4204970" cy="645160"/>
           </a:xfrm>
           <a:prstGeom prst="rect">
             <a:avLst/>
@@ -5664,33 +5363,8 @@
                 <a:ea typeface="思源黑体 CN Bold" panose="020B0800000000000000" pitchFamily="34" charset="-122"/>
                 <a:cs typeface="Times New Roman" panose="02020603050405020304" charset="0"/>
               </a:rPr>
-              <a:t>Task</a:t>
-            </a:r>
-            <a:r>
-              <a:rPr lang="en-US" altLang="zh-CN" sz="3600" spc="300" dirty="0">
-                <a:solidFill>
-                  <a:srgbClr val="003F43"/>
-                </a:solidFill>
-                <a:latin typeface="Times New Roman" panose="02020603050405020304" charset="0"/>
-                <a:ea typeface="思源黑体 CN Bold" panose="020B0800000000000000" pitchFamily="34" charset="-122"/>
-                <a:cs typeface="Times New Roman" panose="02020603050405020304" charset="0"/>
-              </a:rPr>
-              <a:t>s Distribution</a:t>
-            </a:r>
-            <a:endParaRPr kumimoji="0" lang="zh-CN" altLang="en-US" sz="3600" b="0" i="0" u="none" strike="noStrike" kern="1200" cap="none" spc="300" normalizeH="0" baseline="0" noProof="0" dirty="0">
-              <a:ln>
-                <a:noFill/>
-              </a:ln>
-              <a:solidFill>
-                <a:srgbClr val="003F43"/>
-              </a:solidFill>
-              <a:effectLst/>
-              <a:uLnTx/>
-              <a:uFillTx/>
-              <a:latin typeface="Times New Roman" panose="02020603050405020304" charset="0"/>
-              <a:ea typeface="思源黑体 CN Bold" panose="020B0800000000000000" pitchFamily="34" charset="-122"/>
-              <a:cs typeface="Times New Roman" panose="02020603050405020304" charset="0"/>
-            </a:endParaRPr>
+              <a:t>Time Management</a:t>
+            </a:r>
           </a:p>
         </p:txBody>
       </p:sp>
@@ -5702,8 +5376,8 @@
         </p:nvSpPr>
         <p:spPr>
           <a:xfrm>
-            <a:off x="1034251" y="1430219"/>
-            <a:ext cx="9574810" cy="5061585"/>
+            <a:off x="1034251" y="1620720"/>
+            <a:ext cx="5181600" cy="2120902"/>
           </a:xfrm>
           <a:prstGeom prst="rect">
             <a:avLst/>
@@ -5728,162 +5402,29 @@
               <a:defRPr/>
             </a:pPr>
             <a:r>
-              <a:rPr lang="en-US" altLang="zh-CN" sz="2800" dirty="0" err="1">
-                <a:solidFill>
-                  <a:schemeClr val="bg2">
-                    <a:lumMod val="10000"/>
-                  </a:schemeClr>
-                </a:solidFill>
-                <a:latin typeface="Times New Roman" panose="02020603050405020304" charset="0"/>
-                <a:ea typeface="思源黑体 CN Bold" panose="020B0800000000000000"/>
-                <a:cs typeface="Times New Roman" panose="02020603050405020304" charset="0"/>
-              </a:rPr>
-              <a:t>Zhewei</a:t>
-            </a:r>
-            <a:r>
               <a:rPr lang="en-US" altLang="zh-CN" sz="2800" dirty="0">
                 <a:solidFill>
                   <a:schemeClr val="bg2">
                     <a:lumMod val="10000"/>
                   </a:schemeClr>
                 </a:solidFill>
-                <a:latin typeface="Times New Roman" panose="02020603050405020304" charset="0"/>
+                <a:latin typeface="思源黑体 CN Regular"/>
                 <a:ea typeface="思源黑体 CN Bold" panose="020B0800000000000000"/>
-                <a:cs typeface="Times New Roman" panose="02020603050405020304" charset="0"/>
+                <a:cs typeface="Calibri" panose="020F0502020204030204" pitchFamily="34" charset="0"/>
               </a:rPr>
-              <a:t> Chen</a:t>
-            </a:r>
-            <a:r>
-              <a:rPr lang="en-US" altLang="zh-CN" sz="2800" b="1" dirty="0">
-                <a:solidFill>
-                  <a:schemeClr val="bg2">
-                    <a:lumMod val="10000"/>
-                  </a:schemeClr>
-                </a:solidFill>
-                <a:latin typeface="Times New Roman" panose="02020603050405020304" charset="0"/>
-                <a:ea typeface="思源黑体 CN Bold" panose="020B0800000000000000"/>
-                <a:cs typeface="Times New Roman" panose="02020603050405020304" charset="0"/>
-              </a:rPr>
-              <a:t>:</a:t>
-            </a:r>
-            <a:endParaRPr lang="en-US" altLang="zh-CN" sz="2800" b="1" dirty="0">
+              <a:t>Python </a:t>
+            </a:r>
+          </a:p>
+          <a:p>
+            <a:endParaRPr lang="en-US" altLang="zh-CN" sz="2800" dirty="0">
               <a:solidFill>
                 <a:schemeClr val="bg2">
                   <a:lumMod val="10000"/>
                 </a:schemeClr>
               </a:solidFill>
-              <a:latin typeface="Times New Roman" panose="02020603050405020304" charset="0"/>
+              <a:latin typeface="思源黑体 CN Regular"/>
               <a:ea typeface="思源黑体 CN Bold" panose="020B0800000000000000"/>
-              <a:cs typeface="Times New Roman" panose="02020603050405020304" charset="0"/>
-            </a:endParaRPr>
-          </a:p>
-          <a:p>
-            <a:pPr lvl="0" algn="l">
-              <a:lnSpc>
-                <a:spcPct val="50000"/>
-              </a:lnSpc>
-              <a:spcBef>
-                <a:spcPts val="1200"/>
-              </a:spcBef>
-              <a:buClrTx/>
-              <a:buSzTx/>
-              <a:buFontTx/>
-              <a:buChar char="-"/>
-            </a:pPr>
-            <a:r>
-              <a:rPr lang="en-US" altLang="zh-CN" sz="2000" dirty="0">
-                <a:solidFill>
-                  <a:srgbClr val="F2F2F2">
-                    <a:lumMod val="10000"/>
-                  </a:srgbClr>
-                </a:solidFill>
-                <a:latin typeface="Times New Roman" panose="02020603050405020304" charset="0"/>
-                <a:ea typeface="思源黑体 CN Bold" panose="020B0800000000000000"/>
-                <a:cs typeface="Times New Roman" panose="02020603050405020304" charset="0"/>
-              </a:rPr>
-              <a:t> Surv</a:t>
-            </a:r>
-            <a:r>
-              <a:rPr lang="en-US" altLang="zh-CN" sz="2000" dirty="0">
-                <a:solidFill>
-                  <a:schemeClr val="bg2">
-                    <a:lumMod val="10000"/>
-                  </a:schemeClr>
-                </a:solidFill>
-                <a:latin typeface="Times New Roman" panose="02020603050405020304" charset="0"/>
-                <a:ea typeface="思源黑体 CN Bold" panose="020B0800000000000000"/>
-                <a:cs typeface="Times New Roman" panose="02020603050405020304" charset="0"/>
-              </a:rPr>
-              <a:t>ey research on NAS, NAS-Bench-101, and EA-based NAS </a:t>
-            </a:r>
-            <a:endParaRPr lang="en-US" altLang="zh-CN" sz="2000" dirty="0">
-              <a:solidFill>
-                <a:schemeClr val="bg2">
-                  <a:lumMod val="10000"/>
-                </a:schemeClr>
-              </a:solidFill>
-              <a:latin typeface="Times New Roman" panose="02020603050405020304" charset="0"/>
-              <a:ea typeface="思源黑体 CN Bold" panose="020B0800000000000000"/>
-              <a:cs typeface="Times New Roman" panose="02020603050405020304" charset="0"/>
-            </a:endParaRPr>
-          </a:p>
-          <a:p>
-            <a:pPr lvl="0" algn="l">
-              <a:lnSpc>
-                <a:spcPct val="50000"/>
-              </a:lnSpc>
-              <a:spcBef>
-                <a:spcPts val="1200"/>
-              </a:spcBef>
-              <a:buClrTx/>
-              <a:buSzTx/>
-              <a:buNone/>
-            </a:pPr>
-            <a:r>
-              <a:rPr lang="en-US" altLang="zh-CN" sz="2000" dirty="0">
-                <a:solidFill>
-                  <a:schemeClr val="bg2">
-                    <a:lumMod val="10000"/>
-                  </a:schemeClr>
-                </a:solidFill>
-                <a:latin typeface="Times New Roman" panose="02020603050405020304" charset="0"/>
-                <a:ea typeface="思源黑体 CN Bold" panose="020B0800000000000000"/>
-                <a:cs typeface="Times New Roman" panose="02020603050405020304" charset="0"/>
-              </a:rPr>
-              <a:t>- Build the EA search framework (encoding, mutation, selection)</a:t>
-            </a:r>
-            <a:endParaRPr lang="en-US" altLang="zh-CN" sz="2000" dirty="0">
-              <a:solidFill>
-                <a:schemeClr val="bg2">
-                  <a:lumMod val="10000"/>
-                </a:schemeClr>
-              </a:solidFill>
-              <a:latin typeface="Times New Roman" panose="02020603050405020304" charset="0"/>
-              <a:ea typeface="思源黑体 CN Bold" panose="020B0800000000000000"/>
-              <a:cs typeface="Times New Roman" panose="02020603050405020304" charset="0"/>
-            </a:endParaRPr>
-          </a:p>
-          <a:p>
-            <a:pPr lvl="0" algn="l">
-              <a:lnSpc>
-                <a:spcPct val="50000"/>
-              </a:lnSpc>
-              <a:spcBef>
-                <a:spcPts val="1200"/>
-              </a:spcBef>
-              <a:buClrTx/>
-              <a:buSzTx/>
-              <a:buNone/>
-            </a:pPr>
-            <a:endParaRPr lang="en-US" altLang="zh-CN" sz="2000" dirty="0">
-              <a:solidFill>
-                <a:schemeClr val="bg2">
-                  <a:lumMod val="10000"/>
-                </a:schemeClr>
-              </a:solidFill>
-              <a:latin typeface="Times New Roman" panose="02020603050405020304" charset="0"/>
-              <a:ea typeface="思源黑体 CN Bold" panose="020B0800000000000000"/>
-              <a:cs typeface="Times New Roman" panose="02020603050405020304" charset="0"/>
+              <a:cs typeface="Calibri" panose="020F0502020204030204" pitchFamily="34" charset="0"/>
             </a:endParaRPr>
           </a:p>
           <a:p>
@@ -5891,19 +5432,6 @@
               <a:buFont typeface="Arial" panose="020B0604020202020204" pitchFamily="34" charset="0"/>
               <a:buChar char="•"/>
             </a:pPr>
-            <a:r>
-              <a:rPr lang="en-US" altLang="zh-CN" sz="2800" dirty="0" err="1">
-                <a:solidFill>
-                  <a:schemeClr val="bg2">
-                    <a:lumMod val="10000"/>
-                  </a:schemeClr>
-                </a:solidFill>
-                <a:latin typeface="Times New Roman" panose="02020603050405020304" charset="0"/>
-                <a:ea typeface="思源黑体 CN Bold" panose="020B0800000000000000"/>
-                <a:cs typeface="Times New Roman" panose="02020603050405020304" charset="0"/>
-              </a:rPr>
-              <a:t>Yichong</a:t>
-            </a:r>
             <a:r>
               <a:rPr lang="en-US" altLang="zh-CN" sz="2800" dirty="0">
                 <a:solidFill>
@@ -5911,201 +5439,12 @@
                     <a:lumMod val="10000"/>
                   </a:schemeClr>
                 </a:solidFill>
-                <a:latin typeface="Times New Roman" panose="02020603050405020304" charset="0"/>
+                <a:latin typeface="思源黑体 CN Regular"/>
                 <a:ea typeface="思源黑体 CN Bold" panose="020B0800000000000000"/>
-                <a:cs typeface="Times New Roman" panose="02020603050405020304" charset="0"/>
+                <a:cs typeface="Calibri" panose="020F0502020204030204" pitchFamily="34" charset="0"/>
               </a:rPr>
-              <a:t> Chen:</a:t>
-            </a:r>
-            <a:endParaRPr lang="en-US" altLang="zh-CN" sz="2800" dirty="0">
-              <a:solidFill>
-                <a:schemeClr val="bg2">
-                  <a:lumMod val="10000"/>
-                </a:schemeClr>
-              </a:solidFill>
-              <a:latin typeface="Times New Roman" panose="02020603050405020304" charset="0"/>
-              <a:ea typeface="思源黑体 CN Bold" panose="020B0800000000000000"/>
-              <a:cs typeface="Times New Roman" panose="02020603050405020304" charset="0"/>
-            </a:endParaRPr>
-          </a:p>
-          <a:p>
-            <a:r>
-              <a:rPr lang="en-US" altLang="zh-CN" sz="2000" dirty="0">
-                <a:solidFill>
-                  <a:schemeClr val="bg2">
-                    <a:lumMod val="10000"/>
-                  </a:schemeClr>
-                </a:solidFill>
-                <a:latin typeface="Times New Roman" panose="02020603050405020304" charset="0"/>
-                <a:ea typeface="思源黑体 CN Bold" panose="020B0800000000000000"/>
-                <a:cs typeface="Times New Roman" panose="02020603050405020304" charset="0"/>
-              </a:rPr>
-              <a:t>- Implement NAS-Bench-101 architecture parsing and lookup</a:t>
-            </a:r>
-            <a:endParaRPr lang="en-US" altLang="zh-CN" sz="2000" dirty="0">
-              <a:solidFill>
-                <a:schemeClr val="bg2">
-                  <a:lumMod val="10000"/>
-                </a:schemeClr>
-              </a:solidFill>
-              <a:latin typeface="Times New Roman" panose="02020603050405020304" charset="0"/>
-              <a:ea typeface="思源黑体 CN Bold" panose="020B0800000000000000"/>
-              <a:cs typeface="Times New Roman" panose="02020603050405020304" charset="0"/>
-            </a:endParaRPr>
-          </a:p>
-          <a:p>
-            <a:r>
-              <a:rPr lang="en-US" altLang="zh-CN" sz="2000" dirty="0">
-                <a:solidFill>
-                  <a:schemeClr val="bg2">
-                    <a:lumMod val="10000"/>
-                  </a:schemeClr>
-                </a:solidFill>
-                <a:latin typeface="Times New Roman" panose="02020603050405020304" charset="0"/>
-                <a:ea typeface="思源黑体 CN Bold" panose="020B0800000000000000"/>
-                <a:cs typeface="Times New Roman" panose="02020603050405020304" charset="0"/>
-              </a:rPr>
-              <a:t>- Debug and ensure stable execution of the core algorithm</a:t>
-            </a:r>
-            <a:endParaRPr lang="en-US" altLang="zh-CN" sz="2000" dirty="0">
-              <a:solidFill>
-                <a:schemeClr val="bg2">
-                  <a:lumMod val="10000"/>
-                </a:schemeClr>
-              </a:solidFill>
-              <a:latin typeface="Times New Roman" panose="02020603050405020304" charset="0"/>
-              <a:ea typeface="思源黑体 CN Bold" panose="020B0800000000000000"/>
-              <a:cs typeface="Times New Roman" panose="02020603050405020304" charset="0"/>
-            </a:endParaRPr>
-          </a:p>
-          <a:p>
-            <a:endParaRPr lang="en-US" altLang="zh-CN" sz="2800" dirty="0">
-              <a:solidFill>
-                <a:schemeClr val="bg2">
-                  <a:lumMod val="10000"/>
-                </a:schemeClr>
-              </a:solidFill>
-              <a:latin typeface="Times New Roman" panose="02020603050405020304" charset="0"/>
-              <a:ea typeface="思源黑体 CN Bold" panose="020B0800000000000000"/>
-              <a:cs typeface="Times New Roman" panose="02020603050405020304" charset="0"/>
-            </a:endParaRPr>
-          </a:p>
-          <a:p>
-            <a:pPr marL="457200" indent="-457200">
-              <a:buFont typeface="Arial" panose="020B0604020202020204" pitchFamily="34" charset="0"/>
-              <a:buChar char="•"/>
-            </a:pPr>
-            <a:r>
-              <a:rPr lang="en-US" altLang="zh-CN" sz="2800" dirty="0">
-                <a:solidFill>
-                  <a:schemeClr val="bg2">
-                    <a:lumMod val="10000"/>
-                  </a:schemeClr>
-                </a:solidFill>
-                <a:latin typeface="Times New Roman" panose="02020603050405020304" charset="0"/>
-                <a:ea typeface="思源黑体 CN Bold" panose="020B0800000000000000"/>
-                <a:cs typeface="Times New Roman" panose="02020603050405020304" charset="0"/>
-              </a:rPr>
-              <a:t>Yang Zhang</a:t>
-            </a:r>
-            <a:r>
-              <a:rPr lang="zh-CN" altLang="en-US" sz="2800" dirty="0">
-                <a:solidFill>
-                  <a:schemeClr val="bg2">
-                    <a:lumMod val="10000"/>
-                  </a:schemeClr>
-                </a:solidFill>
-                <a:latin typeface="Times New Roman" panose="02020603050405020304" charset="0"/>
-                <a:ea typeface="思源黑体 CN Bold" panose="020B0800000000000000"/>
-                <a:cs typeface="Times New Roman" panose="02020603050405020304" charset="0"/>
-              </a:rPr>
-              <a:t>：</a:t>
-            </a:r>
-            <a:endParaRPr lang="en-US" altLang="zh-CN" sz="2800" dirty="0">
-              <a:solidFill>
-                <a:schemeClr val="bg2">
-                  <a:lumMod val="10000"/>
-                </a:schemeClr>
-              </a:solidFill>
-              <a:latin typeface="Times New Roman" panose="02020603050405020304" charset="0"/>
-              <a:ea typeface="思源黑体 CN Bold" panose="020B0800000000000000"/>
-              <a:cs typeface="Times New Roman" panose="02020603050405020304" charset="0"/>
-            </a:endParaRPr>
-          </a:p>
-          <a:p>
-            <a:r>
-              <a:rPr lang="en-US" altLang="zh-CN" sz="2000" dirty="0">
-                <a:solidFill>
-                  <a:schemeClr val="bg2">
-                    <a:lumMod val="10000"/>
-                  </a:schemeClr>
-                </a:solidFill>
-                <a:latin typeface="Times New Roman" panose="02020603050405020304" charset="0"/>
-                <a:ea typeface="思源黑体 CN Bold" panose="020B0800000000000000"/>
-                <a:cs typeface="Times New Roman" panose="02020603050405020304" charset="0"/>
-              </a:rPr>
-              <a:t>- Design experimental setup (budgets, parameters, baselines)</a:t>
-            </a:r>
-            <a:endParaRPr lang="en-US" altLang="zh-CN" sz="2000" dirty="0">
-              <a:solidFill>
-                <a:schemeClr val="bg2">
-                  <a:lumMod val="10000"/>
-                </a:schemeClr>
-              </a:solidFill>
-              <a:latin typeface="Times New Roman" panose="02020603050405020304" charset="0"/>
-              <a:ea typeface="思源黑体 CN Bold" panose="020B0800000000000000"/>
-              <a:cs typeface="Times New Roman" panose="02020603050405020304" charset="0"/>
-            </a:endParaRPr>
-          </a:p>
-          <a:p>
-            <a:r>
-              <a:rPr lang="en-US" altLang="zh-CN" sz="2000" dirty="0">
-                <a:solidFill>
-                  <a:schemeClr val="bg2">
-                    <a:lumMod val="10000"/>
-                  </a:schemeClr>
-                </a:solidFill>
-                <a:latin typeface="Times New Roman" panose="02020603050405020304" charset="0"/>
-                <a:ea typeface="思源黑体 CN Bold" panose="020B0800000000000000"/>
-                <a:cs typeface="Times New Roman" panose="02020603050405020304" charset="0"/>
-              </a:rPr>
-              <a:t>- Run EA search and collect metrics (best accuracy, convergence)</a:t>
-            </a:r>
-            <a:endParaRPr lang="en-US" altLang="zh-CN" sz="2000" dirty="0">
-              <a:solidFill>
-                <a:schemeClr val="bg2">
-                  <a:lumMod val="10000"/>
-                </a:schemeClr>
-              </a:solidFill>
-              <a:latin typeface="Times New Roman" panose="02020603050405020304" charset="0"/>
-              <a:ea typeface="思源黑体 CN Bold" panose="020B0800000000000000"/>
-              <a:cs typeface="Times New Roman" panose="02020603050405020304" charset="0"/>
-            </a:endParaRPr>
-          </a:p>
-          <a:p>
-            <a:r>
-              <a:rPr lang="en-US" altLang="zh-CN" sz="2000" dirty="0">
-                <a:solidFill>
-                  <a:schemeClr val="bg2">
-                    <a:lumMod val="10000"/>
-                  </a:schemeClr>
-                </a:solidFill>
-                <a:latin typeface="Times New Roman" panose="02020603050405020304" charset="0"/>
-                <a:ea typeface="思源黑体 CN Bold" panose="020B0800000000000000"/>
-                <a:cs typeface="Times New Roman" panose="02020603050405020304" charset="0"/>
-              </a:rPr>
-              <a:t>- Visualize results and analyze search behavior/patterns</a:t>
-            </a:r>
-            <a:endParaRPr lang="en-US" altLang="zh-CN" sz="2000" dirty="0">
-              <a:solidFill>
-                <a:schemeClr val="bg2">
-                  <a:lumMod val="10000"/>
-                </a:schemeClr>
-              </a:solidFill>
-              <a:latin typeface="Times New Roman" panose="02020603050405020304" charset="0"/>
-              <a:ea typeface="思源黑体 CN Bold" panose="020B0800000000000000"/>
-              <a:cs typeface="Times New Roman" panose="02020603050405020304" charset="0"/>
-            </a:endParaRPr>
+              <a:t>NAS-Bench-101: </a:t>
+            </a:r>
           </a:p>
           <a:p>
             <a:pPr lvl="0">
@@ -6121,13 +5460,43 @@
               <a:solidFill>
                 <a:srgbClr val="06383C"/>
               </a:solidFill>
-              <a:latin typeface="Times New Roman" panose="02020603050405020304" charset="0"/>
+              <a:latin typeface="微软雅黑" panose="020B0503020204020204" pitchFamily="34" charset="-122"/>
               <a:ea typeface="思源黑体 CN Bold" panose="020B0800000000000000"/>
-              <a:cs typeface="Times New Roman" panose="02020603050405020304" charset="0"/>
+              <a:cs typeface="Open Sans" panose="020B0606030504020204" pitchFamily="34" charset="0"/>
             </a:endParaRPr>
           </a:p>
         </p:txBody>
       </p:sp>
+      <p:pic>
+        <p:nvPicPr>
+          <p:cNvPr id="3" name="图片 2"/>
+          <p:cNvPicPr>
+            <a:picLocks noChangeAspect="1"/>
+          </p:cNvPicPr>
+          <p:nvPr/>
+        </p:nvPicPr>
+        <p:blipFill>
+          <a:blip r:embed="rId5" cstate="print">
+            <a:extLst>
+              <a:ext uri="{28A0092B-C50C-407E-A947-70E740481C1C}">
+                <a14:useLocalDpi xmlns:a14="http://schemas.microsoft.com/office/drawing/2010/main" val="0"/>
+              </a:ext>
+            </a:extLst>
+          </a:blip>
+          <a:stretch>
+            <a:fillRect/>
+          </a:stretch>
+        </p:blipFill>
+        <p:spPr>
+          <a:xfrm>
+            <a:off x="0" y="1837426"/>
+            <a:ext cx="12185374" cy="2588009"/>
+          </a:xfrm>
+          <a:prstGeom prst="rect">
+            <a:avLst/>
+          </a:prstGeom>
+        </p:spPr>
+      </p:pic>
     </p:spTree>
   </p:cSld>
   <p:clrMapOvr>
@@ -6233,32 +5602,7 @@
       </p:grpSpPr>
       <p:pic>
         <p:nvPicPr>
-          <p:cNvPr id="2" name="图片 1"/>
-          <p:cNvPicPr>
-            <a:picLocks noChangeAspect="1"/>
-          </p:cNvPicPr>
-          <p:nvPr/>
-        </p:nvPicPr>
-        <p:blipFill rotWithShape="1">
-          <a:blip r:embed="rId1"/>
-          <a:srcRect b="30952"/>
-          <a:stretch>
-            <a:fillRect/>
-          </a:stretch>
-        </p:blipFill>
-        <p:spPr>
-          <a:xfrm>
-            <a:off x="684872" y="5309554"/>
-            <a:ext cx="10548455" cy="1598339"/>
-          </a:xfrm>
-          <a:prstGeom prst="rect">
-            <a:avLst/>
-          </a:prstGeom>
-        </p:spPr>
-      </p:pic>
-      <p:pic>
-        <p:nvPicPr>
-          <p:cNvPr id="8" name="图形 7"/>
+          <p:cNvPr id="11" name="图形 10"/>
           <p:cNvPicPr>
             <a:picLocks noChangeAspect="1"/>
           </p:cNvPicPr>
@@ -6278,8 +5622,8 @@
         </p:blipFill>
         <p:spPr>
           <a:xfrm>
-            <a:off x="8618952" y="469432"/>
-            <a:ext cx="3057110" cy="561730"/>
+            <a:off x="-22536" y="4697875"/>
+            <a:ext cx="12214536" cy="2171700"/>
           </a:xfrm>
           <a:prstGeom prst="rect">
             <a:avLst/>
@@ -6288,14 +5632,14 @@
       </p:pic>
       <p:sp>
         <p:nvSpPr>
-          <p:cNvPr id="9" name="文本框 8"/>
+          <p:cNvPr id="6" name="文本框 5"/>
           <p:cNvSpPr txBox="1"/>
           <p:nvPr/>
         </p:nvSpPr>
         <p:spPr>
           <a:xfrm>
-            <a:off x="515938" y="560070"/>
-            <a:ext cx="4204970" cy="645160"/>
+            <a:off x="6450330" y="1859280"/>
+            <a:ext cx="4356735" cy="1703070"/>
           </a:xfrm>
           <a:prstGeom prst="rect">
             <a:avLst/>
@@ -6304,7 +5648,7 @@
         </p:spPr>
         <p:txBody>
           <a:bodyPr wrap="none" rtlCol="0">
-            <a:spAutoFit/>
+            <a:noAutofit/>
           </a:bodyPr>
           <a:lstStyle/>
           <a:p>
@@ -6325,367 +5669,23 @@
               <a:defRPr/>
             </a:pPr>
             <a:r>
-              <a:rPr kumimoji="0" lang="en-US" altLang="zh-CN" sz="3600" b="0" i="0" u="none" strike="noStrike" kern="1200" cap="none" spc="300" normalizeH="0" baseline="0" noProof="0" dirty="0">
+              <a:rPr kumimoji="0" lang="en-US" altLang="zh-CN" sz="6000" b="0" i="0" u="none" strike="noStrike" kern="1200" cap="none" spc="300" normalizeH="0" baseline="0" noProof="0" dirty="0">
                 <a:ln>
                   <a:noFill/>
                 </a:ln>
                 <a:solidFill>
-                  <a:srgbClr val="003F43"/>
+                  <a:srgbClr val="2BB7B3"/>
                 </a:solidFill>
                 <a:effectLst/>
                 <a:uLnTx/>
                 <a:uFillTx/>
                 <a:latin typeface="Times New Roman" panose="02020603050405020304" charset="0"/>
-                <a:ea typeface="思源黑体 CN Bold" panose="020B0800000000000000" pitchFamily="34" charset="-122"/>
+                <a:ea typeface="思源黑体 CN Light" panose="020B0300000000000000" pitchFamily="34" charset="-122"/>
                 <a:cs typeface="Times New Roman" panose="02020603050405020304" charset="0"/>
               </a:rPr>
-              <a:t>Time Management</a:t>
-            </a:r>
-            <a:endParaRPr kumimoji="0" lang="en-US" altLang="zh-CN" sz="3600" b="0" i="0" u="none" strike="noStrike" kern="1200" cap="none" spc="300" normalizeH="0" baseline="0" noProof="0" dirty="0">
-              <a:ln>
-                <a:noFill/>
-              </a:ln>
-              <a:solidFill>
-                <a:srgbClr val="003F43"/>
-              </a:solidFill>
-              <a:effectLst/>
-              <a:uLnTx/>
-              <a:uFillTx/>
-              <a:latin typeface="Times New Roman" panose="02020603050405020304" charset="0"/>
-              <a:ea typeface="思源黑体 CN Bold" panose="020B0800000000000000" pitchFamily="34" charset="-122"/>
-              <a:cs typeface="Times New Roman" panose="02020603050405020304" charset="0"/>
-            </a:endParaRPr>
-          </a:p>
-        </p:txBody>
-      </p:sp>
-      <p:sp>
-        <p:nvSpPr>
-          <p:cNvPr id="6" name="文本框 5"/>
-          <p:cNvSpPr txBox="1"/>
-          <p:nvPr/>
-        </p:nvSpPr>
-        <p:spPr>
-          <a:xfrm>
-            <a:off x="1034251" y="1620720"/>
-            <a:ext cx="5181600" cy="2120902"/>
-          </a:xfrm>
-          <a:prstGeom prst="rect">
-            <a:avLst/>
-          </a:prstGeom>
-          <a:noFill/>
-        </p:spPr>
-        <p:txBody>
-          <a:bodyPr wrap="square" rtlCol="0">
-            <a:spAutoFit/>
-          </a:bodyPr>
-          <a:lstStyle/>
-          <a:p>
-            <a:pPr marL="457200" lvl="0" indent="-457200">
-              <a:lnSpc>
-                <a:spcPct val="150000"/>
-              </a:lnSpc>
-              <a:spcBef>
-                <a:spcPts val="1200"/>
-              </a:spcBef>
-              <a:buFont typeface="Arial" panose="020B0604020202020204" pitchFamily="34" charset="0"/>
-              <a:buChar char="•"/>
-              <a:defRPr/>
-            </a:pPr>
-            <a:r>
-              <a:rPr lang="en-US" altLang="zh-CN" sz="2800" dirty="0">
-                <a:solidFill>
-                  <a:schemeClr val="bg2">
-                    <a:lumMod val="10000"/>
-                  </a:schemeClr>
-                </a:solidFill>
-                <a:latin typeface="思源黑体 CN Regular"/>
-                <a:ea typeface="思源黑体 CN Bold" panose="020B0800000000000000"/>
-                <a:cs typeface="Calibri" panose="020F0502020204030204" pitchFamily="34" charset="0"/>
-              </a:rPr>
-              <a:t>Python </a:t>
-            </a:r>
-            <a:endParaRPr lang="en-US" altLang="zh-CN" sz="2800" dirty="0">
-              <a:solidFill>
-                <a:schemeClr val="bg2">
-                  <a:lumMod val="10000"/>
-                </a:schemeClr>
-              </a:solidFill>
-              <a:latin typeface="思源黑体 CN Regular"/>
-              <a:ea typeface="思源黑体 CN Bold" panose="020B0800000000000000"/>
-              <a:cs typeface="Calibri" panose="020F0502020204030204" pitchFamily="34" charset="0"/>
-            </a:endParaRPr>
-          </a:p>
-          <a:p>
-            <a:endParaRPr lang="en-US" altLang="zh-CN" sz="2800" dirty="0">
-              <a:solidFill>
-                <a:schemeClr val="bg2">
-                  <a:lumMod val="10000"/>
-                </a:schemeClr>
-              </a:solidFill>
-              <a:latin typeface="思源黑体 CN Regular"/>
-              <a:ea typeface="思源黑体 CN Bold" panose="020B0800000000000000"/>
-              <a:cs typeface="Calibri" panose="020F0502020204030204" pitchFamily="34" charset="0"/>
-            </a:endParaRPr>
-          </a:p>
-          <a:p>
-            <a:pPr marL="457200" indent="-457200">
-              <a:buFont typeface="Arial" panose="020B0604020202020204" pitchFamily="34" charset="0"/>
-              <a:buChar char="•"/>
-            </a:pPr>
-            <a:r>
-              <a:rPr lang="en-US" altLang="zh-CN" sz="2800" dirty="0">
-                <a:solidFill>
-                  <a:schemeClr val="bg2">
-                    <a:lumMod val="10000"/>
-                  </a:schemeClr>
-                </a:solidFill>
-                <a:latin typeface="思源黑体 CN Regular"/>
-                <a:ea typeface="思源黑体 CN Bold" panose="020B0800000000000000"/>
-                <a:cs typeface="Calibri" panose="020F0502020204030204" pitchFamily="34" charset="0"/>
-              </a:rPr>
-              <a:t>NAS-Bench-101: </a:t>
-            </a:r>
-            <a:endParaRPr lang="en-US" altLang="zh-CN" sz="2800" dirty="0">
-              <a:solidFill>
-                <a:schemeClr val="bg2">
-                  <a:lumMod val="10000"/>
-                </a:schemeClr>
-              </a:solidFill>
-              <a:latin typeface="思源黑体 CN Regular"/>
-              <a:ea typeface="思源黑体 CN Bold" panose="020B0800000000000000"/>
-              <a:cs typeface="Calibri" panose="020F0502020204030204" pitchFamily="34" charset="0"/>
-            </a:endParaRPr>
-          </a:p>
-          <a:p>
-            <a:pPr lvl="0">
-              <a:lnSpc>
-                <a:spcPct val="150000"/>
-              </a:lnSpc>
-              <a:spcBef>
-                <a:spcPts val="1200"/>
-              </a:spcBef>
-              <a:defRPr/>
-            </a:pPr>
-            <a:endParaRPr lang="zh-CN" altLang="en-US" dirty="0">
-              <a:solidFill>
-                <a:srgbClr val="06383C"/>
-              </a:solidFill>
-              <a:latin typeface="微软雅黑" panose="020B0503020204020204" pitchFamily="34" charset="-122"/>
-              <a:ea typeface="思源黑体 CN Bold" panose="020B0800000000000000"/>
-              <a:cs typeface="Open Sans" panose="020B0606030504020204" pitchFamily="34" charset="0"/>
-            </a:endParaRPr>
-          </a:p>
-        </p:txBody>
-      </p:sp>
-      <p:pic>
-        <p:nvPicPr>
-          <p:cNvPr id="3" name="图片 2"/>
-          <p:cNvPicPr>
-            <a:picLocks noChangeAspect="1"/>
-          </p:cNvPicPr>
-          <p:nvPr/>
-        </p:nvPicPr>
-        <p:blipFill>
-          <a:blip r:embed="rId4">
-            <a:extLst>
-              <a:ext uri="{28A0092B-C50C-407E-A947-70E740481C1C}">
-                <a14:useLocalDpi xmlns:a14="http://schemas.microsoft.com/office/drawing/2010/main" val="0"/>
-              </a:ext>
-            </a:extLst>
-          </a:blip>
-          <a:stretch>
-            <a:fillRect/>
-          </a:stretch>
-        </p:blipFill>
-        <p:spPr>
-          <a:xfrm>
-            <a:off x="0" y="1837426"/>
-            <a:ext cx="12185374" cy="2588009"/>
-          </a:xfrm>
-          <a:prstGeom prst="rect">
-            <a:avLst/>
-          </a:prstGeom>
-        </p:spPr>
-      </p:pic>
-    </p:spTree>
-  </p:cSld>
-  <p:clrMapOvr>
-    <a:masterClrMapping/>
-  </p:clrMapOvr>
-  <p:timing>
-    <p:tnLst>
-      <p:par>
-        <p:cTn id="1" dur="indefinite" restart="never" nodeType="tmRoot">
-          <p:childTnLst>
-            <p:seq concurrent="1" nextAc="seek">
-              <p:cTn id="2" dur="indefinite" nodeType="mainSeq">
-                <p:childTnLst>
-                  <p:par>
-                    <p:cTn id="3" fill="hold">
-                      <p:stCondLst>
-                        <p:cond delay="indefinite"/>
-                      </p:stCondLst>
-                      <p:childTnLst>
-                        <p:par>
-                          <p:cTn id="4" fill="hold">
-                            <p:stCondLst>
-                              <p:cond delay="0"/>
-                            </p:stCondLst>
-                            <p:childTnLst>
-                              <p:par>
-                                <p:cTn id="5" presetID="1" presetClass="entr" presetSubtype="0" fill="hold" grpId="0" nodeType="clickEffect">
-                                  <p:stCondLst>
-                                    <p:cond delay="0"/>
-                                  </p:stCondLst>
-                                  <p:childTnLst>
-                                    <p:set>
-                                      <p:cBhvr>
-                                        <p:cTn id="6" dur="1" fill="hold">
-                                          <p:stCondLst>
-                                            <p:cond delay="0"/>
-                                          </p:stCondLst>
-                                        </p:cTn>
-                                        <p:tgtEl>
-                                          <p:spTgt spid="6"/>
-                                        </p:tgtEl>
-                                        <p:attrNameLst>
-                                          <p:attrName>style.visibility</p:attrName>
-                                        </p:attrNameLst>
-                                      </p:cBhvr>
-                                      <p:to>
-                                        <p:strVal val="visible"/>
-                                      </p:to>
-                                    </p:set>
-                                  </p:childTnLst>
-                                </p:cTn>
-                              </p:par>
-                            </p:childTnLst>
-                          </p:cTn>
-                        </p:par>
-                      </p:childTnLst>
-                    </p:cTn>
-                  </p:par>
-                </p:childTnLst>
-              </p:cTn>
-              <p:prevCondLst>
-                <p:cond evt="onPrev" delay="0">
-                  <p:tgtEl>
-                    <p:sldTgt/>
-                  </p:tgtEl>
-                </p:cond>
-              </p:prevCondLst>
-              <p:nextCondLst>
-                <p:cond evt="onNext" delay="0">
-                  <p:tgtEl>
-                    <p:sldTgt/>
-                  </p:tgtEl>
-                </p:cond>
-              </p:nextCondLst>
-            </p:seq>
-          </p:childTnLst>
-        </p:cTn>
-      </p:par>
-    </p:tnLst>
-    <p:bldLst>
-      <p:bldP spid="6" grpId="0"/>
-    </p:bldLst>
-  </p:timing>
-</p:sld>
-</file>
-
-<file path=ppt/slides/slide13.xml><?xml version="1.0" encoding="utf-8"?>
-<p:sld xmlns:a="http://schemas.openxmlformats.org/drawingml/2006/main" xmlns:r="http://schemas.openxmlformats.org/officeDocument/2006/relationships" xmlns:p="http://schemas.openxmlformats.org/presentationml/2006/main">
-  <p:cSld>
-    <p:spTree>
-      <p:nvGrpSpPr>
-        <p:cNvPr id="1" name=""/>
-        <p:cNvGrpSpPr/>
-        <p:nvPr/>
-      </p:nvGrpSpPr>
-      <p:grpSpPr>
-        <a:xfrm>
-          <a:off x="0" y="0"/>
-          <a:ext cx="0" cy="0"/>
-          <a:chOff x="0" y="0"/>
-          <a:chExt cx="0" cy="0"/>
-        </a:xfrm>
-      </p:grpSpPr>
-      <p:pic>
-        <p:nvPicPr>
-          <p:cNvPr id="2" name="图片 1"/>
-          <p:cNvPicPr>
-            <a:picLocks noChangeAspect="1"/>
-          </p:cNvPicPr>
-          <p:nvPr/>
-        </p:nvPicPr>
-        <p:blipFill rotWithShape="1">
-          <a:blip r:embed="rId1"/>
-          <a:srcRect b="30952"/>
-          <a:stretch>
-            <a:fillRect/>
-          </a:stretch>
-        </p:blipFill>
-        <p:spPr>
-          <a:xfrm>
-            <a:off x="684872" y="5309554"/>
-            <a:ext cx="10548455" cy="1598339"/>
-          </a:xfrm>
-          <a:prstGeom prst="rect">
-            <a:avLst/>
-          </a:prstGeom>
-        </p:spPr>
-      </p:pic>
-      <p:pic>
-        <p:nvPicPr>
-          <p:cNvPr id="8" name="图形 7"/>
-          <p:cNvPicPr>
-            <a:picLocks noChangeAspect="1"/>
-          </p:cNvPicPr>
-          <p:nvPr/>
-        </p:nvPicPr>
-        <p:blipFill>
-          <a:blip r:embed="rId2">
-            <a:extLst>
-              <a:ext uri="{96DAC541-7B7A-43D3-8B79-37D633B846F1}">
-                <asvg:svgBlip xmlns:asvg="http://schemas.microsoft.com/office/drawing/2016/SVG/main" r:embed="rId3"/>
-              </a:ext>
-            </a:extLst>
-          </a:blip>
-          <a:stretch>
-            <a:fillRect/>
-          </a:stretch>
-        </p:blipFill>
-        <p:spPr>
-          <a:xfrm>
-            <a:off x="8618952" y="469432"/>
-            <a:ext cx="3057110" cy="561730"/>
-          </a:xfrm>
-          <a:prstGeom prst="rect">
-            <a:avLst/>
-          </a:prstGeom>
-        </p:spPr>
-      </p:pic>
-      <p:sp>
-        <p:nvSpPr>
-          <p:cNvPr id="9" name="文本框 8"/>
-          <p:cNvSpPr txBox="1"/>
-          <p:nvPr/>
-        </p:nvSpPr>
-        <p:spPr>
-          <a:xfrm>
-            <a:off x="516255" y="560070"/>
-            <a:ext cx="4444365" cy="645160"/>
-          </a:xfrm>
-          <a:prstGeom prst="rect">
-            <a:avLst/>
-          </a:prstGeom>
-          <a:noFill/>
-        </p:spPr>
-        <p:txBody>
-          <a:bodyPr wrap="square" rtlCol="0">
-            <a:spAutoFit/>
-          </a:bodyPr>
-          <a:lstStyle/>
+              <a:t>Thank You</a:t>
+            </a:r>
+          </a:p>
           <a:p>
             <a:pPr marL="0" marR="0" lvl="0" indent="0" algn="l" defTabSz="914400" rtl="0" eaLnBrk="1" fontAlgn="auto" latinLnBrk="0" hangingPunct="1">
               <a:lnSpc>
@@ -6709,416 +5709,6 @@
                   <a:noFill/>
                 </a:ln>
                 <a:solidFill>
-                  <a:srgbClr val="003F43"/>
-                </a:solidFill>
-                <a:effectLst/>
-                <a:uLnTx/>
-                <a:uFillTx/>
-                <a:latin typeface="Times New Roman" panose="02020603050405020304" charset="0"/>
-                <a:ea typeface="思源黑体 CN Bold" panose="020B0800000000000000" pitchFamily="34" charset="-122"/>
-                <a:cs typeface="Times New Roman" panose="02020603050405020304" charset="0"/>
-              </a:rPr>
-              <a:t>Future Work</a:t>
-            </a:r>
-            <a:endParaRPr kumimoji="0" lang="en-US" altLang="zh-CN" sz="3600" b="0" i="0" u="none" strike="noStrike" kern="1200" cap="none" spc="300" normalizeH="0" baseline="0" noProof="0" dirty="0">
-              <a:ln>
-                <a:noFill/>
-              </a:ln>
-              <a:solidFill>
-                <a:srgbClr val="003F43"/>
-              </a:solidFill>
-              <a:effectLst/>
-              <a:uLnTx/>
-              <a:uFillTx/>
-              <a:latin typeface="Times New Roman" panose="02020603050405020304" charset="0"/>
-              <a:ea typeface="思源黑体 CN Bold" panose="020B0800000000000000" pitchFamily="34" charset="-122"/>
-              <a:cs typeface="Times New Roman" panose="02020603050405020304" charset="0"/>
-            </a:endParaRPr>
-          </a:p>
-        </p:txBody>
-      </p:sp>
-      <p:sp>
-        <p:nvSpPr>
-          <p:cNvPr id="6" name="文本框 5"/>
-          <p:cNvSpPr txBox="1"/>
-          <p:nvPr/>
-        </p:nvSpPr>
-        <p:spPr>
-          <a:xfrm>
-            <a:off x="1034415" y="1620520"/>
-            <a:ext cx="8260715" cy="2168525"/>
-          </a:xfrm>
-          <a:prstGeom prst="rect">
-            <a:avLst/>
-          </a:prstGeom>
-          <a:noFill/>
-        </p:spPr>
-        <p:txBody>
-          <a:bodyPr wrap="square" rtlCol="0">
-            <a:spAutoFit/>
-          </a:bodyPr>
-          <a:lstStyle/>
-          <a:p>
-            <a:pPr marL="457200" lvl="0" indent="-457200">
-              <a:lnSpc>
-                <a:spcPct val="150000"/>
-              </a:lnSpc>
-              <a:spcBef>
-                <a:spcPts val="1200"/>
-              </a:spcBef>
-              <a:buFont typeface="Arial" panose="020B0604020202020204" pitchFamily="34" charset="0"/>
-              <a:buChar char="•"/>
-              <a:defRPr/>
-            </a:pPr>
-            <a:r>
-              <a:rPr lang="en-US" altLang="zh-CN" sz="2800" dirty="0">
-                <a:solidFill>
-                  <a:schemeClr val="bg2">
-                    <a:lumMod val="10000"/>
-                  </a:schemeClr>
-                </a:solidFill>
-                <a:latin typeface="Times New Roman" panose="02020603050405020304" charset="0"/>
-                <a:ea typeface="思源黑体 CN Bold" panose="020B0800000000000000"/>
-                <a:cs typeface="Times New Roman" panose="02020603050405020304" charset="0"/>
-              </a:rPr>
-              <a:t>Explore multi-objective optimization</a:t>
-            </a:r>
-            <a:r>
-              <a:rPr lang="en-US" altLang="zh-CN" sz="2800" dirty="0">
-                <a:solidFill>
-                  <a:schemeClr val="bg2">
-                    <a:lumMod val="10000"/>
-                  </a:schemeClr>
-                </a:solidFill>
-                <a:latin typeface="思源黑体 CN Regular"/>
-                <a:ea typeface="思源黑体 CN Bold" panose="020B0800000000000000"/>
-                <a:cs typeface="Calibri" panose="020F0502020204030204" pitchFamily="34" charset="0"/>
-              </a:rPr>
-              <a:t> </a:t>
-            </a:r>
-            <a:endParaRPr lang="en-US" altLang="zh-CN" sz="2800" dirty="0">
-              <a:solidFill>
-                <a:schemeClr val="bg2">
-                  <a:lumMod val="10000"/>
-                </a:schemeClr>
-              </a:solidFill>
-              <a:latin typeface="思源黑体 CN Regular"/>
-              <a:ea typeface="思源黑体 CN Bold" panose="020B0800000000000000"/>
-              <a:cs typeface="Calibri" panose="020F0502020204030204" pitchFamily="34" charset="0"/>
-            </a:endParaRPr>
-          </a:p>
-          <a:p>
-            <a:endParaRPr lang="en-US" altLang="zh-CN" sz="2800" dirty="0">
-              <a:solidFill>
-                <a:schemeClr val="bg2">
-                  <a:lumMod val="10000"/>
-                </a:schemeClr>
-              </a:solidFill>
-              <a:latin typeface="思源黑体 CN Regular"/>
-              <a:ea typeface="思源黑体 CN Bold" panose="020B0800000000000000"/>
-              <a:cs typeface="Calibri" panose="020F0502020204030204" pitchFamily="34" charset="0"/>
-            </a:endParaRPr>
-          </a:p>
-          <a:p>
-            <a:pPr indent="0">
-              <a:buFont typeface="Arial" panose="020B0604020202020204" pitchFamily="34" charset="0"/>
-              <a:buNone/>
-            </a:pPr>
-            <a:r>
-              <a:rPr lang="en-US" altLang="zh-CN" sz="2800" dirty="0">
-                <a:solidFill>
-                  <a:schemeClr val="bg2">
-                    <a:lumMod val="10000"/>
-                  </a:schemeClr>
-                </a:solidFill>
-                <a:latin typeface="思源黑体 CN Regular"/>
-                <a:ea typeface="思源黑体 CN Bold" panose="020B0800000000000000"/>
-                <a:cs typeface="Calibri" panose="020F0502020204030204" pitchFamily="34" charset="0"/>
-              </a:rPr>
-              <a:t> </a:t>
-            </a:r>
-            <a:endParaRPr lang="en-US" altLang="zh-CN" sz="2800" dirty="0">
-              <a:solidFill>
-                <a:schemeClr val="bg2">
-                  <a:lumMod val="10000"/>
-                </a:schemeClr>
-              </a:solidFill>
-              <a:latin typeface="思源黑体 CN Regular"/>
-              <a:ea typeface="思源黑体 CN Bold" panose="020B0800000000000000"/>
-              <a:cs typeface="Calibri" panose="020F0502020204030204" pitchFamily="34" charset="0"/>
-            </a:endParaRPr>
-          </a:p>
-          <a:p>
-            <a:pPr lvl="0">
-              <a:lnSpc>
-                <a:spcPct val="150000"/>
-              </a:lnSpc>
-              <a:spcBef>
-                <a:spcPts val="1200"/>
-              </a:spcBef>
-              <a:defRPr/>
-            </a:pPr>
-            <a:endParaRPr lang="zh-CN" altLang="en-US" dirty="0">
-              <a:solidFill>
-                <a:srgbClr val="06383C"/>
-              </a:solidFill>
-              <a:latin typeface="微软雅黑" panose="020B0503020204020204" pitchFamily="34" charset="-122"/>
-              <a:ea typeface="思源黑体 CN Bold" panose="020B0800000000000000"/>
-              <a:cs typeface="Open Sans" panose="020B0606030504020204" pitchFamily="34" charset="0"/>
-            </a:endParaRPr>
-          </a:p>
-        </p:txBody>
-      </p:sp>
-      <p:pic>
-        <p:nvPicPr>
-          <p:cNvPr id="4" name="图片 3"/>
-          <p:cNvPicPr>
-            <a:picLocks noChangeAspect="1"/>
-          </p:cNvPicPr>
-          <p:nvPr/>
-        </p:nvPicPr>
-        <p:blipFill>
-          <a:blip r:embed="rId4"/>
-          <a:stretch>
-            <a:fillRect/>
-          </a:stretch>
-        </p:blipFill>
-        <p:spPr>
-          <a:xfrm>
-            <a:off x="2988310" y="2950210"/>
-            <a:ext cx="6214745" cy="1907540"/>
-          </a:xfrm>
-          <a:prstGeom prst="rect">
-            <a:avLst/>
-          </a:prstGeom>
-        </p:spPr>
-      </p:pic>
-    </p:spTree>
-  </p:cSld>
-  <p:clrMapOvr>
-    <a:masterClrMapping/>
-  </p:clrMapOvr>
-  <p:timing>
-    <p:tnLst>
-      <p:par>
-        <p:cTn id="1" dur="indefinite" restart="never" nodeType="tmRoot">
-          <p:childTnLst>
-            <p:seq concurrent="1" nextAc="seek">
-              <p:cTn id="2" dur="indefinite" nodeType="mainSeq">
-                <p:childTnLst>
-                  <p:par>
-                    <p:cTn id="3" fill="hold">
-                      <p:stCondLst>
-                        <p:cond delay="indefinite"/>
-                      </p:stCondLst>
-                      <p:childTnLst>
-                        <p:par>
-                          <p:cTn id="4" fill="hold">
-                            <p:stCondLst>
-                              <p:cond delay="0"/>
-                            </p:stCondLst>
-                            <p:childTnLst>
-                              <p:par>
-                                <p:cTn id="5" presetID="1" presetClass="entr" presetSubtype="0" fill="hold" grpId="0" nodeType="clickEffect">
-                                  <p:stCondLst>
-                                    <p:cond delay="0"/>
-                                  </p:stCondLst>
-                                  <p:childTnLst>
-                                    <p:set>
-                                      <p:cBhvr>
-                                        <p:cTn id="6" dur="1" fill="hold">
-                                          <p:stCondLst>
-                                            <p:cond delay="0"/>
-                                          </p:stCondLst>
-                                        </p:cTn>
-                                        <p:tgtEl>
-                                          <p:spTgt spid="6"/>
-                                        </p:tgtEl>
-                                        <p:attrNameLst>
-                                          <p:attrName>style.visibility</p:attrName>
-                                        </p:attrNameLst>
-                                      </p:cBhvr>
-                                      <p:to>
-                                        <p:strVal val="visible"/>
-                                      </p:to>
-                                    </p:set>
-                                  </p:childTnLst>
-                                </p:cTn>
-                              </p:par>
-                            </p:childTnLst>
-                          </p:cTn>
-                        </p:par>
-                      </p:childTnLst>
-                    </p:cTn>
-                  </p:par>
-                </p:childTnLst>
-              </p:cTn>
-              <p:prevCondLst>
-                <p:cond evt="onPrev" delay="0">
-                  <p:tgtEl>
-                    <p:sldTgt/>
-                  </p:tgtEl>
-                </p:cond>
-              </p:prevCondLst>
-              <p:nextCondLst>
-                <p:cond evt="onNext" delay="0">
-                  <p:tgtEl>
-                    <p:sldTgt/>
-                  </p:tgtEl>
-                </p:cond>
-              </p:nextCondLst>
-            </p:seq>
-          </p:childTnLst>
-        </p:cTn>
-      </p:par>
-    </p:tnLst>
-    <p:bldLst>
-      <p:bldP spid="6" grpId="0"/>
-    </p:bldLst>
-  </p:timing>
-</p:sld>
-</file>
-
-<file path=ppt/slides/slide14.xml><?xml version="1.0" encoding="utf-8"?>
-<p:sld xmlns:a="http://schemas.openxmlformats.org/drawingml/2006/main" xmlns:r="http://schemas.openxmlformats.org/officeDocument/2006/relationships" xmlns:p="http://schemas.openxmlformats.org/presentationml/2006/main">
-  <p:cSld>
-    <p:spTree>
-      <p:nvGrpSpPr>
-        <p:cNvPr id="1" name=""/>
-        <p:cNvGrpSpPr/>
-        <p:nvPr/>
-      </p:nvGrpSpPr>
-      <p:grpSpPr>
-        <a:xfrm>
-          <a:off x="0" y="0"/>
-          <a:ext cx="0" cy="0"/>
-          <a:chOff x="0" y="0"/>
-          <a:chExt cx="0" cy="0"/>
-        </a:xfrm>
-      </p:grpSpPr>
-      <p:pic>
-        <p:nvPicPr>
-          <p:cNvPr id="11" name="图形 10"/>
-          <p:cNvPicPr>
-            <a:picLocks noChangeAspect="1"/>
-          </p:cNvPicPr>
-          <p:nvPr/>
-        </p:nvPicPr>
-        <p:blipFill>
-          <a:blip r:embed="rId1">
-            <a:extLst>
-              <a:ext uri="{96DAC541-7B7A-43D3-8B79-37D633B846F1}">
-                <asvg:svgBlip xmlns:asvg="http://schemas.microsoft.com/office/drawing/2016/SVG/main" r:embed="rId2"/>
-              </a:ext>
-            </a:extLst>
-          </a:blip>
-          <a:stretch>
-            <a:fillRect/>
-          </a:stretch>
-        </p:blipFill>
-        <p:spPr>
-          <a:xfrm>
-            <a:off x="-22536" y="4697875"/>
-            <a:ext cx="12214536" cy="2171700"/>
-          </a:xfrm>
-          <a:prstGeom prst="rect">
-            <a:avLst/>
-          </a:prstGeom>
-        </p:spPr>
-      </p:pic>
-      <p:sp>
-        <p:nvSpPr>
-          <p:cNvPr id="6" name="文本框 5"/>
-          <p:cNvSpPr txBox="1"/>
-          <p:nvPr/>
-        </p:nvSpPr>
-        <p:spPr>
-          <a:xfrm>
-            <a:off x="6450330" y="1859280"/>
-            <a:ext cx="4356735" cy="1703070"/>
-          </a:xfrm>
-          <a:prstGeom prst="rect">
-            <a:avLst/>
-          </a:prstGeom>
-          <a:noFill/>
-        </p:spPr>
-        <p:txBody>
-          <a:bodyPr wrap="none" rtlCol="0">
-            <a:noAutofit/>
-          </a:bodyPr>
-          <a:lstStyle/>
-          <a:p>
-            <a:pPr marL="0" marR="0" lvl="0" indent="0" algn="l" defTabSz="914400" rtl="0" eaLnBrk="1" fontAlgn="auto" latinLnBrk="0" hangingPunct="1">
-              <a:lnSpc>
-                <a:spcPct val="100000"/>
-              </a:lnSpc>
-              <a:spcBef>
-                <a:spcPts val="0"/>
-              </a:spcBef>
-              <a:spcAft>
-                <a:spcPts val="0"/>
-              </a:spcAft>
-              <a:buClrTx/>
-              <a:buSzTx/>
-              <a:buFontTx/>
-              <a:buNone/>
-              <a:defRPr/>
-            </a:pPr>
-            <a:r>
-              <a:rPr kumimoji="0" lang="en-US" altLang="zh-CN" sz="6000" b="0" i="0" u="none" strike="noStrike" kern="1200" cap="none" spc="300" normalizeH="0" baseline="0" noProof="0" dirty="0">
-                <a:ln>
-                  <a:noFill/>
-                </a:ln>
-                <a:solidFill>
-                  <a:srgbClr val="2BB7B3"/>
-                </a:solidFill>
-                <a:effectLst/>
-                <a:uLnTx/>
-                <a:uFillTx/>
-                <a:latin typeface="Times New Roman" panose="02020603050405020304" charset="0"/>
-                <a:ea typeface="思源黑体 CN Light" panose="020B0300000000000000" pitchFamily="34" charset="-122"/>
-                <a:cs typeface="Times New Roman" panose="02020603050405020304" charset="0"/>
-              </a:rPr>
-              <a:t>Thank You</a:t>
-            </a:r>
-            <a:endParaRPr kumimoji="0" lang="en-US" altLang="zh-CN" sz="6000" b="0" i="0" u="none" strike="noStrike" kern="1200" cap="none" spc="300" normalizeH="0" baseline="0" noProof="0" dirty="0">
-              <a:ln>
-                <a:noFill/>
-              </a:ln>
-              <a:solidFill>
-                <a:srgbClr val="2BB7B3"/>
-              </a:solidFill>
-              <a:effectLst/>
-              <a:uLnTx/>
-              <a:uFillTx/>
-              <a:latin typeface="Times New Roman" panose="02020603050405020304" charset="0"/>
-              <a:ea typeface="思源黑体 CN Light" panose="020B0300000000000000" pitchFamily="34" charset="-122"/>
-              <a:cs typeface="Times New Roman" panose="02020603050405020304" charset="0"/>
-            </a:endParaRPr>
-          </a:p>
-          <a:p>
-            <a:pPr marL="0" marR="0" lvl="0" indent="0" algn="l" defTabSz="914400" rtl="0" eaLnBrk="1" fontAlgn="auto" latinLnBrk="0" hangingPunct="1">
-              <a:lnSpc>
-                <a:spcPct val="100000"/>
-              </a:lnSpc>
-              <a:spcBef>
-                <a:spcPts val="0"/>
-              </a:spcBef>
-              <a:spcAft>
-                <a:spcPts val="0"/>
-              </a:spcAft>
-              <a:buClrTx/>
-              <a:buSzTx/>
-              <a:buFontTx/>
-              <a:buNone/>
-              <a:defRPr/>
-            </a:pPr>
-            <a:r>
-              <a:rPr kumimoji="0" lang="en-US" altLang="zh-CN" sz="3600" b="0" i="0" u="none" strike="noStrike" kern="1200" cap="none" spc="300" normalizeH="0" baseline="0" noProof="0" dirty="0">
-                <a:ln>
-                  <a:noFill/>
-                </a:ln>
-                <a:solidFill>
                   <a:srgbClr val="2F2E41"/>
                 </a:solidFill>
                 <a:effectLst/>
@@ -7130,20 +5720,6 @@
               </a:rPr>
               <a:t>for your listening</a:t>
             </a:r>
-            <a:endParaRPr kumimoji="0" lang="en-US" altLang="zh-CN" sz="3600" b="0" i="0" u="none" strike="noStrike" kern="1200" cap="none" spc="300" normalizeH="0" baseline="0" noProof="0" dirty="0">
-              <a:ln>
-                <a:noFill/>
-              </a:ln>
-              <a:solidFill>
-                <a:srgbClr val="2F2E41"/>
-              </a:solidFill>
-              <a:effectLst/>
-              <a:uLnTx/>
-              <a:uFillTx/>
-              <a:latin typeface="Times New Roman" panose="02020603050405020304" charset="0"/>
-              <a:ea typeface="思源黑体 CN Bold" panose="020B0800000000000000" pitchFamily="34" charset="-122"/>
-              <a:cs typeface="Times New Roman" panose="02020603050405020304" charset="0"/>
-            </a:endParaRPr>
           </a:p>
         </p:txBody>
       </p:sp>
@@ -7230,10 +5806,10 @@
           <p:nvPr/>
         </p:nvPicPr>
         <p:blipFill>
-          <a:blip r:embed="rId3">
+          <a:blip r:embed="rId4">
             <a:extLst>
               <a:ext uri="{96DAC541-7B7A-43D3-8B79-37D633B846F1}">
-                <asvg:svgBlip xmlns:asvg="http://schemas.microsoft.com/office/drawing/2016/SVG/main" r:embed="rId4"/>
+                <asvg:svgBlip xmlns:asvg="http://schemas.microsoft.com/office/drawing/2016/SVG/main" r:embed="rId5"/>
               </a:ext>
             </a:extLst>
           </a:blip>
@@ -7260,13 +5836,13 @@
           <p:nvPr/>
         </p:nvPicPr>
         <p:blipFill>
-          <a:blip r:embed="rId5">
+          <a:blip r:embed="rId6">
             <a:extLst>
               <a:ext uri="{28A0092B-C50C-407E-A947-70E740481C1C}">
                 <a14:useLocalDpi xmlns:a14="http://schemas.microsoft.com/office/drawing/2010/main" val="0"/>
               </a:ext>
               <a:ext uri="{96DAC541-7B7A-43D3-8B79-37D633B846F1}">
-                <asvg:svgBlip xmlns:asvg="http://schemas.microsoft.com/office/drawing/2016/SVG/main" r:embed="rId6"/>
+                <asvg:svgBlip xmlns:asvg="http://schemas.microsoft.com/office/drawing/2016/SVG/main" r:embed="rId7"/>
               </a:ext>
             </a:extLst>
           </a:blip>
@@ -7319,7 +5895,7 @@
           <p:nvPr/>
         </p:nvPicPr>
         <p:blipFill rotWithShape="1">
-          <a:blip r:embed="rId1"/>
+          <a:blip r:embed="rId2"/>
           <a:srcRect b="30952"/>
           <a:stretch>
             <a:fillRect/>
@@ -7344,10 +5920,10 @@
           <p:nvPr/>
         </p:nvPicPr>
         <p:blipFill>
-          <a:blip r:embed="rId2">
+          <a:blip r:embed="rId3">
             <a:extLst>
               <a:ext uri="{96DAC541-7B7A-43D3-8B79-37D633B846F1}">
-                <asvg:svgBlip xmlns:asvg="http://schemas.microsoft.com/office/drawing/2016/SVG/main" r:embed="rId3"/>
+                <asvg:svgBlip xmlns:asvg="http://schemas.microsoft.com/office/drawing/2016/SVG/main" r:embed="rId4"/>
               </a:ext>
             </a:extLst>
           </a:blip>
@@ -7374,7 +5950,7 @@
         <p:spPr>
           <a:xfrm>
             <a:off x="515938" y="560070"/>
-            <a:ext cx="2900680" cy="645160"/>
+            <a:ext cx="3063467" cy="646331"/>
           </a:xfrm>
           <a:prstGeom prst="rect">
             <a:avLst/>
@@ -7412,7 +5988,7 @@
                 <a:ea typeface="思源黑体 CN Bold" panose="020B0800000000000000" pitchFamily="34" charset="-122"/>
                 <a:cs typeface="Times New Roman" panose="02020603050405020304" charset="0"/>
               </a:rPr>
-              <a:t>Introduction</a:t>
+              <a:t>Topic review</a:t>
             </a:r>
             <a:endParaRPr kumimoji="0" lang="zh-CN" altLang="en-US" sz="3600" b="0" i="0" u="none" strike="noStrike" kern="1200" cap="none" spc="300" normalizeH="0" baseline="0" noProof="0" dirty="0">
               <a:ln>
@@ -7453,7 +6029,52 @@
           </a:bodyPr>
           <a:lstStyle/>
           <a:p>
-            <a:pPr marL="800100" lvl="1" indent="-342900" algn="just">
+            <a:pPr marL="800100" lvl="1" indent="-342900">
+              <a:buFont typeface="Arial" panose="020B0604020202020204" pitchFamily="34" charset="0"/>
+              <a:buChar char="•"/>
+            </a:pPr>
+            <a:r>
+              <a:rPr lang="en-US" altLang="zh-CN" sz="2400" b="1" dirty="0">
+                <a:solidFill>
+                  <a:schemeClr val="bg2">
+                    <a:lumMod val="10000"/>
+                  </a:schemeClr>
+                </a:solidFill>
+                <a:latin typeface="Times New Roman" panose="02020603050405020304" charset="0"/>
+                <a:ea typeface="微软雅黑" panose="020B0503020204020204" pitchFamily="34" charset="-122"/>
+                <a:cs typeface="Times New Roman" panose="02020603050405020304" charset="0"/>
+              </a:rPr>
+              <a:t>Main Goal</a:t>
+            </a:r>
+            <a:r>
+              <a:rPr lang="zh-CN" altLang="en-US" sz="2400" b="1" dirty="0">
+                <a:solidFill>
+                  <a:schemeClr val="bg2">
+                    <a:lumMod val="10000"/>
+                  </a:schemeClr>
+                </a:solidFill>
+                <a:latin typeface="Times New Roman" panose="02020603050405020304" charset="0"/>
+                <a:ea typeface="微软雅黑" panose="020B0503020204020204" pitchFamily="34" charset="-122"/>
+                <a:cs typeface="Times New Roman" panose="02020603050405020304" charset="0"/>
+              </a:rPr>
+              <a:t>：</a:t>
+            </a:r>
+            <a:r>
+              <a:rPr lang="en-US" altLang="zh-CN" sz="2400" dirty="0">
+                <a:solidFill>
+                  <a:schemeClr val="bg2">
+                    <a:lumMod val="10000"/>
+                  </a:schemeClr>
+                </a:solidFill>
+                <a:latin typeface="Times New Roman" panose="02020603050405020304" charset="0"/>
+                <a:ea typeface="思源黑体 CN Bold" panose="020B0800000000000000"/>
+                <a:cs typeface="Times New Roman" panose="02020603050405020304" charset="0"/>
+              </a:rPr>
+              <a:t> Apply evolutionary algorithms to search the NAS-Bench-101 cell space. </a:t>
+            </a:r>
+          </a:p>
+          <a:p>
+            <a:pPr marL="800100" lvl="1" indent="-342900">
               <a:buFont typeface="Arial" panose="020B0604020202020204" pitchFamily="34" charset="0"/>
               <a:buChar char="•"/>
             </a:pPr>
@@ -7481,34 +6102,8 @@
                 <a:ea typeface="微软雅黑" panose="020B0503020204020204" pitchFamily="34" charset="-122"/>
                 <a:cs typeface="Times New Roman" panose="02020603050405020304" charset="0"/>
               </a:rPr>
-              <a:t>aims to automatically design neural network architectures by exploring a large and discrete search space. However, real NAS is extremely costly because each candidate architecture must be fully trained, making fair and controlled comparisons difficult.</a:t>
-            </a:r>
-            <a:endParaRPr lang="en-US" altLang="zh-CN" sz="2400" dirty="0">
-              <a:solidFill>
-                <a:schemeClr val="bg2">
-                  <a:lumMod val="10000"/>
-                </a:schemeClr>
-              </a:solidFill>
-              <a:latin typeface="Times New Roman" panose="02020603050405020304" charset="0"/>
-              <a:ea typeface="微软雅黑" panose="020B0503020204020204" pitchFamily="34" charset="-122"/>
-              <a:cs typeface="Times New Roman" panose="02020603050405020304" charset="0"/>
-            </a:endParaRPr>
-          </a:p>
-          <a:p>
-            <a:pPr marL="800100" lvl="1" indent="-342900" algn="just">
-              <a:buFont typeface="Arial" panose="020B0604020202020204" pitchFamily="34" charset="0"/>
-              <a:buChar char="•"/>
-            </a:pPr>
-            <a:endParaRPr lang="en-US" altLang="zh-CN" sz="2400" dirty="0">
-              <a:solidFill>
-                <a:schemeClr val="bg2">
-                  <a:lumMod val="10000"/>
-                </a:schemeClr>
-              </a:solidFill>
-              <a:latin typeface="Times New Roman" panose="02020603050405020304" charset="0"/>
-              <a:ea typeface="微软雅黑" panose="020B0503020204020204" pitchFamily="34" charset="-122"/>
-              <a:cs typeface="Times New Roman" panose="02020603050405020304" charset="0"/>
-            </a:endParaRPr>
+              <a:t>aims to automatically design neural network architectures by exploring a large and discrete search space. </a:t>
+            </a:r>
           </a:p>
           <a:p>
             <a:pPr marL="800100" lvl="1" indent="-342900" algn="just">
@@ -7552,54 +6147,6 @@
           </a:p>
         </p:txBody>
       </p:sp>
-      <p:pic>
-        <p:nvPicPr>
-          <p:cNvPr id="3" name="图片 2"/>
-          <p:cNvPicPr>
-            <a:picLocks noChangeAspect="1"/>
-          </p:cNvPicPr>
-          <p:nvPr/>
-        </p:nvPicPr>
-        <p:blipFill>
-          <a:blip r:embed="rId4"/>
-          <a:stretch>
-            <a:fillRect/>
-          </a:stretch>
-        </p:blipFill>
-        <p:spPr>
-          <a:xfrm>
-            <a:off x="9982835" y="1306830"/>
-            <a:ext cx="1696720" cy="2432050"/>
-          </a:xfrm>
-          <a:prstGeom prst="rect">
-            <a:avLst/>
-          </a:prstGeom>
-        </p:spPr>
-      </p:pic>
-      <p:pic>
-        <p:nvPicPr>
-          <p:cNvPr id="4" name="图片 3"/>
-          <p:cNvPicPr>
-            <a:picLocks noChangeAspect="1"/>
-          </p:cNvPicPr>
-          <p:nvPr/>
-        </p:nvPicPr>
-        <p:blipFill>
-          <a:blip r:embed="rId5"/>
-          <a:stretch>
-            <a:fillRect/>
-          </a:stretch>
-        </p:blipFill>
-        <p:spPr>
-          <a:xfrm>
-            <a:off x="9982835" y="3806190"/>
-            <a:ext cx="2021205" cy="1934210"/>
-          </a:xfrm>
-          <a:prstGeom prst="rect">
-            <a:avLst/>
-          </a:prstGeom>
-        </p:spPr>
-      </p:pic>
     </p:spTree>
   </p:cSld>
   <p:clrMapOvr>
@@ -7712,7 +6259,7 @@
           <p:nvPr/>
         </p:nvPicPr>
         <p:blipFill rotWithShape="1">
-          <a:blip r:embed="rId1"/>
+          <a:blip r:embed="rId2"/>
           <a:srcRect b="30952"/>
           <a:stretch>
             <a:fillRect/>
@@ -7737,10 +6284,10 @@
           <p:nvPr/>
         </p:nvPicPr>
         <p:blipFill>
-          <a:blip r:embed="rId2">
+          <a:blip r:embed="rId3">
             <a:extLst>
               <a:ext uri="{96DAC541-7B7A-43D3-8B79-37D633B846F1}">
-                <asvg:svgBlip xmlns:asvg="http://schemas.microsoft.com/office/drawing/2016/SVG/main" r:embed="rId3"/>
+                <asvg:svgBlip xmlns:asvg="http://schemas.microsoft.com/office/drawing/2016/SVG/main" r:embed="rId4"/>
               </a:ext>
             </a:extLst>
           </a:blip>
@@ -7767,7 +6314,7 @@
         <p:spPr>
           <a:xfrm>
             <a:off x="515938" y="560070"/>
-            <a:ext cx="1440180" cy="645160"/>
+            <a:ext cx="3217356" cy="646331"/>
           </a:xfrm>
           <a:prstGeom prst="rect">
             <a:avLst/>
@@ -7811,22 +6358,8 @@
                 <a:ea typeface="思源黑体 CN Bold" panose="020B0800000000000000" pitchFamily="34" charset="-122"/>
                 <a:cs typeface="Times New Roman" panose="02020603050405020304" charset="0"/>
               </a:rPr>
-              <a:t>Goals</a:t>
-            </a:r>
-            <a:endParaRPr kumimoji="0" lang="en-US" altLang="zh-CN" sz="3600" b="0" i="0" u="none" strike="noStrike" kern="1200" cap="none" spc="300" normalizeH="0" baseline="0" noProof="0" dirty="0">
-              <a:ln>
-                <a:noFill/>
-              </a:ln>
-              <a:solidFill>
-                <a:srgbClr val="003F43"/>
-              </a:solidFill>
-              <a:effectLst/>
-              <a:uLnTx/>
-              <a:uFillTx/>
-              <a:latin typeface="Times New Roman" panose="02020603050405020304" charset="0"/>
-              <a:ea typeface="思源黑体 CN Bold" panose="020B0800000000000000" pitchFamily="34" charset="-122"/>
-              <a:cs typeface="Times New Roman" panose="02020603050405020304" charset="0"/>
-            </a:endParaRPr>
+              <a:t>Topic Review</a:t>
+            </a:r>
           </a:p>
         </p:txBody>
       </p:sp>
@@ -7838,8 +6371,8 @@
         </p:nvSpPr>
         <p:spPr>
           <a:xfrm>
-            <a:off x="1034251" y="1906470"/>
-            <a:ext cx="9584914" cy="3415030"/>
+            <a:off x="1034251" y="1620720"/>
+            <a:ext cx="9584914" cy="460375"/>
           </a:xfrm>
           <a:prstGeom prst="rect">
             <a:avLst/>
@@ -7864,187 +6397,35 @@
                 <a:ea typeface="思源黑体 CN Bold" panose="020B0800000000000000"/>
                 <a:cs typeface="Times New Roman" panose="02020603050405020304" charset="0"/>
               </a:rPr>
-              <a:t>Based on these motivations, we plan to apply an evolutionary algorithm to search the NAS-Bench-101 cell space.</a:t>
-            </a:r>
-            <a:endParaRPr lang="en-US" altLang="zh-CN" sz="2400" dirty="0">
-              <a:solidFill>
-                <a:schemeClr val="bg2">
-                  <a:lumMod val="10000"/>
-                </a:schemeClr>
-              </a:solidFill>
-              <a:latin typeface="Times New Roman" panose="02020603050405020304" charset="0"/>
-              <a:ea typeface="思源黑体 CN Bold" panose="020B0800000000000000"/>
-              <a:cs typeface="Times New Roman" panose="02020603050405020304" charset="0"/>
-            </a:endParaRPr>
-          </a:p>
-          <a:p>
-            <a:pPr lvl="1"/>
-            <a:endParaRPr lang="en-US" altLang="zh-CN" sz="2400" dirty="0">
-              <a:solidFill>
-                <a:schemeClr val="bg2">
-                  <a:lumMod val="10000"/>
-                </a:schemeClr>
-              </a:solidFill>
-              <a:latin typeface="Times New Roman" panose="02020603050405020304" charset="0"/>
-              <a:ea typeface="思源黑体 CN Bold" panose="020B0800000000000000"/>
-              <a:cs typeface="Times New Roman" panose="02020603050405020304" charset="0"/>
-            </a:endParaRPr>
-          </a:p>
-          <a:p>
-            <a:pPr lvl="1"/>
-            <a:r>
-              <a:rPr lang="en-US" altLang="zh-CN" sz="2400" dirty="0">
-                <a:solidFill>
-                  <a:schemeClr val="bg2">
-                    <a:lumMod val="10000"/>
-                  </a:schemeClr>
-                </a:solidFill>
-                <a:latin typeface="Times New Roman" panose="02020603050405020304" charset="0"/>
-                <a:ea typeface="思源黑体 CN Bold" panose="020B0800000000000000"/>
-                <a:cs typeface="Times New Roman" panose="02020603050405020304" charset="0"/>
-              </a:rPr>
-              <a:t>Specifically</a:t>
-            </a:r>
-            <a:r>
-              <a:rPr lang="zh-CN" altLang="en-US" sz="2400" dirty="0">
-                <a:solidFill>
-                  <a:schemeClr val="bg2">
-                    <a:lumMod val="10000"/>
-                  </a:schemeClr>
-                </a:solidFill>
-                <a:latin typeface="Times New Roman" panose="02020603050405020304" charset="0"/>
-                <a:ea typeface="思源黑体 CN Bold" panose="020B0800000000000000"/>
-                <a:cs typeface="Times New Roman" panose="02020603050405020304" charset="0"/>
-              </a:rPr>
-              <a:t>：</a:t>
-            </a:r>
-            <a:endParaRPr lang="en-US" altLang="zh-CN" sz="2400" dirty="0">
-              <a:solidFill>
-                <a:schemeClr val="bg2">
-                  <a:lumMod val="10000"/>
-                </a:schemeClr>
-              </a:solidFill>
-              <a:latin typeface="Times New Roman" panose="02020603050405020304" charset="0"/>
-              <a:ea typeface="思源黑体 CN Bold" panose="020B0800000000000000"/>
-              <a:cs typeface="Times New Roman" panose="02020603050405020304" charset="0"/>
-            </a:endParaRPr>
-          </a:p>
-          <a:p>
-            <a:pPr marL="800100" lvl="1" indent="-342900">
-              <a:buFont typeface="Arial" panose="020B0604020202020204" pitchFamily="34" charset="0"/>
-              <a:buChar char="•"/>
-            </a:pPr>
-            <a:r>
-              <a:rPr lang="en-US" altLang="zh-CN" sz="2400" dirty="0">
-                <a:solidFill>
-                  <a:schemeClr val="bg2">
-                    <a:lumMod val="10000"/>
-                  </a:schemeClr>
-                </a:solidFill>
-                <a:latin typeface="Times New Roman" panose="02020603050405020304" charset="0"/>
-                <a:ea typeface="思源黑体 CN Bold" panose="020B0800000000000000"/>
-                <a:cs typeface="Times New Roman" panose="02020603050405020304" charset="0"/>
-              </a:rPr>
-              <a:t>Encoding architectures using adjacency matrices and operation labels, </a:t>
-            </a:r>
-            <a:endParaRPr lang="en-US" altLang="zh-CN" sz="2400" dirty="0">
-              <a:solidFill>
-                <a:schemeClr val="bg2">
-                  <a:lumMod val="10000"/>
-                </a:schemeClr>
-              </a:solidFill>
-              <a:latin typeface="Times New Roman" panose="02020603050405020304" charset="0"/>
-              <a:ea typeface="思源黑体 CN Bold" panose="020B0800000000000000"/>
-              <a:cs typeface="Times New Roman" panose="02020603050405020304" charset="0"/>
-            </a:endParaRPr>
-          </a:p>
-          <a:p>
-            <a:pPr marL="800100" lvl="1" indent="-342900">
-              <a:buFont typeface="Arial" panose="020B0604020202020204" pitchFamily="34" charset="0"/>
-              <a:buChar char="•"/>
-            </a:pPr>
-            <a:r>
-              <a:rPr lang="en-US" altLang="zh-CN" sz="2400" dirty="0">
-                <a:solidFill>
-                  <a:schemeClr val="bg2">
-                    <a:lumMod val="10000"/>
-                  </a:schemeClr>
-                </a:solidFill>
-                <a:latin typeface="Times New Roman" panose="02020603050405020304" charset="0"/>
-                <a:ea typeface="思源黑体 CN Bold" panose="020B0800000000000000"/>
-                <a:cs typeface="Times New Roman" panose="02020603050405020304" charset="0"/>
-              </a:rPr>
-              <a:t>Evolve a population through mutation and selection,</a:t>
-            </a:r>
-            <a:endParaRPr lang="en-US" altLang="zh-CN" sz="2400" dirty="0">
-              <a:solidFill>
-                <a:schemeClr val="bg2">
-                  <a:lumMod val="10000"/>
-                </a:schemeClr>
-              </a:solidFill>
-              <a:latin typeface="Times New Roman" panose="02020603050405020304" charset="0"/>
-              <a:ea typeface="思源黑体 CN Bold" panose="020B0800000000000000"/>
-              <a:cs typeface="Times New Roman" panose="02020603050405020304" charset="0"/>
-            </a:endParaRPr>
-          </a:p>
-          <a:p>
-            <a:pPr marL="800100" lvl="1" indent="-342900">
-              <a:buFont typeface="Arial" panose="020B0604020202020204" pitchFamily="34" charset="0"/>
-              <a:buChar char="•"/>
-            </a:pPr>
-            <a:r>
-              <a:rPr lang="en-US" altLang="zh-CN" sz="2400" dirty="0">
-                <a:solidFill>
-                  <a:schemeClr val="bg2">
-                    <a:lumMod val="10000"/>
-                  </a:schemeClr>
-                </a:solidFill>
-                <a:latin typeface="Times New Roman" panose="02020603050405020304" charset="0"/>
-                <a:ea typeface="思源黑体 CN Bold" panose="020B0800000000000000"/>
-                <a:cs typeface="Times New Roman" panose="02020603050405020304" charset="0"/>
-              </a:rPr>
-              <a:t>Query their accuracy from the NAS-Bench-101 lookup table, </a:t>
-            </a:r>
-            <a:endParaRPr lang="en-US" altLang="zh-CN" sz="2400" dirty="0">
-              <a:solidFill>
-                <a:schemeClr val="bg2">
-                  <a:lumMod val="10000"/>
-                </a:schemeClr>
-              </a:solidFill>
-              <a:latin typeface="Times New Roman" panose="02020603050405020304" charset="0"/>
-              <a:ea typeface="思源黑体 CN Bold" panose="020B0800000000000000"/>
-              <a:cs typeface="Times New Roman" panose="02020603050405020304" charset="0"/>
-            </a:endParaRPr>
-          </a:p>
-          <a:p>
-            <a:pPr marL="800100" lvl="1" indent="-342900">
-              <a:buFont typeface="Arial" panose="020B0604020202020204" pitchFamily="34" charset="0"/>
-              <a:buChar char="•"/>
-            </a:pPr>
-            <a:r>
-              <a:rPr lang="en-US" altLang="zh-CN" sz="2400" dirty="0">
-                <a:solidFill>
-                  <a:schemeClr val="bg2">
-                    <a:lumMod val="10000"/>
-                  </a:schemeClr>
-                </a:solidFill>
-                <a:latin typeface="Times New Roman" panose="02020603050405020304" charset="0"/>
-                <a:ea typeface="思源黑体 CN Bold" panose="020B0800000000000000"/>
-                <a:cs typeface="Times New Roman" panose="02020603050405020304" charset="0"/>
-              </a:rPr>
-              <a:t>Analyze how EA explores the search space, converges, and identifies high-performing cell structures.</a:t>
-            </a:r>
-            <a:endParaRPr lang="zh-CN" altLang="en-US" dirty="0">
-              <a:solidFill>
-                <a:srgbClr val="06383C"/>
-              </a:solidFill>
-              <a:latin typeface="Times New Roman" panose="02020603050405020304" charset="0"/>
-              <a:ea typeface="思源黑体 CN Bold" panose="020B0800000000000000"/>
-              <a:cs typeface="Times New Roman" panose="02020603050405020304" charset="0"/>
-            </a:endParaRPr>
+              <a:t>NAS-Bench-101: Towards Reproducible Neural Architecture Search</a:t>
+            </a:r>
           </a:p>
         </p:txBody>
       </p:sp>
+      <p:pic>
+        <p:nvPicPr>
+          <p:cNvPr id="3" name="图片 2"/>
+          <p:cNvPicPr>
+            <a:picLocks noChangeAspect="1"/>
+          </p:cNvPicPr>
+          <p:nvPr/>
+        </p:nvPicPr>
+        <p:blipFill>
+          <a:blip r:embed="rId5"/>
+          <a:stretch>
+            <a:fillRect/>
+          </a:stretch>
+        </p:blipFill>
+        <p:spPr>
+          <a:xfrm>
+            <a:off x="2350135" y="2601595"/>
+            <a:ext cx="6953250" cy="3238500"/>
+          </a:xfrm>
+          <a:prstGeom prst="rect">
+            <a:avLst/>
+          </a:prstGeom>
+        </p:spPr>
+      </p:pic>
     </p:spTree>
   </p:cSld>
   <p:clrMapOvr>
@@ -8157,7 +6538,7 @@
           <p:nvPr/>
         </p:nvPicPr>
         <p:blipFill rotWithShape="1">
-          <a:blip r:embed="rId1"/>
+          <a:blip r:embed="rId2"/>
           <a:srcRect b="30952"/>
           <a:stretch>
             <a:fillRect/>
@@ -8182,10 +6563,10 @@
           <p:nvPr/>
         </p:nvPicPr>
         <p:blipFill>
-          <a:blip r:embed="rId2">
+          <a:blip r:embed="rId3">
             <a:extLst>
               <a:ext uri="{96DAC541-7B7A-43D3-8B79-37D633B846F1}">
-                <asvg:svgBlip xmlns:asvg="http://schemas.microsoft.com/office/drawing/2016/SVG/main" r:embed="rId3"/>
+                <asvg:svgBlip xmlns:asvg="http://schemas.microsoft.com/office/drawing/2016/SVG/main" r:embed="rId4"/>
               </a:ext>
             </a:extLst>
           </a:blip>
@@ -8212,7 +6593,7 @@
         <p:spPr>
           <a:xfrm>
             <a:off x="515938" y="560070"/>
-            <a:ext cx="3147060" cy="645160"/>
+            <a:ext cx="3065780" cy="645160"/>
           </a:xfrm>
           <a:prstGeom prst="rect">
             <a:avLst/>
@@ -8242,23 +6623,17 @@
               <a:defRPr/>
             </a:pPr>
             <a:r>
-              <a:rPr kumimoji="0" lang="en-US" altLang="zh-CN" sz="3600" b="0" i="0" u="none" strike="noStrike" kern="1200" cap="none" spc="300" normalizeH="0" baseline="0" noProof="0" dirty="0">
-                <a:ln>
-                  <a:noFill/>
-                </a:ln>
+              <a:rPr lang="en-US" altLang="zh-CN" sz="3600" spc="300" dirty="0">
                 <a:solidFill>
                   <a:srgbClr val="003F43"/>
                 </a:solidFill>
-                <a:effectLst/>
-                <a:uLnTx/>
-                <a:uFillTx/>
                 <a:latin typeface="Times New Roman" panose="02020603050405020304" charset="0"/>
                 <a:ea typeface="思源黑体 CN Bold" panose="020B0800000000000000" pitchFamily="34" charset="-122"/>
                 <a:cs typeface="Times New Roman" panose="02020603050405020304" charset="0"/>
               </a:rPr>
-              <a:t>Related Work</a:t>
-            </a:r>
-            <a:endParaRPr kumimoji="0" lang="en-US" altLang="zh-CN" sz="3600" b="0" i="0" u="none" strike="noStrike" kern="1200" cap="none" spc="300" normalizeH="0" baseline="0" noProof="0" dirty="0">
+              <a:t>Methodology</a:t>
+            </a:r>
+            <a:endParaRPr kumimoji="0" lang="zh-CN" altLang="en-US" sz="3600" b="0" i="0" u="none" strike="noStrike" kern="1200" cap="none" spc="300" normalizeH="0" baseline="0" noProof="0" dirty="0">
               <a:ln>
                 <a:noFill/>
               </a:ln>
@@ -8284,7 +6659,7 @@
         <p:spPr>
           <a:xfrm>
             <a:off x="1034251" y="1620720"/>
-            <a:ext cx="9584914" cy="460375"/>
+            <a:ext cx="5181600" cy="3215005"/>
           </a:xfrm>
           <a:prstGeom prst="rect">
             <a:avLst/>
@@ -8296,6 +6671,45 @@
             <a:spAutoFit/>
           </a:bodyPr>
           <a:lstStyle/>
+          <a:p>
+            <a:pPr marL="457200" lvl="0" indent="-457200">
+              <a:lnSpc>
+                <a:spcPct val="150000"/>
+              </a:lnSpc>
+              <a:spcBef>
+                <a:spcPts val="1200"/>
+              </a:spcBef>
+              <a:buFont typeface="Arial" panose="020B0604020202020204" pitchFamily="34" charset="0"/>
+              <a:buChar char="•"/>
+              <a:defRPr/>
+            </a:pPr>
+            <a:r>
+              <a:rPr lang="en-US" altLang="zh-CN" sz="2800" dirty="0">
+                <a:solidFill>
+                  <a:schemeClr val="bg2">
+                    <a:lumMod val="10000"/>
+                  </a:schemeClr>
+                </a:solidFill>
+                <a:latin typeface="Times New Roman" panose="02020603050405020304" charset="0"/>
+                <a:ea typeface="思源黑体 CN Bold" panose="020B0800000000000000"/>
+                <a:cs typeface="Times New Roman" panose="02020603050405020304" charset="0"/>
+              </a:rPr>
+              <a:t>Representation</a:t>
+            </a:r>
+            <a:r>
+              <a:rPr lang="en-US" altLang="zh-CN" sz="2800" b="1" dirty="0">
+                <a:solidFill>
+                  <a:schemeClr val="bg2">
+                    <a:lumMod val="10000"/>
+                  </a:schemeClr>
+                </a:solidFill>
+                <a:latin typeface="Times New Roman" panose="02020603050405020304" charset="0"/>
+                <a:ea typeface="思源黑体 CN Bold" panose="020B0800000000000000"/>
+                <a:cs typeface="Times New Roman" panose="02020603050405020304" charset="0"/>
+              </a:rPr>
+              <a:t>:</a:t>
+            </a:r>
+          </a:p>
           <a:p>
             <a:pPr lvl="1"/>
             <a:r>
@@ -8309,7 +6723,39 @@
                 <a:ea typeface="思源黑体 CN Bold" panose="020B0800000000000000"/>
                 <a:cs typeface="Times New Roman" panose="02020603050405020304" charset="0"/>
               </a:rPr>
-              <a:t>NAS-Bench-101: Towards Reproducible Neural Architecture Search</a:t>
+              <a:t>  0 → 1×1 Convolution</a:t>
+            </a:r>
+          </a:p>
+          <a:p>
+            <a:pPr lvl="1"/>
+            <a:r>
+              <a:rPr lang="en-US" altLang="zh-CN" sz="2400" dirty="0">
+                <a:solidFill>
+                  <a:schemeClr val="bg2">
+                    <a:lumMod val="10000"/>
+                  </a:schemeClr>
+                </a:solidFill>
+                <a:latin typeface="Times New Roman" panose="02020603050405020304" charset="0"/>
+                <a:ea typeface="思源黑体 CN Bold" panose="020B0800000000000000"/>
+                <a:cs typeface="Times New Roman" panose="02020603050405020304" charset="0"/>
+              </a:rPr>
+              <a:t>  1 → 3×3 Convolution</a:t>
+            </a:r>
+          </a:p>
+          <a:p>
+            <a:pPr lvl="1"/>
+            <a:r>
+              <a:rPr lang="en-US" altLang="zh-CN" sz="2400" dirty="0">
+                <a:solidFill>
+                  <a:schemeClr val="bg2">
+                    <a:lumMod val="10000"/>
+                  </a:schemeClr>
+                </a:solidFill>
+                <a:latin typeface="Times New Roman" panose="02020603050405020304" charset="0"/>
+                <a:ea typeface="思源黑体 CN Bold" panose="020B0800000000000000"/>
+                <a:cs typeface="Times New Roman" panose="02020603050405020304" charset="0"/>
+              </a:rPr>
+              <a:t>  2 → 3×3 Max Pooling</a:t>
             </a:r>
             <a:endParaRPr lang="en-US" altLang="zh-CN" sz="2400" dirty="0">
               <a:solidFill>
@@ -8317,31 +6763,201 @@
                   <a:lumMod val="10000"/>
                 </a:schemeClr>
               </a:solidFill>
-              <a:latin typeface="Times New Roman" panose="02020603050405020304" charset="0"/>
+              <a:latin typeface="思源黑体 CN Regular"/>
               <a:ea typeface="思源黑体 CN Bold" panose="020B0800000000000000"/>
-              <a:cs typeface="Times New Roman" panose="02020603050405020304" charset="0"/>
+              <a:cs typeface="Calibri" panose="020F0502020204030204" pitchFamily="34" charset="0"/>
             </a:endParaRPr>
+          </a:p>
+          <a:p>
+            <a:endParaRPr lang="en-US" altLang="zh-CN" sz="2400" dirty="0">
+              <a:solidFill>
+                <a:schemeClr val="bg2">
+                  <a:lumMod val="10000"/>
+                </a:schemeClr>
+              </a:solidFill>
+              <a:latin typeface="思源黑体 CN Regular"/>
+              <a:ea typeface="思源黑体 CN Bold" panose="020B0800000000000000"/>
+              <a:cs typeface="Calibri" panose="020F0502020204030204" pitchFamily="34" charset="0"/>
+            </a:endParaRPr>
+          </a:p>
+          <a:p>
+            <a:pPr marL="457200" indent="-457200">
+              <a:buFont typeface="Arial" panose="020B0604020202020204" pitchFamily="34" charset="0"/>
+              <a:buChar char="•"/>
+            </a:pPr>
+            <a:r>
+              <a:rPr lang="en-US" altLang="zh-CN" sz="2800" dirty="0">
+                <a:solidFill>
+                  <a:schemeClr val="bg2">
+                    <a:lumMod val="10000"/>
+                  </a:schemeClr>
+                </a:solidFill>
+                <a:latin typeface="Times New Roman" panose="02020603050405020304" charset="0"/>
+                <a:ea typeface="思源黑体 CN Bold" panose="020B0800000000000000"/>
+                <a:cs typeface="Times New Roman" panose="02020603050405020304" charset="0"/>
+              </a:rPr>
+              <a:t>Fitness:</a:t>
+            </a:r>
+            <a:endParaRPr lang="en-US" altLang="zh-CN" sz="2800" dirty="0">
+              <a:solidFill>
+                <a:schemeClr val="bg2">
+                  <a:lumMod val="10000"/>
+                </a:schemeClr>
+              </a:solidFill>
+              <a:latin typeface="思源黑体 CN Regular"/>
+              <a:ea typeface="思源黑体 CN Bold" panose="020B0800000000000000"/>
+              <a:cs typeface="Calibri" panose="020F0502020204030204" pitchFamily="34" charset="0"/>
+            </a:endParaRPr>
+          </a:p>
+          <a:p>
+            <a:pPr lvl="0">
+              <a:lnSpc>
+                <a:spcPct val="150000"/>
+              </a:lnSpc>
+              <a:spcBef>
+                <a:spcPts val="1200"/>
+              </a:spcBef>
+              <a:defRPr/>
+            </a:pPr>
+            <a:endParaRPr lang="zh-CN" altLang="en-US" dirty="0">
+              <a:solidFill>
+                <a:srgbClr val="06383C"/>
+              </a:solidFill>
+              <a:latin typeface="微软雅黑" panose="020B0503020204020204" pitchFamily="34" charset="-122"/>
+              <a:ea typeface="思源黑体 CN Bold" panose="020B0800000000000000"/>
+              <a:cs typeface="Open Sans" panose="020B0606030504020204" pitchFamily="34" charset="0"/>
+            </a:endParaRPr>
+          </a:p>
+        </p:txBody>
+      </p:sp>
+      <p:sp>
+        <p:nvSpPr>
+          <p:cNvPr id="3" name="文本框 2"/>
+          <p:cNvSpPr txBox="1"/>
+          <p:nvPr/>
+        </p:nvSpPr>
+        <p:spPr>
+          <a:xfrm>
+            <a:off x="5883378" y="4456709"/>
+            <a:ext cx="2679700" cy="583565"/>
+          </a:xfrm>
+          <a:prstGeom prst="rect">
+            <a:avLst/>
+          </a:prstGeom>
+          <a:noFill/>
+        </p:spPr>
+        <p:txBody>
+          <a:bodyPr wrap="square">
+            <a:noAutofit/>
+          </a:bodyPr>
+          <a:lstStyle/>
+          <a:p>
+            <a:pPr algn="ctr"/>
+            <a:r>
+              <a:rPr lang="en-US" altLang="zh-CN" sz="1600" dirty="0">
+                <a:solidFill>
+                  <a:srgbClr val="06383C"/>
+                </a:solidFill>
+                <a:latin typeface="Times New Roman" panose="02020603050405020304" charset="0"/>
+                <a:ea typeface="思源黑体 CN Bold" panose="020B0800000000000000"/>
+                <a:cs typeface="Times New Roman" panose="02020603050405020304" charset="0"/>
+              </a:rPr>
+              <a:t>Adjacency Matrix and operation vector</a:t>
+            </a:r>
+            <a:r>
+              <a:rPr lang="en-US" altLang="zh-CN" sz="1600" dirty="0">
+                <a:solidFill>
+                  <a:srgbClr val="06383C"/>
+                </a:solidFill>
+                <a:latin typeface="微软雅黑" panose="020B0503020204020204" pitchFamily="34" charset="-122"/>
+                <a:ea typeface="思源黑体 CN Bold" panose="020B0800000000000000"/>
+                <a:cs typeface="Open Sans" panose="020B0606030504020204" pitchFamily="34" charset="0"/>
+              </a:rPr>
+              <a:t> </a:t>
+            </a:r>
           </a:p>
         </p:txBody>
       </p:sp>
       <p:pic>
         <p:nvPicPr>
-          <p:cNvPr id="3" name="图片 2"/>
+          <p:cNvPr id="4" name="图片 3"/>
           <p:cNvPicPr>
             <a:picLocks noChangeAspect="1"/>
           </p:cNvPicPr>
           <p:nvPr/>
         </p:nvPicPr>
         <p:blipFill>
-          <a:blip r:embed="rId4"/>
+          <a:blip r:embed="rId5"/>
           <a:stretch>
             <a:fillRect/>
           </a:stretch>
         </p:blipFill>
         <p:spPr>
           <a:xfrm>
-            <a:off x="2350135" y="2601595"/>
-            <a:ext cx="6953250" cy="3238500"/>
+            <a:off x="5753307" y="1278771"/>
+            <a:ext cx="6092310" cy="3156932"/>
+          </a:xfrm>
+          <a:prstGeom prst="rect">
+            <a:avLst/>
+          </a:prstGeom>
+        </p:spPr>
+      </p:pic>
+      <p:sp>
+        <p:nvSpPr>
+          <p:cNvPr id="7" name="文本框 6"/>
+          <p:cNvSpPr txBox="1"/>
+          <p:nvPr/>
+        </p:nvSpPr>
+        <p:spPr>
+          <a:xfrm>
+            <a:off x="9448977" y="4489074"/>
+            <a:ext cx="1784350" cy="583565"/>
+          </a:xfrm>
+          <a:prstGeom prst="rect">
+            <a:avLst/>
+          </a:prstGeom>
+          <a:noFill/>
+        </p:spPr>
+        <p:txBody>
+          <a:bodyPr wrap="square">
+            <a:noAutofit/>
+          </a:bodyPr>
+          <a:lstStyle/>
+          <a:p>
+            <a:pPr algn="ctr"/>
+            <a:r>
+              <a:rPr lang="en-US" altLang="zh-CN" sz="1600" dirty="0">
+                <a:solidFill>
+                  <a:srgbClr val="06383C"/>
+                </a:solidFill>
+                <a:latin typeface="Times New Roman" panose="02020603050405020304" charset="0"/>
+                <a:ea typeface="思源黑体 CN Bold" panose="020B0800000000000000"/>
+                <a:cs typeface="Times New Roman" panose="02020603050405020304" charset="0"/>
+              </a:rPr>
+              <a:t>Cell DAG Visualization</a:t>
+            </a:r>
+          </a:p>
+        </p:txBody>
+      </p:sp>
+      <p:pic>
+        <p:nvPicPr>
+          <p:cNvPr id="10" name="图片 9"/>
+          <p:cNvPicPr>
+            <a:picLocks noChangeAspect="1"/>
+          </p:cNvPicPr>
+          <p:nvPr/>
+        </p:nvPicPr>
+        <p:blipFill>
+          <a:blip r:embed="rId6"/>
+          <a:srcRect r="3009" b="4016"/>
+          <a:stretch>
+            <a:fillRect/>
+          </a:stretch>
+        </p:blipFill>
+        <p:spPr>
+          <a:xfrm>
+            <a:off x="1034251" y="4543742"/>
+            <a:ext cx="4652645" cy="606425"/>
           </a:xfrm>
           <a:prstGeom prst="rect">
             <a:avLst/>
@@ -8439,7 +7055,13 @@
   <p:cSld>
     <p:spTree>
       <p:nvGrpSpPr>
-        <p:cNvPr id="1" name=""/>
+        <p:cNvPr id="1" name="">
+          <a:extLst>
+            <a:ext uri="{FF2B5EF4-FFF2-40B4-BE49-F238E27FC236}">
+              <a16:creationId xmlns:a16="http://schemas.microsoft.com/office/drawing/2014/main" id="{E80A86DD-F22D-9223-91CA-F9BF54497E9C}"/>
+            </a:ext>
+          </a:extLst>
+        </p:cNvPr>
         <p:cNvGrpSpPr/>
         <p:nvPr/>
       </p:nvGrpSpPr>
@@ -8453,14 +7075,20 @@
       </p:grpSpPr>
       <p:pic>
         <p:nvPicPr>
-          <p:cNvPr id="2" name="图片 1"/>
+          <p:cNvPr id="2" name="图片 1">
+            <a:extLst>
+              <a:ext uri="{FF2B5EF4-FFF2-40B4-BE49-F238E27FC236}">
+                <a16:creationId xmlns:a16="http://schemas.microsoft.com/office/drawing/2014/main" id="{D01F3E26-884F-767B-BE4E-D710F1A9708B}"/>
+              </a:ext>
+            </a:extLst>
+          </p:cNvPr>
           <p:cNvPicPr>
             <a:picLocks noChangeAspect="1"/>
           </p:cNvPicPr>
           <p:nvPr/>
         </p:nvPicPr>
         <p:blipFill rotWithShape="1">
-          <a:blip r:embed="rId1"/>
+          <a:blip r:embed="rId2"/>
           <a:srcRect b="30952"/>
           <a:stretch>
             <a:fillRect/>
@@ -8478,17 +7106,23 @@
       </p:pic>
       <p:pic>
         <p:nvPicPr>
-          <p:cNvPr id="8" name="图形 7"/>
+          <p:cNvPr id="8" name="图形 7">
+            <a:extLst>
+              <a:ext uri="{FF2B5EF4-FFF2-40B4-BE49-F238E27FC236}">
+                <a16:creationId xmlns:a16="http://schemas.microsoft.com/office/drawing/2014/main" id="{8A31BAFE-946D-4F2A-E463-2ABE8C657C60}"/>
+              </a:ext>
+            </a:extLst>
+          </p:cNvPr>
           <p:cNvPicPr>
             <a:picLocks noChangeAspect="1"/>
           </p:cNvPicPr>
           <p:nvPr/>
         </p:nvPicPr>
         <p:blipFill>
-          <a:blip r:embed="rId2">
+          <a:blip r:embed="rId3">
             <a:extLst>
               <a:ext uri="{96DAC541-7B7A-43D3-8B79-37D633B846F1}">
-                <asvg:svgBlip xmlns:asvg="http://schemas.microsoft.com/office/drawing/2016/SVG/main" r:embed="rId3"/>
+                <asvg:svgBlip xmlns:asvg="http://schemas.microsoft.com/office/drawing/2016/SVG/main" r:embed="rId4"/>
               </a:ext>
             </a:extLst>
           </a:blip>
@@ -8508,14 +7142,20 @@
       </p:pic>
       <p:sp>
         <p:nvSpPr>
-          <p:cNvPr id="9" name="文本框 8"/>
+          <p:cNvPr id="9" name="文本框 8">
+            <a:extLst>
+              <a:ext uri="{FF2B5EF4-FFF2-40B4-BE49-F238E27FC236}">
+                <a16:creationId xmlns:a16="http://schemas.microsoft.com/office/drawing/2014/main" id="{0EDE7A49-2BB4-9FAF-0836-534E54224A89}"/>
+              </a:ext>
+            </a:extLst>
+          </p:cNvPr>
           <p:cNvSpPr txBox="1"/>
           <p:nvPr/>
         </p:nvSpPr>
         <p:spPr>
           <a:xfrm>
             <a:off x="515938" y="560070"/>
-            <a:ext cx="3147060" cy="645160"/>
+            <a:ext cx="3065780" cy="645160"/>
           </a:xfrm>
           <a:prstGeom prst="rect">
             <a:avLst/>
@@ -8545,23 +7185,17 @@
               <a:defRPr/>
             </a:pPr>
             <a:r>
-              <a:rPr kumimoji="0" lang="en-US" altLang="zh-CN" sz="3600" b="0" i="0" u="none" strike="noStrike" kern="1200" cap="none" spc="300" normalizeH="0" baseline="0" noProof="0" dirty="0">
-                <a:ln>
-                  <a:noFill/>
-                </a:ln>
+              <a:rPr lang="en-US" altLang="zh-CN" sz="3600" spc="300" dirty="0">
                 <a:solidFill>
                   <a:srgbClr val="003F43"/>
                 </a:solidFill>
-                <a:effectLst/>
-                <a:uLnTx/>
-                <a:uFillTx/>
                 <a:latin typeface="Times New Roman" panose="02020603050405020304" charset="0"/>
                 <a:ea typeface="思源黑体 CN Bold" panose="020B0800000000000000" pitchFamily="34" charset="-122"/>
                 <a:cs typeface="Times New Roman" panose="02020603050405020304" charset="0"/>
               </a:rPr>
-              <a:t>Related Work</a:t>
-            </a:r>
-            <a:endParaRPr kumimoji="0" lang="en-US" altLang="zh-CN" sz="3600" b="0" i="0" u="none" strike="noStrike" kern="1200" cap="none" spc="300" normalizeH="0" baseline="0" noProof="0" dirty="0">
+              <a:t>Methodology</a:t>
+            </a:r>
+            <a:endParaRPr kumimoji="0" lang="zh-CN" altLang="en-US" sz="3600" b="0" i="0" u="none" strike="noStrike" kern="1200" cap="none" spc="300" normalizeH="0" baseline="0" noProof="0" dirty="0">
               <a:ln>
                 <a:noFill/>
               </a:ln>
@@ -8580,14 +7214,20 @@
       </p:sp>
       <p:sp>
         <p:nvSpPr>
-          <p:cNvPr id="6" name="文本框 5"/>
+          <p:cNvPr id="6" name="文本框 5">
+            <a:extLst>
+              <a:ext uri="{FF2B5EF4-FFF2-40B4-BE49-F238E27FC236}">
+                <a16:creationId xmlns:a16="http://schemas.microsoft.com/office/drawing/2014/main" id="{7CA81E6D-A208-6092-2030-D7C138B36896}"/>
+              </a:ext>
+            </a:extLst>
+          </p:cNvPr>
           <p:cNvSpPr txBox="1"/>
           <p:nvPr/>
         </p:nvSpPr>
         <p:spPr>
           <a:xfrm>
             <a:off x="1034251" y="1620720"/>
-            <a:ext cx="9584914" cy="3415030"/>
+            <a:ext cx="5181600" cy="3215005"/>
           </a:xfrm>
           <a:prstGeom prst="rect">
             <a:avLst/>
@@ -8599,6 +7239,45 @@
             <a:spAutoFit/>
           </a:bodyPr>
           <a:lstStyle/>
+          <a:p>
+            <a:pPr marL="457200" lvl="0" indent="-457200">
+              <a:lnSpc>
+                <a:spcPct val="150000"/>
+              </a:lnSpc>
+              <a:spcBef>
+                <a:spcPts val="1200"/>
+              </a:spcBef>
+              <a:buFont typeface="Arial" panose="020B0604020202020204" pitchFamily="34" charset="0"/>
+              <a:buChar char="•"/>
+              <a:defRPr/>
+            </a:pPr>
+            <a:r>
+              <a:rPr lang="en-US" altLang="zh-CN" sz="2800" dirty="0">
+                <a:solidFill>
+                  <a:schemeClr val="bg2">
+                    <a:lumMod val="10000"/>
+                  </a:schemeClr>
+                </a:solidFill>
+                <a:latin typeface="Times New Roman" panose="02020603050405020304" charset="0"/>
+                <a:ea typeface="思源黑体 CN Bold" panose="020B0800000000000000"/>
+                <a:cs typeface="Times New Roman" panose="02020603050405020304" charset="0"/>
+              </a:rPr>
+              <a:t>Representation</a:t>
+            </a:r>
+            <a:r>
+              <a:rPr lang="en-US" altLang="zh-CN" sz="2800" b="1" dirty="0">
+                <a:solidFill>
+                  <a:schemeClr val="bg2">
+                    <a:lumMod val="10000"/>
+                  </a:schemeClr>
+                </a:solidFill>
+                <a:latin typeface="Times New Roman" panose="02020603050405020304" charset="0"/>
+                <a:ea typeface="思源黑体 CN Bold" panose="020B0800000000000000"/>
+                <a:cs typeface="Times New Roman" panose="02020603050405020304" charset="0"/>
+              </a:rPr>
+              <a:t>:</a:t>
+            </a:r>
+          </a:p>
           <a:p>
             <a:pPr lvl="1"/>
             <a:r>
@@ -8612,31 +7291,8 @@
                 <a:ea typeface="思源黑体 CN Bold" panose="020B0800000000000000"/>
                 <a:cs typeface="Times New Roman" panose="02020603050405020304" charset="0"/>
               </a:rPr>
-              <a:t>This work trained and evaluated all of these architectures multiple times on CIFAR-10 and compiled the results into a large dataset of over 5 million trained models -- NAS-Bench-101.</a:t>
-            </a:r>
-            <a:endParaRPr lang="en-US" altLang="zh-CN" sz="2400" dirty="0">
-              <a:solidFill>
-                <a:schemeClr val="bg2">
-                  <a:lumMod val="10000"/>
-                </a:schemeClr>
-              </a:solidFill>
-              <a:latin typeface="Times New Roman" panose="02020603050405020304" charset="0"/>
-              <a:ea typeface="思源黑体 CN Bold" panose="020B0800000000000000"/>
-              <a:cs typeface="Times New Roman" panose="02020603050405020304" charset="0"/>
-            </a:endParaRPr>
-          </a:p>
-          <a:p>
-            <a:pPr lvl="1"/>
-            <a:endParaRPr lang="en-US" altLang="zh-CN" sz="2400" dirty="0">
-              <a:solidFill>
-                <a:schemeClr val="bg2">
-                  <a:lumMod val="10000"/>
-                </a:schemeClr>
-              </a:solidFill>
-              <a:latin typeface="Times New Roman" panose="02020603050405020304" charset="0"/>
-              <a:ea typeface="思源黑体 CN Bold" panose="020B0800000000000000"/>
-              <a:cs typeface="Times New Roman" panose="02020603050405020304" charset="0"/>
-            </a:endParaRPr>
+              <a:t>  0 → 1×1 Convolution</a:t>
+            </a:r>
           </a:p>
           <a:p>
             <a:pPr lvl="1"/>
@@ -8651,31 +7307,8 @@
                 <a:ea typeface="思源黑体 CN Bold" panose="020B0800000000000000"/>
                 <a:cs typeface="Times New Roman" panose="02020603050405020304" charset="0"/>
               </a:rPr>
-              <a:t>This allows researchers to evaluate the quality of a diverse range of models in milliseconds by querying the precomputed dataset. </a:t>
-            </a:r>
-            <a:endParaRPr lang="en-US" altLang="zh-CN" sz="2400" dirty="0">
-              <a:solidFill>
-                <a:schemeClr val="bg2">
-                  <a:lumMod val="10000"/>
-                </a:schemeClr>
-              </a:solidFill>
-              <a:latin typeface="Times New Roman" panose="02020603050405020304" charset="0"/>
-              <a:ea typeface="思源黑体 CN Bold" panose="020B0800000000000000"/>
-              <a:cs typeface="Times New Roman" panose="02020603050405020304" charset="0"/>
-            </a:endParaRPr>
-          </a:p>
-          <a:p>
-            <a:pPr lvl="1"/>
-            <a:endParaRPr lang="en-US" altLang="zh-CN" sz="2400" dirty="0">
-              <a:solidFill>
-                <a:schemeClr val="bg2">
-                  <a:lumMod val="10000"/>
-                </a:schemeClr>
-              </a:solidFill>
-              <a:latin typeface="Times New Roman" panose="02020603050405020304" charset="0"/>
-              <a:ea typeface="思源黑体 CN Bold" panose="020B0800000000000000"/>
-              <a:cs typeface="Times New Roman" panose="02020603050405020304" charset="0"/>
-            </a:endParaRPr>
+              <a:t>  1 → 3×3 Convolution</a:t>
+            </a:r>
           </a:p>
           <a:p>
             <a:pPr lvl="1"/>
@@ -8690,20 +7323,282 @@
                 <a:ea typeface="思源黑体 CN Bold" panose="020B0800000000000000"/>
                 <a:cs typeface="Times New Roman" panose="02020603050405020304" charset="0"/>
               </a:rPr>
-              <a:t>They demonstrate its utility by analyzing the dataset as a whole and by benchmarking a range of architecture optimization algorithms.</a:t>
-            </a:r>
+              <a:t>  2 → 3×3 Max Pooling</a:t>
+            </a:r>
+            <a:endParaRPr lang="en-US" altLang="zh-CN" sz="2400" dirty="0">
+              <a:solidFill>
+                <a:schemeClr val="bg2">
+                  <a:lumMod val="10000"/>
+                </a:schemeClr>
+              </a:solidFill>
+              <a:latin typeface="思源黑体 CN Regular"/>
+              <a:ea typeface="思源黑体 CN Bold" panose="020B0800000000000000"/>
+              <a:cs typeface="Calibri" panose="020F0502020204030204" pitchFamily="34" charset="0"/>
+            </a:endParaRPr>
+          </a:p>
+          <a:p>
+            <a:endParaRPr lang="en-US" altLang="zh-CN" sz="2400" dirty="0">
+              <a:solidFill>
+                <a:schemeClr val="bg2">
+                  <a:lumMod val="10000"/>
+                </a:schemeClr>
+              </a:solidFill>
+              <a:latin typeface="思源黑体 CN Regular"/>
+              <a:ea typeface="思源黑体 CN Bold" panose="020B0800000000000000"/>
+              <a:cs typeface="Calibri" panose="020F0502020204030204" pitchFamily="34" charset="0"/>
+            </a:endParaRPr>
+          </a:p>
+          <a:p>
+            <a:pPr marL="457200" indent="-457200">
+              <a:buFont typeface="Arial" panose="020B0604020202020204" pitchFamily="34" charset="0"/>
+              <a:buChar char="•"/>
+            </a:pPr>
+            <a:r>
+              <a:rPr lang="en-US" altLang="zh-CN" sz="2800" dirty="0">
+                <a:solidFill>
+                  <a:schemeClr val="bg2">
+                    <a:lumMod val="10000"/>
+                  </a:schemeClr>
+                </a:solidFill>
+                <a:latin typeface="Times New Roman" panose="02020603050405020304" charset="0"/>
+                <a:ea typeface="思源黑体 CN Bold" panose="020B0800000000000000"/>
+                <a:cs typeface="Times New Roman" panose="02020603050405020304" charset="0"/>
+              </a:rPr>
+              <a:t>Fitness:</a:t>
+            </a:r>
+            <a:endParaRPr lang="en-US" altLang="zh-CN" sz="2800" dirty="0">
+              <a:solidFill>
+                <a:schemeClr val="bg2">
+                  <a:lumMod val="10000"/>
+                </a:schemeClr>
+              </a:solidFill>
+              <a:latin typeface="思源黑体 CN Regular"/>
+              <a:ea typeface="思源黑体 CN Bold" panose="020B0800000000000000"/>
+              <a:cs typeface="Calibri" panose="020F0502020204030204" pitchFamily="34" charset="0"/>
+            </a:endParaRPr>
+          </a:p>
+          <a:p>
+            <a:pPr lvl="0">
+              <a:lnSpc>
+                <a:spcPct val="150000"/>
+              </a:lnSpc>
+              <a:spcBef>
+                <a:spcPts val="1200"/>
+              </a:spcBef>
+              <a:defRPr/>
+            </a:pPr>
             <a:endParaRPr lang="zh-CN" altLang="en-US" dirty="0">
               <a:solidFill>
                 <a:srgbClr val="06383C"/>
               </a:solidFill>
-              <a:latin typeface="Times New Roman" panose="02020603050405020304" charset="0"/>
+              <a:latin typeface="微软雅黑" panose="020B0503020204020204" pitchFamily="34" charset="-122"/>
               <a:ea typeface="思源黑体 CN Bold" panose="020B0800000000000000"/>
-              <a:cs typeface="Times New Roman" panose="02020603050405020304" charset="0"/>
+              <a:cs typeface="Open Sans" panose="020B0606030504020204" pitchFamily="34" charset="0"/>
             </a:endParaRPr>
           </a:p>
         </p:txBody>
       </p:sp>
+      <p:sp>
+        <p:nvSpPr>
+          <p:cNvPr id="3" name="文本框 2">
+            <a:extLst>
+              <a:ext uri="{FF2B5EF4-FFF2-40B4-BE49-F238E27FC236}">
+                <a16:creationId xmlns:a16="http://schemas.microsoft.com/office/drawing/2014/main" id="{EAC4E97E-EEDF-0C6E-CFB2-3A5204E22FA6}"/>
+              </a:ext>
+            </a:extLst>
+          </p:cNvPr>
+          <p:cNvSpPr txBox="1"/>
+          <p:nvPr/>
+        </p:nvSpPr>
+        <p:spPr>
+          <a:xfrm>
+            <a:off x="6847205" y="4251960"/>
+            <a:ext cx="2679700" cy="583565"/>
+          </a:xfrm>
+          <a:prstGeom prst="rect">
+            <a:avLst/>
+          </a:prstGeom>
+          <a:noFill/>
+        </p:spPr>
+        <p:txBody>
+          <a:bodyPr wrap="square">
+            <a:noAutofit/>
+          </a:bodyPr>
+          <a:lstStyle/>
+          <a:p>
+            <a:pPr algn="ctr"/>
+            <a:r>
+              <a:rPr lang="en-US" altLang="zh-CN" sz="1600" dirty="0">
+                <a:solidFill>
+                  <a:srgbClr val="06383C"/>
+                </a:solidFill>
+                <a:latin typeface="Times New Roman" panose="02020603050405020304" charset="0"/>
+                <a:ea typeface="思源黑体 CN Bold" panose="020B0800000000000000"/>
+                <a:cs typeface="Times New Roman" panose="02020603050405020304" charset="0"/>
+              </a:rPr>
+              <a:t>Adjacency Matrix and operation vector</a:t>
+            </a:r>
+            <a:r>
+              <a:rPr lang="en-US" altLang="zh-CN" sz="1600" dirty="0">
+                <a:solidFill>
+                  <a:srgbClr val="06383C"/>
+                </a:solidFill>
+                <a:latin typeface="微软雅黑" panose="020B0503020204020204" pitchFamily="34" charset="-122"/>
+                <a:ea typeface="思源黑体 CN Bold" panose="020B0800000000000000"/>
+                <a:cs typeface="Open Sans" panose="020B0606030504020204" pitchFamily="34" charset="0"/>
+              </a:rPr>
+              <a:t> </a:t>
+            </a:r>
+          </a:p>
+        </p:txBody>
+      </p:sp>
+      <p:pic>
+        <p:nvPicPr>
+          <p:cNvPr id="4" name="图片 3">
+            <a:extLst>
+              <a:ext uri="{FF2B5EF4-FFF2-40B4-BE49-F238E27FC236}">
+                <a16:creationId xmlns:a16="http://schemas.microsoft.com/office/drawing/2014/main" id="{7D24F1D4-57A5-3289-011B-336238B7E49E}"/>
+              </a:ext>
+            </a:extLst>
+          </p:cNvPr>
+          <p:cNvPicPr>
+            <a:picLocks noChangeAspect="1"/>
+          </p:cNvPicPr>
+          <p:nvPr/>
+        </p:nvPicPr>
+        <p:blipFill>
+          <a:blip r:embed="rId5"/>
+          <a:stretch>
+            <a:fillRect/>
+          </a:stretch>
+        </p:blipFill>
+        <p:spPr>
+          <a:xfrm>
+            <a:off x="7166610" y="1894840"/>
+            <a:ext cx="4347845" cy="2252980"/>
+          </a:xfrm>
+          <a:prstGeom prst="rect">
+            <a:avLst/>
+          </a:prstGeom>
+        </p:spPr>
+      </p:pic>
+      <p:sp>
+        <p:nvSpPr>
+          <p:cNvPr id="7" name="文本框 6">
+            <a:extLst>
+              <a:ext uri="{FF2B5EF4-FFF2-40B4-BE49-F238E27FC236}">
+                <a16:creationId xmlns:a16="http://schemas.microsoft.com/office/drawing/2014/main" id="{4FFFA20E-1B86-1994-21B0-892EA51DA491}"/>
+              </a:ext>
+            </a:extLst>
+          </p:cNvPr>
+          <p:cNvSpPr txBox="1"/>
+          <p:nvPr/>
+        </p:nvSpPr>
+        <p:spPr>
+          <a:xfrm>
+            <a:off x="9448800" y="4251960"/>
+            <a:ext cx="1784350" cy="583565"/>
+          </a:xfrm>
+          <a:prstGeom prst="rect">
+            <a:avLst/>
+          </a:prstGeom>
+          <a:noFill/>
+        </p:spPr>
+        <p:txBody>
+          <a:bodyPr wrap="square">
+            <a:noAutofit/>
+          </a:bodyPr>
+          <a:lstStyle/>
+          <a:p>
+            <a:pPr algn="ctr"/>
+            <a:r>
+              <a:rPr lang="en-US" altLang="zh-CN" sz="1600" dirty="0">
+                <a:solidFill>
+                  <a:srgbClr val="06383C"/>
+                </a:solidFill>
+                <a:latin typeface="Times New Roman" panose="02020603050405020304" charset="0"/>
+                <a:ea typeface="思源黑体 CN Bold" panose="020B0800000000000000"/>
+                <a:cs typeface="Times New Roman" panose="02020603050405020304" charset="0"/>
+              </a:rPr>
+              <a:t>Cell DAG Visualization</a:t>
+            </a:r>
+          </a:p>
+        </p:txBody>
+      </p:sp>
+      <p:pic>
+        <p:nvPicPr>
+          <p:cNvPr id="10" name="图片 9">
+            <a:extLst>
+              <a:ext uri="{FF2B5EF4-FFF2-40B4-BE49-F238E27FC236}">
+                <a16:creationId xmlns:a16="http://schemas.microsoft.com/office/drawing/2014/main" id="{31837767-2BE6-B42D-6D2E-B34FD53C332F}"/>
+              </a:ext>
+            </a:extLst>
+          </p:cNvPr>
+          <p:cNvPicPr>
+            <a:picLocks noChangeAspect="1"/>
+          </p:cNvPicPr>
+          <p:nvPr/>
+        </p:nvPicPr>
+        <p:blipFill>
+          <a:blip r:embed="rId6"/>
+          <a:srcRect r="3009" b="4016"/>
+          <a:stretch>
+            <a:fillRect/>
+          </a:stretch>
+        </p:blipFill>
+        <p:spPr>
+          <a:xfrm>
+            <a:off x="1667510" y="4361180"/>
+            <a:ext cx="4652645" cy="606425"/>
+          </a:xfrm>
+          <a:prstGeom prst="rect">
+            <a:avLst/>
+          </a:prstGeom>
+        </p:spPr>
+      </p:pic>
+      <p:pic>
+        <p:nvPicPr>
+          <p:cNvPr id="13" name="图片 12">
+            <a:extLst>
+              <a:ext uri="{FF2B5EF4-FFF2-40B4-BE49-F238E27FC236}">
+                <a16:creationId xmlns:a16="http://schemas.microsoft.com/office/drawing/2014/main" id="{EB6AE310-B079-B61C-C92B-B6A6B0A2FB72}"/>
+              </a:ext>
+            </a:extLst>
+          </p:cNvPr>
+          <p:cNvPicPr>
+            <a:picLocks noChangeAspect="1"/>
+          </p:cNvPicPr>
+          <p:nvPr/>
+        </p:nvPicPr>
+        <p:blipFill>
+          <a:blip r:embed="rId7">
+            <a:extLst>
+              <a:ext uri="{28A0092B-C50C-407E-A947-70E740481C1C}">
+                <a14:useLocalDpi xmlns:a14="http://schemas.microsoft.com/office/drawing/2010/main" val="0"/>
+              </a:ext>
+            </a:extLst>
+          </a:blip>
+          <a:srcRect t="8452" r="-837"/>
+          <a:stretch>
+            <a:fillRect/>
+          </a:stretch>
+        </p:blipFill>
+        <p:spPr>
+          <a:xfrm>
+            <a:off x="0" y="-161137"/>
+            <a:ext cx="12155365" cy="7019137"/>
+          </a:xfrm>
+          <a:prstGeom prst="rect">
+            <a:avLst/>
+          </a:prstGeom>
+        </p:spPr>
+      </p:pic>
     </p:spTree>
+    <p:extLst>
+      <p:ext uri="{BB962C8B-B14F-4D97-AF65-F5344CB8AC3E}">
+        <p14:creationId xmlns:p14="http://schemas.microsoft.com/office/powerpoint/2010/main" val="2655967698"/>
+      </p:ext>
+    </p:extLst>
   </p:cSld>
   <p:clrMapOvr>
     <a:masterClrMapping/>
@@ -8815,7 +7710,7 @@
           <p:nvPr/>
         </p:nvPicPr>
         <p:blipFill rotWithShape="1">
-          <a:blip r:embed="rId1"/>
+          <a:blip r:embed="rId2"/>
           <a:srcRect b="30952"/>
           <a:stretch>
             <a:fillRect/>
@@ -8840,10 +7735,10 @@
           <p:nvPr/>
         </p:nvPicPr>
         <p:blipFill>
-          <a:blip r:embed="rId2">
+          <a:blip r:embed="rId3">
             <a:extLst>
               <a:ext uri="{96DAC541-7B7A-43D3-8B79-37D633B846F1}">
-                <asvg:svgBlip xmlns:asvg="http://schemas.microsoft.com/office/drawing/2016/SVG/main" r:embed="rId3"/>
+                <asvg:svgBlip xmlns:asvg="http://schemas.microsoft.com/office/drawing/2016/SVG/main" r:embed="rId4"/>
               </a:ext>
             </a:extLst>
           </a:blip>
@@ -8910,7 +7805,7 @@
               </a:rPr>
               <a:t>Methodology</a:t>
             </a:r>
-            <a:endParaRPr kumimoji="0" lang="zh-CN" altLang="en-US" sz="3600" b="0" i="0" u="none" strike="noStrike" kern="1200" cap="none" spc="300" normalizeH="0" baseline="0" noProof="0" dirty="0">
+            <a:endParaRPr kumimoji="0" lang="en-US" altLang="zh-CN" sz="3600" b="0" i="0" u="none" strike="noStrike" kern="1200" cap="none" spc="300" normalizeH="0" baseline="0" noProof="0" dirty="0">
               <a:ln>
                 <a:noFill/>
               </a:ln>
@@ -8935,8 +7830,8 @@
         </p:nvSpPr>
         <p:spPr>
           <a:xfrm>
-            <a:off x="1034251" y="1620720"/>
-            <a:ext cx="5181600" cy="3215005"/>
+            <a:off x="515938" y="1246495"/>
+            <a:ext cx="5181600" cy="4059894"/>
           </a:xfrm>
           <a:prstGeom prst="rect">
             <a:avLst/>
@@ -8949,16 +7844,21 @@
           </a:bodyPr>
           <a:lstStyle/>
           <a:p>
-            <a:pPr marL="457200" lvl="0" indent="-457200">
-              <a:lnSpc>
-                <a:spcPct val="150000"/>
-              </a:lnSpc>
-              <a:spcBef>
-                <a:spcPts val="1200"/>
-              </a:spcBef>
+            <a:endParaRPr lang="en-US" altLang="zh-CN" sz="2800" dirty="0">
+              <a:solidFill>
+                <a:schemeClr val="bg2">
+                  <a:lumMod val="10000"/>
+                </a:schemeClr>
+              </a:solidFill>
+              <a:latin typeface="Times New Roman" panose="02020603050405020304" charset="0"/>
+              <a:ea typeface="思源黑体 CN Bold" panose="020B0800000000000000"/>
+              <a:cs typeface="Times New Roman" panose="02020603050405020304" charset="0"/>
+            </a:endParaRPr>
+          </a:p>
+          <a:p>
+            <a:pPr marL="457200" indent="-457200">
               <a:buFont typeface="Arial" panose="020B0604020202020204" pitchFamily="34" charset="0"/>
               <a:buChar char="•"/>
-              <a:defRPr/>
             </a:pPr>
             <a:r>
               <a:rPr lang="en-US" altLang="zh-CN" sz="2800" dirty="0">
@@ -8971,10 +7871,113 @@
                 <a:ea typeface="思源黑体 CN Bold" panose="020B0800000000000000"/>
                 <a:cs typeface="Times New Roman" panose="02020603050405020304" charset="0"/>
               </a:rPr>
-              <a:t>Representation</a:t>
-            </a:r>
-            <a:r>
-              <a:rPr lang="en-US" altLang="zh-CN" sz="2800" b="1" dirty="0">
+              <a:t>Crossover:</a:t>
+            </a:r>
+          </a:p>
+          <a:p>
+            <a:pPr marL="457200" indent="-457200">
+              <a:buFont typeface="Arial" panose="020B0604020202020204" pitchFamily="34" charset="0"/>
+              <a:buChar char="•"/>
+            </a:pPr>
+            <a:endParaRPr lang="en-US" altLang="zh-CN" sz="2800" dirty="0">
+              <a:solidFill>
+                <a:schemeClr val="bg2">
+                  <a:lumMod val="10000"/>
+                </a:schemeClr>
+              </a:solidFill>
+              <a:latin typeface="Times New Roman" panose="02020603050405020304" charset="0"/>
+              <a:ea typeface="思源黑体 CN Bold" panose="020B0800000000000000"/>
+              <a:cs typeface="Times New Roman" panose="02020603050405020304" charset="0"/>
+            </a:endParaRPr>
+          </a:p>
+          <a:p>
+            <a:pPr marL="457200" indent="-457200">
+              <a:buFont typeface="Arial" panose="020B0604020202020204" pitchFamily="34" charset="0"/>
+              <a:buChar char="•"/>
+            </a:pPr>
+            <a:endParaRPr lang="en-US" altLang="zh-CN" sz="2800" dirty="0">
+              <a:solidFill>
+                <a:schemeClr val="bg2">
+                  <a:lumMod val="10000"/>
+                </a:schemeClr>
+              </a:solidFill>
+              <a:latin typeface="Times New Roman" panose="02020603050405020304" charset="0"/>
+              <a:ea typeface="思源黑体 CN Bold" panose="020B0800000000000000"/>
+              <a:cs typeface="Times New Roman" panose="02020603050405020304" charset="0"/>
+            </a:endParaRPr>
+          </a:p>
+          <a:p>
+            <a:pPr marL="457200" indent="-457200">
+              <a:buFont typeface="Arial" panose="020B0604020202020204" pitchFamily="34" charset="0"/>
+              <a:buChar char="•"/>
+            </a:pPr>
+            <a:endParaRPr lang="en-US" altLang="zh-CN" sz="2800" dirty="0">
+              <a:solidFill>
+                <a:schemeClr val="bg2">
+                  <a:lumMod val="10000"/>
+                </a:schemeClr>
+              </a:solidFill>
+              <a:latin typeface="Times New Roman" panose="02020603050405020304" charset="0"/>
+              <a:ea typeface="思源黑体 CN Bold" panose="020B0800000000000000"/>
+              <a:cs typeface="Times New Roman" panose="02020603050405020304" charset="0"/>
+              <a:sym typeface="+mn-ea"/>
+            </a:endParaRPr>
+          </a:p>
+          <a:p>
+            <a:pPr marL="457200" indent="-457200">
+              <a:buFont typeface="Arial" panose="020B0604020202020204" pitchFamily="34" charset="0"/>
+              <a:buChar char="•"/>
+            </a:pPr>
+            <a:endParaRPr lang="en-US" altLang="zh-CN" sz="2800" dirty="0">
+              <a:solidFill>
+                <a:schemeClr val="bg2">
+                  <a:lumMod val="10000"/>
+                </a:schemeClr>
+              </a:solidFill>
+              <a:latin typeface="Times New Roman" panose="02020603050405020304" charset="0"/>
+              <a:ea typeface="思源黑体 CN Bold" panose="020B0800000000000000"/>
+              <a:cs typeface="Times New Roman" panose="02020603050405020304" charset="0"/>
+              <a:sym typeface="+mn-ea"/>
+            </a:endParaRPr>
+          </a:p>
+          <a:p>
+            <a:pPr marL="457200" indent="-457200">
+              <a:buFont typeface="Arial" panose="020B0604020202020204" pitchFamily="34" charset="0"/>
+              <a:buChar char="•"/>
+            </a:pPr>
+            <a:endParaRPr lang="en-US" altLang="zh-CN" sz="2800" dirty="0">
+              <a:solidFill>
+                <a:schemeClr val="bg2">
+                  <a:lumMod val="10000"/>
+                </a:schemeClr>
+              </a:solidFill>
+              <a:latin typeface="Times New Roman" panose="02020603050405020304" charset="0"/>
+              <a:ea typeface="思源黑体 CN Bold" panose="020B0800000000000000"/>
+              <a:cs typeface="Times New Roman" panose="02020603050405020304" charset="0"/>
+              <a:sym typeface="+mn-ea"/>
+            </a:endParaRPr>
+          </a:p>
+          <a:p>
+            <a:pPr marL="457200" indent="-457200">
+              <a:buFont typeface="Arial" panose="020B0604020202020204" pitchFamily="34" charset="0"/>
+              <a:buChar char="•"/>
+            </a:pPr>
+            <a:r>
+              <a:rPr lang="en-US" altLang="zh-CN" sz="2800" dirty="0">
+                <a:solidFill>
+                  <a:schemeClr val="bg2">
+                    <a:lumMod val="10000"/>
+                  </a:schemeClr>
+                </a:solidFill>
+                <a:latin typeface="Times New Roman" panose="02020603050405020304" charset="0"/>
+                <a:ea typeface="思源黑体 CN Bold" panose="020B0800000000000000"/>
+                <a:cs typeface="Times New Roman" panose="02020603050405020304" charset="0"/>
+                <a:sym typeface="+mn-ea"/>
+              </a:rPr>
+              <a:t>Mutation</a:t>
+            </a:r>
+            <a:r>
+              <a:rPr lang="zh-CN" altLang="en-US" sz="2800" dirty="0">
                 <a:solidFill>
                   <a:schemeClr val="bg2">
                     <a:lumMod val="10000"/>
@@ -8984,126 +7987,7 @@
                 <a:ea typeface="思源黑体 CN Bold" panose="020B0800000000000000"/>
                 <a:cs typeface="Times New Roman" panose="02020603050405020304" charset="0"/>
               </a:rPr>
-              <a:t>:</a:t>
-            </a:r>
-            <a:endParaRPr lang="en-US" altLang="zh-CN" sz="2800" b="1" dirty="0">
-              <a:solidFill>
-                <a:schemeClr val="bg2">
-                  <a:lumMod val="10000"/>
-                </a:schemeClr>
-              </a:solidFill>
-              <a:latin typeface="Times New Roman" panose="02020603050405020304" charset="0"/>
-              <a:ea typeface="思源黑体 CN Bold" panose="020B0800000000000000"/>
-              <a:cs typeface="Times New Roman" panose="02020603050405020304" charset="0"/>
-            </a:endParaRPr>
-          </a:p>
-          <a:p>
-            <a:pPr lvl="1"/>
-            <a:r>
-              <a:rPr lang="en-US" altLang="zh-CN" sz="2400" dirty="0">
-                <a:solidFill>
-                  <a:schemeClr val="bg2">
-                    <a:lumMod val="10000"/>
-                  </a:schemeClr>
-                </a:solidFill>
-                <a:latin typeface="Times New Roman" panose="02020603050405020304" charset="0"/>
-                <a:ea typeface="思源黑体 CN Bold" panose="020B0800000000000000"/>
-                <a:cs typeface="Times New Roman" panose="02020603050405020304" charset="0"/>
-              </a:rPr>
-              <a:t>  0 → 1×1 Convolution</a:t>
-            </a:r>
-            <a:endParaRPr lang="en-US" altLang="zh-CN" sz="2400" dirty="0">
-              <a:solidFill>
-                <a:schemeClr val="bg2">
-                  <a:lumMod val="10000"/>
-                </a:schemeClr>
-              </a:solidFill>
-              <a:latin typeface="Times New Roman" panose="02020603050405020304" charset="0"/>
-              <a:ea typeface="思源黑体 CN Bold" panose="020B0800000000000000"/>
-              <a:cs typeface="Times New Roman" panose="02020603050405020304" charset="0"/>
-            </a:endParaRPr>
-          </a:p>
-          <a:p>
-            <a:pPr lvl="1"/>
-            <a:r>
-              <a:rPr lang="en-US" altLang="zh-CN" sz="2400" dirty="0">
-                <a:solidFill>
-                  <a:schemeClr val="bg2">
-                    <a:lumMod val="10000"/>
-                  </a:schemeClr>
-                </a:solidFill>
-                <a:latin typeface="Times New Roman" panose="02020603050405020304" charset="0"/>
-                <a:ea typeface="思源黑体 CN Bold" panose="020B0800000000000000"/>
-                <a:cs typeface="Times New Roman" panose="02020603050405020304" charset="0"/>
-              </a:rPr>
-              <a:t>  1 → 3×3 Convolution</a:t>
-            </a:r>
-            <a:endParaRPr lang="en-US" altLang="zh-CN" sz="2400" dirty="0">
-              <a:solidFill>
-                <a:schemeClr val="bg2">
-                  <a:lumMod val="10000"/>
-                </a:schemeClr>
-              </a:solidFill>
-              <a:latin typeface="Times New Roman" panose="02020603050405020304" charset="0"/>
-              <a:ea typeface="思源黑体 CN Bold" panose="020B0800000000000000"/>
-              <a:cs typeface="Times New Roman" panose="02020603050405020304" charset="0"/>
-            </a:endParaRPr>
-          </a:p>
-          <a:p>
-            <a:pPr lvl="1"/>
-            <a:r>
-              <a:rPr lang="en-US" altLang="zh-CN" sz="2400" dirty="0">
-                <a:solidFill>
-                  <a:schemeClr val="bg2">
-                    <a:lumMod val="10000"/>
-                  </a:schemeClr>
-                </a:solidFill>
-                <a:latin typeface="Times New Roman" panose="02020603050405020304" charset="0"/>
-                <a:ea typeface="思源黑体 CN Bold" panose="020B0800000000000000"/>
-                <a:cs typeface="Times New Roman" panose="02020603050405020304" charset="0"/>
-              </a:rPr>
-              <a:t>  2 → 3×3 Max Pooling</a:t>
-            </a:r>
-            <a:endParaRPr lang="en-US" altLang="zh-CN" sz="2400" dirty="0">
-              <a:solidFill>
-                <a:schemeClr val="bg2">
-                  <a:lumMod val="10000"/>
-                </a:schemeClr>
-              </a:solidFill>
-              <a:latin typeface="思源黑体 CN Regular"/>
-              <a:ea typeface="思源黑体 CN Bold" panose="020B0800000000000000"/>
-              <a:cs typeface="Calibri" panose="020F0502020204030204" pitchFamily="34" charset="0"/>
-            </a:endParaRPr>
-          </a:p>
-          <a:p>
-            <a:endParaRPr lang="en-US" altLang="zh-CN" sz="2400" dirty="0">
-              <a:solidFill>
-                <a:schemeClr val="bg2">
-                  <a:lumMod val="10000"/>
-                </a:schemeClr>
-              </a:solidFill>
-              <a:latin typeface="思源黑体 CN Regular"/>
-              <a:ea typeface="思源黑体 CN Bold" panose="020B0800000000000000"/>
-              <a:cs typeface="Calibri" panose="020F0502020204030204" pitchFamily="34" charset="0"/>
-            </a:endParaRPr>
-          </a:p>
-          <a:p>
-            <a:pPr marL="457200" indent="-457200">
-              <a:buFont typeface="Arial" panose="020B0604020202020204" pitchFamily="34" charset="0"/>
-              <a:buChar char="•"/>
-            </a:pPr>
-            <a:r>
-              <a:rPr lang="en-US" altLang="zh-CN" sz="2800" dirty="0">
-                <a:solidFill>
-                  <a:schemeClr val="bg2">
-                    <a:lumMod val="10000"/>
-                  </a:schemeClr>
-                </a:solidFill>
-                <a:latin typeface="Times New Roman" panose="02020603050405020304" charset="0"/>
-                <a:ea typeface="思源黑体 CN Bold" panose="020B0800000000000000"/>
-                <a:cs typeface="Times New Roman" panose="02020603050405020304" charset="0"/>
-              </a:rPr>
-              <a:t>Fitness:</a:t>
+              <a:t>：</a:t>
             </a:r>
             <a:endParaRPr lang="en-US" altLang="zh-CN" sz="2800" dirty="0">
               <a:solidFill>
@@ -9137,62 +8021,54 @@
           </a:p>
         </p:txBody>
       </p:sp>
-      <p:sp>
-        <p:nvSpPr>
-          <p:cNvPr id="3" name="文本框 2"/>
-          <p:cNvSpPr txBox="1"/>
+      <p:pic>
+        <p:nvPicPr>
+          <p:cNvPr id="12" name="图片 11"/>
+          <p:cNvPicPr>
+            <a:picLocks noChangeAspect="1"/>
+          </p:cNvPicPr>
           <p:nvPr/>
-        </p:nvSpPr>
-        <p:spPr>
-          <a:xfrm>
-            <a:off x="6847205" y="4251960"/>
-            <a:ext cx="2679700" cy="583565"/>
+        </p:nvPicPr>
+        <p:blipFill>
+          <a:blip r:embed="rId5"/>
+          <a:stretch>
+            <a:fillRect/>
+          </a:stretch>
+        </p:blipFill>
+        <p:spPr>
+          <a:xfrm>
+            <a:off x="985000" y="4822509"/>
+            <a:ext cx="2286635" cy="525145"/>
           </a:xfrm>
           <a:prstGeom prst="rect">
             <a:avLst/>
           </a:prstGeom>
-          <a:noFill/>
-        </p:spPr>
-        <p:txBody>
-          <a:bodyPr wrap="square">
-            <a:noAutofit/>
-          </a:bodyPr>
-          <a:lstStyle/>
-          <a:p>
-            <a:pPr algn="ctr"/>
-            <a:r>
-              <a:rPr lang="en-US" altLang="zh-CN" sz="1600" dirty="0">
-                <a:solidFill>
-                  <a:srgbClr val="06383C"/>
-                </a:solidFill>
-                <a:latin typeface="Times New Roman" panose="02020603050405020304" charset="0"/>
-                <a:ea typeface="思源黑体 CN Bold" panose="020B0800000000000000"/>
-                <a:cs typeface="Times New Roman" panose="02020603050405020304" charset="0"/>
-              </a:rPr>
-              <a:t>Adjacency Matrix and operation vector</a:t>
-            </a:r>
-            <a:r>
-              <a:rPr lang="en-US" altLang="zh-CN" sz="1600" dirty="0">
-                <a:solidFill>
-                  <a:srgbClr val="06383C"/>
-                </a:solidFill>
-                <a:latin typeface="微软雅黑" panose="020B0503020204020204" pitchFamily="34" charset="-122"/>
-                <a:ea typeface="思源黑体 CN Bold" panose="020B0800000000000000"/>
-                <a:cs typeface="Open Sans" panose="020B0606030504020204" pitchFamily="34" charset="0"/>
-              </a:rPr>
-              <a:t> </a:t>
-            </a:r>
-            <a:endParaRPr lang="en-US" altLang="zh-CN" sz="1600" dirty="0">
-              <a:solidFill>
-                <a:srgbClr val="06383C"/>
-              </a:solidFill>
-              <a:latin typeface="微软雅黑" panose="020B0503020204020204" pitchFamily="34" charset="-122"/>
-              <a:ea typeface="思源黑体 CN Bold" panose="020B0800000000000000"/>
-              <a:cs typeface="Open Sans" panose="020B0606030504020204" pitchFamily="34" charset="0"/>
-            </a:endParaRPr>
-          </a:p>
-        </p:txBody>
-      </p:sp>
+        </p:spPr>
+      </p:pic>
+      <p:pic>
+        <p:nvPicPr>
+          <p:cNvPr id="13" name="图片 12"/>
+          <p:cNvPicPr>
+            <a:picLocks noChangeAspect="1"/>
+          </p:cNvPicPr>
+          <p:nvPr/>
+        </p:nvPicPr>
+        <p:blipFill>
+          <a:blip r:embed="rId6"/>
+          <a:stretch>
+            <a:fillRect/>
+          </a:stretch>
+        </p:blipFill>
+        <p:spPr>
+          <a:xfrm>
+            <a:off x="416357" y="5443930"/>
+            <a:ext cx="3423920" cy="532765"/>
+          </a:xfrm>
+          <a:prstGeom prst="rect">
+            <a:avLst/>
+          </a:prstGeom>
+        </p:spPr>
+      </p:pic>
       <p:pic>
         <p:nvPicPr>
           <p:cNvPr id="4" name="图片 3"/>
@@ -9202,85 +8078,75 @@
           <p:nvPr/>
         </p:nvPicPr>
         <p:blipFill>
-          <a:blip r:embed="rId4"/>
+          <a:blip r:embed="rId7"/>
           <a:stretch>
             <a:fillRect/>
           </a:stretch>
         </p:blipFill>
         <p:spPr>
           <a:xfrm>
-            <a:off x="7166610" y="1894840"/>
-            <a:ext cx="4347845" cy="2252980"/>
+            <a:off x="515938" y="2121977"/>
+            <a:ext cx="3568065" cy="1008380"/>
           </a:xfrm>
           <a:prstGeom prst="rect">
             <a:avLst/>
           </a:prstGeom>
         </p:spPr>
       </p:pic>
-      <p:sp>
-        <p:nvSpPr>
-          <p:cNvPr id="7" name="文本框 6"/>
-          <p:cNvSpPr txBox="1"/>
-          <p:nvPr/>
-        </p:nvSpPr>
-        <p:spPr>
-          <a:xfrm>
-            <a:off x="9448800" y="4251960"/>
-            <a:ext cx="1784350" cy="583565"/>
-          </a:xfrm>
-          <a:prstGeom prst="rect">
-            <a:avLst/>
-          </a:prstGeom>
-          <a:noFill/>
-        </p:spPr>
-        <p:txBody>
-          <a:bodyPr wrap="square">
-            <a:noAutofit/>
-          </a:bodyPr>
-          <a:lstStyle/>
-          <a:p>
-            <a:pPr algn="ctr"/>
-            <a:r>
-              <a:rPr lang="en-US" altLang="zh-CN" sz="1600" dirty="0">
-                <a:solidFill>
-                  <a:srgbClr val="06383C"/>
-                </a:solidFill>
-                <a:latin typeface="Times New Roman" panose="02020603050405020304" charset="0"/>
-                <a:ea typeface="思源黑体 CN Bold" panose="020B0800000000000000"/>
-                <a:cs typeface="Times New Roman" panose="02020603050405020304" charset="0"/>
-              </a:rPr>
-              <a:t>Cell DAG Visualization</a:t>
-            </a:r>
-            <a:endParaRPr lang="en-US" altLang="zh-CN" sz="1600" dirty="0">
-              <a:solidFill>
-                <a:srgbClr val="06383C"/>
-              </a:solidFill>
-              <a:latin typeface="Times New Roman" panose="02020603050405020304" charset="0"/>
-              <a:ea typeface="思源黑体 CN Bold" panose="020B0800000000000000"/>
-              <a:cs typeface="Times New Roman" panose="02020603050405020304" charset="0"/>
-            </a:endParaRPr>
-          </a:p>
-        </p:txBody>
-      </p:sp>
       <p:pic>
         <p:nvPicPr>
-          <p:cNvPr id="10" name="图片 9"/>
+          <p:cNvPr id="7" name="图片 6"/>
           <p:cNvPicPr>
             <a:picLocks noChangeAspect="1"/>
           </p:cNvPicPr>
           <p:nvPr/>
         </p:nvPicPr>
         <p:blipFill>
-          <a:blip r:embed="rId5"/>
-          <a:srcRect r="3009" b="4016"/>
+          <a:blip r:embed="rId8"/>
           <a:stretch>
             <a:fillRect/>
           </a:stretch>
         </p:blipFill>
         <p:spPr>
           <a:xfrm>
-            <a:off x="1667510" y="4361180"/>
-            <a:ext cx="4652645" cy="606425"/>
+            <a:off x="586437" y="3226633"/>
+            <a:ext cx="3333115" cy="1114425"/>
+          </a:xfrm>
+          <a:prstGeom prst="rect">
+            <a:avLst/>
+          </a:prstGeom>
+        </p:spPr>
+      </p:pic>
+      <p:pic>
+        <p:nvPicPr>
+          <p:cNvPr id="5" name="图片 4">
+            <a:extLst>
+              <a:ext uri="{FF2B5EF4-FFF2-40B4-BE49-F238E27FC236}">
+                <a16:creationId xmlns:a16="http://schemas.microsoft.com/office/drawing/2014/main" id="{5D2AD119-4ECC-C0BA-591C-5D4BD282CC94}"/>
+              </a:ext>
+            </a:extLst>
+          </p:cNvPr>
+          <p:cNvPicPr>
+            <a:picLocks noChangeAspect="1"/>
+          </p:cNvPicPr>
+          <p:nvPr/>
+        </p:nvPicPr>
+        <p:blipFill>
+          <a:blip r:embed="rId9" cstate="print">
+            <a:extLst>
+              <a:ext uri="{28A0092B-C50C-407E-A947-70E740481C1C}">
+                <a14:useLocalDpi xmlns:a14="http://schemas.microsoft.com/office/drawing/2010/main" val="0"/>
+              </a:ext>
+            </a:extLst>
+          </a:blip>
+          <a:stretch>
+            <a:fillRect/>
+          </a:stretch>
+        </p:blipFill>
+        <p:spPr>
+          <a:xfrm>
+            <a:off x="3852162" y="1085311"/>
+            <a:ext cx="8339838" cy="5397067"/>
           </a:xfrm>
           <a:prstGeom prst="rect">
             <a:avLst/>
@@ -9399,7 +8265,7 @@
           <p:nvPr/>
         </p:nvPicPr>
         <p:blipFill rotWithShape="1">
-          <a:blip r:embed="rId1"/>
+          <a:blip r:embed="rId2"/>
           <a:srcRect b="30952"/>
           <a:stretch>
             <a:fillRect/>
@@ -9424,10 +8290,10 @@
           <p:nvPr/>
         </p:nvPicPr>
         <p:blipFill>
-          <a:blip r:embed="rId2">
+          <a:blip r:embed="rId3">
             <a:extLst>
               <a:ext uri="{96DAC541-7B7A-43D3-8B79-37D633B846F1}">
-                <asvg:svgBlip xmlns:asvg="http://schemas.microsoft.com/office/drawing/2016/SVG/main" r:embed="rId3"/>
+                <asvg:svgBlip xmlns:asvg="http://schemas.microsoft.com/office/drawing/2016/SVG/main" r:embed="rId4"/>
               </a:ext>
             </a:extLst>
           </a:blip>
@@ -9520,15 +8386,15 @@
           <p:nvPr/>
         </p:nvPicPr>
         <p:blipFill>
-          <a:blip r:embed="rId4"/>
+          <a:blip r:embed="rId5"/>
           <a:stretch>
             <a:fillRect/>
           </a:stretch>
         </p:blipFill>
         <p:spPr>
           <a:xfrm>
-            <a:off x="1207135" y="1875155"/>
-            <a:ext cx="5379085" cy="3296285"/>
+            <a:off x="515938" y="1721247"/>
+            <a:ext cx="6124705" cy="3753199"/>
           </a:xfrm>
           <a:prstGeom prst="rect">
             <a:avLst/>
@@ -9554,6 +8420,7 @@
           <a:bodyPr>
             <a:noAutofit/>
           </a:bodyPr>
+          <a:lstStyle/>
           <a:p>
             <a:pPr marL="0" indent="0">
               <a:spcAft>
@@ -9571,14 +8438,6 @@
               </a:rPr>
               <a:t>AmoebaNet</a:t>
             </a:r>
-            <a:endParaRPr lang="en-US" altLang="zh-CN" sz="2400" b="0" i="0">
-              <a:solidFill>
-                <a:srgbClr val="191B1F"/>
-              </a:solidFill>
-              <a:latin typeface="Times New Roman" panose="02020603050405020304" charset="0"/>
-              <a:ea typeface="微软雅黑" panose="020B0503020204020204" pitchFamily="34" charset="-122"/>
-              <a:cs typeface="Times New Roman" panose="02020603050405020304" charset="0"/>
-            </a:endParaRPr>
           </a:p>
         </p:txBody>
       </p:sp>
@@ -9591,14 +8450,14 @@
           <p:nvPr/>
         </p:nvPicPr>
         <p:blipFill>
-          <a:blip r:embed="rId5"/>
+          <a:blip r:embed="rId6"/>
           <a:stretch>
             <a:fillRect/>
           </a:stretch>
         </p:blipFill>
         <p:spPr>
           <a:xfrm>
-            <a:off x="7241540" y="1104265"/>
+            <a:off x="7261527" y="1114259"/>
             <a:ext cx="3738245" cy="5367020"/>
           </a:xfrm>
           <a:prstGeom prst="rect">
@@ -9611,13 +8470,6 @@
   <p:clrMapOvr>
     <a:masterClrMapping/>
   </p:clrMapOvr>
-  <p:timing>
-    <p:tnLst>
-      <p:par>
-        <p:cTn id="1" dur="indefinite" restart="never" nodeType="tmRoot"/>
-      </p:par>
-    </p:tnLst>
-  </p:timing>
 </p:sld>
 </file>
 
@@ -9647,7 +8499,7 @@
           <p:nvPr/>
         </p:nvPicPr>
         <p:blipFill rotWithShape="1">
-          <a:blip r:embed="rId1"/>
+          <a:blip r:embed="rId2"/>
           <a:srcRect b="30952"/>
           <a:stretch>
             <a:fillRect/>
@@ -9672,10 +8524,10 @@
           <p:nvPr/>
         </p:nvPicPr>
         <p:blipFill>
-          <a:blip r:embed="rId2">
+          <a:blip r:embed="rId3">
             <a:extLst>
               <a:ext uri="{96DAC541-7B7A-43D3-8B79-37D633B846F1}">
-                <asvg:svgBlip xmlns:asvg="http://schemas.microsoft.com/office/drawing/2016/SVG/main" r:embed="rId3"/>
+                <asvg:svgBlip xmlns:asvg="http://schemas.microsoft.com/office/drawing/2016/SVG/main" r:embed="rId4"/>
               </a:ext>
             </a:extLst>
           </a:blip>
@@ -9702,7 +8554,7 @@
         <p:spPr>
           <a:xfrm>
             <a:off x="515938" y="560070"/>
-            <a:ext cx="3065780" cy="645160"/>
+            <a:ext cx="3647152" cy="646331"/>
           </a:xfrm>
           <a:prstGeom prst="rect">
             <a:avLst/>
@@ -9732,6 +8584,17 @@
               <a:defRPr/>
             </a:pPr>
             <a:r>
+              <a:rPr lang="en-US" altLang="zh-CN" sz="3600" spc="300">
+                <a:solidFill>
+                  <a:srgbClr val="003F43"/>
+                </a:solidFill>
+                <a:latin typeface="Times New Roman" panose="02020603050405020304" charset="0"/>
+                <a:ea typeface="思源黑体 CN Bold" panose="020B0800000000000000" pitchFamily="34" charset="-122"/>
+                <a:cs typeface="Times New Roman" panose="02020603050405020304" charset="0"/>
+              </a:rPr>
+              <a:t>Current </a:t>
+            </a:r>
+            <a:r>
               <a:rPr lang="en-US" altLang="zh-CN" sz="3600" spc="300" dirty="0">
                 <a:solidFill>
                   <a:srgbClr val="003F43"/>
@@ -9740,7 +8603,18 @@
                 <a:ea typeface="思源黑体 CN Bold" panose="020B0800000000000000" pitchFamily="34" charset="-122"/>
                 <a:cs typeface="Times New Roman" panose="02020603050405020304" charset="0"/>
               </a:rPr>
-              <a:t>Methodology</a:t>
+              <a:t>R</a:t>
+            </a:r>
+            <a:r>
+              <a:rPr lang="en-US" altLang="zh-CN" sz="3600" spc="300">
+                <a:solidFill>
+                  <a:srgbClr val="003F43"/>
+                </a:solidFill>
+                <a:latin typeface="Times New Roman" panose="02020603050405020304" charset="0"/>
+                <a:ea typeface="思源黑体 CN Bold" panose="020B0800000000000000" pitchFamily="34" charset="-122"/>
+                <a:cs typeface="Times New Roman" panose="02020603050405020304" charset="0"/>
+              </a:rPr>
+              <a:t>esults</a:t>
             </a:r>
             <a:endParaRPr kumimoji="0" lang="en-US" altLang="zh-CN" sz="3600" b="0" i="0" u="none" strike="noStrike" kern="1200" cap="none" spc="300" normalizeH="0" baseline="0" noProof="0" dirty="0">
               <a:ln>
@@ -9761,14 +8635,14 @@
       </p:sp>
       <p:sp>
         <p:nvSpPr>
-          <p:cNvPr id="6" name="文本框 5"/>
+          <p:cNvPr id="3" name="文本框 2"/>
           <p:cNvSpPr txBox="1"/>
           <p:nvPr/>
         </p:nvSpPr>
         <p:spPr>
           <a:xfrm>
-            <a:off x="1034251" y="1430219"/>
-            <a:ext cx="5181600" cy="4692650"/>
+            <a:off x="515938" y="1265218"/>
+            <a:ext cx="8560435" cy="4219575"/>
           </a:xfrm>
           <a:prstGeom prst="rect">
             <a:avLst/>
@@ -9777,23 +8651,13 @@
         </p:spPr>
         <p:txBody>
           <a:bodyPr wrap="square" rtlCol="0">
-            <a:spAutoFit/>
+            <a:noAutofit/>
           </a:bodyPr>
           <a:lstStyle/>
           <a:p>
-            <a:pPr marL="457200" lvl="0" indent="-457200">
-              <a:lnSpc>
-                <a:spcPct val="150000"/>
-              </a:lnSpc>
-              <a:spcBef>
-                <a:spcPts val="1200"/>
-              </a:spcBef>
-              <a:buFont typeface="Arial" panose="020B0604020202020204" pitchFamily="34" charset="0"/>
-              <a:buChar char="•"/>
-              <a:defRPr/>
-            </a:pPr>
-            <a:r>
-              <a:rPr lang="en-US" altLang="zh-CN" sz="2800" dirty="0">
+            <a:pPr lvl="1"/>
+            <a:r>
+              <a:rPr lang="en-US" altLang="zh-CN" sz="2400" dirty="0">
                 <a:solidFill>
                   <a:schemeClr val="bg2">
                     <a:lumMod val="10000"/>
@@ -9803,61 +8667,13 @@
                 <a:ea typeface="思源黑体 CN Bold" panose="020B0800000000000000"/>
                 <a:cs typeface="Times New Roman" panose="02020603050405020304" charset="0"/>
               </a:rPr>
-              <a:t>Selection:</a:t>
-            </a:r>
-            <a:endParaRPr lang="en-US" altLang="zh-CN" sz="2800" b="1" dirty="0">
-              <a:solidFill>
-                <a:schemeClr val="bg2">
-                  <a:lumMod val="10000"/>
-                </a:schemeClr>
-              </a:solidFill>
-              <a:latin typeface="Times New Roman" panose="02020603050405020304" charset="0"/>
-              <a:ea typeface="思源黑体 CN Bold" panose="020B0800000000000000"/>
-              <a:cs typeface="Times New Roman" panose="02020603050405020304" charset="0"/>
-            </a:endParaRPr>
-          </a:p>
-          <a:p>
-            <a:pPr marL="457200" lvl="0" indent="-457200">
-              <a:lnSpc>
-                <a:spcPct val="150000"/>
-              </a:lnSpc>
-              <a:spcBef>
-                <a:spcPts val="1200"/>
-              </a:spcBef>
-              <a:buFont typeface="Arial" panose="020B0604020202020204" pitchFamily="34" charset="0"/>
-              <a:buChar char="•"/>
-              <a:defRPr/>
-            </a:pPr>
-            <a:endParaRPr lang="en-US" altLang="zh-CN" sz="2800" b="1" dirty="0">
-              <a:solidFill>
-                <a:schemeClr val="bg2">
-                  <a:lumMod val="10000"/>
-                </a:schemeClr>
-              </a:solidFill>
-              <a:latin typeface="Times New Roman" panose="02020603050405020304" charset="0"/>
-              <a:ea typeface="思源黑体 CN Bold" panose="020B0800000000000000"/>
-              <a:cs typeface="Times New Roman" panose="02020603050405020304" charset="0"/>
-            </a:endParaRPr>
-          </a:p>
-          <a:p>
-            <a:endParaRPr lang="en-US" altLang="zh-CN" sz="2800" dirty="0">
-              <a:solidFill>
-                <a:schemeClr val="bg2">
-                  <a:lumMod val="10000"/>
-                </a:schemeClr>
-              </a:solidFill>
-              <a:latin typeface="Times New Roman" panose="02020603050405020304" charset="0"/>
-              <a:ea typeface="思源黑体 CN Bold" panose="020B0800000000000000"/>
-              <a:cs typeface="Times New Roman" panose="02020603050405020304" charset="0"/>
-            </a:endParaRPr>
-          </a:p>
-          <a:p>
-            <a:pPr marL="457200" indent="-457200">
-              <a:buFont typeface="Arial" panose="020B0604020202020204" pitchFamily="34" charset="0"/>
-              <a:buChar char="•"/>
-            </a:pPr>
-            <a:r>
-              <a:rPr lang="en-US" altLang="zh-CN" sz="2800" dirty="0">
+              <a:t>1. Successful loading of the NASBench-101 dataset and implementation of the architecture query interface</a:t>
+            </a:r>
+          </a:p>
+          <a:p>
+            <a:pPr lvl="1"/>
+            <a:r>
+              <a:rPr lang="en-US" altLang="zh-CN" sz="2400" dirty="0">
                 <a:solidFill>
                   <a:schemeClr val="bg2">
                     <a:lumMod val="10000"/>
@@ -9867,89 +8683,13 @@
                 <a:ea typeface="思源黑体 CN Bold" panose="020B0800000000000000"/>
                 <a:cs typeface="Times New Roman" panose="02020603050405020304" charset="0"/>
               </a:rPr>
-              <a:t>Crossover:</a:t>
-            </a:r>
-            <a:endParaRPr lang="en-US" altLang="zh-CN" sz="2800" dirty="0">
-              <a:solidFill>
-                <a:schemeClr val="bg2">
-                  <a:lumMod val="10000"/>
-                </a:schemeClr>
-              </a:solidFill>
-              <a:latin typeface="Times New Roman" panose="02020603050405020304" charset="0"/>
-              <a:ea typeface="思源黑体 CN Bold" panose="020B0800000000000000"/>
-              <a:cs typeface="Times New Roman" panose="02020603050405020304" charset="0"/>
-            </a:endParaRPr>
-          </a:p>
-          <a:p>
-            <a:pPr marL="457200" indent="-457200">
-              <a:buFont typeface="Arial" panose="020B0604020202020204" pitchFamily="34" charset="0"/>
-              <a:buChar char="•"/>
-            </a:pPr>
-            <a:endParaRPr lang="en-US" altLang="zh-CN" sz="2800" dirty="0">
-              <a:solidFill>
-                <a:schemeClr val="bg2">
-                  <a:lumMod val="10000"/>
-                </a:schemeClr>
-              </a:solidFill>
-              <a:latin typeface="Times New Roman" panose="02020603050405020304" charset="0"/>
-              <a:ea typeface="思源黑体 CN Bold" panose="020B0800000000000000"/>
-              <a:cs typeface="Times New Roman" panose="02020603050405020304" charset="0"/>
-            </a:endParaRPr>
-          </a:p>
-          <a:p>
-            <a:pPr marL="457200" indent="-457200">
-              <a:buFont typeface="Arial" panose="020B0604020202020204" pitchFamily="34" charset="0"/>
-              <a:buChar char="•"/>
-            </a:pPr>
-            <a:endParaRPr lang="en-US" altLang="zh-CN" sz="2800" dirty="0">
-              <a:solidFill>
-                <a:schemeClr val="bg2">
-                  <a:lumMod val="10000"/>
-                </a:schemeClr>
-              </a:solidFill>
-              <a:latin typeface="Times New Roman" panose="02020603050405020304" charset="0"/>
-              <a:ea typeface="思源黑体 CN Bold" panose="020B0800000000000000"/>
-              <a:cs typeface="Times New Roman" panose="02020603050405020304" charset="0"/>
-            </a:endParaRPr>
-          </a:p>
-          <a:p>
-            <a:pPr marL="457200" indent="-457200">
-              <a:buFont typeface="Arial" panose="020B0604020202020204" pitchFamily="34" charset="0"/>
-              <a:buChar char="•"/>
-            </a:pPr>
-            <a:endParaRPr lang="en-US" altLang="zh-CN" sz="2800" dirty="0">
-              <a:solidFill>
-                <a:schemeClr val="bg2">
-                  <a:lumMod val="10000"/>
-                </a:schemeClr>
-              </a:solidFill>
-              <a:latin typeface="Times New Roman" panose="02020603050405020304" charset="0"/>
-              <a:ea typeface="思源黑体 CN Bold" panose="020B0800000000000000"/>
-              <a:cs typeface="Times New Roman" panose="02020603050405020304" charset="0"/>
-              <a:sym typeface="+mn-ea"/>
-            </a:endParaRPr>
-          </a:p>
-          <a:p>
-            <a:pPr marL="457200" indent="-457200">
-              <a:buFont typeface="Arial" panose="020B0604020202020204" pitchFamily="34" charset="0"/>
-              <a:buChar char="•"/>
-            </a:pPr>
-            <a:r>
-              <a:rPr lang="en-US" altLang="zh-CN" sz="2800" dirty="0">
-                <a:solidFill>
-                  <a:schemeClr val="bg2">
-                    <a:lumMod val="10000"/>
-                  </a:schemeClr>
-                </a:solidFill>
-                <a:latin typeface="Times New Roman" panose="02020603050405020304" charset="0"/>
-                <a:ea typeface="思源黑体 CN Bold" panose="020B0800000000000000"/>
-                <a:cs typeface="Times New Roman" panose="02020603050405020304" charset="0"/>
-                <a:sym typeface="+mn-ea"/>
-              </a:rPr>
-              <a:t>Mutation</a:t>
-            </a:r>
-            <a:r>
-              <a:rPr lang="zh-CN" altLang="en-US" sz="2800" dirty="0">
+              <a:t>2. Construction of the NAS search space, including both the topological representation (adjacency matrices) and operation definition (node-level operator choices).</a:t>
+            </a:r>
+          </a:p>
+          <a:p>
+            <a:pPr lvl="1"/>
+            <a:r>
+              <a:rPr lang="en-US" altLang="zh-CN" sz="2400" dirty="0">
                 <a:solidFill>
                   <a:schemeClr val="bg2">
                     <a:lumMod val="10000"/>
@@ -9959,160 +8699,92 @@
                 <a:ea typeface="思源黑体 CN Bold" panose="020B0800000000000000"/>
                 <a:cs typeface="Times New Roman" panose="02020603050405020304" charset="0"/>
               </a:rPr>
-              <a:t>：</a:t>
-            </a:r>
-            <a:endParaRPr lang="en-US" altLang="zh-CN" sz="2800" dirty="0">
-              <a:solidFill>
-                <a:schemeClr val="bg2">
-                  <a:lumMod val="10000"/>
-                </a:schemeClr>
-              </a:solidFill>
-              <a:latin typeface="思源黑体 CN Regular"/>
-              <a:ea typeface="思源黑体 CN Bold" panose="020B0800000000000000"/>
-              <a:cs typeface="Calibri" panose="020F0502020204030204" pitchFamily="34" charset="0"/>
-            </a:endParaRPr>
-          </a:p>
-          <a:p>
-            <a:pPr lvl="0">
-              <a:lnSpc>
-                <a:spcPct val="150000"/>
-              </a:lnSpc>
-              <a:spcBef>
-                <a:spcPts val="1200"/>
-              </a:spcBef>
-              <a:defRPr/>
+              <a:t>3. Development of three search algorithms:</a:t>
+            </a:r>
+          </a:p>
+          <a:p>
+            <a:pPr marL="800100" lvl="1" indent="-342900">
+              <a:buFont typeface="Arial" panose="020B0604020202020204" pitchFamily="34" charset="0"/>
+              <a:buChar char="•"/>
             </a:pPr>
+            <a:r>
+              <a:rPr lang="en-US" altLang="zh-CN" sz="2400" dirty="0">
+                <a:solidFill>
+                  <a:schemeClr val="bg2">
+                    <a:lumMod val="10000"/>
+                  </a:schemeClr>
+                </a:solidFill>
+                <a:latin typeface="Times New Roman" panose="02020603050405020304" charset="0"/>
+                <a:ea typeface="思源黑体 CN Bold" panose="020B0800000000000000"/>
+                <a:cs typeface="Times New Roman" panose="02020603050405020304" charset="0"/>
+              </a:rPr>
+              <a:t>Random Search</a:t>
+            </a:r>
+          </a:p>
+          <a:p>
+            <a:pPr marL="800100" lvl="1" indent="-342900">
+              <a:buFont typeface="Arial" panose="020B0604020202020204" pitchFamily="34" charset="0"/>
+              <a:buChar char="•"/>
+            </a:pPr>
+            <a:r>
+              <a:rPr lang="en-US" altLang="zh-CN" sz="2400" dirty="0">
+                <a:solidFill>
+                  <a:schemeClr val="bg2">
+                    <a:lumMod val="10000"/>
+                  </a:schemeClr>
+                </a:solidFill>
+                <a:latin typeface="Times New Roman" panose="02020603050405020304" charset="0"/>
+                <a:ea typeface="思源黑体 CN Bold" panose="020B0800000000000000"/>
+                <a:cs typeface="Times New Roman" panose="02020603050405020304" charset="0"/>
+              </a:rPr>
+              <a:t>Evolutionary Search with crossover</a:t>
+            </a:r>
+          </a:p>
+          <a:p>
+            <a:pPr marL="800100" lvl="1" indent="-342900">
+              <a:buFont typeface="Arial" panose="020B0604020202020204" pitchFamily="34" charset="0"/>
+              <a:buChar char="•"/>
+            </a:pPr>
+            <a:r>
+              <a:rPr lang="en-US" altLang="zh-CN" sz="2400" dirty="0">
+                <a:solidFill>
+                  <a:schemeClr val="bg2">
+                    <a:lumMod val="10000"/>
+                  </a:schemeClr>
+                </a:solidFill>
+                <a:latin typeface="Times New Roman" panose="02020603050405020304" charset="0"/>
+                <a:ea typeface="思源黑体 CN Bold" panose="020B0800000000000000"/>
+                <a:cs typeface="Times New Roman" panose="02020603050405020304" charset="0"/>
+              </a:rPr>
+              <a:t>Evolutionary Search without crossover</a:t>
+            </a:r>
+          </a:p>
+          <a:p>
+            <a:pPr lvl="1"/>
+            <a:r>
+              <a:rPr lang="en-US" altLang="zh-CN" sz="2400" dirty="0">
+                <a:solidFill>
+                  <a:schemeClr val="bg2">
+                    <a:lumMod val="10000"/>
+                  </a:schemeClr>
+                </a:solidFill>
+                <a:latin typeface="Times New Roman" panose="02020603050405020304" charset="0"/>
+                <a:ea typeface="思源黑体 CN Bold" panose="020B0800000000000000"/>
+                <a:cs typeface="Times New Roman" panose="02020603050405020304" charset="0"/>
+              </a:rPr>
+              <a:t>4. Visualization of performance and algorithm comparison, illustrating how different search strategies evolve over time and how their efficiency differs under the same computational budget.</a:t>
+            </a:r>
             <a:endParaRPr lang="zh-CN" altLang="en-US" dirty="0">
               <a:solidFill>
                 <a:srgbClr val="06383C"/>
               </a:solidFill>
-              <a:latin typeface="微软雅黑" panose="020B0503020204020204" pitchFamily="34" charset="-122"/>
+              <a:latin typeface="Times New Roman" panose="02020603050405020304" charset="0"/>
               <a:ea typeface="思源黑体 CN Bold" panose="020B0800000000000000"/>
-              <a:cs typeface="Open Sans" panose="020B0606030504020204" pitchFamily="34" charset="0"/>
+              <a:cs typeface="Times New Roman" panose="02020603050405020304" charset="0"/>
             </a:endParaRPr>
           </a:p>
         </p:txBody>
       </p:sp>
-      <p:pic>
-        <p:nvPicPr>
-          <p:cNvPr id="12" name="图片 11"/>
-          <p:cNvPicPr>
-            <a:picLocks noChangeAspect="1"/>
-          </p:cNvPicPr>
-          <p:nvPr/>
-        </p:nvPicPr>
-        <p:blipFill>
-          <a:blip r:embed="rId4"/>
-          <a:stretch>
-            <a:fillRect/>
-          </a:stretch>
-        </p:blipFill>
-        <p:spPr>
-          <a:xfrm>
-            <a:off x="2995301" y="5538885"/>
-            <a:ext cx="2286635" cy="525145"/>
-          </a:xfrm>
-          <a:prstGeom prst="rect">
-            <a:avLst/>
-          </a:prstGeom>
-        </p:spPr>
-      </p:pic>
-      <p:pic>
-        <p:nvPicPr>
-          <p:cNvPr id="13" name="图片 12"/>
-          <p:cNvPicPr>
-            <a:picLocks noChangeAspect="1"/>
-          </p:cNvPicPr>
-          <p:nvPr/>
-        </p:nvPicPr>
-        <p:blipFill>
-          <a:blip r:embed="rId5"/>
-          <a:stretch>
-            <a:fillRect/>
-          </a:stretch>
-        </p:blipFill>
-        <p:spPr>
-          <a:xfrm>
-            <a:off x="5970905" y="5539363"/>
-            <a:ext cx="3423920" cy="532765"/>
-          </a:xfrm>
-          <a:prstGeom prst="rect">
-            <a:avLst/>
-          </a:prstGeom>
-        </p:spPr>
-      </p:pic>
-      <p:pic>
-        <p:nvPicPr>
-          <p:cNvPr id="14" name="图片 13"/>
-          <p:cNvPicPr>
-            <a:picLocks noChangeAspect="1"/>
-          </p:cNvPicPr>
-          <p:nvPr/>
-        </p:nvPicPr>
-        <p:blipFill>
-          <a:blip r:embed="rId6"/>
-          <a:stretch>
-            <a:fillRect/>
-          </a:stretch>
-        </p:blipFill>
-        <p:spPr>
-          <a:xfrm>
-            <a:off x="3989705" y="2239645"/>
-            <a:ext cx="3238500" cy="638175"/>
-          </a:xfrm>
-          <a:prstGeom prst="rect">
-            <a:avLst/>
-          </a:prstGeom>
-        </p:spPr>
-      </p:pic>
-      <p:pic>
-        <p:nvPicPr>
-          <p:cNvPr id="4" name="图片 3"/>
-          <p:cNvPicPr>
-            <a:picLocks noChangeAspect="1"/>
-          </p:cNvPicPr>
-          <p:nvPr/>
-        </p:nvPicPr>
-        <p:blipFill>
-          <a:blip r:embed="rId7"/>
-          <a:stretch>
-            <a:fillRect/>
-          </a:stretch>
-        </p:blipFill>
-        <p:spPr>
-          <a:xfrm>
-            <a:off x="2647950" y="3846195"/>
-            <a:ext cx="3568065" cy="1008380"/>
-          </a:xfrm>
-          <a:prstGeom prst="rect">
-            <a:avLst/>
-          </a:prstGeom>
-        </p:spPr>
-      </p:pic>
-      <p:pic>
-        <p:nvPicPr>
-          <p:cNvPr id="7" name="图片 6"/>
-          <p:cNvPicPr>
-            <a:picLocks noChangeAspect="1"/>
-          </p:cNvPicPr>
-          <p:nvPr/>
-        </p:nvPicPr>
-        <p:blipFill>
-          <a:blip r:embed="rId8"/>
-          <a:stretch>
-            <a:fillRect/>
-          </a:stretch>
-        </p:blipFill>
-        <p:spPr>
-          <a:xfrm>
-            <a:off x="7227570" y="3740150"/>
-            <a:ext cx="3333115" cy="1114425"/>
-          </a:xfrm>
-          <a:prstGeom prst="rect">
-            <a:avLst/>
-          </a:prstGeom>
-        </p:spPr>
-      </p:pic>
     </p:spTree>
   </p:cSld>
   <p:clrMapOvr>
@@ -10152,7 +8824,7 @@
                                           </p:stCondLst>
                                         </p:cTn>
                                         <p:tgtEl>
-                                          <p:spTgt spid="6"/>
+                                          <p:spTgt spid="3"/>
                                         </p:tgtEl>
                                         <p:attrNameLst>
                                           <p:attrName>style.visibility</p:attrName>
@@ -10193,7 +8865,7 @@
       </p:par>
     </p:tnLst>
     <p:bldLst>
-      <p:bldP spid="6" grpId="0"/>
+      <p:bldP spid="3" grpId="0"/>
     </p:bldLst>
   </p:timing>
 </p:sld>
@@ -10204,7 +8876,13 @@
   <p:cSld>
     <p:spTree>
       <p:nvGrpSpPr>
-        <p:cNvPr id="1" name=""/>
+        <p:cNvPr id="1" name="">
+          <a:extLst>
+            <a:ext uri="{FF2B5EF4-FFF2-40B4-BE49-F238E27FC236}">
+              <a16:creationId xmlns:a16="http://schemas.microsoft.com/office/drawing/2014/main" id="{74CF099B-70AF-3D3B-71BC-40593B1E2A0B}"/>
+            </a:ext>
+          </a:extLst>
+        </p:cNvPr>
         <p:cNvGrpSpPr/>
         <p:nvPr/>
       </p:nvGrpSpPr>
@@ -10218,14 +8896,20 @@
       </p:grpSpPr>
       <p:pic>
         <p:nvPicPr>
-          <p:cNvPr id="2" name="图片 1"/>
+          <p:cNvPr id="2" name="图片 1">
+            <a:extLst>
+              <a:ext uri="{FF2B5EF4-FFF2-40B4-BE49-F238E27FC236}">
+                <a16:creationId xmlns:a16="http://schemas.microsoft.com/office/drawing/2014/main" id="{0105918F-17D7-48A4-B4C6-4DC8323A9F8C}"/>
+              </a:ext>
+            </a:extLst>
+          </p:cNvPr>
           <p:cNvPicPr>
             <a:picLocks noChangeAspect="1"/>
           </p:cNvPicPr>
           <p:nvPr/>
         </p:nvPicPr>
         <p:blipFill rotWithShape="1">
-          <a:blip r:embed="rId1"/>
+          <a:blip r:embed="rId2"/>
           <a:srcRect b="30952"/>
           <a:stretch>
             <a:fillRect/>
@@ -10243,17 +8927,23 @@
       </p:pic>
       <p:pic>
         <p:nvPicPr>
-          <p:cNvPr id="8" name="图形 7"/>
+          <p:cNvPr id="8" name="图形 7">
+            <a:extLst>
+              <a:ext uri="{FF2B5EF4-FFF2-40B4-BE49-F238E27FC236}">
+                <a16:creationId xmlns:a16="http://schemas.microsoft.com/office/drawing/2014/main" id="{DE696E6D-9B6E-F141-402F-41FFA67C20BC}"/>
+              </a:ext>
+            </a:extLst>
+          </p:cNvPr>
           <p:cNvPicPr>
             <a:picLocks noChangeAspect="1"/>
           </p:cNvPicPr>
           <p:nvPr/>
         </p:nvPicPr>
         <p:blipFill>
-          <a:blip r:embed="rId2">
+          <a:blip r:embed="rId3">
             <a:extLst>
               <a:ext uri="{96DAC541-7B7A-43D3-8B79-37D633B846F1}">
-                <asvg:svgBlip xmlns:asvg="http://schemas.microsoft.com/office/drawing/2016/SVG/main" r:embed="rId3"/>
+                <asvg:svgBlip xmlns:asvg="http://schemas.microsoft.com/office/drawing/2016/SVG/main" r:embed="rId4"/>
               </a:ext>
             </a:extLst>
           </a:blip>
@@ -10273,14 +8963,20 @@
       </p:pic>
       <p:sp>
         <p:nvSpPr>
-          <p:cNvPr id="9" name="文本框 8"/>
+          <p:cNvPr id="9" name="文本框 8">
+            <a:extLst>
+              <a:ext uri="{FF2B5EF4-FFF2-40B4-BE49-F238E27FC236}">
+                <a16:creationId xmlns:a16="http://schemas.microsoft.com/office/drawing/2014/main" id="{05122F07-DCD4-88C4-B96B-C3D79D59F588}"/>
+              </a:ext>
+            </a:extLst>
+          </p:cNvPr>
           <p:cNvSpPr txBox="1"/>
           <p:nvPr/>
         </p:nvSpPr>
         <p:spPr>
           <a:xfrm>
             <a:off x="515938" y="560070"/>
-            <a:ext cx="3515995" cy="645160"/>
+            <a:ext cx="3647152" cy="646331"/>
           </a:xfrm>
           <a:prstGeom prst="rect">
             <a:avLst/>
@@ -10310,21 +9006,37 @@
               <a:defRPr/>
             </a:pPr>
             <a:r>
-              <a:rPr kumimoji="0" lang="en-US" altLang="zh-CN" sz="3600" b="0" i="0" u="none" strike="noStrike" kern="1200" cap="none" spc="300" normalizeH="0" baseline="0" noProof="0" dirty="0">
-                <a:ln>
-                  <a:noFill/>
-                </a:ln>
+              <a:rPr lang="en-US" altLang="zh-CN" sz="3600" spc="300">
                 <a:solidFill>
                   <a:srgbClr val="003F43"/>
                 </a:solidFill>
-                <a:effectLst/>
-                <a:uLnTx/>
-                <a:uFillTx/>
                 <a:latin typeface="Times New Roman" panose="02020603050405020304" charset="0"/>
                 <a:ea typeface="思源黑体 CN Bold" panose="020B0800000000000000" pitchFamily="34" charset="-122"/>
                 <a:cs typeface="Times New Roman" panose="02020603050405020304" charset="0"/>
               </a:rPr>
-              <a:t>Tools Required</a:t>
+              <a:t>Current </a:t>
+            </a:r>
+            <a:r>
+              <a:rPr lang="en-US" altLang="zh-CN" sz="3600" spc="300" dirty="0">
+                <a:solidFill>
+                  <a:srgbClr val="003F43"/>
+                </a:solidFill>
+                <a:latin typeface="Times New Roman" panose="02020603050405020304" charset="0"/>
+                <a:ea typeface="思源黑体 CN Bold" panose="020B0800000000000000" pitchFamily="34" charset="-122"/>
+                <a:cs typeface="Times New Roman" panose="02020603050405020304" charset="0"/>
+              </a:rPr>
+              <a:t>R</a:t>
+            </a:r>
+            <a:r>
+              <a:rPr lang="en-US" altLang="zh-CN" sz="3600" spc="300">
+                <a:solidFill>
+                  <a:srgbClr val="003F43"/>
+                </a:solidFill>
+                <a:latin typeface="Times New Roman" panose="02020603050405020304" charset="0"/>
+                <a:ea typeface="思源黑体 CN Bold" panose="020B0800000000000000" pitchFamily="34" charset="-122"/>
+                <a:cs typeface="Times New Roman" panose="02020603050405020304" charset="0"/>
+              </a:rPr>
+              <a:t>esults</a:t>
             </a:r>
             <a:endParaRPr kumimoji="0" lang="en-US" altLang="zh-CN" sz="3600" b="0" i="0" u="none" strike="noStrike" kern="1200" cap="none" spc="300" normalizeH="0" baseline="0" noProof="0" dirty="0">
               <a:ln>
@@ -10343,310 +9055,88 @@
           </a:p>
         </p:txBody>
       </p:sp>
-      <p:sp>
-        <p:nvSpPr>
-          <p:cNvPr id="6" name="文本框 5"/>
-          <p:cNvSpPr txBox="1"/>
-          <p:nvPr/>
-        </p:nvSpPr>
-        <p:spPr>
-          <a:xfrm>
-            <a:off x="1034250" y="1620720"/>
-            <a:ext cx="8397710" cy="2722880"/>
-          </a:xfrm>
-          <a:prstGeom prst="rect">
-            <a:avLst/>
-          </a:prstGeom>
-          <a:noFill/>
-        </p:spPr>
-        <p:txBody>
-          <a:bodyPr wrap="square" rtlCol="0">
-            <a:spAutoFit/>
-          </a:bodyPr>
-          <a:lstStyle/>
-          <a:p>
-            <a:pPr marL="457200" lvl="0" indent="-457200">
-              <a:lnSpc>
-                <a:spcPct val="150000"/>
-              </a:lnSpc>
-              <a:spcBef>
-                <a:spcPts val="1200"/>
-              </a:spcBef>
-              <a:buFont typeface="Arial" panose="020B0604020202020204" pitchFamily="34" charset="0"/>
-              <a:buChar char="•"/>
-              <a:defRPr/>
-            </a:pPr>
-            <a:r>
-              <a:rPr lang="en-US" altLang="zh-CN" sz="2800" dirty="0">
-                <a:solidFill>
-                  <a:schemeClr val="bg2">
-                    <a:lumMod val="10000"/>
-                  </a:schemeClr>
-                </a:solidFill>
-                <a:latin typeface="Times New Roman" panose="02020603050405020304" charset="0"/>
-                <a:ea typeface="思源黑体 CN Bold" panose="020B0800000000000000"/>
-                <a:cs typeface="Times New Roman" panose="02020603050405020304" charset="0"/>
-              </a:rPr>
-              <a:t>Python </a:t>
-            </a:r>
-            <a:r>
-              <a:rPr lang="zh-CN" altLang="en-US" sz="2800" dirty="0">
-                <a:solidFill>
-                  <a:schemeClr val="bg2">
-                    <a:lumMod val="10000"/>
-                  </a:schemeClr>
-                </a:solidFill>
-                <a:latin typeface="Times New Roman" panose="02020603050405020304" charset="0"/>
-                <a:ea typeface="思源黑体 CN Bold" panose="020B0800000000000000"/>
-                <a:cs typeface="Times New Roman" panose="02020603050405020304" charset="0"/>
-              </a:rPr>
-              <a:t>：</a:t>
-            </a:r>
-            <a:r>
-              <a:rPr lang="en-US" altLang="zh-CN" sz="2400" dirty="0">
-                <a:solidFill>
-                  <a:schemeClr val="bg2">
-                    <a:lumMod val="10000"/>
-                  </a:schemeClr>
-                </a:solidFill>
-                <a:latin typeface="Times New Roman" panose="02020603050405020304" charset="0"/>
-                <a:ea typeface="思源黑体 CN Bold" panose="020B0800000000000000"/>
-                <a:cs typeface="Times New Roman" panose="02020603050405020304" charset="0"/>
-              </a:rPr>
-              <a:t>packages and modules like </a:t>
-            </a:r>
-            <a:r>
-              <a:rPr lang="en-US" altLang="zh-CN" sz="2400" i="1" dirty="0">
-                <a:solidFill>
-                  <a:schemeClr val="bg2">
-                    <a:lumMod val="10000"/>
-                  </a:schemeClr>
-                </a:solidFill>
-                <a:latin typeface="Times New Roman" panose="02020603050405020304" charset="0"/>
-                <a:ea typeface="思源黑体 CN Bold" panose="020B0800000000000000"/>
-                <a:cs typeface="Times New Roman" panose="02020603050405020304" charset="0"/>
-              </a:rPr>
-              <a:t>NumPy</a:t>
-            </a:r>
-            <a:r>
-              <a:rPr lang="zh-CN" altLang="en-US" sz="2400" i="1" dirty="0">
-                <a:solidFill>
-                  <a:schemeClr val="bg2">
-                    <a:lumMod val="10000"/>
-                  </a:schemeClr>
-                </a:solidFill>
-                <a:latin typeface="Times New Roman" panose="02020603050405020304" charset="0"/>
-                <a:ea typeface="思源黑体 CN Bold" panose="020B0800000000000000"/>
-                <a:cs typeface="Times New Roman" panose="02020603050405020304" charset="0"/>
-              </a:rPr>
-              <a:t>，</a:t>
-            </a:r>
-            <a:r>
-              <a:rPr lang="en-US" altLang="zh-CN" sz="2400" i="1" dirty="0">
-                <a:solidFill>
-                  <a:schemeClr val="bg2">
-                    <a:lumMod val="10000"/>
-                  </a:schemeClr>
-                </a:solidFill>
-                <a:latin typeface="Times New Roman" panose="02020603050405020304" charset="0"/>
-                <a:ea typeface="思源黑体 CN Bold" panose="020B0800000000000000"/>
-                <a:cs typeface="Times New Roman" panose="02020603050405020304" charset="0"/>
-              </a:rPr>
-              <a:t>Pandas, Matplotlib…</a:t>
-            </a:r>
-            <a:endParaRPr lang="en-US" altLang="zh-CN" sz="2400" i="1" dirty="0">
-              <a:solidFill>
-                <a:schemeClr val="bg2">
-                  <a:lumMod val="10000"/>
-                </a:schemeClr>
-              </a:solidFill>
-              <a:latin typeface="Times New Roman" panose="02020603050405020304" charset="0"/>
-              <a:ea typeface="思源黑体 CN Bold" panose="020B0800000000000000"/>
-              <a:cs typeface="Times New Roman" panose="02020603050405020304" charset="0"/>
-            </a:endParaRPr>
-          </a:p>
-          <a:p>
-            <a:endParaRPr lang="en-US" altLang="zh-CN" sz="2800" dirty="0">
-              <a:solidFill>
-                <a:schemeClr val="bg2">
-                  <a:lumMod val="10000"/>
-                </a:schemeClr>
-              </a:solidFill>
-              <a:latin typeface="Times New Roman" panose="02020603050405020304" charset="0"/>
-              <a:ea typeface="思源黑体 CN Bold" panose="020B0800000000000000"/>
-              <a:cs typeface="Times New Roman" panose="02020603050405020304" charset="0"/>
-            </a:endParaRPr>
-          </a:p>
-          <a:p>
-            <a:pPr marL="457200" indent="-457200">
-              <a:buFont typeface="Arial" panose="020B0604020202020204" pitchFamily="34" charset="0"/>
-              <a:buChar char="•"/>
-            </a:pPr>
-            <a:r>
-              <a:rPr lang="en-US" altLang="zh-CN" sz="2800" dirty="0">
-                <a:solidFill>
-                  <a:schemeClr val="bg2">
-                    <a:lumMod val="10000"/>
-                  </a:schemeClr>
-                </a:solidFill>
-                <a:latin typeface="Times New Roman" panose="02020603050405020304" charset="0"/>
-                <a:ea typeface="思源黑体 CN Bold" panose="020B0800000000000000"/>
-                <a:cs typeface="Times New Roman" panose="02020603050405020304" charset="0"/>
-              </a:rPr>
-              <a:t>NAS-Bench-101:</a:t>
-            </a:r>
-            <a:r>
-              <a:rPr lang="en-US" altLang="zh-CN" sz="2800" dirty="0">
-                <a:solidFill>
-                  <a:schemeClr val="bg2">
-                    <a:lumMod val="10000"/>
-                  </a:schemeClr>
-                </a:solidFill>
-                <a:latin typeface="思源黑体 CN Regular"/>
-                <a:ea typeface="思源黑体 CN Bold" panose="020B0800000000000000"/>
-                <a:cs typeface="Calibri" panose="020F0502020204030204" pitchFamily="34" charset="0"/>
-              </a:rPr>
-              <a:t> </a:t>
-            </a:r>
-            <a:endParaRPr lang="en-US" altLang="zh-CN" sz="2800" dirty="0">
-              <a:solidFill>
-                <a:schemeClr val="bg2">
-                  <a:lumMod val="10000"/>
-                </a:schemeClr>
-              </a:solidFill>
-              <a:latin typeface="思源黑体 CN Regular"/>
-              <a:ea typeface="思源黑体 CN Bold" panose="020B0800000000000000"/>
-              <a:cs typeface="Calibri" panose="020F0502020204030204" pitchFamily="34" charset="0"/>
-            </a:endParaRPr>
-          </a:p>
-          <a:p>
-            <a:pPr lvl="0">
-              <a:lnSpc>
-                <a:spcPct val="150000"/>
-              </a:lnSpc>
-              <a:spcBef>
-                <a:spcPts val="1200"/>
-              </a:spcBef>
-              <a:defRPr/>
-            </a:pPr>
-            <a:endParaRPr lang="zh-CN" altLang="en-US" dirty="0">
-              <a:solidFill>
-                <a:srgbClr val="06383C"/>
-              </a:solidFill>
-              <a:latin typeface="微软雅黑" panose="020B0503020204020204" pitchFamily="34" charset="-122"/>
-              <a:ea typeface="思源黑体 CN Bold" panose="020B0800000000000000"/>
-              <a:cs typeface="Open Sans" panose="020B0606030504020204" pitchFamily="34" charset="0"/>
-            </a:endParaRPr>
-          </a:p>
-        </p:txBody>
-      </p:sp>
       <p:pic>
         <p:nvPicPr>
-          <p:cNvPr id="5" name="图片 4" descr="fig3"/>
+          <p:cNvPr id="6" name="图片 5">
+            <a:extLst>
+              <a:ext uri="{FF2B5EF4-FFF2-40B4-BE49-F238E27FC236}">
+                <a16:creationId xmlns:a16="http://schemas.microsoft.com/office/drawing/2014/main" id="{385E469D-6C01-AD48-D89B-CC461797701D}"/>
+              </a:ext>
+            </a:extLst>
+          </p:cNvPr>
           <p:cNvPicPr>
             <a:picLocks noChangeAspect="1"/>
           </p:cNvPicPr>
           <p:nvPr/>
         </p:nvPicPr>
         <p:blipFill>
-          <a:blip r:embed="rId4"/>
+          <a:blip r:embed="rId5">
+            <a:extLst>
+              <a:ext uri="{28A0092B-C50C-407E-A947-70E740481C1C}">
+                <a14:useLocalDpi xmlns:a14="http://schemas.microsoft.com/office/drawing/2010/main" val="0"/>
+              </a:ext>
+            </a:extLst>
+          </a:blip>
           <a:stretch>
             <a:fillRect/>
           </a:stretch>
         </p:blipFill>
         <p:spPr>
           <a:xfrm>
-            <a:off x="1407167" y="3941620"/>
-            <a:ext cx="8973512" cy="2356310"/>
+            <a:off x="338271" y="1375072"/>
+            <a:ext cx="5500349" cy="4107856"/>
           </a:xfrm>
           <a:prstGeom prst="rect">
             <a:avLst/>
           </a:prstGeom>
         </p:spPr>
       </p:pic>
+      <p:pic>
+        <p:nvPicPr>
+          <p:cNvPr id="5" name="图片 4">
+            <a:extLst>
+              <a:ext uri="{FF2B5EF4-FFF2-40B4-BE49-F238E27FC236}">
+                <a16:creationId xmlns:a16="http://schemas.microsoft.com/office/drawing/2014/main" id="{1121A9E3-CA66-08F1-222F-3B82939319BF}"/>
+              </a:ext>
+            </a:extLst>
+          </p:cNvPr>
+          <p:cNvPicPr>
+            <a:picLocks noChangeAspect="1"/>
+          </p:cNvPicPr>
+          <p:nvPr/>
+        </p:nvPicPr>
+        <p:blipFill>
+          <a:blip r:embed="rId6">
+            <a:extLst>
+              <a:ext uri="{28A0092B-C50C-407E-A947-70E740481C1C}">
+                <a14:useLocalDpi xmlns:a14="http://schemas.microsoft.com/office/drawing/2010/main" val="0"/>
+              </a:ext>
+            </a:extLst>
+          </a:blip>
+          <a:stretch>
+            <a:fillRect/>
+          </a:stretch>
+        </p:blipFill>
+        <p:spPr>
+          <a:xfrm>
+            <a:off x="6096000" y="1322400"/>
+            <a:ext cx="5580062" cy="4288730"/>
+          </a:xfrm>
+          <a:prstGeom prst="rect">
+            <a:avLst/>
+          </a:prstGeom>
+        </p:spPr>
+      </p:pic>
     </p:spTree>
+    <p:extLst>
+      <p:ext uri="{BB962C8B-B14F-4D97-AF65-F5344CB8AC3E}">
+        <p14:creationId xmlns:p14="http://schemas.microsoft.com/office/powerpoint/2010/main" val="927466677"/>
+      </p:ext>
+    </p:extLst>
   </p:cSld>
   <p:clrMapOvr>
     <a:masterClrMapping/>
   </p:clrMapOvr>
-  <p:timing>
-    <p:tnLst>
-      <p:par>
-        <p:cTn id="1" dur="indefinite" restart="never" nodeType="tmRoot">
-          <p:childTnLst>
-            <p:seq concurrent="1" nextAc="seek">
-              <p:cTn id="2" dur="indefinite" nodeType="mainSeq">
-                <p:childTnLst>
-                  <p:par>
-                    <p:cTn id="3" fill="hold">
-                      <p:stCondLst>
-                        <p:cond delay="indefinite"/>
-                      </p:stCondLst>
-                      <p:childTnLst>
-                        <p:par>
-                          <p:cTn id="4" fill="hold">
-                            <p:stCondLst>
-                              <p:cond delay="0"/>
-                            </p:stCondLst>
-                            <p:childTnLst>
-                              <p:par>
-                                <p:cTn id="5" presetID="1" presetClass="entr" presetSubtype="0" fill="hold" grpId="0" nodeType="clickEffect">
-                                  <p:stCondLst>
-                                    <p:cond delay="0"/>
-                                  </p:stCondLst>
-                                  <p:childTnLst>
-                                    <p:set>
-                                      <p:cBhvr>
-                                        <p:cTn id="6" dur="1" fill="hold">
-                                          <p:stCondLst>
-                                            <p:cond delay="0"/>
-                                          </p:stCondLst>
-                                        </p:cTn>
-                                        <p:tgtEl>
-                                          <p:spTgt spid="6"/>
-                                        </p:tgtEl>
-                                        <p:attrNameLst>
-                                          <p:attrName>style.visibility</p:attrName>
-                                        </p:attrNameLst>
-                                      </p:cBhvr>
-                                      <p:to>
-                                        <p:strVal val="visible"/>
-                                      </p:to>
-                                    </p:set>
-                                  </p:childTnLst>
-                                </p:cTn>
-                              </p:par>
-                            </p:childTnLst>
-                          </p:cTn>
-                        </p:par>
-                      </p:childTnLst>
-                    </p:cTn>
-                  </p:par>
-                </p:childTnLst>
-              </p:cTn>
-              <p:prevCondLst>
-                <p:cond evt="onPrev" delay="0">
-                  <p:tgtEl>
-                    <p:sldTgt/>
-                  </p:tgtEl>
-                </p:cond>
-              </p:prevCondLst>
-              <p:nextCondLst>
-                <p:cond evt="onNext" delay="0">
-                  <p:tgtEl>
-                    <p:sldTgt/>
-                  </p:tgtEl>
-                </p:cond>
-              </p:nextCondLst>
-            </p:seq>
-          </p:childTnLst>
-        </p:cTn>
-      </p:par>
-    </p:tnLst>
-    <p:bldLst>
-      <p:bldP spid="6" grpId="0"/>
-    </p:bldLst>
-  </p:timing>
 </p:sld>
 </file>
 
@@ -10901,6 +9391,8 @@
       </a:bgFillStyleLst>
     </a:fmtScheme>
   </a:themeElements>
+  <a:objectDefaults/>
+  <a:extraClrSchemeLst/>
   <a:extLst>
     <a:ext uri="{05A4C25C-085E-4340-85A3-A5531E510DB2}">
       <thm15:themeFamily xmlns:thm15="http://schemas.microsoft.com/office/thememl/2012/main" name="Office Theme" id="{62F939B6-93AF-4DB8-9C6B-D6C7DFDC589F}" vid="{4A3C46E8-61CC-4603-A589-7422A47A8E4A}"/>
@@ -11223,6 +9715,7 @@
       </a:style>
     </a:lnDef>
   </a:objectDefaults>
+  <a:extraClrSchemeLst/>
   <a:extLst>
     <a:ext uri="{05A4C25C-085E-4340-85A3-A5531E510DB2}">
       <thm15:themeFamily xmlns:thm15="http://schemas.microsoft.com/office/thememl/2012/main" name="Office Theme" id="{62F939B6-93AF-4DB8-9C6B-D6C7DFDC589F}" vid="{4A3C46E8-61CC-4603-A589-7422A47A8E4A}"/>
@@ -11482,6 +9975,8 @@
       </a:bgFillStyleLst>
     </a:fmtScheme>
   </a:themeElements>
+  <a:objectDefaults/>
+  <a:extraClrSchemeLst/>
   <a:extLst>
     <a:ext uri="{05A4C25C-085E-4340-85A3-A5531E510DB2}">
       <thm15:themeFamily xmlns:thm15="http://schemas.microsoft.com/office/thememl/2012/main" name="Office Theme" id="{62F939B6-93AF-4DB8-9C6B-D6C7DFDC589F}" vid="{4A3C46E8-61CC-4603-A589-7422A47A8E4A}"/>
@@ -11741,6 +10236,8 @@
       </a:bgFillStyleLst>
     </a:fmtScheme>
   </a:themeElements>
+  <a:objectDefaults/>
+  <a:extraClrSchemeLst/>
   <a:extLst>
     <a:ext uri="{05A4C25C-085E-4340-85A3-A5531E510DB2}">
       <thm15:themeFamily xmlns:thm15="http://schemas.microsoft.com/office/thememl/2012/main" name="Office Theme" id="{62F939B6-93AF-4DB8-9C6B-D6C7DFDC589F}" vid="{4A3C46E8-61CC-4603-A589-7422A47A8E4A}"/>

--- a/nasbench-master/第8组_中期.pptx
+++ b/nasbench-master/第8组_中期.pptx
@@ -7,23 +7,22 @@
     <p:sldMasterId id="2147483662" r:id="rId4"/>
   </p:sldMasterIdLst>
   <p:notesMasterIdLst>
-    <p:notesMasterId r:id="rId19"/>
+    <p:notesMasterId r:id="rId18"/>
   </p:notesMasterIdLst>
   <p:sldIdLst>
     <p:sldId id="268" r:id="rId5"/>
     <p:sldId id="345" r:id="rId6"/>
-    <p:sldId id="346" r:id="rId7"/>
-    <p:sldId id="347" r:id="rId8"/>
-    <p:sldId id="348" r:id="rId9"/>
-    <p:sldId id="339" r:id="rId10"/>
-    <p:sldId id="350" r:id="rId11"/>
-    <p:sldId id="342" r:id="rId12"/>
-    <p:sldId id="340" r:id="rId13"/>
-    <p:sldId id="343" r:id="rId14"/>
-    <p:sldId id="344" r:id="rId15"/>
+    <p:sldId id="347" r:id="rId7"/>
+    <p:sldId id="339" r:id="rId8"/>
+    <p:sldId id="351" r:id="rId9"/>
+    <p:sldId id="350" r:id="rId10"/>
+    <p:sldId id="342" r:id="rId11"/>
+    <p:sldId id="343" r:id="rId12"/>
+    <p:sldId id="352" r:id="rId13"/>
+    <p:sldId id="353" r:id="rId14"/>
+    <p:sldId id="349" r:id="rId15"/>
     <p:sldId id="341" r:id="rId16"/>
-    <p:sldId id="349" r:id="rId17"/>
-    <p:sldId id="287" r:id="rId18"/>
+    <p:sldId id="287" r:id="rId17"/>
   </p:sldIdLst>
   <p:sldSz cx="12192000" cy="6858000"/>
   <p:notesSz cx="6858000" cy="9144000"/>
@@ -125,12 +124,12 @@
   <p:extLst>
     <p:ext uri="{EFAFB233-063F-42B5-8137-9DF3F51BA10A}">
       <p15:sldGuideLst xmlns:p15="http://schemas.microsoft.com/office/powerpoint/2012/main">
-        <p15:guide id="1" orient="horz" pos="2140" userDrawn="1">
+        <p15:guide id="1" orient="horz" pos="2184" userDrawn="1">
           <p15:clr>
             <a:srgbClr val="A4A3A4"/>
           </p15:clr>
         </p15:guide>
-        <p15:guide id="2" pos="3839" userDrawn="1">
+        <p15:guide id="2" pos="3840" userDrawn="1">
           <p15:clr>
             <a:srgbClr val="A4A3A4"/>
           </p15:clr>
@@ -306,39 +305,39 @@
           <a:p>
             <a:pPr lvl="0"/>
             <a:r>
-              <a:rPr lang="zh-CN" altLang="en-US" smtClean="0"/>
+              <a:rPr lang="zh-CN" altLang="en-US"/>
               <a:t>单击此处编辑母版文本样式</a:t>
             </a:r>
-            <a:endParaRPr lang="zh-CN" altLang="en-US" smtClean="0"/>
+            <a:endParaRPr lang="zh-CN" altLang="en-US"/>
           </a:p>
           <a:p>
             <a:pPr lvl="1"/>
             <a:r>
-              <a:rPr lang="zh-CN" altLang="en-US" smtClean="0"/>
+              <a:rPr lang="zh-CN" altLang="en-US"/>
               <a:t>第二级</a:t>
             </a:r>
-            <a:endParaRPr lang="zh-CN" altLang="en-US" smtClean="0"/>
+            <a:endParaRPr lang="zh-CN" altLang="en-US"/>
           </a:p>
           <a:p>
             <a:pPr lvl="2"/>
             <a:r>
-              <a:rPr lang="zh-CN" altLang="en-US" smtClean="0"/>
+              <a:rPr lang="zh-CN" altLang="en-US"/>
               <a:t>第三级</a:t>
             </a:r>
-            <a:endParaRPr lang="zh-CN" altLang="en-US" smtClean="0"/>
+            <a:endParaRPr lang="zh-CN" altLang="en-US"/>
           </a:p>
           <a:p>
             <a:pPr lvl="3"/>
             <a:r>
-              <a:rPr lang="zh-CN" altLang="en-US" smtClean="0"/>
+              <a:rPr lang="zh-CN" altLang="en-US"/>
               <a:t>第四级</a:t>
             </a:r>
-            <a:endParaRPr lang="zh-CN" altLang="en-US" smtClean="0"/>
+            <a:endParaRPr lang="zh-CN" altLang="en-US"/>
           </a:p>
           <a:p>
             <a:pPr lvl="4"/>
             <a:r>
-              <a:rPr lang="zh-CN" altLang="en-US" smtClean="0"/>
+              <a:rPr lang="zh-CN" altLang="en-US"/>
               <a:t>第五级</a:t>
             </a:r>
             <a:endParaRPr lang="zh-CN" altLang="en-US"/>
@@ -4206,7 +4205,7 @@
                 <a:ea typeface="思源黑体 CN Light" panose="020B0300000000000000" pitchFamily="34" charset="-122"/>
                 <a:cs typeface="Times New Roman" panose="02020603050405020304" charset="0"/>
               </a:rPr>
-              <a:t>Project Proposal</a:t>
+              <a:t>Project Progress</a:t>
             </a:r>
             <a:endParaRPr kumimoji="0" lang="en-US" altLang="zh-CN" sz="4000" i="0" u="none" strike="noStrike" kern="1200" cap="none" spc="300" normalizeH="0" baseline="0" noProof="0" dirty="0">
               <a:ln>
@@ -5030,7 +5029,7 @@
         </p:blipFill>
         <p:spPr>
           <a:xfrm>
-            <a:off x="8618952" y="469432"/>
+            <a:off x="8806912" y="121452"/>
             <a:ext cx="3057110" cy="561730"/>
           </a:xfrm>
           <a:prstGeom prst="rect">
@@ -5046,8 +5045,8 @@
         </p:nvSpPr>
         <p:spPr>
           <a:xfrm>
-            <a:off x="515938" y="560070"/>
-            <a:ext cx="3802380" cy="645160"/>
+            <a:off x="234633" y="121285"/>
+            <a:ext cx="3647152" cy="646331"/>
           </a:xfrm>
           <a:prstGeom prst="rect">
             <a:avLst/>
@@ -5077,6 +5076,17 @@
               <a:defRPr/>
             </a:pPr>
             <a:r>
+              <a:rPr lang="en-US" altLang="zh-CN" sz="3600" spc="300">
+                <a:solidFill>
+                  <a:srgbClr val="003F43"/>
+                </a:solidFill>
+                <a:latin typeface="Times New Roman" panose="02020603050405020304" charset="0"/>
+                <a:ea typeface="思源黑体 CN Bold" panose="020B0800000000000000" pitchFamily="34" charset="-122"/>
+                <a:cs typeface="Times New Roman" panose="02020603050405020304" charset="0"/>
+              </a:rPr>
+              <a:t>Current </a:t>
+            </a:r>
+            <a:r>
               <a:rPr lang="en-US" altLang="zh-CN" sz="3600" spc="300" dirty="0">
                 <a:solidFill>
                   <a:srgbClr val="003F43"/>
@@ -5085,7 +5095,18 @@
                 <a:ea typeface="思源黑体 CN Bold" panose="020B0800000000000000" pitchFamily="34" charset="-122"/>
                 <a:cs typeface="Times New Roman" panose="02020603050405020304" charset="0"/>
               </a:rPr>
-              <a:t>Expected results</a:t>
+              <a:t>R</a:t>
+            </a:r>
+            <a:r>
+              <a:rPr lang="en-US" altLang="zh-CN" sz="3600" spc="300">
+                <a:solidFill>
+                  <a:srgbClr val="003F43"/>
+                </a:solidFill>
+                <a:latin typeface="Times New Roman" panose="02020603050405020304" charset="0"/>
+                <a:ea typeface="思源黑体 CN Bold" panose="020B0800000000000000" pitchFamily="34" charset="-122"/>
+                <a:cs typeface="Times New Roman" panose="02020603050405020304" charset="0"/>
+              </a:rPr>
+              <a:t>esults</a:t>
             </a:r>
             <a:endParaRPr kumimoji="0" lang="en-US" altLang="zh-CN" sz="3600" b="0" i="0" u="none" strike="noStrike" kern="1200" cap="none" spc="300" normalizeH="0" baseline="0" noProof="0" dirty="0">
               <a:ln>
@@ -5104,134 +5125,9 @@
           </a:p>
         </p:txBody>
       </p:sp>
-      <p:sp>
-        <p:nvSpPr>
-          <p:cNvPr id="3" name="文本框 2"/>
-          <p:cNvSpPr txBox="1"/>
-          <p:nvPr/>
-        </p:nvSpPr>
-        <p:spPr>
-          <a:xfrm>
-            <a:off x="685165" y="1627505"/>
-            <a:ext cx="8560435" cy="4219575"/>
-          </a:xfrm>
-          <a:prstGeom prst="rect">
-            <a:avLst/>
-          </a:prstGeom>
-          <a:noFill/>
-        </p:spPr>
-        <p:txBody>
-          <a:bodyPr wrap="square" rtlCol="0">
-            <a:noAutofit/>
-          </a:bodyPr>
-          <a:lstStyle/>
-          <a:p>
-            <a:pPr lvl="1"/>
-            <a:r>
-              <a:rPr lang="en-US" altLang="zh-CN" sz="2400" dirty="0">
-                <a:solidFill>
-                  <a:schemeClr val="bg2">
-                    <a:lumMod val="10000"/>
-                  </a:schemeClr>
-                </a:solidFill>
-                <a:latin typeface="Times New Roman" panose="02020603050405020304" charset="0"/>
-                <a:ea typeface="思源黑体 CN Bold" panose="020B0800000000000000"/>
-                <a:cs typeface="Times New Roman" panose="02020603050405020304" charset="0"/>
-              </a:rPr>
-              <a:t>The population, which is a sound representation of the problem space, engages in the generation of new populations (solutions) through mechanisms such as crossover, mutation, and tournament selection.</a:t>
-            </a:r>
-            <a:endParaRPr lang="en-US" altLang="zh-CN" sz="2400" dirty="0">
-              <a:solidFill>
-                <a:schemeClr val="bg2">
-                  <a:lumMod val="10000"/>
-                </a:schemeClr>
-              </a:solidFill>
-              <a:latin typeface="Times New Roman" panose="02020603050405020304" charset="0"/>
-              <a:ea typeface="思源黑体 CN Bold" panose="020B0800000000000000"/>
-              <a:cs typeface="Times New Roman" panose="02020603050405020304" charset="0"/>
-            </a:endParaRPr>
-          </a:p>
-          <a:p>
-            <a:pPr lvl="1"/>
-            <a:endParaRPr lang="en-US" altLang="zh-CN" sz="2400" dirty="0">
-              <a:solidFill>
-                <a:schemeClr val="bg2">
-                  <a:lumMod val="10000"/>
-                </a:schemeClr>
-              </a:solidFill>
-              <a:latin typeface="Times New Roman" panose="02020603050405020304" charset="0"/>
-              <a:ea typeface="思源黑体 CN Bold" panose="020B0800000000000000"/>
-              <a:cs typeface="Times New Roman" panose="02020603050405020304" charset="0"/>
-            </a:endParaRPr>
-          </a:p>
-          <a:p>
-            <a:pPr lvl="1"/>
-            <a:r>
-              <a:rPr lang="en-US" altLang="zh-CN" sz="2400" dirty="0">
-                <a:solidFill>
-                  <a:schemeClr val="bg2">
-                    <a:lumMod val="10000"/>
-                  </a:schemeClr>
-                </a:solidFill>
-                <a:latin typeface="Times New Roman" panose="02020603050405020304" charset="0"/>
-                <a:ea typeface="思源黑体 CN Bold" panose="020B0800000000000000"/>
-                <a:cs typeface="Times New Roman" panose="02020603050405020304" charset="0"/>
-              </a:rPr>
-              <a:t>Evaluation of the population reveals its convergent characteristic toward progressively superior solutions. </a:t>
-            </a:r>
-            <a:endParaRPr lang="en-US" altLang="zh-CN" sz="2400" dirty="0">
-              <a:solidFill>
-                <a:schemeClr val="bg2">
-                  <a:lumMod val="10000"/>
-                </a:schemeClr>
-              </a:solidFill>
-              <a:latin typeface="Times New Roman" panose="02020603050405020304" charset="0"/>
-              <a:ea typeface="思源黑体 CN Bold" panose="020B0800000000000000"/>
-              <a:cs typeface="Times New Roman" panose="02020603050405020304" charset="0"/>
-            </a:endParaRPr>
-          </a:p>
-          <a:p>
-            <a:pPr lvl="1"/>
-            <a:endParaRPr lang="en-US" altLang="zh-CN" sz="2400" dirty="0">
-              <a:solidFill>
-                <a:schemeClr val="bg2">
-                  <a:lumMod val="10000"/>
-                </a:schemeClr>
-              </a:solidFill>
-              <a:latin typeface="Times New Roman" panose="02020603050405020304" charset="0"/>
-              <a:ea typeface="思源黑体 CN Bold" panose="020B0800000000000000"/>
-              <a:cs typeface="Times New Roman" panose="02020603050405020304" charset="0"/>
-            </a:endParaRPr>
-          </a:p>
-          <a:p>
-            <a:pPr lvl="1"/>
-            <a:r>
-              <a:rPr lang="en-US" altLang="zh-CN" sz="2400" dirty="0">
-                <a:solidFill>
-                  <a:schemeClr val="bg2">
-                    <a:lumMod val="10000"/>
-                  </a:schemeClr>
-                </a:solidFill>
-                <a:latin typeface="Times New Roman" panose="02020603050405020304" charset="0"/>
-                <a:ea typeface="思源黑体 CN Bold" panose="020B0800000000000000"/>
-                <a:cs typeface="Times New Roman" panose="02020603050405020304" charset="0"/>
-              </a:rPr>
-              <a:t>Ultimately, the algorithm is capable of discovering the optimal network architecture, or one that is highly competitive with the best solution present within the dataset.</a:t>
-            </a:r>
-            <a:endParaRPr lang="zh-CN" altLang="en-US" dirty="0">
-              <a:solidFill>
-                <a:srgbClr val="06383C"/>
-              </a:solidFill>
-              <a:latin typeface="Times New Roman" panose="02020603050405020304" charset="0"/>
-              <a:ea typeface="思源黑体 CN Bold" panose="020B0800000000000000"/>
-              <a:cs typeface="Times New Roman" panose="02020603050405020304" charset="0"/>
-            </a:endParaRPr>
-          </a:p>
-        </p:txBody>
-      </p:sp>
       <p:pic>
         <p:nvPicPr>
-          <p:cNvPr id="4" name="图片 3"/>
+          <p:cNvPr id="3" name="图片 2" descr="output4"/>
           <p:cNvPicPr>
             <a:picLocks noChangeAspect="1"/>
           </p:cNvPicPr>
@@ -5245,297 +5141,19 @@
         </p:blipFill>
         <p:spPr>
           <a:xfrm>
-            <a:off x="9307195" y="1838960"/>
-            <a:ext cx="2368550" cy="1227455"/>
+            <a:off x="1757045" y="767715"/>
+            <a:ext cx="7352665" cy="5877560"/>
           </a:xfrm>
           <a:prstGeom prst="rect">
             <a:avLst/>
           </a:prstGeom>
         </p:spPr>
       </p:pic>
-      <p:cxnSp>
-        <p:nvCxnSpPr>
-          <p:cNvPr id="16" name="直接箭头连接符 15"/>
-          <p:cNvCxnSpPr/>
-          <p:nvPr/>
-        </p:nvCxnSpPr>
-        <p:spPr>
-          <a:xfrm>
-            <a:off x="10386060" y="2268855"/>
-            <a:ext cx="210820" cy="6350"/>
-          </a:xfrm>
-          <a:prstGeom prst="straightConnector1">
-            <a:avLst/>
-          </a:prstGeom>
-          <a:ln>
-            <a:tailEnd type="arrow"/>
-          </a:ln>
-        </p:spPr>
-        <p:style>
-          <a:lnRef idx="2">
-            <a:schemeClr val="accent1"/>
-          </a:lnRef>
-          <a:fillRef idx="0">
-            <a:srgbClr val="FFFFFF"/>
-          </a:fillRef>
-          <a:effectRef idx="0">
-            <a:srgbClr val="FFFFFF"/>
-          </a:effectRef>
-          <a:fontRef idx="minor">
-            <a:schemeClr val="tx1"/>
-          </a:fontRef>
-        </p:style>
-      </p:cxnSp>
-      <p:sp>
-        <p:nvSpPr>
-          <p:cNvPr id="17" name="文本框 16"/>
-          <p:cNvSpPr txBox="1"/>
-          <p:nvPr/>
-        </p:nvSpPr>
-        <p:spPr>
-          <a:xfrm>
-            <a:off x="9435783" y="4581525"/>
-            <a:ext cx="2316480" cy="645160"/>
-          </a:xfrm>
-          <a:prstGeom prst="rect">
-            <a:avLst/>
-          </a:prstGeom>
-          <a:noFill/>
-        </p:spPr>
-        <p:txBody>
-          <a:bodyPr wrap="none" rtlCol="0">
-            <a:spAutoFit/>
-          </a:bodyPr>
-          <a:lstStyle/>
-          <a:p>
-            <a:pPr marL="0" marR="0" lvl="0" indent="0" algn="l" defTabSz="914400" rtl="0" eaLnBrk="1" fontAlgn="auto" latinLnBrk="0" hangingPunct="1">
-              <a:lnSpc>
-                <a:spcPct val="100000"/>
-              </a:lnSpc>
-              <a:spcBef>
-                <a:spcPts val="0"/>
-              </a:spcBef>
-              <a:spcAft>
-                <a:spcPts val="0"/>
-              </a:spcAft>
-              <a:buClrTx/>
-              <a:buSzTx/>
-              <a:buFontTx/>
-              <a:buNone/>
-              <a:defRPr/>
-            </a:pPr>
-            <a:r>
-              <a:rPr lang="en-US" altLang="zh-CN" sz="3600" spc="300" dirty="0">
-                <a:solidFill>
-                  <a:srgbClr val="003F43"/>
-                </a:solidFill>
-                <a:latin typeface="思源黑体 CN Bold" panose="020B0800000000000000" pitchFamily="34" charset="-122"/>
-                <a:ea typeface="思源黑体 CN Bold" panose="020B0800000000000000" pitchFamily="34" charset="-122"/>
-              </a:rPr>
-              <a:t>Optimal!</a:t>
-            </a:r>
-            <a:endParaRPr kumimoji="0" lang="zh-CN" altLang="en-US" sz="3600" b="0" i="0" u="none" strike="noStrike" kern="1200" cap="none" spc="300" normalizeH="0" baseline="0" noProof="0" dirty="0">
-              <a:ln>
-                <a:noFill/>
-              </a:ln>
-              <a:solidFill>
-                <a:srgbClr val="003F43"/>
-              </a:solidFill>
-              <a:effectLst/>
-              <a:uLnTx/>
-              <a:uFillTx/>
-              <a:latin typeface="思源黑体 CN Bold" panose="020B0800000000000000" pitchFamily="34" charset="-122"/>
-              <a:ea typeface="思源黑体 CN Bold" panose="020B0800000000000000" pitchFamily="34" charset="-122"/>
-            </a:endParaRPr>
-          </a:p>
-        </p:txBody>
-      </p:sp>
-      <p:cxnSp>
-        <p:nvCxnSpPr>
-          <p:cNvPr id="18" name="直接箭头连接符 17"/>
-          <p:cNvCxnSpPr/>
-          <p:nvPr/>
-        </p:nvCxnSpPr>
-        <p:spPr>
-          <a:xfrm>
-            <a:off x="9679305" y="4358005"/>
-            <a:ext cx="1830070" cy="0"/>
-          </a:xfrm>
-          <a:prstGeom prst="straightConnector1">
-            <a:avLst/>
-          </a:prstGeom>
-          <a:ln>
-            <a:tailEnd type="arrow"/>
-          </a:ln>
-        </p:spPr>
-        <p:style>
-          <a:lnRef idx="2">
-            <a:schemeClr val="accent1"/>
-          </a:lnRef>
-          <a:fillRef idx="0">
-            <a:srgbClr val="FFFFFF"/>
-          </a:fillRef>
-          <a:effectRef idx="0">
-            <a:srgbClr val="FFFFFF"/>
-          </a:effectRef>
-          <a:fontRef idx="minor">
-            <a:schemeClr val="tx1"/>
-          </a:fontRef>
-        </p:style>
-      </p:cxnSp>
-      <p:cxnSp>
-        <p:nvCxnSpPr>
-          <p:cNvPr id="19" name="直接箭头连接符 18"/>
-          <p:cNvCxnSpPr/>
-          <p:nvPr/>
-        </p:nvCxnSpPr>
-        <p:spPr>
-          <a:xfrm flipH="1" flipV="1">
-            <a:off x="9679305" y="3234055"/>
-            <a:ext cx="3810" cy="1123950"/>
-          </a:xfrm>
-          <a:prstGeom prst="straightConnector1">
-            <a:avLst/>
-          </a:prstGeom>
-          <a:ln>
-            <a:tailEnd type="arrow"/>
-          </a:ln>
-        </p:spPr>
-        <p:style>
-          <a:lnRef idx="2">
-            <a:schemeClr val="accent1"/>
-          </a:lnRef>
-          <a:fillRef idx="0">
-            <a:srgbClr val="FFFFFF"/>
-          </a:fillRef>
-          <a:effectRef idx="0">
-            <a:srgbClr val="FFFFFF"/>
-          </a:effectRef>
-          <a:fontRef idx="minor">
-            <a:schemeClr val="tx1"/>
-          </a:fontRef>
-        </p:style>
-      </p:cxnSp>
-      <p:sp>
-        <p:nvSpPr>
-          <p:cNvPr id="20" name="弧形 19"/>
-          <p:cNvSpPr/>
-          <p:nvPr/>
-        </p:nvSpPr>
-        <p:spPr>
-          <a:xfrm rot="10620000">
-            <a:off x="9986010" y="2684145"/>
-            <a:ext cx="1652270" cy="1488440"/>
-          </a:xfrm>
-          <a:prstGeom prst="arc">
-            <a:avLst/>
-          </a:prstGeom>
-        </p:spPr>
-        <p:style>
-          <a:lnRef idx="2">
-            <a:schemeClr val="accent1"/>
-          </a:lnRef>
-          <a:fillRef idx="0">
-            <a:srgbClr val="FFFFFF"/>
-          </a:fillRef>
-          <a:effectRef idx="0">
-            <a:srgbClr val="FFFFFF"/>
-          </a:effectRef>
-          <a:fontRef idx="minor">
-            <a:schemeClr val="tx1"/>
-          </a:fontRef>
-        </p:style>
-        <p:txBody>
-          <a:bodyPr rtlCol="0" anchor="ctr"/>
-          <a:p>
-            <a:pPr algn="ctr"/>
-            <a:endParaRPr lang="zh-CN" altLang="en-US"/>
-          </a:p>
-        </p:txBody>
-      </p:sp>
     </p:spTree>
   </p:cSld>
   <p:clrMapOvr>
     <a:masterClrMapping/>
   </p:clrMapOvr>
-  <p:timing>
-    <p:tnLst>
-      <p:par>
-        <p:cTn id="1" dur="indefinite" restart="never" nodeType="tmRoot">
-          <p:childTnLst>
-            <p:seq concurrent="1" nextAc="seek">
-              <p:cTn id="2" dur="indefinite" nodeType="mainSeq">
-                <p:childTnLst>
-                  <p:par>
-                    <p:cTn id="3" fill="hold">
-                      <p:stCondLst>
-                        <p:cond delay="indefinite"/>
-                      </p:stCondLst>
-                      <p:childTnLst>
-                        <p:par>
-                          <p:cTn id="4" fill="hold">
-                            <p:stCondLst>
-                              <p:cond delay="0"/>
-                            </p:stCondLst>
-                            <p:childTnLst>
-                              <p:par>
-                                <p:cTn id="5" presetID="1" presetClass="entr" presetSubtype="0" fill="hold" grpId="0" nodeType="clickEffect">
-                                  <p:stCondLst>
-                                    <p:cond delay="0"/>
-                                  </p:stCondLst>
-                                  <p:childTnLst>
-                                    <p:set>
-                                      <p:cBhvr>
-                                        <p:cTn id="6" dur="1" fill="hold">
-                                          <p:stCondLst>
-                                            <p:cond delay="0"/>
-                                          </p:stCondLst>
-                                        </p:cTn>
-                                        <p:tgtEl>
-                                          <p:spTgt spid="3"/>
-                                        </p:tgtEl>
-                                        <p:attrNameLst>
-                                          <p:attrName>style.visibility</p:attrName>
-                                        </p:attrNameLst>
-                                      </p:cBhvr>
-                                      <p:to>
-                                        <p:strVal val="visible"/>
-                                      </p:to>
-                                    </p:set>
-                                  </p:childTnLst>
-                                </p:cTn>
-                              </p:par>
-                            </p:childTnLst>
-                          </p:cTn>
-                        </p:par>
-                      </p:childTnLst>
-                    </p:cTn>
-                  </p:par>
-                </p:childTnLst>
-              </p:cTn>
-              <p:prevCondLst>
-                <p:cond evt="onPrev" delay="0">
-                  <p:tgtEl>
-                    <p:sldTgt/>
-                  </p:tgtEl>
-                </p:cond>
-              </p:prevCondLst>
-              <p:nextCondLst>
-                <p:cond evt="onNext" delay="0">
-                  <p:tgtEl>
-                    <p:sldTgt/>
-                  </p:tgtEl>
-                </p:cond>
-              </p:nextCondLst>
-            </p:seq>
-          </p:childTnLst>
-        </p:cTn>
-      </p:par>
-    </p:tnLst>
-    <p:bldLst>
-      <p:bldP spid="3" grpId="0"/>
-    </p:bldLst>
-  </p:timing>
 </p:sld>
 </file>
 
@@ -5619,8 +5237,8 @@
         </p:nvSpPr>
         <p:spPr>
           <a:xfrm>
-            <a:off x="515938" y="560070"/>
-            <a:ext cx="4227195" cy="645160"/>
+            <a:off x="516255" y="560070"/>
+            <a:ext cx="4444365" cy="645160"/>
           </a:xfrm>
           <a:prstGeom prst="rect">
             <a:avLst/>
@@ -5628,7 +5246,7 @@
           <a:noFill/>
         </p:spPr>
         <p:txBody>
-          <a:bodyPr wrap="none" rtlCol="0">
+          <a:bodyPr wrap="square" rtlCol="0">
             <a:spAutoFit/>
           </a:bodyPr>
           <a:lstStyle/>
@@ -5664,20 +5282,9 @@
                 <a:ea typeface="思源黑体 CN Bold" panose="020B0800000000000000" pitchFamily="34" charset="-122"/>
                 <a:cs typeface="Times New Roman" panose="02020603050405020304" charset="0"/>
               </a:rPr>
-              <a:t>Task</a:t>
-            </a:r>
-            <a:r>
-              <a:rPr lang="en-US" altLang="zh-CN" sz="3600" spc="300" dirty="0">
-                <a:solidFill>
-                  <a:srgbClr val="003F43"/>
-                </a:solidFill>
-                <a:latin typeface="Times New Roman" panose="02020603050405020304" charset="0"/>
-                <a:ea typeface="思源黑体 CN Bold" panose="020B0800000000000000" pitchFamily="34" charset="-122"/>
-                <a:cs typeface="Times New Roman" panose="02020603050405020304" charset="0"/>
-              </a:rPr>
-              <a:t>s Distribution</a:t>
-            </a:r>
-            <a:endParaRPr kumimoji="0" lang="zh-CN" altLang="en-US" sz="3600" b="0" i="0" u="none" strike="noStrike" kern="1200" cap="none" spc="300" normalizeH="0" baseline="0" noProof="0" dirty="0">
+              <a:t>Future Work</a:t>
+            </a:r>
+            <a:endParaRPr kumimoji="0" lang="en-US" altLang="zh-CN" sz="3600" b="0" i="0" u="none" strike="noStrike" kern="1200" cap="none" spc="300" normalizeH="0" baseline="0" noProof="0" dirty="0">
               <a:ln>
                 <a:noFill/>
               </a:ln>
@@ -5702,8 +5309,8 @@
         </p:nvSpPr>
         <p:spPr>
           <a:xfrm>
-            <a:off x="1034251" y="1430219"/>
-            <a:ext cx="9574810" cy="5061585"/>
+            <a:off x="1034415" y="1620520"/>
+            <a:ext cx="8260715" cy="5369560"/>
           </a:xfrm>
           <a:prstGeom prst="rect">
             <a:avLst/>
@@ -5728,19 +5335,6 @@
               <a:defRPr/>
             </a:pPr>
             <a:r>
-              <a:rPr lang="en-US" altLang="zh-CN" sz="2800" dirty="0" err="1">
-                <a:solidFill>
-                  <a:schemeClr val="bg2">
-                    <a:lumMod val="10000"/>
-                  </a:schemeClr>
-                </a:solidFill>
-                <a:latin typeface="Times New Roman" panose="02020603050405020304" charset="0"/>
-                <a:ea typeface="思源黑体 CN Bold" panose="020B0800000000000000"/>
-                <a:cs typeface="Times New Roman" panose="02020603050405020304" charset="0"/>
-              </a:rPr>
-              <a:t>Zhewei</a:t>
-            </a:r>
-            <a:r>
               <a:rPr lang="en-US" altLang="zh-CN" sz="2800" dirty="0">
                 <a:solidFill>
                   <a:schemeClr val="bg2">
@@ -5751,22 +5345,9 @@
                 <a:ea typeface="思源黑体 CN Bold" panose="020B0800000000000000"/>
                 <a:cs typeface="Times New Roman" panose="02020603050405020304" charset="0"/>
               </a:rPr>
-              <a:t> Chen</a:t>
-            </a:r>
-            <a:r>
-              <a:rPr lang="en-US" altLang="zh-CN" sz="2800" b="1" dirty="0">
-                <a:solidFill>
-                  <a:schemeClr val="bg2">
-                    <a:lumMod val="10000"/>
-                  </a:schemeClr>
-                </a:solidFill>
-                <a:latin typeface="Times New Roman" panose="02020603050405020304" charset="0"/>
-                <a:ea typeface="思源黑体 CN Bold" panose="020B0800000000000000"/>
-                <a:cs typeface="Times New Roman" panose="02020603050405020304" charset="0"/>
-              </a:rPr>
-              <a:t>:</a:t>
-            </a:r>
-            <a:endParaRPr lang="en-US" altLang="zh-CN" sz="2800" b="1" dirty="0">
+              <a:t>Explore multi-objective optimization</a:t>
+            </a:r>
+            <a:endParaRPr lang="en-US" altLang="zh-CN" sz="2800" dirty="0">
               <a:solidFill>
                 <a:schemeClr val="bg2">
                   <a:lumMod val="10000"/>
@@ -5778,45 +5359,18 @@
             </a:endParaRPr>
           </a:p>
           <a:p>
-            <a:pPr lvl="0" algn="l">
+            <a:pPr marL="457200" lvl="0" indent="-457200">
               <a:lnSpc>
-                <a:spcPct val="50000"/>
+                <a:spcPct val="150000"/>
               </a:lnSpc>
               <a:spcBef>
                 <a:spcPts val="1200"/>
               </a:spcBef>
-              <a:buClrTx/>
-              <a:buSzTx/>
-              <a:buFontTx/>
-              <a:buChar char="-"/>
+              <a:buFont typeface="Arial" panose="020B0604020202020204" pitchFamily="34" charset="0"/>
+              <a:buChar char="•"/>
+              <a:defRPr/>
             </a:pPr>
-            <a:r>
-              <a:rPr lang="en-US" altLang="zh-CN" sz="2000" dirty="0">
-                <a:solidFill>
-                  <a:srgbClr val="F2F2F2">
-                    <a:lumMod val="10000"/>
-                  </a:srgbClr>
-                </a:solidFill>
-                <a:latin typeface="Times New Roman" panose="02020603050405020304" charset="0"/>
-                <a:ea typeface="思源黑体 CN Bold" panose="020B0800000000000000"/>
-                <a:cs typeface="Times New Roman" panose="02020603050405020304" charset="0"/>
-              </a:rPr>
-              <a:t> Surv</a:t>
-            </a:r>
-            <a:r>
-              <a:rPr lang="en-US" altLang="zh-CN" sz="2000" dirty="0">
-                <a:solidFill>
-                  <a:schemeClr val="bg2">
-                    <a:lumMod val="10000"/>
-                  </a:schemeClr>
-                </a:solidFill>
-                <a:latin typeface="Times New Roman" panose="02020603050405020304" charset="0"/>
-                <a:ea typeface="思源黑体 CN Bold" panose="020B0800000000000000"/>
-                <a:cs typeface="Times New Roman" panose="02020603050405020304" charset="0"/>
-              </a:rPr>
-              <a:t>ey research on NAS, NAS-Bench-101, and EA-based NAS </a:t>
-            </a:r>
-            <a:endParaRPr lang="en-US" altLang="zh-CN" sz="2000" dirty="0">
+            <a:endParaRPr lang="en-US" altLang="zh-CN" sz="2800" dirty="0">
               <a:solidFill>
                 <a:schemeClr val="bg2">
                   <a:lumMod val="10000"/>
@@ -5828,31 +5382,18 @@
             </a:endParaRPr>
           </a:p>
           <a:p>
-            <a:pPr lvl="0" algn="l">
+            <a:pPr marL="457200" lvl="0" indent="-457200">
               <a:lnSpc>
-                <a:spcPct val="50000"/>
+                <a:spcPct val="150000"/>
               </a:lnSpc>
               <a:spcBef>
                 <a:spcPts val="1200"/>
               </a:spcBef>
-              <a:buClrTx/>
-              <a:buSzTx/>
-              <a:buNone/>
+              <a:buFont typeface="Arial" panose="020B0604020202020204" pitchFamily="34" charset="0"/>
+              <a:buChar char="•"/>
+              <a:defRPr/>
             </a:pPr>
-            <a:r>
-              <a:rPr lang="en-US" altLang="zh-CN" sz="2000" dirty="0">
-                <a:solidFill>
-                  <a:schemeClr val="bg2">
-                    <a:lumMod val="10000"/>
-                  </a:schemeClr>
-                </a:solidFill>
-                <a:latin typeface="Times New Roman" panose="02020603050405020304" charset="0"/>
-                <a:ea typeface="思源黑体 CN Bold" panose="020B0800000000000000"/>
-                <a:cs typeface="Times New Roman" panose="02020603050405020304" charset="0"/>
-              </a:rPr>
-              <a:t>- Build the EA search framework (encoding, mutation, selection)</a:t>
-            </a:r>
-            <a:endParaRPr lang="en-US" altLang="zh-CN" sz="2000" dirty="0">
+            <a:endParaRPr lang="en-US" altLang="zh-CN" sz="2800" dirty="0">
               <a:solidFill>
                 <a:schemeClr val="bg2">
                   <a:lumMod val="10000"/>
@@ -5864,46 +5405,17 @@
             </a:endParaRPr>
           </a:p>
           <a:p>
-            <a:pPr lvl="0" algn="l">
+            <a:pPr marL="457200" lvl="0" indent="-457200">
               <a:lnSpc>
-                <a:spcPct val="50000"/>
+                <a:spcPct val="150000"/>
               </a:lnSpc>
               <a:spcBef>
                 <a:spcPts val="1200"/>
               </a:spcBef>
-              <a:buClrTx/>
-              <a:buSzTx/>
-              <a:buNone/>
-            </a:pPr>
-            <a:endParaRPr lang="en-US" altLang="zh-CN" sz="2000" dirty="0">
-              <a:solidFill>
-                <a:schemeClr val="bg2">
-                  <a:lumMod val="10000"/>
-                </a:schemeClr>
-              </a:solidFill>
-              <a:latin typeface="Times New Roman" panose="02020603050405020304" charset="0"/>
-              <a:ea typeface="思源黑体 CN Bold" panose="020B0800000000000000"/>
-              <a:cs typeface="Times New Roman" panose="02020603050405020304" charset="0"/>
-            </a:endParaRPr>
-          </a:p>
-          <a:p>
-            <a:pPr marL="457200" indent="-457200">
               <a:buFont typeface="Arial" panose="020B0604020202020204" pitchFamily="34" charset="0"/>
               <a:buChar char="•"/>
+              <a:defRPr/>
             </a:pPr>
-            <a:r>
-              <a:rPr lang="en-US" altLang="zh-CN" sz="2800" dirty="0" err="1">
-                <a:solidFill>
-                  <a:schemeClr val="bg2">
-                    <a:lumMod val="10000"/>
-                  </a:schemeClr>
-                </a:solidFill>
-                <a:latin typeface="Times New Roman" panose="02020603050405020304" charset="0"/>
-                <a:ea typeface="思源黑体 CN Bold" panose="020B0800000000000000"/>
-                <a:cs typeface="Times New Roman" panose="02020603050405020304" charset="0"/>
-              </a:rPr>
-              <a:t>Yichong</a:t>
-            </a:r>
             <a:r>
               <a:rPr lang="en-US" altLang="zh-CN" sz="2800" dirty="0">
                 <a:solidFill>
@@ -5915,7 +5427,7 @@
                 <a:ea typeface="思源黑体 CN Bold" panose="020B0800000000000000"/>
                 <a:cs typeface="Times New Roman" panose="02020603050405020304" charset="0"/>
               </a:rPr>
-              <a:t> Chen:</a:t>
+              <a:t>PSO, BSO</a:t>
             </a:r>
             <a:endParaRPr lang="en-US" altLang="zh-CN" sz="2800" dirty="0">
               <a:solidFill>
@@ -5929,71 +5441,16 @@
             </a:endParaRPr>
           </a:p>
           <a:p>
-            <a:r>
-              <a:rPr lang="en-US" altLang="zh-CN" sz="2000" dirty="0">
-                <a:solidFill>
-                  <a:schemeClr val="bg2">
-                    <a:lumMod val="10000"/>
-                  </a:schemeClr>
-                </a:solidFill>
-                <a:latin typeface="Times New Roman" panose="02020603050405020304" charset="0"/>
-                <a:ea typeface="思源黑体 CN Bold" panose="020B0800000000000000"/>
-                <a:cs typeface="Times New Roman" panose="02020603050405020304" charset="0"/>
-              </a:rPr>
-              <a:t>- Implement NAS-Bench-101 architecture parsing and lookup</a:t>
-            </a:r>
-            <a:endParaRPr lang="en-US" altLang="zh-CN" sz="2000" dirty="0">
-              <a:solidFill>
-                <a:schemeClr val="bg2">
-                  <a:lumMod val="10000"/>
-                </a:schemeClr>
-              </a:solidFill>
-              <a:latin typeface="Times New Roman" panose="02020603050405020304" charset="0"/>
-              <a:ea typeface="思源黑体 CN Bold" panose="020B0800000000000000"/>
-              <a:cs typeface="Times New Roman" panose="02020603050405020304" charset="0"/>
-            </a:endParaRPr>
-          </a:p>
-          <a:p>
-            <a:r>
-              <a:rPr lang="en-US" altLang="zh-CN" sz="2000" dirty="0">
-                <a:solidFill>
-                  <a:schemeClr val="bg2">
-                    <a:lumMod val="10000"/>
-                  </a:schemeClr>
-                </a:solidFill>
-                <a:latin typeface="Times New Roman" panose="02020603050405020304" charset="0"/>
-                <a:ea typeface="思源黑体 CN Bold" panose="020B0800000000000000"/>
-                <a:cs typeface="Times New Roman" panose="02020603050405020304" charset="0"/>
-              </a:rPr>
-              <a:t>- Debug and ensure stable execution of the core algorithm</a:t>
-            </a:r>
-            <a:endParaRPr lang="en-US" altLang="zh-CN" sz="2000" dirty="0">
-              <a:solidFill>
-                <a:schemeClr val="bg2">
-                  <a:lumMod val="10000"/>
-                </a:schemeClr>
-              </a:solidFill>
-              <a:latin typeface="Times New Roman" panose="02020603050405020304" charset="0"/>
-              <a:ea typeface="思源黑体 CN Bold" panose="020B0800000000000000"/>
-              <a:cs typeface="Times New Roman" panose="02020603050405020304" charset="0"/>
-            </a:endParaRPr>
-          </a:p>
-          <a:p>
-            <a:endParaRPr lang="en-US" altLang="zh-CN" sz="2800" dirty="0">
-              <a:solidFill>
-                <a:schemeClr val="bg2">
-                  <a:lumMod val="10000"/>
-                </a:schemeClr>
-              </a:solidFill>
-              <a:latin typeface="Times New Roman" panose="02020603050405020304" charset="0"/>
-              <a:ea typeface="思源黑体 CN Bold" panose="020B0800000000000000"/>
-              <a:cs typeface="Times New Roman" panose="02020603050405020304" charset="0"/>
-            </a:endParaRPr>
-          </a:p>
-          <a:p>
-            <a:pPr marL="457200" indent="-457200">
+            <a:pPr marL="457200" lvl="0" indent="-457200">
+              <a:lnSpc>
+                <a:spcPct val="150000"/>
+              </a:lnSpc>
+              <a:spcBef>
+                <a:spcPts val="1200"/>
+              </a:spcBef>
               <a:buFont typeface="Arial" panose="020B0604020202020204" pitchFamily="34" charset="0"/>
               <a:buChar char="•"/>
+              <a:defRPr/>
             </a:pPr>
             <a:r>
               <a:rPr lang="en-US" altLang="zh-CN" sz="2800" dirty="0">
@@ -6006,20 +5463,7 @@
                 <a:ea typeface="思源黑体 CN Bold" panose="020B0800000000000000"/>
                 <a:cs typeface="Times New Roman" panose="02020603050405020304" charset="0"/>
               </a:rPr>
-              <a:t>Yang Zhang</a:t>
-            </a:r>
-            <a:r>
-              <a:rPr lang="zh-CN" altLang="en-US" sz="2800" dirty="0">
-                <a:solidFill>
-                  <a:schemeClr val="bg2">
-                    <a:lumMod val="10000"/>
-                  </a:schemeClr>
-                </a:solidFill>
-                <a:latin typeface="Times New Roman" panose="02020603050405020304" charset="0"/>
-                <a:ea typeface="思源黑体 CN Bold" panose="020B0800000000000000"/>
-                <a:cs typeface="Times New Roman" panose="02020603050405020304" charset="0"/>
-              </a:rPr>
-              <a:t>：</a:t>
+              <a:t>Other benchmark</a:t>
             </a:r>
             <a:endParaRPr lang="en-US" altLang="zh-CN" sz="2800" dirty="0">
               <a:solidFill>
@@ -6027,84 +5471,50 @@
                   <a:lumMod val="10000"/>
                 </a:schemeClr>
               </a:solidFill>
-              <a:latin typeface="Times New Roman" panose="02020603050405020304" charset="0"/>
+              <a:latin typeface="思源黑体 CN Regular"/>
               <a:ea typeface="思源黑体 CN Bold" panose="020B0800000000000000"/>
-              <a:cs typeface="Times New Roman" panose="02020603050405020304" charset="0"/>
+              <a:cs typeface="Calibri" panose="020F0502020204030204" pitchFamily="34" charset="0"/>
             </a:endParaRPr>
           </a:p>
           <a:p>
-            <a:r>
-              <a:rPr lang="en-US" altLang="zh-CN" sz="2000" dirty="0">
+            <a:endParaRPr lang="en-US" altLang="zh-CN" sz="2800" dirty="0">
+              <a:solidFill>
+                <a:schemeClr val="bg2">
+                  <a:lumMod val="10000"/>
+                </a:schemeClr>
+              </a:solidFill>
+              <a:latin typeface="思源黑体 CN Regular"/>
+              <a:ea typeface="思源黑体 CN Bold" panose="020B0800000000000000"/>
+              <a:cs typeface="Calibri" panose="020F0502020204030204" pitchFamily="34" charset="0"/>
+            </a:endParaRPr>
+          </a:p>
+          <a:p>
+            <a:pPr indent="0">
+              <a:buFont typeface="Arial" panose="020B0604020202020204" pitchFamily="34" charset="0"/>
+              <a:buNone/>
+            </a:pPr>
+            <a:r>
+              <a:rPr lang="en-US" altLang="zh-CN" sz="2800" dirty="0">
                 <a:solidFill>
                   <a:schemeClr val="bg2">
                     <a:lumMod val="10000"/>
                   </a:schemeClr>
                 </a:solidFill>
-                <a:latin typeface="Times New Roman" panose="02020603050405020304" charset="0"/>
+                <a:latin typeface="思源黑体 CN Regular"/>
                 <a:ea typeface="思源黑体 CN Bold" panose="020B0800000000000000"/>
-                <a:cs typeface="Times New Roman" panose="02020603050405020304" charset="0"/>
+                <a:cs typeface="Calibri" panose="020F0502020204030204" pitchFamily="34" charset="0"/>
               </a:rPr>
-              <a:t>- Design experimental setup (budgets, parameters, baselines)</a:t>
-            </a:r>
-            <a:endParaRPr lang="en-US" altLang="zh-CN" sz="2000" dirty="0">
+              <a:t> </a:t>
+            </a:r>
+            <a:endParaRPr lang="en-US" altLang="zh-CN" sz="2800" dirty="0">
               <a:solidFill>
                 <a:schemeClr val="bg2">
                   <a:lumMod val="10000"/>
                 </a:schemeClr>
               </a:solidFill>
-              <a:latin typeface="Times New Roman" panose="02020603050405020304" charset="0"/>
+              <a:latin typeface="思源黑体 CN Regular"/>
               <a:ea typeface="思源黑体 CN Bold" panose="020B0800000000000000"/>
-              <a:cs typeface="Times New Roman" panose="02020603050405020304" charset="0"/>
-            </a:endParaRPr>
-          </a:p>
-          <a:p>
-            <a:r>
-              <a:rPr lang="en-US" altLang="zh-CN" sz="2000" dirty="0">
-                <a:solidFill>
-                  <a:schemeClr val="bg2">
-                    <a:lumMod val="10000"/>
-                  </a:schemeClr>
-                </a:solidFill>
-                <a:latin typeface="Times New Roman" panose="02020603050405020304" charset="0"/>
-                <a:ea typeface="思源黑体 CN Bold" panose="020B0800000000000000"/>
-                <a:cs typeface="Times New Roman" panose="02020603050405020304" charset="0"/>
-              </a:rPr>
-              <a:t>- Run EA search and collect metrics (best accuracy, convergence)</a:t>
-            </a:r>
-            <a:endParaRPr lang="en-US" altLang="zh-CN" sz="2000" dirty="0">
-              <a:solidFill>
-                <a:schemeClr val="bg2">
-                  <a:lumMod val="10000"/>
-                </a:schemeClr>
-              </a:solidFill>
-              <a:latin typeface="Times New Roman" panose="02020603050405020304" charset="0"/>
-              <a:ea typeface="思源黑体 CN Bold" panose="020B0800000000000000"/>
-              <a:cs typeface="Times New Roman" panose="02020603050405020304" charset="0"/>
-            </a:endParaRPr>
-          </a:p>
-          <a:p>
-            <a:r>
-              <a:rPr lang="en-US" altLang="zh-CN" sz="2000" dirty="0">
-                <a:solidFill>
-                  <a:schemeClr val="bg2">
-                    <a:lumMod val="10000"/>
-                  </a:schemeClr>
-                </a:solidFill>
-                <a:latin typeface="Times New Roman" panose="02020603050405020304" charset="0"/>
-                <a:ea typeface="思源黑体 CN Bold" panose="020B0800000000000000"/>
-                <a:cs typeface="Times New Roman" panose="02020603050405020304" charset="0"/>
-              </a:rPr>
-              <a:t>- Visualize results and analyze search behavior/patterns</a:t>
-            </a:r>
-            <a:endParaRPr lang="en-US" altLang="zh-CN" sz="2000" dirty="0">
-              <a:solidFill>
-                <a:schemeClr val="bg2">
-                  <a:lumMod val="10000"/>
-                </a:schemeClr>
-              </a:solidFill>
-              <a:latin typeface="Times New Roman" panose="02020603050405020304" charset="0"/>
-              <a:ea typeface="思源黑体 CN Bold" panose="020B0800000000000000"/>
-              <a:cs typeface="Times New Roman" panose="02020603050405020304" charset="0"/>
+              <a:cs typeface="Calibri" panose="020F0502020204030204" pitchFamily="34" charset="0"/>
             </a:endParaRPr>
           </a:p>
           <a:p>
@@ -6121,13 +5531,37 @@
               <a:solidFill>
                 <a:srgbClr val="06383C"/>
               </a:solidFill>
-              <a:latin typeface="Times New Roman" panose="02020603050405020304" charset="0"/>
+              <a:latin typeface="微软雅黑" panose="020B0503020204020204" pitchFamily="34" charset="-122"/>
               <a:ea typeface="思源黑体 CN Bold" panose="020B0800000000000000"/>
-              <a:cs typeface="Times New Roman" panose="02020603050405020304" charset="0"/>
+              <a:cs typeface="Open Sans" panose="020B0606030504020204" pitchFamily="34" charset="0"/>
             </a:endParaRPr>
           </a:p>
         </p:txBody>
       </p:sp>
+      <p:pic>
+        <p:nvPicPr>
+          <p:cNvPr id="4" name="图片 3"/>
+          <p:cNvPicPr>
+            <a:picLocks noChangeAspect="1"/>
+          </p:cNvPicPr>
+          <p:nvPr/>
+        </p:nvPicPr>
+        <p:blipFill>
+          <a:blip r:embed="rId4"/>
+          <a:stretch>
+            <a:fillRect/>
+          </a:stretch>
+        </p:blipFill>
+        <p:spPr>
+          <a:xfrm>
+            <a:off x="942111" y="2303622"/>
+            <a:ext cx="6214745" cy="1907540"/>
+          </a:xfrm>
+          <a:prstGeom prst="rect">
+            <a:avLst/>
+          </a:prstGeom>
+        </p:spPr>
+      </p:pic>
     </p:spTree>
   </p:cSld>
   <p:clrMapOvr>
@@ -6486,7 +5920,7 @@
           <p:nvPr/>
         </p:nvPicPr>
         <p:blipFill>
-          <a:blip r:embed="rId4">
+          <a:blip r:embed="rId4" cstate="print">
             <a:extLst>
               <a:ext uri="{28A0092B-C50C-407E-A947-70E740481C1C}">
                 <a14:useLocalDpi xmlns:a14="http://schemas.microsoft.com/office/drawing/2010/main" val="0"/>
@@ -6612,392 +6046,6 @@
       </p:grpSpPr>
       <p:pic>
         <p:nvPicPr>
-          <p:cNvPr id="2" name="图片 1"/>
-          <p:cNvPicPr>
-            <a:picLocks noChangeAspect="1"/>
-          </p:cNvPicPr>
-          <p:nvPr/>
-        </p:nvPicPr>
-        <p:blipFill rotWithShape="1">
-          <a:blip r:embed="rId1"/>
-          <a:srcRect b="30952"/>
-          <a:stretch>
-            <a:fillRect/>
-          </a:stretch>
-        </p:blipFill>
-        <p:spPr>
-          <a:xfrm>
-            <a:off x="684872" y="5309554"/>
-            <a:ext cx="10548455" cy="1598339"/>
-          </a:xfrm>
-          <a:prstGeom prst="rect">
-            <a:avLst/>
-          </a:prstGeom>
-        </p:spPr>
-      </p:pic>
-      <p:pic>
-        <p:nvPicPr>
-          <p:cNvPr id="8" name="图形 7"/>
-          <p:cNvPicPr>
-            <a:picLocks noChangeAspect="1"/>
-          </p:cNvPicPr>
-          <p:nvPr/>
-        </p:nvPicPr>
-        <p:blipFill>
-          <a:blip r:embed="rId2">
-            <a:extLst>
-              <a:ext uri="{96DAC541-7B7A-43D3-8B79-37D633B846F1}">
-                <asvg:svgBlip xmlns:asvg="http://schemas.microsoft.com/office/drawing/2016/SVG/main" r:embed="rId3"/>
-              </a:ext>
-            </a:extLst>
-          </a:blip>
-          <a:stretch>
-            <a:fillRect/>
-          </a:stretch>
-        </p:blipFill>
-        <p:spPr>
-          <a:xfrm>
-            <a:off x="8618952" y="469432"/>
-            <a:ext cx="3057110" cy="561730"/>
-          </a:xfrm>
-          <a:prstGeom prst="rect">
-            <a:avLst/>
-          </a:prstGeom>
-        </p:spPr>
-      </p:pic>
-      <p:sp>
-        <p:nvSpPr>
-          <p:cNvPr id="9" name="文本框 8"/>
-          <p:cNvSpPr txBox="1"/>
-          <p:nvPr/>
-        </p:nvSpPr>
-        <p:spPr>
-          <a:xfrm>
-            <a:off x="516255" y="560070"/>
-            <a:ext cx="4444365" cy="645160"/>
-          </a:xfrm>
-          <a:prstGeom prst="rect">
-            <a:avLst/>
-          </a:prstGeom>
-          <a:noFill/>
-        </p:spPr>
-        <p:txBody>
-          <a:bodyPr wrap="square" rtlCol="0">
-            <a:spAutoFit/>
-          </a:bodyPr>
-          <a:lstStyle/>
-          <a:p>
-            <a:pPr marL="0" marR="0" lvl="0" indent="0" algn="l" defTabSz="914400" rtl="0" eaLnBrk="1" fontAlgn="auto" latinLnBrk="0" hangingPunct="1">
-              <a:lnSpc>
-                <a:spcPct val="100000"/>
-              </a:lnSpc>
-              <a:spcBef>
-                <a:spcPts val="0"/>
-              </a:spcBef>
-              <a:spcAft>
-                <a:spcPts val="0"/>
-              </a:spcAft>
-              <a:buClrTx/>
-              <a:buSzTx/>
-              <a:buFontTx/>
-              <a:buNone/>
-              <a:defRPr/>
-            </a:pPr>
-            <a:r>
-              <a:rPr kumimoji="0" lang="en-US" altLang="zh-CN" sz="3600" b="0" i="0" u="none" strike="noStrike" kern="1200" cap="none" spc="300" normalizeH="0" baseline="0" noProof="0" dirty="0">
-                <a:ln>
-                  <a:noFill/>
-                </a:ln>
-                <a:solidFill>
-                  <a:srgbClr val="003F43"/>
-                </a:solidFill>
-                <a:effectLst/>
-                <a:uLnTx/>
-                <a:uFillTx/>
-                <a:latin typeface="Times New Roman" panose="02020603050405020304" charset="0"/>
-                <a:ea typeface="思源黑体 CN Bold" panose="020B0800000000000000" pitchFamily="34" charset="-122"/>
-                <a:cs typeface="Times New Roman" panose="02020603050405020304" charset="0"/>
-              </a:rPr>
-              <a:t>Future Work</a:t>
-            </a:r>
-            <a:endParaRPr kumimoji="0" lang="en-US" altLang="zh-CN" sz="3600" b="0" i="0" u="none" strike="noStrike" kern="1200" cap="none" spc="300" normalizeH="0" baseline="0" noProof="0" dirty="0">
-              <a:ln>
-                <a:noFill/>
-              </a:ln>
-              <a:solidFill>
-                <a:srgbClr val="003F43"/>
-              </a:solidFill>
-              <a:effectLst/>
-              <a:uLnTx/>
-              <a:uFillTx/>
-              <a:latin typeface="Times New Roman" panose="02020603050405020304" charset="0"/>
-              <a:ea typeface="思源黑体 CN Bold" panose="020B0800000000000000" pitchFamily="34" charset="-122"/>
-              <a:cs typeface="Times New Roman" panose="02020603050405020304" charset="0"/>
-            </a:endParaRPr>
-          </a:p>
-        </p:txBody>
-      </p:sp>
-      <p:sp>
-        <p:nvSpPr>
-          <p:cNvPr id="6" name="文本框 5"/>
-          <p:cNvSpPr txBox="1"/>
-          <p:nvPr/>
-        </p:nvSpPr>
-        <p:spPr>
-          <a:xfrm>
-            <a:off x="1034415" y="1620520"/>
-            <a:ext cx="8260715" cy="2168525"/>
-          </a:xfrm>
-          <a:prstGeom prst="rect">
-            <a:avLst/>
-          </a:prstGeom>
-          <a:noFill/>
-        </p:spPr>
-        <p:txBody>
-          <a:bodyPr wrap="square" rtlCol="0">
-            <a:spAutoFit/>
-          </a:bodyPr>
-          <a:lstStyle/>
-          <a:p>
-            <a:pPr marL="457200" lvl="0" indent="-457200">
-              <a:lnSpc>
-                <a:spcPct val="150000"/>
-              </a:lnSpc>
-              <a:spcBef>
-                <a:spcPts val="1200"/>
-              </a:spcBef>
-              <a:buFont typeface="Arial" panose="020B0604020202020204" pitchFamily="34" charset="0"/>
-              <a:buChar char="•"/>
-              <a:defRPr/>
-            </a:pPr>
-            <a:r>
-              <a:rPr lang="en-US" altLang="zh-CN" sz="2800" dirty="0">
-                <a:solidFill>
-                  <a:schemeClr val="bg2">
-                    <a:lumMod val="10000"/>
-                  </a:schemeClr>
-                </a:solidFill>
-                <a:latin typeface="Times New Roman" panose="02020603050405020304" charset="0"/>
-                <a:ea typeface="思源黑体 CN Bold" panose="020B0800000000000000"/>
-                <a:cs typeface="Times New Roman" panose="02020603050405020304" charset="0"/>
-              </a:rPr>
-              <a:t>Explore multi-objective optimization</a:t>
-            </a:r>
-            <a:r>
-              <a:rPr lang="en-US" altLang="zh-CN" sz="2800" dirty="0">
-                <a:solidFill>
-                  <a:schemeClr val="bg2">
-                    <a:lumMod val="10000"/>
-                  </a:schemeClr>
-                </a:solidFill>
-                <a:latin typeface="思源黑体 CN Regular"/>
-                <a:ea typeface="思源黑体 CN Bold" panose="020B0800000000000000"/>
-                <a:cs typeface="Calibri" panose="020F0502020204030204" pitchFamily="34" charset="0"/>
-              </a:rPr>
-              <a:t> </a:t>
-            </a:r>
-            <a:endParaRPr lang="en-US" altLang="zh-CN" sz="2800" dirty="0">
-              <a:solidFill>
-                <a:schemeClr val="bg2">
-                  <a:lumMod val="10000"/>
-                </a:schemeClr>
-              </a:solidFill>
-              <a:latin typeface="思源黑体 CN Regular"/>
-              <a:ea typeface="思源黑体 CN Bold" panose="020B0800000000000000"/>
-              <a:cs typeface="Calibri" panose="020F0502020204030204" pitchFamily="34" charset="0"/>
-            </a:endParaRPr>
-          </a:p>
-          <a:p>
-            <a:endParaRPr lang="en-US" altLang="zh-CN" sz="2800" dirty="0">
-              <a:solidFill>
-                <a:schemeClr val="bg2">
-                  <a:lumMod val="10000"/>
-                </a:schemeClr>
-              </a:solidFill>
-              <a:latin typeface="思源黑体 CN Regular"/>
-              <a:ea typeface="思源黑体 CN Bold" panose="020B0800000000000000"/>
-              <a:cs typeface="Calibri" panose="020F0502020204030204" pitchFamily="34" charset="0"/>
-            </a:endParaRPr>
-          </a:p>
-          <a:p>
-            <a:pPr indent="0">
-              <a:buFont typeface="Arial" panose="020B0604020202020204" pitchFamily="34" charset="0"/>
-              <a:buNone/>
-            </a:pPr>
-            <a:r>
-              <a:rPr lang="en-US" altLang="zh-CN" sz="2800" dirty="0">
-                <a:solidFill>
-                  <a:schemeClr val="bg2">
-                    <a:lumMod val="10000"/>
-                  </a:schemeClr>
-                </a:solidFill>
-                <a:latin typeface="思源黑体 CN Regular"/>
-                <a:ea typeface="思源黑体 CN Bold" panose="020B0800000000000000"/>
-                <a:cs typeface="Calibri" panose="020F0502020204030204" pitchFamily="34" charset="0"/>
-              </a:rPr>
-              <a:t> </a:t>
-            </a:r>
-            <a:endParaRPr lang="en-US" altLang="zh-CN" sz="2800" dirty="0">
-              <a:solidFill>
-                <a:schemeClr val="bg2">
-                  <a:lumMod val="10000"/>
-                </a:schemeClr>
-              </a:solidFill>
-              <a:latin typeface="思源黑体 CN Regular"/>
-              <a:ea typeface="思源黑体 CN Bold" panose="020B0800000000000000"/>
-              <a:cs typeface="Calibri" panose="020F0502020204030204" pitchFamily="34" charset="0"/>
-            </a:endParaRPr>
-          </a:p>
-          <a:p>
-            <a:pPr lvl="0">
-              <a:lnSpc>
-                <a:spcPct val="150000"/>
-              </a:lnSpc>
-              <a:spcBef>
-                <a:spcPts val="1200"/>
-              </a:spcBef>
-              <a:defRPr/>
-            </a:pPr>
-            <a:endParaRPr lang="zh-CN" altLang="en-US" dirty="0">
-              <a:solidFill>
-                <a:srgbClr val="06383C"/>
-              </a:solidFill>
-              <a:latin typeface="微软雅黑" panose="020B0503020204020204" pitchFamily="34" charset="-122"/>
-              <a:ea typeface="思源黑体 CN Bold" panose="020B0800000000000000"/>
-              <a:cs typeface="Open Sans" panose="020B0606030504020204" pitchFamily="34" charset="0"/>
-            </a:endParaRPr>
-          </a:p>
-        </p:txBody>
-      </p:sp>
-      <p:pic>
-        <p:nvPicPr>
-          <p:cNvPr id="4" name="图片 3"/>
-          <p:cNvPicPr>
-            <a:picLocks noChangeAspect="1"/>
-          </p:cNvPicPr>
-          <p:nvPr/>
-        </p:nvPicPr>
-        <p:blipFill>
-          <a:blip r:embed="rId4"/>
-          <a:stretch>
-            <a:fillRect/>
-          </a:stretch>
-        </p:blipFill>
-        <p:spPr>
-          <a:xfrm>
-            <a:off x="2988310" y="2950210"/>
-            <a:ext cx="6214745" cy="1907540"/>
-          </a:xfrm>
-          <a:prstGeom prst="rect">
-            <a:avLst/>
-          </a:prstGeom>
-        </p:spPr>
-      </p:pic>
-    </p:spTree>
-  </p:cSld>
-  <p:clrMapOvr>
-    <a:masterClrMapping/>
-  </p:clrMapOvr>
-  <p:timing>
-    <p:tnLst>
-      <p:par>
-        <p:cTn id="1" dur="indefinite" restart="never" nodeType="tmRoot">
-          <p:childTnLst>
-            <p:seq concurrent="1" nextAc="seek">
-              <p:cTn id="2" dur="indefinite" nodeType="mainSeq">
-                <p:childTnLst>
-                  <p:par>
-                    <p:cTn id="3" fill="hold">
-                      <p:stCondLst>
-                        <p:cond delay="indefinite"/>
-                      </p:stCondLst>
-                      <p:childTnLst>
-                        <p:par>
-                          <p:cTn id="4" fill="hold">
-                            <p:stCondLst>
-                              <p:cond delay="0"/>
-                            </p:stCondLst>
-                            <p:childTnLst>
-                              <p:par>
-                                <p:cTn id="5" presetID="1" presetClass="entr" presetSubtype="0" fill="hold" grpId="0" nodeType="clickEffect">
-                                  <p:stCondLst>
-                                    <p:cond delay="0"/>
-                                  </p:stCondLst>
-                                  <p:childTnLst>
-                                    <p:set>
-                                      <p:cBhvr>
-                                        <p:cTn id="6" dur="1" fill="hold">
-                                          <p:stCondLst>
-                                            <p:cond delay="0"/>
-                                          </p:stCondLst>
-                                        </p:cTn>
-                                        <p:tgtEl>
-                                          <p:spTgt spid="6"/>
-                                        </p:tgtEl>
-                                        <p:attrNameLst>
-                                          <p:attrName>style.visibility</p:attrName>
-                                        </p:attrNameLst>
-                                      </p:cBhvr>
-                                      <p:to>
-                                        <p:strVal val="visible"/>
-                                      </p:to>
-                                    </p:set>
-                                  </p:childTnLst>
-                                </p:cTn>
-                              </p:par>
-                            </p:childTnLst>
-                          </p:cTn>
-                        </p:par>
-                      </p:childTnLst>
-                    </p:cTn>
-                  </p:par>
-                </p:childTnLst>
-              </p:cTn>
-              <p:prevCondLst>
-                <p:cond evt="onPrev" delay="0">
-                  <p:tgtEl>
-                    <p:sldTgt/>
-                  </p:tgtEl>
-                </p:cond>
-              </p:prevCondLst>
-              <p:nextCondLst>
-                <p:cond evt="onNext" delay="0">
-                  <p:tgtEl>
-                    <p:sldTgt/>
-                  </p:tgtEl>
-                </p:cond>
-              </p:nextCondLst>
-            </p:seq>
-          </p:childTnLst>
-        </p:cTn>
-      </p:par>
-    </p:tnLst>
-    <p:bldLst>
-      <p:bldP spid="6" grpId="0"/>
-    </p:bldLst>
-  </p:timing>
-</p:sld>
-</file>
-
-<file path=ppt/slides/slide14.xml><?xml version="1.0" encoding="utf-8"?>
-<p:sld xmlns:a="http://schemas.openxmlformats.org/drawingml/2006/main" xmlns:r="http://schemas.openxmlformats.org/officeDocument/2006/relationships" xmlns:p="http://schemas.openxmlformats.org/presentationml/2006/main">
-  <p:cSld>
-    <p:spTree>
-      <p:nvGrpSpPr>
-        <p:cNvPr id="1" name=""/>
-        <p:cNvGrpSpPr/>
-        <p:nvPr/>
-      </p:nvGrpSpPr>
-      <p:grpSpPr>
-        <a:xfrm>
-          <a:off x="0" y="0"/>
-          <a:ext cx="0" cy="0"/>
-          <a:chOff x="0" y="0"/>
-          <a:chExt cx="0" cy="0"/>
-        </a:xfrm>
-      </p:grpSpPr>
-      <p:pic>
-        <p:nvPicPr>
           <p:cNvPr id="11" name="图形 10"/>
           <p:cNvPicPr>
             <a:picLocks noChangeAspect="1"/>
@@ -7374,7 +6422,7 @@
         <p:spPr>
           <a:xfrm>
             <a:off x="515938" y="560070"/>
-            <a:ext cx="2900680" cy="645160"/>
+            <a:ext cx="3063467" cy="646331"/>
           </a:xfrm>
           <a:prstGeom prst="rect">
             <a:avLst/>
@@ -7412,7 +6460,7 @@
                 <a:ea typeface="思源黑体 CN Bold" panose="020B0800000000000000" pitchFamily="34" charset="-122"/>
                 <a:cs typeface="Times New Roman" panose="02020603050405020304" charset="0"/>
               </a:rPr>
-              <a:t>Introduction</a:t>
+              <a:t>Topic review</a:t>
             </a:r>
             <a:endParaRPr kumimoji="0" lang="zh-CN" altLang="en-US" sz="3600" b="0" i="0" u="none" strike="noStrike" kern="1200" cap="none" spc="300" normalizeH="0" baseline="0" noProof="0" dirty="0">
               <a:ln>
@@ -7453,7 +6501,62 @@
           </a:bodyPr>
           <a:lstStyle/>
           <a:p>
-            <a:pPr marL="800100" lvl="1" indent="-342900" algn="just">
+            <a:pPr marL="800100" lvl="1" indent="-342900">
+              <a:buFont typeface="Arial" panose="020B0604020202020204" pitchFamily="34" charset="0"/>
+              <a:buChar char="•"/>
+            </a:pPr>
+            <a:r>
+              <a:rPr lang="en-US" altLang="zh-CN" sz="2400" b="1" dirty="0">
+                <a:solidFill>
+                  <a:schemeClr val="bg2">
+                    <a:lumMod val="10000"/>
+                  </a:schemeClr>
+                </a:solidFill>
+                <a:latin typeface="Times New Roman" panose="02020603050405020304" charset="0"/>
+                <a:ea typeface="微软雅黑" panose="020B0503020204020204" pitchFamily="34" charset="-122"/>
+                <a:cs typeface="Times New Roman" panose="02020603050405020304" charset="0"/>
+              </a:rPr>
+              <a:t>Main Goal</a:t>
+            </a:r>
+            <a:r>
+              <a:rPr lang="zh-CN" altLang="en-US" sz="2400" b="1" dirty="0">
+                <a:solidFill>
+                  <a:schemeClr val="bg2">
+                    <a:lumMod val="10000"/>
+                  </a:schemeClr>
+                </a:solidFill>
+                <a:latin typeface="Times New Roman" panose="02020603050405020304" charset="0"/>
+                <a:ea typeface="微软雅黑" panose="020B0503020204020204" pitchFamily="34" charset="-122"/>
+                <a:cs typeface="Times New Roman" panose="02020603050405020304" charset="0"/>
+              </a:rPr>
+              <a:t>：</a:t>
+            </a:r>
+            <a:r>
+              <a:rPr lang="en-US" altLang="zh-CN" sz="2400" dirty="0">
+                <a:solidFill>
+                  <a:schemeClr val="bg2">
+                    <a:lumMod val="10000"/>
+                  </a:schemeClr>
+                </a:solidFill>
+                <a:latin typeface="Times New Roman" panose="02020603050405020304" charset="0"/>
+                <a:ea typeface="思源黑体 CN Bold" panose="020B0800000000000000"/>
+                <a:cs typeface="Times New Roman" panose="02020603050405020304" charset="0"/>
+              </a:rPr>
+              <a:t> Apply evolutionary algorithms to search the NAS-Bench-101 cell space. </a:t>
+            </a:r>
+            <a:endParaRPr lang="en-US" altLang="zh-CN" sz="2400" dirty="0">
+              <a:solidFill>
+                <a:schemeClr val="bg2">
+                  <a:lumMod val="10000"/>
+                </a:schemeClr>
+              </a:solidFill>
+              <a:latin typeface="Times New Roman" panose="02020603050405020304" charset="0"/>
+              <a:ea typeface="思源黑体 CN Bold" panose="020B0800000000000000"/>
+              <a:cs typeface="Times New Roman" panose="02020603050405020304" charset="0"/>
+            </a:endParaRPr>
+          </a:p>
+          <a:p>
+            <a:pPr marL="800100" lvl="1" indent="-342900">
               <a:buFont typeface="Arial" panose="020B0604020202020204" pitchFamily="34" charset="0"/>
               <a:buChar char="•"/>
             </a:pPr>
@@ -7481,24 +6584,8 @@
                 <a:ea typeface="微软雅黑" panose="020B0503020204020204" pitchFamily="34" charset="-122"/>
                 <a:cs typeface="Times New Roman" panose="02020603050405020304" charset="0"/>
               </a:rPr>
-              <a:t>aims to automatically design neural network architectures by exploring a large and discrete search space. However, real NAS is extremely costly because each candidate architecture must be fully trained, making fair and controlled comparisons difficult.</a:t>
-            </a:r>
-            <a:endParaRPr lang="en-US" altLang="zh-CN" sz="2400" dirty="0">
-              <a:solidFill>
-                <a:schemeClr val="bg2">
-                  <a:lumMod val="10000"/>
-                </a:schemeClr>
-              </a:solidFill>
-              <a:latin typeface="Times New Roman" panose="02020603050405020304" charset="0"/>
-              <a:ea typeface="微软雅黑" panose="020B0503020204020204" pitchFamily="34" charset="-122"/>
-              <a:cs typeface="Times New Roman" panose="02020603050405020304" charset="0"/>
-            </a:endParaRPr>
-          </a:p>
-          <a:p>
-            <a:pPr marL="800100" lvl="1" indent="-342900" algn="just">
-              <a:buFont typeface="Arial" panose="020B0604020202020204" pitchFamily="34" charset="0"/>
-              <a:buChar char="•"/>
-            </a:pPr>
+              <a:t>aims to automatically design neural network architectures by exploring a large and discrete search space. </a:t>
+            </a:r>
             <a:endParaRPr lang="en-US" altLang="zh-CN" sz="2400" dirty="0">
               <a:solidFill>
                 <a:schemeClr val="bg2">
@@ -7552,54 +6639,6 @@
           </a:p>
         </p:txBody>
       </p:sp>
-      <p:pic>
-        <p:nvPicPr>
-          <p:cNvPr id="3" name="图片 2"/>
-          <p:cNvPicPr>
-            <a:picLocks noChangeAspect="1"/>
-          </p:cNvPicPr>
-          <p:nvPr/>
-        </p:nvPicPr>
-        <p:blipFill>
-          <a:blip r:embed="rId4"/>
-          <a:stretch>
-            <a:fillRect/>
-          </a:stretch>
-        </p:blipFill>
-        <p:spPr>
-          <a:xfrm>
-            <a:off x="9982835" y="1306830"/>
-            <a:ext cx="1696720" cy="2432050"/>
-          </a:xfrm>
-          <a:prstGeom prst="rect">
-            <a:avLst/>
-          </a:prstGeom>
-        </p:spPr>
-      </p:pic>
-      <p:pic>
-        <p:nvPicPr>
-          <p:cNvPr id="4" name="图片 3"/>
-          <p:cNvPicPr>
-            <a:picLocks noChangeAspect="1"/>
-          </p:cNvPicPr>
-          <p:nvPr/>
-        </p:nvPicPr>
-        <p:blipFill>
-          <a:blip r:embed="rId5"/>
-          <a:stretch>
-            <a:fillRect/>
-          </a:stretch>
-        </p:blipFill>
-        <p:spPr>
-          <a:xfrm>
-            <a:off x="9982835" y="3806190"/>
-            <a:ext cx="2021205" cy="1934210"/>
-          </a:xfrm>
-          <a:prstGeom prst="rect">
-            <a:avLst/>
-          </a:prstGeom>
-        </p:spPr>
-      </p:pic>
     </p:spTree>
   </p:cSld>
   <p:clrMapOvr>
@@ -7767,7 +6806,7 @@
         <p:spPr>
           <a:xfrm>
             <a:off x="515938" y="560070"/>
-            <a:ext cx="1440180" cy="645160"/>
+            <a:ext cx="3217356" cy="646331"/>
           </a:xfrm>
           <a:prstGeom prst="rect">
             <a:avLst/>
@@ -7811,7 +6850,7 @@
                 <a:ea typeface="思源黑体 CN Bold" panose="020B0800000000000000" pitchFamily="34" charset="-122"/>
                 <a:cs typeface="Times New Roman" panose="02020603050405020304" charset="0"/>
               </a:rPr>
-              <a:t>Goals</a:t>
+              <a:t>Topic Review</a:t>
             </a:r>
             <a:endParaRPr kumimoji="0" lang="en-US" altLang="zh-CN" sz="3600" b="0" i="0" u="none" strike="noStrike" kern="1200" cap="none" spc="300" normalizeH="0" baseline="0" noProof="0" dirty="0">
               <a:ln>
@@ -7838,8 +6877,8 @@
         </p:nvSpPr>
         <p:spPr>
           <a:xfrm>
-            <a:off x="1034251" y="1906470"/>
-            <a:ext cx="9584914" cy="3415030"/>
+            <a:off x="1034251" y="1620720"/>
+            <a:ext cx="9584914" cy="460375"/>
           </a:xfrm>
           <a:prstGeom prst="rect">
             <a:avLst/>
@@ -7864,7 +6903,7 @@
                 <a:ea typeface="思源黑体 CN Bold" panose="020B0800000000000000"/>
                 <a:cs typeface="Times New Roman" panose="02020603050405020304" charset="0"/>
               </a:rPr>
-              <a:t>Based on these motivations, we plan to apply an evolutionary algorithm to search the NAS-Bench-101 cell space.</a:t>
+              <a:t>NAS-Bench-101: Towards Reproducible Neural Architecture Search</a:t>
             </a:r>
             <a:endParaRPr lang="en-US" altLang="zh-CN" sz="2400" dirty="0">
               <a:solidFill>
@@ -7877,174 +6916,32 @@
               <a:cs typeface="Times New Roman" panose="02020603050405020304" charset="0"/>
             </a:endParaRPr>
           </a:p>
-          <a:p>
-            <a:pPr lvl="1"/>
-            <a:endParaRPr lang="en-US" altLang="zh-CN" sz="2400" dirty="0">
-              <a:solidFill>
-                <a:schemeClr val="bg2">
-                  <a:lumMod val="10000"/>
-                </a:schemeClr>
-              </a:solidFill>
-              <a:latin typeface="Times New Roman" panose="02020603050405020304" charset="0"/>
-              <a:ea typeface="思源黑体 CN Bold" panose="020B0800000000000000"/>
-              <a:cs typeface="Times New Roman" panose="02020603050405020304" charset="0"/>
-            </a:endParaRPr>
-          </a:p>
-          <a:p>
-            <a:pPr lvl="1"/>
-            <a:r>
-              <a:rPr lang="en-US" altLang="zh-CN" sz="2400" dirty="0">
-                <a:solidFill>
-                  <a:schemeClr val="bg2">
-                    <a:lumMod val="10000"/>
-                  </a:schemeClr>
-                </a:solidFill>
-                <a:latin typeface="Times New Roman" panose="02020603050405020304" charset="0"/>
-                <a:ea typeface="思源黑体 CN Bold" panose="020B0800000000000000"/>
-                <a:cs typeface="Times New Roman" panose="02020603050405020304" charset="0"/>
-              </a:rPr>
-              <a:t>Specifically</a:t>
-            </a:r>
-            <a:r>
-              <a:rPr lang="zh-CN" altLang="en-US" sz="2400" dirty="0">
-                <a:solidFill>
-                  <a:schemeClr val="bg2">
-                    <a:lumMod val="10000"/>
-                  </a:schemeClr>
-                </a:solidFill>
-                <a:latin typeface="Times New Roman" panose="02020603050405020304" charset="0"/>
-                <a:ea typeface="思源黑体 CN Bold" panose="020B0800000000000000"/>
-                <a:cs typeface="Times New Roman" panose="02020603050405020304" charset="0"/>
-              </a:rPr>
-              <a:t>：</a:t>
-            </a:r>
-            <a:endParaRPr lang="en-US" altLang="zh-CN" sz="2400" dirty="0">
-              <a:solidFill>
-                <a:schemeClr val="bg2">
-                  <a:lumMod val="10000"/>
-                </a:schemeClr>
-              </a:solidFill>
-              <a:latin typeface="Times New Roman" panose="02020603050405020304" charset="0"/>
-              <a:ea typeface="思源黑体 CN Bold" panose="020B0800000000000000"/>
-              <a:cs typeface="Times New Roman" panose="02020603050405020304" charset="0"/>
-            </a:endParaRPr>
-          </a:p>
-          <a:p>
-            <a:pPr marL="800100" lvl="1" indent="-342900">
-              <a:buFont typeface="Arial" panose="020B0604020202020204" pitchFamily="34" charset="0"/>
-              <a:buChar char="•"/>
-            </a:pPr>
-            <a:r>
-              <a:rPr lang="en-US" altLang="zh-CN" sz="2400" dirty="0">
-                <a:solidFill>
-                  <a:schemeClr val="bg2">
-                    <a:lumMod val="10000"/>
-                  </a:schemeClr>
-                </a:solidFill>
-                <a:latin typeface="Times New Roman" panose="02020603050405020304" charset="0"/>
-                <a:ea typeface="思源黑体 CN Bold" panose="020B0800000000000000"/>
-                <a:cs typeface="Times New Roman" panose="02020603050405020304" charset="0"/>
-              </a:rPr>
-              <a:t>Encoding architectures using adjacency matrices and operation labels, </a:t>
-            </a:r>
-            <a:endParaRPr lang="en-US" altLang="zh-CN" sz="2400" dirty="0">
-              <a:solidFill>
-                <a:schemeClr val="bg2">
-                  <a:lumMod val="10000"/>
-                </a:schemeClr>
-              </a:solidFill>
-              <a:latin typeface="Times New Roman" panose="02020603050405020304" charset="0"/>
-              <a:ea typeface="思源黑体 CN Bold" panose="020B0800000000000000"/>
-              <a:cs typeface="Times New Roman" panose="02020603050405020304" charset="0"/>
-            </a:endParaRPr>
-          </a:p>
-          <a:p>
-            <a:pPr marL="800100" lvl="1" indent="-342900">
-              <a:buFont typeface="Arial" panose="020B0604020202020204" pitchFamily="34" charset="0"/>
-              <a:buChar char="•"/>
-            </a:pPr>
-            <a:r>
-              <a:rPr lang="en-US" altLang="zh-CN" sz="2400" dirty="0">
-                <a:solidFill>
-                  <a:schemeClr val="bg2">
-                    <a:lumMod val="10000"/>
-                  </a:schemeClr>
-                </a:solidFill>
-                <a:latin typeface="Times New Roman" panose="02020603050405020304" charset="0"/>
-                <a:ea typeface="思源黑体 CN Bold" panose="020B0800000000000000"/>
-                <a:cs typeface="Times New Roman" panose="02020603050405020304" charset="0"/>
-              </a:rPr>
-              <a:t>Evolve a population through mutation and selection,</a:t>
-            </a:r>
-            <a:endParaRPr lang="en-US" altLang="zh-CN" sz="2400" dirty="0">
-              <a:solidFill>
-                <a:schemeClr val="bg2">
-                  <a:lumMod val="10000"/>
-                </a:schemeClr>
-              </a:solidFill>
-              <a:latin typeface="Times New Roman" panose="02020603050405020304" charset="0"/>
-              <a:ea typeface="思源黑体 CN Bold" panose="020B0800000000000000"/>
-              <a:cs typeface="Times New Roman" panose="02020603050405020304" charset="0"/>
-            </a:endParaRPr>
-          </a:p>
-          <a:p>
-            <a:pPr marL="800100" lvl="1" indent="-342900">
-              <a:buFont typeface="Arial" panose="020B0604020202020204" pitchFamily="34" charset="0"/>
-              <a:buChar char="•"/>
-            </a:pPr>
-            <a:r>
-              <a:rPr lang="en-US" altLang="zh-CN" sz="2400" dirty="0">
-                <a:solidFill>
-                  <a:schemeClr val="bg2">
-                    <a:lumMod val="10000"/>
-                  </a:schemeClr>
-                </a:solidFill>
-                <a:latin typeface="Times New Roman" panose="02020603050405020304" charset="0"/>
-                <a:ea typeface="思源黑体 CN Bold" panose="020B0800000000000000"/>
-                <a:cs typeface="Times New Roman" panose="02020603050405020304" charset="0"/>
-              </a:rPr>
-              <a:t>Query their accuracy from the NAS-Bench-101 lookup table, </a:t>
-            </a:r>
-            <a:endParaRPr lang="en-US" altLang="zh-CN" sz="2400" dirty="0">
-              <a:solidFill>
-                <a:schemeClr val="bg2">
-                  <a:lumMod val="10000"/>
-                </a:schemeClr>
-              </a:solidFill>
-              <a:latin typeface="Times New Roman" panose="02020603050405020304" charset="0"/>
-              <a:ea typeface="思源黑体 CN Bold" panose="020B0800000000000000"/>
-              <a:cs typeface="Times New Roman" panose="02020603050405020304" charset="0"/>
-            </a:endParaRPr>
-          </a:p>
-          <a:p>
-            <a:pPr marL="800100" lvl="1" indent="-342900">
-              <a:buFont typeface="Arial" panose="020B0604020202020204" pitchFamily="34" charset="0"/>
-              <a:buChar char="•"/>
-            </a:pPr>
-            <a:r>
-              <a:rPr lang="en-US" altLang="zh-CN" sz="2400" dirty="0">
-                <a:solidFill>
-                  <a:schemeClr val="bg2">
-                    <a:lumMod val="10000"/>
-                  </a:schemeClr>
-                </a:solidFill>
-                <a:latin typeface="Times New Roman" panose="02020603050405020304" charset="0"/>
-                <a:ea typeface="思源黑体 CN Bold" panose="020B0800000000000000"/>
-                <a:cs typeface="Times New Roman" panose="02020603050405020304" charset="0"/>
-              </a:rPr>
-              <a:t>Analyze how EA explores the search space, converges, and identifies high-performing cell structures.</a:t>
-            </a:r>
-            <a:endParaRPr lang="zh-CN" altLang="en-US" dirty="0">
-              <a:solidFill>
-                <a:srgbClr val="06383C"/>
-              </a:solidFill>
-              <a:latin typeface="Times New Roman" panose="02020603050405020304" charset="0"/>
-              <a:ea typeface="思源黑体 CN Bold" panose="020B0800000000000000"/>
-              <a:cs typeface="Times New Roman" panose="02020603050405020304" charset="0"/>
-            </a:endParaRPr>
-          </a:p>
         </p:txBody>
       </p:sp>
+      <p:pic>
+        <p:nvPicPr>
+          <p:cNvPr id="3" name="图片 2"/>
+          <p:cNvPicPr>
+            <a:picLocks noChangeAspect="1"/>
+          </p:cNvPicPr>
+          <p:nvPr/>
+        </p:nvPicPr>
+        <p:blipFill>
+          <a:blip r:embed="rId4"/>
+          <a:stretch>
+            <a:fillRect/>
+          </a:stretch>
+        </p:blipFill>
+        <p:spPr>
+          <a:xfrm>
+            <a:off x="2350135" y="2601595"/>
+            <a:ext cx="6953250" cy="3238500"/>
+          </a:xfrm>
+          <a:prstGeom prst="rect">
+            <a:avLst/>
+          </a:prstGeom>
+        </p:spPr>
+      </p:pic>
     </p:spTree>
   </p:cSld>
   <p:clrMapOvr>
@@ -8212,7 +7109,7 @@
         <p:spPr>
           <a:xfrm>
             <a:off x="515938" y="560070"/>
-            <a:ext cx="3147060" cy="645160"/>
+            <a:ext cx="3065780" cy="645160"/>
           </a:xfrm>
           <a:prstGeom prst="rect">
             <a:avLst/>
@@ -8242,23 +7139,17 @@
               <a:defRPr/>
             </a:pPr>
             <a:r>
-              <a:rPr kumimoji="0" lang="en-US" altLang="zh-CN" sz="3600" b="0" i="0" u="none" strike="noStrike" kern="1200" cap="none" spc="300" normalizeH="0" baseline="0" noProof="0" dirty="0">
-                <a:ln>
-                  <a:noFill/>
-                </a:ln>
+              <a:rPr lang="en-US" altLang="zh-CN" sz="3600" spc="300" dirty="0">
                 <a:solidFill>
                   <a:srgbClr val="003F43"/>
                 </a:solidFill>
-                <a:effectLst/>
-                <a:uLnTx/>
-                <a:uFillTx/>
                 <a:latin typeface="Times New Roman" panose="02020603050405020304" charset="0"/>
                 <a:ea typeface="思源黑体 CN Bold" panose="020B0800000000000000" pitchFamily="34" charset="-122"/>
                 <a:cs typeface="Times New Roman" panose="02020603050405020304" charset="0"/>
               </a:rPr>
-              <a:t>Related Work</a:t>
-            </a:r>
-            <a:endParaRPr kumimoji="0" lang="en-US" altLang="zh-CN" sz="3600" b="0" i="0" u="none" strike="noStrike" kern="1200" cap="none" spc="300" normalizeH="0" baseline="0" noProof="0" dirty="0">
+              <a:t>Methodology</a:t>
+            </a:r>
+            <a:endParaRPr kumimoji="0" lang="zh-CN" altLang="en-US" sz="3600" b="0" i="0" u="none" strike="noStrike" kern="1200" cap="none" spc="300" normalizeH="0" baseline="0" noProof="0" dirty="0">
               <a:ln>
                 <a:noFill/>
               </a:ln>
@@ -8284,7 +7175,7 @@
         <p:spPr>
           <a:xfrm>
             <a:off x="1034251" y="1620720"/>
-            <a:ext cx="9584914" cy="460375"/>
+            <a:ext cx="5181600" cy="3215005"/>
           </a:xfrm>
           <a:prstGeom prst="rect">
             <a:avLst/>
@@ -8296,6 +7187,55 @@
             <a:spAutoFit/>
           </a:bodyPr>
           <a:lstStyle/>
+          <a:p>
+            <a:pPr marL="457200" lvl="0" indent="-457200">
+              <a:lnSpc>
+                <a:spcPct val="150000"/>
+              </a:lnSpc>
+              <a:spcBef>
+                <a:spcPts val="1200"/>
+              </a:spcBef>
+              <a:buFont typeface="Arial" panose="020B0604020202020204" pitchFamily="34" charset="0"/>
+              <a:buChar char="•"/>
+              <a:defRPr/>
+            </a:pPr>
+            <a:r>
+              <a:rPr lang="en-US" altLang="zh-CN" sz="2800" dirty="0">
+                <a:solidFill>
+                  <a:schemeClr val="bg2">
+                    <a:lumMod val="10000"/>
+                  </a:schemeClr>
+                </a:solidFill>
+                <a:latin typeface="Times New Roman" panose="02020603050405020304" charset="0"/>
+                <a:ea typeface="思源黑体 CN Bold" panose="020B0800000000000000"/>
+                <a:cs typeface="Times New Roman" panose="02020603050405020304" charset="0"/>
+              </a:rPr>
+              <a:t>Representation</a:t>
+            </a:r>
+            <a:r>
+              <a:rPr lang="en-US" altLang="zh-CN" sz="2800" b="1" dirty="0">
+                <a:solidFill>
+                  <a:schemeClr val="bg2">
+                    <a:lumMod val="10000"/>
+                  </a:schemeClr>
+                </a:solidFill>
+                <a:latin typeface="Times New Roman" panose="02020603050405020304" charset="0"/>
+                <a:ea typeface="思源黑体 CN Bold" panose="020B0800000000000000"/>
+                <a:cs typeface="Times New Roman" panose="02020603050405020304" charset="0"/>
+              </a:rPr>
+              <a:t>:</a:t>
+            </a:r>
+            <a:endParaRPr lang="en-US" altLang="zh-CN" sz="2800" b="1" dirty="0">
+              <a:solidFill>
+                <a:schemeClr val="bg2">
+                  <a:lumMod val="10000"/>
+                </a:schemeClr>
+              </a:solidFill>
+              <a:latin typeface="Times New Roman" panose="02020603050405020304" charset="0"/>
+              <a:ea typeface="思源黑体 CN Bold" panose="020B0800000000000000"/>
+              <a:cs typeface="Times New Roman" panose="02020603050405020304" charset="0"/>
+            </a:endParaRPr>
+          </a:p>
           <a:p>
             <a:pPr lvl="1"/>
             <a:r>
@@ -8309,7 +7249,7 @@
                 <a:ea typeface="思源黑体 CN Bold" panose="020B0800000000000000"/>
                 <a:cs typeface="Times New Roman" panose="02020603050405020304" charset="0"/>
               </a:rPr>
-              <a:t>NAS-Bench-101: Towards Reproducible Neural Architecture Search</a:t>
+              <a:t>  0 → 1×1 Convolution</a:t>
             </a:r>
             <a:endParaRPr lang="en-US" altLang="zh-CN" sz="2400" dirty="0">
               <a:solidFill>
@@ -8322,11 +7262,179 @@
               <a:cs typeface="Times New Roman" panose="02020603050405020304" charset="0"/>
             </a:endParaRPr>
           </a:p>
+          <a:p>
+            <a:pPr lvl="1"/>
+            <a:r>
+              <a:rPr lang="en-US" altLang="zh-CN" sz="2400" dirty="0">
+                <a:solidFill>
+                  <a:schemeClr val="bg2">
+                    <a:lumMod val="10000"/>
+                  </a:schemeClr>
+                </a:solidFill>
+                <a:latin typeface="Times New Roman" panose="02020603050405020304" charset="0"/>
+                <a:ea typeface="思源黑体 CN Bold" panose="020B0800000000000000"/>
+                <a:cs typeface="Times New Roman" panose="02020603050405020304" charset="0"/>
+              </a:rPr>
+              <a:t>  1 → 3×3 Convolution</a:t>
+            </a:r>
+            <a:endParaRPr lang="en-US" altLang="zh-CN" sz="2400" dirty="0">
+              <a:solidFill>
+                <a:schemeClr val="bg2">
+                  <a:lumMod val="10000"/>
+                </a:schemeClr>
+              </a:solidFill>
+              <a:latin typeface="Times New Roman" panose="02020603050405020304" charset="0"/>
+              <a:ea typeface="思源黑体 CN Bold" panose="020B0800000000000000"/>
+              <a:cs typeface="Times New Roman" panose="02020603050405020304" charset="0"/>
+            </a:endParaRPr>
+          </a:p>
+          <a:p>
+            <a:pPr lvl="1"/>
+            <a:r>
+              <a:rPr lang="en-US" altLang="zh-CN" sz="2400" dirty="0">
+                <a:solidFill>
+                  <a:schemeClr val="bg2">
+                    <a:lumMod val="10000"/>
+                  </a:schemeClr>
+                </a:solidFill>
+                <a:latin typeface="Times New Roman" panose="02020603050405020304" charset="0"/>
+                <a:ea typeface="思源黑体 CN Bold" panose="020B0800000000000000"/>
+                <a:cs typeface="Times New Roman" panose="02020603050405020304" charset="0"/>
+              </a:rPr>
+              <a:t>  2 → 3×3 Max Pooling</a:t>
+            </a:r>
+            <a:endParaRPr lang="en-US" altLang="zh-CN" sz="2400" dirty="0">
+              <a:solidFill>
+                <a:schemeClr val="bg2">
+                  <a:lumMod val="10000"/>
+                </a:schemeClr>
+              </a:solidFill>
+              <a:latin typeface="思源黑体 CN Regular"/>
+              <a:ea typeface="思源黑体 CN Bold" panose="020B0800000000000000"/>
+              <a:cs typeface="Calibri" panose="020F0502020204030204" pitchFamily="34" charset="0"/>
+            </a:endParaRPr>
+          </a:p>
+          <a:p>
+            <a:endParaRPr lang="en-US" altLang="zh-CN" sz="2400" dirty="0">
+              <a:solidFill>
+                <a:schemeClr val="bg2">
+                  <a:lumMod val="10000"/>
+                </a:schemeClr>
+              </a:solidFill>
+              <a:latin typeface="思源黑体 CN Regular"/>
+              <a:ea typeface="思源黑体 CN Bold" panose="020B0800000000000000"/>
+              <a:cs typeface="Calibri" panose="020F0502020204030204" pitchFamily="34" charset="0"/>
+            </a:endParaRPr>
+          </a:p>
+          <a:p>
+            <a:pPr marL="457200" indent="-457200">
+              <a:buFont typeface="Arial" panose="020B0604020202020204" pitchFamily="34" charset="0"/>
+              <a:buChar char="•"/>
+            </a:pPr>
+            <a:r>
+              <a:rPr lang="en-US" altLang="zh-CN" sz="2800" dirty="0">
+                <a:solidFill>
+                  <a:schemeClr val="bg2">
+                    <a:lumMod val="10000"/>
+                  </a:schemeClr>
+                </a:solidFill>
+                <a:latin typeface="Times New Roman" panose="02020603050405020304" charset="0"/>
+                <a:ea typeface="思源黑体 CN Bold" panose="020B0800000000000000"/>
+                <a:cs typeface="Times New Roman" panose="02020603050405020304" charset="0"/>
+              </a:rPr>
+              <a:t>Fitness:</a:t>
+            </a:r>
+            <a:endParaRPr lang="en-US" altLang="zh-CN" sz="2800" dirty="0">
+              <a:solidFill>
+                <a:schemeClr val="bg2">
+                  <a:lumMod val="10000"/>
+                </a:schemeClr>
+              </a:solidFill>
+              <a:latin typeface="思源黑体 CN Regular"/>
+              <a:ea typeface="思源黑体 CN Bold" panose="020B0800000000000000"/>
+              <a:cs typeface="Calibri" panose="020F0502020204030204" pitchFamily="34" charset="0"/>
+            </a:endParaRPr>
+          </a:p>
+          <a:p>
+            <a:pPr lvl="0">
+              <a:lnSpc>
+                <a:spcPct val="150000"/>
+              </a:lnSpc>
+              <a:spcBef>
+                <a:spcPts val="1200"/>
+              </a:spcBef>
+              <a:defRPr/>
+            </a:pPr>
+            <a:endParaRPr lang="zh-CN" altLang="en-US" dirty="0">
+              <a:solidFill>
+                <a:srgbClr val="06383C"/>
+              </a:solidFill>
+              <a:latin typeface="微软雅黑" panose="020B0503020204020204" pitchFamily="34" charset="-122"/>
+              <a:ea typeface="思源黑体 CN Bold" panose="020B0800000000000000"/>
+              <a:cs typeface="Open Sans" panose="020B0606030504020204" pitchFamily="34" charset="0"/>
+            </a:endParaRPr>
+          </a:p>
+        </p:txBody>
+      </p:sp>
+      <p:sp>
+        <p:nvSpPr>
+          <p:cNvPr id="3" name="文本框 2"/>
+          <p:cNvSpPr txBox="1"/>
+          <p:nvPr/>
+        </p:nvSpPr>
+        <p:spPr>
+          <a:xfrm>
+            <a:off x="5883378" y="4456709"/>
+            <a:ext cx="2679700" cy="583565"/>
+          </a:xfrm>
+          <a:prstGeom prst="rect">
+            <a:avLst/>
+          </a:prstGeom>
+          <a:noFill/>
+        </p:spPr>
+        <p:txBody>
+          <a:bodyPr wrap="square">
+            <a:noAutofit/>
+          </a:bodyPr>
+          <a:lstStyle/>
+          <a:p>
+            <a:pPr algn="ctr"/>
+            <a:r>
+              <a:rPr lang="en-US" altLang="zh-CN" sz="1600" dirty="0">
+                <a:solidFill>
+                  <a:srgbClr val="06383C"/>
+                </a:solidFill>
+                <a:latin typeface="Times New Roman" panose="02020603050405020304" charset="0"/>
+                <a:ea typeface="思源黑体 CN Bold" panose="020B0800000000000000"/>
+                <a:cs typeface="Times New Roman" panose="02020603050405020304" charset="0"/>
+              </a:rPr>
+              <a:t>Adjacency Matrix and operation vector</a:t>
+            </a:r>
+            <a:r>
+              <a:rPr lang="en-US" altLang="zh-CN" sz="1600" dirty="0">
+                <a:solidFill>
+                  <a:srgbClr val="06383C"/>
+                </a:solidFill>
+                <a:latin typeface="微软雅黑" panose="020B0503020204020204" pitchFamily="34" charset="-122"/>
+                <a:ea typeface="思源黑体 CN Bold" panose="020B0800000000000000"/>
+                <a:cs typeface="Open Sans" panose="020B0606030504020204" pitchFamily="34" charset="0"/>
+              </a:rPr>
+              <a:t> </a:t>
+            </a:r>
+            <a:endParaRPr lang="en-US" altLang="zh-CN" sz="1600" dirty="0">
+              <a:solidFill>
+                <a:srgbClr val="06383C"/>
+              </a:solidFill>
+              <a:latin typeface="微软雅黑" panose="020B0503020204020204" pitchFamily="34" charset="-122"/>
+              <a:ea typeface="思源黑体 CN Bold" panose="020B0800000000000000"/>
+              <a:cs typeface="Open Sans" panose="020B0606030504020204" pitchFamily="34" charset="0"/>
+            </a:endParaRPr>
+          </a:p>
         </p:txBody>
       </p:sp>
       <p:pic>
         <p:nvPicPr>
-          <p:cNvPr id="3" name="图片 2"/>
+          <p:cNvPr id="4" name="图片 3"/>
           <p:cNvPicPr>
             <a:picLocks noChangeAspect="1"/>
           </p:cNvPicPr>
@@ -8340,8 +7448,78 @@
         </p:blipFill>
         <p:spPr>
           <a:xfrm>
-            <a:off x="2350135" y="2601595"/>
-            <a:ext cx="6953250" cy="3238500"/>
+            <a:off x="5753307" y="1278771"/>
+            <a:ext cx="6092310" cy="3156932"/>
+          </a:xfrm>
+          <a:prstGeom prst="rect">
+            <a:avLst/>
+          </a:prstGeom>
+        </p:spPr>
+      </p:pic>
+      <p:sp>
+        <p:nvSpPr>
+          <p:cNvPr id="7" name="文本框 6"/>
+          <p:cNvSpPr txBox="1"/>
+          <p:nvPr/>
+        </p:nvSpPr>
+        <p:spPr>
+          <a:xfrm>
+            <a:off x="9448977" y="4489074"/>
+            <a:ext cx="1784350" cy="583565"/>
+          </a:xfrm>
+          <a:prstGeom prst="rect">
+            <a:avLst/>
+          </a:prstGeom>
+          <a:noFill/>
+        </p:spPr>
+        <p:txBody>
+          <a:bodyPr wrap="square">
+            <a:noAutofit/>
+          </a:bodyPr>
+          <a:lstStyle/>
+          <a:p>
+            <a:pPr algn="ctr"/>
+            <a:r>
+              <a:rPr lang="en-US" altLang="zh-CN" sz="1600" dirty="0">
+                <a:solidFill>
+                  <a:srgbClr val="06383C"/>
+                </a:solidFill>
+                <a:latin typeface="Times New Roman" panose="02020603050405020304" charset="0"/>
+                <a:ea typeface="思源黑体 CN Bold" panose="020B0800000000000000"/>
+                <a:cs typeface="Times New Roman" panose="02020603050405020304" charset="0"/>
+              </a:rPr>
+              <a:t>Cell DAG Visualization</a:t>
+            </a:r>
+            <a:endParaRPr lang="en-US" altLang="zh-CN" sz="1600" dirty="0">
+              <a:solidFill>
+                <a:srgbClr val="06383C"/>
+              </a:solidFill>
+              <a:latin typeface="Times New Roman" panose="02020603050405020304" charset="0"/>
+              <a:ea typeface="思源黑体 CN Bold" panose="020B0800000000000000"/>
+              <a:cs typeface="Times New Roman" panose="02020603050405020304" charset="0"/>
+            </a:endParaRPr>
+          </a:p>
+        </p:txBody>
+      </p:sp>
+      <p:pic>
+        <p:nvPicPr>
+          <p:cNvPr id="10" name="图片 9"/>
+          <p:cNvPicPr>
+            <a:picLocks noChangeAspect="1"/>
+          </p:cNvPicPr>
+          <p:nvPr/>
+        </p:nvPicPr>
+        <p:blipFill>
+          <a:blip r:embed="rId5"/>
+          <a:srcRect r="3009" b="4016"/>
+          <a:stretch>
+            <a:fillRect/>
+          </a:stretch>
+        </p:blipFill>
+        <p:spPr>
+          <a:xfrm>
+            <a:off x="1034251" y="4543742"/>
+            <a:ext cx="4652645" cy="606425"/>
           </a:xfrm>
           <a:prstGeom prst="rect">
             <a:avLst/>
@@ -8515,7 +7693,7 @@
         <p:spPr>
           <a:xfrm>
             <a:off x="515938" y="560070"/>
-            <a:ext cx="3147060" cy="645160"/>
+            <a:ext cx="3065780" cy="645160"/>
           </a:xfrm>
           <a:prstGeom prst="rect">
             <a:avLst/>
@@ -8545,23 +7723,17 @@
               <a:defRPr/>
             </a:pPr>
             <a:r>
-              <a:rPr kumimoji="0" lang="en-US" altLang="zh-CN" sz="3600" b="0" i="0" u="none" strike="noStrike" kern="1200" cap="none" spc="300" normalizeH="0" baseline="0" noProof="0" dirty="0">
-                <a:ln>
-                  <a:noFill/>
-                </a:ln>
+              <a:rPr lang="en-US" altLang="zh-CN" sz="3600" spc="300" dirty="0">
                 <a:solidFill>
                   <a:srgbClr val="003F43"/>
                 </a:solidFill>
-                <a:effectLst/>
-                <a:uLnTx/>
-                <a:uFillTx/>
                 <a:latin typeface="Times New Roman" panose="02020603050405020304" charset="0"/>
                 <a:ea typeface="思源黑体 CN Bold" panose="020B0800000000000000" pitchFamily="34" charset="-122"/>
                 <a:cs typeface="Times New Roman" panose="02020603050405020304" charset="0"/>
               </a:rPr>
-              <a:t>Related Work</a:t>
-            </a:r>
-            <a:endParaRPr kumimoji="0" lang="en-US" altLang="zh-CN" sz="3600" b="0" i="0" u="none" strike="noStrike" kern="1200" cap="none" spc="300" normalizeH="0" baseline="0" noProof="0" dirty="0">
+              <a:t>Methodology</a:t>
+            </a:r>
+            <a:endParaRPr kumimoji="0" lang="zh-CN" altLang="en-US" sz="3600" b="0" i="0" u="none" strike="noStrike" kern="1200" cap="none" spc="300" normalizeH="0" baseline="0" noProof="0" dirty="0">
               <a:ln>
                 <a:noFill/>
               </a:ln>
@@ -8587,7 +7759,7 @@
         <p:spPr>
           <a:xfrm>
             <a:off x="1034251" y="1620720"/>
-            <a:ext cx="9584914" cy="3415030"/>
+            <a:ext cx="5181600" cy="3215005"/>
           </a:xfrm>
           <a:prstGeom prst="rect">
             <a:avLst/>
@@ -8599,6 +7771,55 @@
             <a:spAutoFit/>
           </a:bodyPr>
           <a:lstStyle/>
+          <a:p>
+            <a:pPr marL="457200" lvl="0" indent="-457200">
+              <a:lnSpc>
+                <a:spcPct val="150000"/>
+              </a:lnSpc>
+              <a:spcBef>
+                <a:spcPts val="1200"/>
+              </a:spcBef>
+              <a:buFont typeface="Arial" panose="020B0604020202020204" pitchFamily="34" charset="0"/>
+              <a:buChar char="•"/>
+              <a:defRPr/>
+            </a:pPr>
+            <a:r>
+              <a:rPr lang="en-US" altLang="zh-CN" sz="2800" dirty="0">
+                <a:solidFill>
+                  <a:schemeClr val="bg2">
+                    <a:lumMod val="10000"/>
+                  </a:schemeClr>
+                </a:solidFill>
+                <a:latin typeface="Times New Roman" panose="02020603050405020304" charset="0"/>
+                <a:ea typeface="思源黑体 CN Bold" panose="020B0800000000000000"/>
+                <a:cs typeface="Times New Roman" panose="02020603050405020304" charset="0"/>
+              </a:rPr>
+              <a:t>Representation</a:t>
+            </a:r>
+            <a:r>
+              <a:rPr lang="en-US" altLang="zh-CN" sz="2800" b="1" dirty="0">
+                <a:solidFill>
+                  <a:schemeClr val="bg2">
+                    <a:lumMod val="10000"/>
+                  </a:schemeClr>
+                </a:solidFill>
+                <a:latin typeface="Times New Roman" panose="02020603050405020304" charset="0"/>
+                <a:ea typeface="思源黑体 CN Bold" panose="020B0800000000000000"/>
+                <a:cs typeface="Times New Roman" panose="02020603050405020304" charset="0"/>
+              </a:rPr>
+              <a:t>:</a:t>
+            </a:r>
+            <a:endParaRPr lang="en-US" altLang="zh-CN" sz="2800" b="1" dirty="0">
+              <a:solidFill>
+                <a:schemeClr val="bg2">
+                  <a:lumMod val="10000"/>
+                </a:schemeClr>
+              </a:solidFill>
+              <a:latin typeface="Times New Roman" panose="02020603050405020304" charset="0"/>
+              <a:ea typeface="思源黑体 CN Bold" panose="020B0800000000000000"/>
+              <a:cs typeface="Times New Roman" panose="02020603050405020304" charset="0"/>
+            </a:endParaRPr>
+          </a:p>
           <a:p>
             <a:pPr lvl="1"/>
             <a:r>
@@ -8612,7 +7833,7 @@
                 <a:ea typeface="思源黑体 CN Bold" panose="020B0800000000000000"/>
                 <a:cs typeface="Times New Roman" panose="02020603050405020304" charset="0"/>
               </a:rPr>
-              <a:t>This work trained and evaluated all of these architectures multiple times on CIFAR-10 and compiled the results into a large dataset of over 5 million trained models -- NAS-Bench-101.</a:t>
+              <a:t>  0 → 1×1 Convolution</a:t>
             </a:r>
             <a:endParaRPr lang="en-US" altLang="zh-CN" sz="2400" dirty="0">
               <a:solidFill>
@@ -8627,6 +7848,19 @@
           </a:p>
           <a:p>
             <a:pPr lvl="1"/>
+            <a:r>
+              <a:rPr lang="en-US" altLang="zh-CN" sz="2400" dirty="0">
+                <a:solidFill>
+                  <a:schemeClr val="bg2">
+                    <a:lumMod val="10000"/>
+                  </a:schemeClr>
+                </a:solidFill>
+                <a:latin typeface="Times New Roman" panose="02020603050405020304" charset="0"/>
+                <a:ea typeface="思源黑体 CN Bold" panose="020B0800000000000000"/>
+                <a:cs typeface="Times New Roman" panose="02020603050405020304" charset="0"/>
+              </a:rPr>
+              <a:t>  1 → 3×3 Convolution</a:t>
+            </a:r>
             <a:endParaRPr lang="en-US" altLang="zh-CN" sz="2400" dirty="0">
               <a:solidFill>
                 <a:schemeClr val="bg2">
@@ -8651,7 +7885,7 @@
                 <a:ea typeface="思源黑体 CN Bold" panose="020B0800000000000000"/>
                 <a:cs typeface="Times New Roman" panose="02020603050405020304" charset="0"/>
               </a:rPr>
-              <a:t>This allows researchers to evaluate the quality of a diverse range of models in milliseconds by querying the precomputed dataset. </a:t>
+              <a:t>  2 → 3×3 Max Pooling</a:t>
             </a:r>
             <a:endParaRPr lang="en-US" altLang="zh-CN" sz="2400" dirty="0">
               <a:solidFill>
@@ -8659,28 +7893,30 @@
                   <a:lumMod val="10000"/>
                 </a:schemeClr>
               </a:solidFill>
-              <a:latin typeface="Times New Roman" panose="02020603050405020304" charset="0"/>
+              <a:latin typeface="思源黑体 CN Regular"/>
               <a:ea typeface="思源黑体 CN Bold" panose="020B0800000000000000"/>
-              <a:cs typeface="Times New Roman" panose="02020603050405020304" charset="0"/>
+              <a:cs typeface="Calibri" panose="020F0502020204030204" pitchFamily="34" charset="0"/>
             </a:endParaRPr>
           </a:p>
           <a:p>
-            <a:pPr lvl="1"/>
             <a:endParaRPr lang="en-US" altLang="zh-CN" sz="2400" dirty="0">
               <a:solidFill>
                 <a:schemeClr val="bg2">
                   <a:lumMod val="10000"/>
                 </a:schemeClr>
               </a:solidFill>
-              <a:latin typeface="Times New Roman" panose="02020603050405020304" charset="0"/>
+              <a:latin typeface="思源黑体 CN Regular"/>
               <a:ea typeface="思源黑体 CN Bold" panose="020B0800000000000000"/>
-              <a:cs typeface="Times New Roman" panose="02020603050405020304" charset="0"/>
+              <a:cs typeface="Calibri" panose="020F0502020204030204" pitchFamily="34" charset="0"/>
             </a:endParaRPr>
           </a:p>
           <a:p>
-            <a:pPr lvl="1"/>
-            <a:r>
-              <a:rPr lang="en-US" altLang="zh-CN" sz="2400" dirty="0">
+            <a:pPr marL="457200" indent="-457200">
+              <a:buFont typeface="Arial" panose="020B0604020202020204" pitchFamily="34" charset="0"/>
+              <a:buChar char="•"/>
+            </a:pPr>
+            <a:r>
+              <a:rPr lang="en-US" altLang="zh-CN" sz="2800" dirty="0">
                 <a:solidFill>
                   <a:schemeClr val="bg2">
                     <a:lumMod val="10000"/>
@@ -8690,9 +7926,155 @@
                 <a:ea typeface="思源黑体 CN Bold" panose="020B0800000000000000"/>
                 <a:cs typeface="Times New Roman" panose="02020603050405020304" charset="0"/>
               </a:rPr>
-              <a:t>They demonstrate its utility by analyzing the dataset as a whole and by benchmarking a range of architecture optimization algorithms.</a:t>
-            </a:r>
+              <a:t>Fitness:</a:t>
+            </a:r>
+            <a:endParaRPr lang="en-US" altLang="zh-CN" sz="2800" dirty="0">
+              <a:solidFill>
+                <a:schemeClr val="bg2">
+                  <a:lumMod val="10000"/>
+                </a:schemeClr>
+              </a:solidFill>
+              <a:latin typeface="思源黑体 CN Regular"/>
+              <a:ea typeface="思源黑体 CN Bold" panose="020B0800000000000000"/>
+              <a:cs typeface="Calibri" panose="020F0502020204030204" pitchFamily="34" charset="0"/>
+            </a:endParaRPr>
+          </a:p>
+          <a:p>
+            <a:pPr lvl="0">
+              <a:lnSpc>
+                <a:spcPct val="150000"/>
+              </a:lnSpc>
+              <a:spcBef>
+                <a:spcPts val="1200"/>
+              </a:spcBef>
+              <a:defRPr/>
+            </a:pPr>
             <a:endParaRPr lang="zh-CN" altLang="en-US" dirty="0">
+              <a:solidFill>
+                <a:srgbClr val="06383C"/>
+              </a:solidFill>
+              <a:latin typeface="微软雅黑" panose="020B0503020204020204" pitchFamily="34" charset="-122"/>
+              <a:ea typeface="思源黑体 CN Bold" panose="020B0800000000000000"/>
+              <a:cs typeface="Open Sans" panose="020B0606030504020204" pitchFamily="34" charset="0"/>
+            </a:endParaRPr>
+          </a:p>
+        </p:txBody>
+      </p:sp>
+      <p:sp>
+        <p:nvSpPr>
+          <p:cNvPr id="3" name="文本框 2"/>
+          <p:cNvSpPr txBox="1"/>
+          <p:nvPr/>
+        </p:nvSpPr>
+        <p:spPr>
+          <a:xfrm>
+            <a:off x="6847205" y="4251960"/>
+            <a:ext cx="2679700" cy="583565"/>
+          </a:xfrm>
+          <a:prstGeom prst="rect">
+            <a:avLst/>
+          </a:prstGeom>
+          <a:noFill/>
+        </p:spPr>
+        <p:txBody>
+          <a:bodyPr wrap="square">
+            <a:noAutofit/>
+          </a:bodyPr>
+          <a:lstStyle/>
+          <a:p>
+            <a:pPr algn="ctr"/>
+            <a:r>
+              <a:rPr lang="en-US" altLang="zh-CN" sz="1600" dirty="0">
+                <a:solidFill>
+                  <a:srgbClr val="06383C"/>
+                </a:solidFill>
+                <a:latin typeface="Times New Roman" panose="02020603050405020304" charset="0"/>
+                <a:ea typeface="思源黑体 CN Bold" panose="020B0800000000000000"/>
+                <a:cs typeface="Times New Roman" panose="02020603050405020304" charset="0"/>
+              </a:rPr>
+              <a:t>Adjacency Matrix and operation vector</a:t>
+            </a:r>
+            <a:r>
+              <a:rPr lang="en-US" altLang="zh-CN" sz="1600" dirty="0">
+                <a:solidFill>
+                  <a:srgbClr val="06383C"/>
+                </a:solidFill>
+                <a:latin typeface="微软雅黑" panose="020B0503020204020204" pitchFamily="34" charset="-122"/>
+                <a:ea typeface="思源黑体 CN Bold" panose="020B0800000000000000"/>
+                <a:cs typeface="Open Sans" panose="020B0606030504020204" pitchFamily="34" charset="0"/>
+              </a:rPr>
+              <a:t> </a:t>
+            </a:r>
+            <a:endParaRPr lang="en-US" altLang="zh-CN" sz="1600" dirty="0">
+              <a:solidFill>
+                <a:srgbClr val="06383C"/>
+              </a:solidFill>
+              <a:latin typeface="微软雅黑" panose="020B0503020204020204" pitchFamily="34" charset="-122"/>
+              <a:ea typeface="思源黑体 CN Bold" panose="020B0800000000000000"/>
+              <a:cs typeface="Open Sans" panose="020B0606030504020204" pitchFamily="34" charset="0"/>
+            </a:endParaRPr>
+          </a:p>
+        </p:txBody>
+      </p:sp>
+      <p:pic>
+        <p:nvPicPr>
+          <p:cNvPr id="4" name="图片 3"/>
+          <p:cNvPicPr>
+            <a:picLocks noChangeAspect="1"/>
+          </p:cNvPicPr>
+          <p:nvPr/>
+        </p:nvPicPr>
+        <p:blipFill>
+          <a:blip r:embed="rId4"/>
+          <a:stretch>
+            <a:fillRect/>
+          </a:stretch>
+        </p:blipFill>
+        <p:spPr>
+          <a:xfrm>
+            <a:off x="7166610" y="1894840"/>
+            <a:ext cx="4347845" cy="2252980"/>
+          </a:xfrm>
+          <a:prstGeom prst="rect">
+            <a:avLst/>
+          </a:prstGeom>
+        </p:spPr>
+      </p:pic>
+      <p:sp>
+        <p:nvSpPr>
+          <p:cNvPr id="7" name="文本框 6"/>
+          <p:cNvSpPr txBox="1"/>
+          <p:nvPr/>
+        </p:nvSpPr>
+        <p:spPr>
+          <a:xfrm>
+            <a:off x="9448800" y="4251960"/>
+            <a:ext cx="1784350" cy="583565"/>
+          </a:xfrm>
+          <a:prstGeom prst="rect">
+            <a:avLst/>
+          </a:prstGeom>
+          <a:noFill/>
+        </p:spPr>
+        <p:txBody>
+          <a:bodyPr wrap="square">
+            <a:noAutofit/>
+          </a:bodyPr>
+          <a:lstStyle/>
+          <a:p>
+            <a:pPr algn="ctr"/>
+            <a:r>
+              <a:rPr lang="en-US" altLang="zh-CN" sz="1600" dirty="0">
+                <a:solidFill>
+                  <a:srgbClr val="06383C"/>
+                </a:solidFill>
+                <a:latin typeface="Times New Roman" panose="02020603050405020304" charset="0"/>
+                <a:ea typeface="思源黑体 CN Bold" panose="020B0800000000000000"/>
+                <a:cs typeface="Times New Roman" panose="02020603050405020304" charset="0"/>
+              </a:rPr>
+              <a:t>Cell DAG Visualization</a:t>
+            </a:r>
+            <a:endParaRPr lang="en-US" altLang="zh-CN" sz="1600" dirty="0">
               <a:solidFill>
                 <a:srgbClr val="06383C"/>
               </a:solidFill>
@@ -8703,6 +8085,56 @@
           </a:p>
         </p:txBody>
       </p:sp>
+      <p:pic>
+        <p:nvPicPr>
+          <p:cNvPr id="10" name="图片 9"/>
+          <p:cNvPicPr>
+            <a:picLocks noChangeAspect="1"/>
+          </p:cNvPicPr>
+          <p:nvPr/>
+        </p:nvPicPr>
+        <p:blipFill>
+          <a:blip r:embed="rId5"/>
+          <a:srcRect r="3009" b="4016"/>
+          <a:stretch>
+            <a:fillRect/>
+          </a:stretch>
+        </p:blipFill>
+        <p:spPr>
+          <a:xfrm>
+            <a:off x="1667510" y="4361180"/>
+            <a:ext cx="4652645" cy="606425"/>
+          </a:xfrm>
+          <a:prstGeom prst="rect">
+            <a:avLst/>
+          </a:prstGeom>
+        </p:spPr>
+      </p:pic>
+      <p:pic>
+        <p:nvPicPr>
+          <p:cNvPr id="13" name="图片 12"/>
+          <p:cNvPicPr>
+            <a:picLocks noChangeAspect="1"/>
+          </p:cNvPicPr>
+          <p:nvPr/>
+        </p:nvPicPr>
+        <p:blipFill>
+          <a:blip r:embed="rId6"/>
+          <a:srcRect t="8452" r="-837"/>
+          <a:stretch>
+            <a:fillRect/>
+          </a:stretch>
+        </p:blipFill>
+        <p:spPr>
+          <a:xfrm>
+            <a:off x="0" y="-161137"/>
+            <a:ext cx="12155365" cy="7019137"/>
+          </a:xfrm>
+          <a:prstGeom prst="rect">
+            <a:avLst/>
+          </a:prstGeom>
+        </p:spPr>
+      </p:pic>
     </p:spTree>
   </p:cSld>
   <p:clrMapOvr>
@@ -8869,7 +8301,7 @@
         </p:nvSpPr>
         <p:spPr>
           <a:xfrm>
-            <a:off x="515938" y="560070"/>
+            <a:off x="515938" y="257175"/>
             <a:ext cx="3065780" cy="645160"/>
           </a:xfrm>
           <a:prstGeom prst="rect">
@@ -8927,6 +8359,248 @@
           </a:p>
         </p:txBody>
       </p:sp>
+      <p:pic>
+        <p:nvPicPr>
+          <p:cNvPr id="12" name="图片 11" descr="output3"/>
+          <p:cNvPicPr>
+            <a:picLocks noChangeAspect="1"/>
+          </p:cNvPicPr>
+          <p:nvPr/>
+        </p:nvPicPr>
+        <p:blipFill>
+          <a:blip r:embed="rId4"/>
+          <a:stretch>
+            <a:fillRect/>
+          </a:stretch>
+        </p:blipFill>
+        <p:spPr>
+          <a:xfrm>
+            <a:off x="515938" y="1721247"/>
+            <a:ext cx="6124705" cy="3753199"/>
+          </a:xfrm>
+          <a:prstGeom prst="rect">
+            <a:avLst/>
+          </a:prstGeom>
+        </p:spPr>
+      </p:pic>
+      <p:sp>
+        <p:nvSpPr>
+          <p:cNvPr id="14" name="文本框 13"/>
+          <p:cNvSpPr txBox="1"/>
+          <p:nvPr/>
+        </p:nvSpPr>
+        <p:spPr>
+          <a:xfrm>
+            <a:off x="1311275" y="1017270"/>
+            <a:ext cx="2219325" cy="391160"/>
+          </a:xfrm>
+          <a:prstGeom prst="rect">
+            <a:avLst/>
+          </a:prstGeom>
+        </p:spPr>
+        <p:txBody>
+          <a:bodyPr>
+            <a:noAutofit/>
+          </a:bodyPr>
+          <a:lstStyle/>
+          <a:p>
+            <a:pPr marL="0" indent="0">
+              <a:spcAft>
+                <a:spcPct val="60000"/>
+              </a:spcAft>
+            </a:pPr>
+            <a:r>
+              <a:rPr lang="en-US" altLang="zh-CN" sz="2400" b="0" i="0">
+                <a:solidFill>
+                  <a:srgbClr val="191B1F"/>
+                </a:solidFill>
+                <a:latin typeface="Times New Roman" panose="02020603050405020304" charset="0"/>
+                <a:ea typeface="微软雅黑" panose="020B0503020204020204" pitchFamily="34" charset="-122"/>
+                <a:cs typeface="Times New Roman" panose="02020603050405020304" charset="0"/>
+              </a:rPr>
+              <a:t>AmoebaNet</a:t>
+            </a:r>
+            <a:endParaRPr lang="en-US" altLang="zh-CN" sz="2400" b="0" i="0">
+              <a:solidFill>
+                <a:srgbClr val="191B1F"/>
+              </a:solidFill>
+              <a:latin typeface="Times New Roman" panose="02020603050405020304" charset="0"/>
+              <a:ea typeface="微软雅黑" panose="020B0503020204020204" pitchFamily="34" charset="-122"/>
+              <a:cs typeface="Times New Roman" panose="02020603050405020304" charset="0"/>
+            </a:endParaRPr>
+          </a:p>
+        </p:txBody>
+      </p:sp>
+      <p:pic>
+        <p:nvPicPr>
+          <p:cNvPr id="15" name="图片 14" descr="output"/>
+          <p:cNvPicPr>
+            <a:picLocks noChangeAspect="1"/>
+          </p:cNvPicPr>
+          <p:nvPr/>
+        </p:nvPicPr>
+        <p:blipFill>
+          <a:blip r:embed="rId5"/>
+          <a:stretch>
+            <a:fillRect/>
+          </a:stretch>
+        </p:blipFill>
+        <p:spPr>
+          <a:xfrm>
+            <a:off x="7261527" y="1114259"/>
+            <a:ext cx="3738245" cy="5367020"/>
+          </a:xfrm>
+          <a:prstGeom prst="rect">
+            <a:avLst/>
+          </a:prstGeom>
+        </p:spPr>
+      </p:pic>
+    </p:spTree>
+  </p:cSld>
+  <p:clrMapOvr>
+    <a:masterClrMapping/>
+  </p:clrMapOvr>
+</p:sld>
+</file>
+
+<file path=ppt/slides/slide7.xml><?xml version="1.0" encoding="utf-8"?>
+<p:sld xmlns:a="http://schemas.openxmlformats.org/drawingml/2006/main" xmlns:r="http://schemas.openxmlformats.org/officeDocument/2006/relationships" xmlns:p="http://schemas.openxmlformats.org/presentationml/2006/main">
+  <p:cSld>
+    <p:spTree>
+      <p:nvGrpSpPr>
+        <p:cNvPr id="1" name=""/>
+        <p:cNvGrpSpPr/>
+        <p:nvPr/>
+      </p:nvGrpSpPr>
+      <p:grpSpPr>
+        <a:xfrm>
+          <a:off x="0" y="0"/>
+          <a:ext cx="0" cy="0"/>
+          <a:chOff x="0" y="0"/>
+          <a:chExt cx="0" cy="0"/>
+        </a:xfrm>
+      </p:grpSpPr>
+      <p:pic>
+        <p:nvPicPr>
+          <p:cNvPr id="2" name="图片 1"/>
+          <p:cNvPicPr>
+            <a:picLocks noChangeAspect="1"/>
+          </p:cNvPicPr>
+          <p:nvPr/>
+        </p:nvPicPr>
+        <p:blipFill rotWithShape="1">
+          <a:blip r:embed="rId1"/>
+          <a:srcRect b="30952"/>
+          <a:stretch>
+            <a:fillRect/>
+          </a:stretch>
+        </p:blipFill>
+        <p:spPr>
+          <a:xfrm>
+            <a:off x="684872" y="5309554"/>
+            <a:ext cx="10548455" cy="1598339"/>
+          </a:xfrm>
+          <a:prstGeom prst="rect">
+            <a:avLst/>
+          </a:prstGeom>
+        </p:spPr>
+      </p:pic>
+      <p:pic>
+        <p:nvPicPr>
+          <p:cNvPr id="8" name="图形 7"/>
+          <p:cNvPicPr>
+            <a:picLocks noChangeAspect="1"/>
+          </p:cNvPicPr>
+          <p:nvPr/>
+        </p:nvPicPr>
+        <p:blipFill>
+          <a:blip r:embed="rId2">
+            <a:extLst>
+              <a:ext uri="{96DAC541-7B7A-43D3-8B79-37D633B846F1}">
+                <asvg:svgBlip xmlns:asvg="http://schemas.microsoft.com/office/drawing/2016/SVG/main" r:embed="rId3"/>
+              </a:ext>
+            </a:extLst>
+          </a:blip>
+          <a:stretch>
+            <a:fillRect/>
+          </a:stretch>
+        </p:blipFill>
+        <p:spPr>
+          <a:xfrm>
+            <a:off x="8618952" y="469432"/>
+            <a:ext cx="3057110" cy="561730"/>
+          </a:xfrm>
+          <a:prstGeom prst="rect">
+            <a:avLst/>
+          </a:prstGeom>
+        </p:spPr>
+      </p:pic>
+      <p:sp>
+        <p:nvSpPr>
+          <p:cNvPr id="9" name="文本框 8"/>
+          <p:cNvSpPr txBox="1"/>
+          <p:nvPr/>
+        </p:nvSpPr>
+        <p:spPr>
+          <a:xfrm>
+            <a:off x="515938" y="560070"/>
+            <a:ext cx="3065780" cy="645160"/>
+          </a:xfrm>
+          <a:prstGeom prst="rect">
+            <a:avLst/>
+          </a:prstGeom>
+          <a:noFill/>
+        </p:spPr>
+        <p:txBody>
+          <a:bodyPr wrap="none" rtlCol="0">
+            <a:spAutoFit/>
+          </a:bodyPr>
+          <a:lstStyle/>
+          <a:p>
+            <a:pPr marL="0" marR="0" lvl="0" indent="0" algn="l" defTabSz="914400" rtl="0" eaLnBrk="1" fontAlgn="auto" latinLnBrk="0" hangingPunct="1">
+              <a:lnSpc>
+                <a:spcPct val="100000"/>
+              </a:lnSpc>
+              <a:spcBef>
+                <a:spcPts val="0"/>
+              </a:spcBef>
+              <a:spcAft>
+                <a:spcPts val="0"/>
+              </a:spcAft>
+              <a:buClrTx/>
+              <a:buSzTx/>
+              <a:buFontTx/>
+              <a:buNone/>
+              <a:defRPr/>
+            </a:pPr>
+            <a:r>
+              <a:rPr lang="en-US" altLang="zh-CN" sz="3600" spc="300" dirty="0">
+                <a:solidFill>
+                  <a:srgbClr val="003F43"/>
+                </a:solidFill>
+                <a:latin typeface="Times New Roman" panose="02020603050405020304" charset="0"/>
+                <a:ea typeface="思源黑体 CN Bold" panose="020B0800000000000000" pitchFamily="34" charset="-122"/>
+                <a:cs typeface="Times New Roman" panose="02020603050405020304" charset="0"/>
+              </a:rPr>
+              <a:t>Methodology</a:t>
+            </a:r>
+            <a:endParaRPr kumimoji="0" lang="en-US" altLang="zh-CN" sz="3600" b="0" i="0" u="none" strike="noStrike" kern="1200" cap="none" spc="300" normalizeH="0" baseline="0" noProof="0" dirty="0">
+              <a:ln>
+                <a:noFill/>
+              </a:ln>
+              <a:solidFill>
+                <a:srgbClr val="003F43"/>
+              </a:solidFill>
+              <a:effectLst/>
+              <a:uLnTx/>
+              <a:uFillTx/>
+              <a:latin typeface="Times New Roman" panose="02020603050405020304" charset="0"/>
+              <a:ea typeface="思源黑体 CN Bold" panose="020B0800000000000000" pitchFamily="34" charset="-122"/>
+              <a:cs typeface="Times New Roman" panose="02020603050405020304" charset="0"/>
+            </a:endParaRPr>
+          </a:p>
+        </p:txBody>
+      </p:sp>
       <p:sp>
         <p:nvSpPr>
           <p:cNvPr id="6" name="文本框 5"/>
@@ -8935,8 +8609,8 @@
         </p:nvSpPr>
         <p:spPr>
           <a:xfrm>
-            <a:off x="1034251" y="1620720"/>
-            <a:ext cx="5181600" cy="3215005"/>
+            <a:off x="515938" y="1246495"/>
+            <a:ext cx="5181600" cy="4059894"/>
           </a:xfrm>
           <a:prstGeom prst="rect">
             <a:avLst/>
@@ -8949,16 +8623,21 @@
           </a:bodyPr>
           <a:lstStyle/>
           <a:p>
-            <a:pPr marL="457200" lvl="0" indent="-457200">
-              <a:lnSpc>
-                <a:spcPct val="150000"/>
-              </a:lnSpc>
-              <a:spcBef>
-                <a:spcPts val="1200"/>
-              </a:spcBef>
+            <a:endParaRPr lang="en-US" altLang="zh-CN" sz="2800" dirty="0">
+              <a:solidFill>
+                <a:schemeClr val="bg2">
+                  <a:lumMod val="10000"/>
+                </a:schemeClr>
+              </a:solidFill>
+              <a:latin typeface="Times New Roman" panose="02020603050405020304" charset="0"/>
+              <a:ea typeface="思源黑体 CN Bold" panose="020B0800000000000000"/>
+              <a:cs typeface="Times New Roman" panose="02020603050405020304" charset="0"/>
+            </a:endParaRPr>
+          </a:p>
+          <a:p>
+            <a:pPr marL="457200" indent="-457200">
               <a:buFont typeface="Arial" panose="020B0604020202020204" pitchFamily="34" charset="0"/>
               <a:buChar char="•"/>
-              <a:defRPr/>
             </a:pPr>
             <a:r>
               <a:rPr lang="en-US" altLang="zh-CN" sz="2800" dirty="0">
@@ -8971,10 +8650,123 @@
                 <a:ea typeface="思源黑体 CN Bold" panose="020B0800000000000000"/>
                 <a:cs typeface="Times New Roman" panose="02020603050405020304" charset="0"/>
               </a:rPr>
-              <a:t>Representation</a:t>
-            </a:r>
-            <a:r>
-              <a:rPr lang="en-US" altLang="zh-CN" sz="2800" b="1" dirty="0">
+              <a:t>Crossover:</a:t>
+            </a:r>
+            <a:endParaRPr lang="en-US" altLang="zh-CN" sz="2800" dirty="0">
+              <a:solidFill>
+                <a:schemeClr val="bg2">
+                  <a:lumMod val="10000"/>
+                </a:schemeClr>
+              </a:solidFill>
+              <a:latin typeface="Times New Roman" panose="02020603050405020304" charset="0"/>
+              <a:ea typeface="思源黑体 CN Bold" panose="020B0800000000000000"/>
+              <a:cs typeface="Times New Roman" panose="02020603050405020304" charset="0"/>
+            </a:endParaRPr>
+          </a:p>
+          <a:p>
+            <a:pPr marL="457200" indent="-457200">
+              <a:buFont typeface="Arial" panose="020B0604020202020204" pitchFamily="34" charset="0"/>
+              <a:buChar char="•"/>
+            </a:pPr>
+            <a:endParaRPr lang="en-US" altLang="zh-CN" sz="2800" dirty="0">
+              <a:solidFill>
+                <a:schemeClr val="bg2">
+                  <a:lumMod val="10000"/>
+                </a:schemeClr>
+              </a:solidFill>
+              <a:latin typeface="Times New Roman" panose="02020603050405020304" charset="0"/>
+              <a:ea typeface="思源黑体 CN Bold" panose="020B0800000000000000"/>
+              <a:cs typeface="Times New Roman" panose="02020603050405020304" charset="0"/>
+            </a:endParaRPr>
+          </a:p>
+          <a:p>
+            <a:pPr marL="457200" indent="-457200">
+              <a:buFont typeface="Arial" panose="020B0604020202020204" pitchFamily="34" charset="0"/>
+              <a:buChar char="•"/>
+            </a:pPr>
+            <a:endParaRPr lang="en-US" altLang="zh-CN" sz="2800" dirty="0">
+              <a:solidFill>
+                <a:schemeClr val="bg2">
+                  <a:lumMod val="10000"/>
+                </a:schemeClr>
+              </a:solidFill>
+              <a:latin typeface="Times New Roman" panose="02020603050405020304" charset="0"/>
+              <a:ea typeface="思源黑体 CN Bold" panose="020B0800000000000000"/>
+              <a:cs typeface="Times New Roman" panose="02020603050405020304" charset="0"/>
+            </a:endParaRPr>
+          </a:p>
+          <a:p>
+            <a:pPr marL="457200" indent="-457200">
+              <a:buFont typeface="Arial" panose="020B0604020202020204" pitchFamily="34" charset="0"/>
+              <a:buChar char="•"/>
+            </a:pPr>
+            <a:endParaRPr lang="en-US" altLang="zh-CN" sz="2800" dirty="0">
+              <a:solidFill>
+                <a:schemeClr val="bg2">
+                  <a:lumMod val="10000"/>
+                </a:schemeClr>
+              </a:solidFill>
+              <a:latin typeface="Times New Roman" panose="02020603050405020304" charset="0"/>
+              <a:ea typeface="思源黑体 CN Bold" panose="020B0800000000000000"/>
+              <a:cs typeface="Times New Roman" panose="02020603050405020304" charset="0"/>
+              <a:sym typeface="+mn-ea"/>
+            </a:endParaRPr>
+          </a:p>
+          <a:p>
+            <a:pPr marL="457200" indent="-457200">
+              <a:buFont typeface="Arial" panose="020B0604020202020204" pitchFamily="34" charset="0"/>
+              <a:buChar char="•"/>
+            </a:pPr>
+            <a:endParaRPr lang="en-US" altLang="zh-CN" sz="2800" dirty="0">
+              <a:solidFill>
+                <a:schemeClr val="bg2">
+                  <a:lumMod val="10000"/>
+                </a:schemeClr>
+              </a:solidFill>
+              <a:latin typeface="Times New Roman" panose="02020603050405020304" charset="0"/>
+              <a:ea typeface="思源黑体 CN Bold" panose="020B0800000000000000"/>
+              <a:cs typeface="Times New Roman" panose="02020603050405020304" charset="0"/>
+              <a:sym typeface="+mn-ea"/>
+            </a:endParaRPr>
+          </a:p>
+          <a:p>
+            <a:pPr marL="457200" indent="-457200">
+              <a:buFont typeface="Arial" panose="020B0604020202020204" pitchFamily="34" charset="0"/>
+              <a:buChar char="•"/>
+            </a:pPr>
+            <a:endParaRPr lang="en-US" altLang="zh-CN" sz="2800" dirty="0">
+              <a:solidFill>
+                <a:schemeClr val="bg2">
+                  <a:lumMod val="10000"/>
+                </a:schemeClr>
+              </a:solidFill>
+              <a:latin typeface="Times New Roman" panose="02020603050405020304" charset="0"/>
+              <a:ea typeface="思源黑体 CN Bold" panose="020B0800000000000000"/>
+              <a:cs typeface="Times New Roman" panose="02020603050405020304" charset="0"/>
+              <a:sym typeface="+mn-ea"/>
+            </a:endParaRPr>
+          </a:p>
+          <a:p>
+            <a:pPr marL="457200" indent="-457200">
+              <a:buFont typeface="Arial" panose="020B0604020202020204" pitchFamily="34" charset="0"/>
+              <a:buChar char="•"/>
+            </a:pPr>
+            <a:r>
+              <a:rPr lang="en-US" altLang="zh-CN" sz="2800" dirty="0">
+                <a:solidFill>
+                  <a:schemeClr val="bg2">
+                    <a:lumMod val="10000"/>
+                  </a:schemeClr>
+                </a:solidFill>
+                <a:latin typeface="Times New Roman" panose="02020603050405020304" charset="0"/>
+                <a:ea typeface="思源黑体 CN Bold" panose="020B0800000000000000"/>
+                <a:cs typeface="Times New Roman" panose="02020603050405020304" charset="0"/>
+                <a:sym typeface="+mn-ea"/>
+              </a:rPr>
+              <a:t>Mutation</a:t>
+            </a:r>
+            <a:r>
+              <a:rPr lang="zh-CN" altLang="en-US" sz="2800" dirty="0">
                 <a:solidFill>
                   <a:schemeClr val="bg2">
                     <a:lumMod val="10000"/>
@@ -8984,126 +8776,7 @@
                 <a:ea typeface="思源黑体 CN Bold" panose="020B0800000000000000"/>
                 <a:cs typeface="Times New Roman" panose="02020603050405020304" charset="0"/>
               </a:rPr>
-              <a:t>:</a:t>
-            </a:r>
-            <a:endParaRPr lang="en-US" altLang="zh-CN" sz="2800" b="1" dirty="0">
-              <a:solidFill>
-                <a:schemeClr val="bg2">
-                  <a:lumMod val="10000"/>
-                </a:schemeClr>
-              </a:solidFill>
-              <a:latin typeface="Times New Roman" panose="02020603050405020304" charset="0"/>
-              <a:ea typeface="思源黑体 CN Bold" panose="020B0800000000000000"/>
-              <a:cs typeface="Times New Roman" panose="02020603050405020304" charset="0"/>
-            </a:endParaRPr>
-          </a:p>
-          <a:p>
-            <a:pPr lvl="1"/>
-            <a:r>
-              <a:rPr lang="en-US" altLang="zh-CN" sz="2400" dirty="0">
-                <a:solidFill>
-                  <a:schemeClr val="bg2">
-                    <a:lumMod val="10000"/>
-                  </a:schemeClr>
-                </a:solidFill>
-                <a:latin typeface="Times New Roman" panose="02020603050405020304" charset="0"/>
-                <a:ea typeface="思源黑体 CN Bold" panose="020B0800000000000000"/>
-                <a:cs typeface="Times New Roman" panose="02020603050405020304" charset="0"/>
-              </a:rPr>
-              <a:t>  0 → 1×1 Convolution</a:t>
-            </a:r>
-            <a:endParaRPr lang="en-US" altLang="zh-CN" sz="2400" dirty="0">
-              <a:solidFill>
-                <a:schemeClr val="bg2">
-                  <a:lumMod val="10000"/>
-                </a:schemeClr>
-              </a:solidFill>
-              <a:latin typeface="Times New Roman" panose="02020603050405020304" charset="0"/>
-              <a:ea typeface="思源黑体 CN Bold" panose="020B0800000000000000"/>
-              <a:cs typeface="Times New Roman" panose="02020603050405020304" charset="0"/>
-            </a:endParaRPr>
-          </a:p>
-          <a:p>
-            <a:pPr lvl="1"/>
-            <a:r>
-              <a:rPr lang="en-US" altLang="zh-CN" sz="2400" dirty="0">
-                <a:solidFill>
-                  <a:schemeClr val="bg2">
-                    <a:lumMod val="10000"/>
-                  </a:schemeClr>
-                </a:solidFill>
-                <a:latin typeface="Times New Roman" panose="02020603050405020304" charset="0"/>
-                <a:ea typeface="思源黑体 CN Bold" panose="020B0800000000000000"/>
-                <a:cs typeface="Times New Roman" panose="02020603050405020304" charset="0"/>
-              </a:rPr>
-              <a:t>  1 → 3×3 Convolution</a:t>
-            </a:r>
-            <a:endParaRPr lang="en-US" altLang="zh-CN" sz="2400" dirty="0">
-              <a:solidFill>
-                <a:schemeClr val="bg2">
-                  <a:lumMod val="10000"/>
-                </a:schemeClr>
-              </a:solidFill>
-              <a:latin typeface="Times New Roman" panose="02020603050405020304" charset="0"/>
-              <a:ea typeface="思源黑体 CN Bold" panose="020B0800000000000000"/>
-              <a:cs typeface="Times New Roman" panose="02020603050405020304" charset="0"/>
-            </a:endParaRPr>
-          </a:p>
-          <a:p>
-            <a:pPr lvl="1"/>
-            <a:r>
-              <a:rPr lang="en-US" altLang="zh-CN" sz="2400" dirty="0">
-                <a:solidFill>
-                  <a:schemeClr val="bg2">
-                    <a:lumMod val="10000"/>
-                  </a:schemeClr>
-                </a:solidFill>
-                <a:latin typeface="Times New Roman" panose="02020603050405020304" charset="0"/>
-                <a:ea typeface="思源黑体 CN Bold" panose="020B0800000000000000"/>
-                <a:cs typeface="Times New Roman" panose="02020603050405020304" charset="0"/>
-              </a:rPr>
-              <a:t>  2 → 3×3 Max Pooling</a:t>
-            </a:r>
-            <a:endParaRPr lang="en-US" altLang="zh-CN" sz="2400" dirty="0">
-              <a:solidFill>
-                <a:schemeClr val="bg2">
-                  <a:lumMod val="10000"/>
-                </a:schemeClr>
-              </a:solidFill>
-              <a:latin typeface="思源黑体 CN Regular"/>
-              <a:ea typeface="思源黑体 CN Bold" panose="020B0800000000000000"/>
-              <a:cs typeface="Calibri" panose="020F0502020204030204" pitchFamily="34" charset="0"/>
-            </a:endParaRPr>
-          </a:p>
-          <a:p>
-            <a:endParaRPr lang="en-US" altLang="zh-CN" sz="2400" dirty="0">
-              <a:solidFill>
-                <a:schemeClr val="bg2">
-                  <a:lumMod val="10000"/>
-                </a:schemeClr>
-              </a:solidFill>
-              <a:latin typeface="思源黑体 CN Regular"/>
-              <a:ea typeface="思源黑体 CN Bold" panose="020B0800000000000000"/>
-              <a:cs typeface="Calibri" panose="020F0502020204030204" pitchFamily="34" charset="0"/>
-            </a:endParaRPr>
-          </a:p>
-          <a:p>
-            <a:pPr marL="457200" indent="-457200">
-              <a:buFont typeface="Arial" panose="020B0604020202020204" pitchFamily="34" charset="0"/>
-              <a:buChar char="•"/>
-            </a:pPr>
-            <a:r>
-              <a:rPr lang="en-US" altLang="zh-CN" sz="2800" dirty="0">
-                <a:solidFill>
-                  <a:schemeClr val="bg2">
-                    <a:lumMod val="10000"/>
-                  </a:schemeClr>
-                </a:solidFill>
-                <a:latin typeface="Times New Roman" panose="02020603050405020304" charset="0"/>
-                <a:ea typeface="思源黑体 CN Bold" panose="020B0800000000000000"/>
-                <a:cs typeface="Times New Roman" panose="02020603050405020304" charset="0"/>
-              </a:rPr>
-              <a:t>Fitness:</a:t>
+              <a:t>：</a:t>
             </a:r>
             <a:endParaRPr lang="en-US" altLang="zh-CN" sz="2800" dirty="0">
               <a:solidFill>
@@ -9137,65 +8810,9 @@
           </a:p>
         </p:txBody>
       </p:sp>
-      <p:sp>
-        <p:nvSpPr>
-          <p:cNvPr id="3" name="文本框 2"/>
-          <p:cNvSpPr txBox="1"/>
-          <p:nvPr/>
-        </p:nvSpPr>
-        <p:spPr>
-          <a:xfrm>
-            <a:off x="6847205" y="4251960"/>
-            <a:ext cx="2679700" cy="583565"/>
-          </a:xfrm>
-          <a:prstGeom prst="rect">
-            <a:avLst/>
-          </a:prstGeom>
-          <a:noFill/>
-        </p:spPr>
-        <p:txBody>
-          <a:bodyPr wrap="square">
-            <a:noAutofit/>
-          </a:bodyPr>
-          <a:lstStyle/>
-          <a:p>
-            <a:pPr algn="ctr"/>
-            <a:r>
-              <a:rPr lang="en-US" altLang="zh-CN" sz="1600" dirty="0">
-                <a:solidFill>
-                  <a:srgbClr val="06383C"/>
-                </a:solidFill>
-                <a:latin typeface="Times New Roman" panose="02020603050405020304" charset="0"/>
-                <a:ea typeface="思源黑体 CN Bold" panose="020B0800000000000000"/>
-                <a:cs typeface="Times New Roman" panose="02020603050405020304" charset="0"/>
-              </a:rPr>
-              <a:t>Adjacency Matrix and operation vector</a:t>
-            </a:r>
-            <a:r>
-              <a:rPr lang="en-US" altLang="zh-CN" sz="1600" dirty="0">
-                <a:solidFill>
-                  <a:srgbClr val="06383C"/>
-                </a:solidFill>
-                <a:latin typeface="微软雅黑" panose="020B0503020204020204" pitchFamily="34" charset="-122"/>
-                <a:ea typeface="思源黑体 CN Bold" panose="020B0800000000000000"/>
-                <a:cs typeface="Open Sans" panose="020B0606030504020204" pitchFamily="34" charset="0"/>
-              </a:rPr>
-              <a:t> </a:t>
-            </a:r>
-            <a:endParaRPr lang="en-US" altLang="zh-CN" sz="1600" dirty="0">
-              <a:solidFill>
-                <a:srgbClr val="06383C"/>
-              </a:solidFill>
-              <a:latin typeface="微软雅黑" panose="020B0503020204020204" pitchFamily="34" charset="-122"/>
-              <a:ea typeface="思源黑体 CN Bold" panose="020B0800000000000000"/>
-              <a:cs typeface="Open Sans" panose="020B0606030504020204" pitchFamily="34" charset="0"/>
-            </a:endParaRPr>
-          </a:p>
-        </p:txBody>
-      </p:sp>
       <p:pic>
         <p:nvPicPr>
-          <p:cNvPr id="4" name="图片 3"/>
+          <p:cNvPr id="12" name="图片 11"/>
           <p:cNvPicPr>
             <a:picLocks noChangeAspect="1"/>
           </p:cNvPicPr>
@@ -9209,62 +8826,17 @@
         </p:blipFill>
         <p:spPr>
           <a:xfrm>
-            <a:off x="7166610" y="1894840"/>
-            <a:ext cx="4347845" cy="2252980"/>
+            <a:off x="985000" y="4822509"/>
+            <a:ext cx="2286635" cy="525145"/>
           </a:xfrm>
           <a:prstGeom prst="rect">
             <a:avLst/>
           </a:prstGeom>
         </p:spPr>
       </p:pic>
-      <p:sp>
-        <p:nvSpPr>
-          <p:cNvPr id="7" name="文本框 6"/>
-          <p:cNvSpPr txBox="1"/>
-          <p:nvPr/>
-        </p:nvSpPr>
-        <p:spPr>
-          <a:xfrm>
-            <a:off x="9448800" y="4251960"/>
-            <a:ext cx="1784350" cy="583565"/>
-          </a:xfrm>
-          <a:prstGeom prst="rect">
-            <a:avLst/>
-          </a:prstGeom>
-          <a:noFill/>
-        </p:spPr>
-        <p:txBody>
-          <a:bodyPr wrap="square">
-            <a:noAutofit/>
-          </a:bodyPr>
-          <a:lstStyle/>
-          <a:p>
-            <a:pPr algn="ctr"/>
-            <a:r>
-              <a:rPr lang="en-US" altLang="zh-CN" sz="1600" dirty="0">
-                <a:solidFill>
-                  <a:srgbClr val="06383C"/>
-                </a:solidFill>
-                <a:latin typeface="Times New Roman" panose="02020603050405020304" charset="0"/>
-                <a:ea typeface="思源黑体 CN Bold" panose="020B0800000000000000"/>
-                <a:cs typeface="Times New Roman" panose="02020603050405020304" charset="0"/>
-              </a:rPr>
-              <a:t>Cell DAG Visualization</a:t>
-            </a:r>
-            <a:endParaRPr lang="en-US" altLang="zh-CN" sz="1600" dirty="0">
-              <a:solidFill>
-                <a:srgbClr val="06383C"/>
-              </a:solidFill>
-              <a:latin typeface="Times New Roman" panose="02020603050405020304" charset="0"/>
-              <a:ea typeface="思源黑体 CN Bold" panose="020B0800000000000000"/>
-              <a:cs typeface="Times New Roman" panose="02020603050405020304" charset="0"/>
-            </a:endParaRPr>
-          </a:p>
-        </p:txBody>
-      </p:sp>
       <p:pic>
         <p:nvPicPr>
-          <p:cNvPr id="10" name="图片 9"/>
+          <p:cNvPr id="13" name="图片 12"/>
           <p:cNvPicPr>
             <a:picLocks noChangeAspect="1"/>
           </p:cNvPicPr>
@@ -9272,15 +8844,86 @@
         </p:nvPicPr>
         <p:blipFill>
           <a:blip r:embed="rId5"/>
-          <a:srcRect r="3009" b="4016"/>
           <a:stretch>
             <a:fillRect/>
           </a:stretch>
         </p:blipFill>
         <p:spPr>
           <a:xfrm>
-            <a:off x="1667510" y="4361180"/>
-            <a:ext cx="4652645" cy="606425"/>
+            <a:off x="416357" y="5443930"/>
+            <a:ext cx="3423920" cy="532765"/>
+          </a:xfrm>
+          <a:prstGeom prst="rect">
+            <a:avLst/>
+          </a:prstGeom>
+        </p:spPr>
+      </p:pic>
+      <p:pic>
+        <p:nvPicPr>
+          <p:cNvPr id="4" name="图片 3"/>
+          <p:cNvPicPr>
+            <a:picLocks noChangeAspect="1"/>
+          </p:cNvPicPr>
+          <p:nvPr/>
+        </p:nvPicPr>
+        <p:blipFill>
+          <a:blip r:embed="rId6"/>
+          <a:stretch>
+            <a:fillRect/>
+          </a:stretch>
+        </p:blipFill>
+        <p:spPr>
+          <a:xfrm>
+            <a:off x="515938" y="2121977"/>
+            <a:ext cx="3568065" cy="1008380"/>
+          </a:xfrm>
+          <a:prstGeom prst="rect">
+            <a:avLst/>
+          </a:prstGeom>
+        </p:spPr>
+      </p:pic>
+      <p:pic>
+        <p:nvPicPr>
+          <p:cNvPr id="7" name="图片 6"/>
+          <p:cNvPicPr>
+            <a:picLocks noChangeAspect="1"/>
+          </p:cNvPicPr>
+          <p:nvPr/>
+        </p:nvPicPr>
+        <p:blipFill>
+          <a:blip r:embed="rId7"/>
+          <a:stretch>
+            <a:fillRect/>
+          </a:stretch>
+        </p:blipFill>
+        <p:spPr>
+          <a:xfrm>
+            <a:off x="586437" y="3226633"/>
+            <a:ext cx="3333115" cy="1114425"/>
+          </a:xfrm>
+          <a:prstGeom prst="rect">
+            <a:avLst/>
+          </a:prstGeom>
+        </p:spPr>
+      </p:pic>
+      <p:pic>
+        <p:nvPicPr>
+          <p:cNvPr id="5" name="图片 4"/>
+          <p:cNvPicPr>
+            <a:picLocks noChangeAspect="1"/>
+          </p:cNvPicPr>
+          <p:nvPr/>
+        </p:nvPicPr>
+        <p:blipFill>
+          <a:blip r:embed="rId8"/>
+          <a:stretch>
+            <a:fillRect/>
+          </a:stretch>
+        </p:blipFill>
+        <p:spPr>
+          <a:xfrm>
+            <a:off x="3852162" y="1085311"/>
+            <a:ext cx="8339838" cy="5397067"/>
           </a:xfrm>
           <a:prstGeom prst="rect">
             <a:avLst/>
@@ -9373,254 +9016,6 @@
 </p:sld>
 </file>
 
-<file path=ppt/slides/slide7.xml><?xml version="1.0" encoding="utf-8"?>
-<p:sld xmlns:a="http://schemas.openxmlformats.org/drawingml/2006/main" xmlns:r="http://schemas.openxmlformats.org/officeDocument/2006/relationships" xmlns:p="http://schemas.openxmlformats.org/presentationml/2006/main">
-  <p:cSld>
-    <p:spTree>
-      <p:nvGrpSpPr>
-        <p:cNvPr id="1" name=""/>
-        <p:cNvGrpSpPr/>
-        <p:nvPr/>
-      </p:nvGrpSpPr>
-      <p:grpSpPr>
-        <a:xfrm>
-          <a:off x="0" y="0"/>
-          <a:ext cx="0" cy="0"/>
-          <a:chOff x="0" y="0"/>
-          <a:chExt cx="0" cy="0"/>
-        </a:xfrm>
-      </p:grpSpPr>
-      <p:pic>
-        <p:nvPicPr>
-          <p:cNvPr id="2" name="图片 1"/>
-          <p:cNvPicPr>
-            <a:picLocks noChangeAspect="1"/>
-          </p:cNvPicPr>
-          <p:nvPr/>
-        </p:nvPicPr>
-        <p:blipFill rotWithShape="1">
-          <a:blip r:embed="rId1"/>
-          <a:srcRect b="30952"/>
-          <a:stretch>
-            <a:fillRect/>
-          </a:stretch>
-        </p:blipFill>
-        <p:spPr>
-          <a:xfrm>
-            <a:off x="684872" y="5309554"/>
-            <a:ext cx="10548455" cy="1598339"/>
-          </a:xfrm>
-          <a:prstGeom prst="rect">
-            <a:avLst/>
-          </a:prstGeom>
-        </p:spPr>
-      </p:pic>
-      <p:pic>
-        <p:nvPicPr>
-          <p:cNvPr id="8" name="图形 7"/>
-          <p:cNvPicPr>
-            <a:picLocks noChangeAspect="1"/>
-          </p:cNvPicPr>
-          <p:nvPr/>
-        </p:nvPicPr>
-        <p:blipFill>
-          <a:blip r:embed="rId2">
-            <a:extLst>
-              <a:ext uri="{96DAC541-7B7A-43D3-8B79-37D633B846F1}">
-                <asvg:svgBlip xmlns:asvg="http://schemas.microsoft.com/office/drawing/2016/SVG/main" r:embed="rId3"/>
-              </a:ext>
-            </a:extLst>
-          </a:blip>
-          <a:stretch>
-            <a:fillRect/>
-          </a:stretch>
-        </p:blipFill>
-        <p:spPr>
-          <a:xfrm>
-            <a:off x="8618952" y="469432"/>
-            <a:ext cx="3057110" cy="561730"/>
-          </a:xfrm>
-          <a:prstGeom prst="rect">
-            <a:avLst/>
-          </a:prstGeom>
-        </p:spPr>
-      </p:pic>
-      <p:sp>
-        <p:nvSpPr>
-          <p:cNvPr id="9" name="文本框 8"/>
-          <p:cNvSpPr txBox="1"/>
-          <p:nvPr/>
-        </p:nvSpPr>
-        <p:spPr>
-          <a:xfrm>
-            <a:off x="515938" y="257175"/>
-            <a:ext cx="3065780" cy="645160"/>
-          </a:xfrm>
-          <a:prstGeom prst="rect">
-            <a:avLst/>
-          </a:prstGeom>
-          <a:noFill/>
-        </p:spPr>
-        <p:txBody>
-          <a:bodyPr wrap="none" rtlCol="0">
-            <a:spAutoFit/>
-          </a:bodyPr>
-          <a:lstStyle/>
-          <a:p>
-            <a:pPr marL="0" marR="0" lvl="0" indent="0" algn="l" defTabSz="914400" rtl="0" eaLnBrk="1" fontAlgn="auto" latinLnBrk="0" hangingPunct="1">
-              <a:lnSpc>
-                <a:spcPct val="100000"/>
-              </a:lnSpc>
-              <a:spcBef>
-                <a:spcPts val="0"/>
-              </a:spcBef>
-              <a:spcAft>
-                <a:spcPts val="0"/>
-              </a:spcAft>
-              <a:buClrTx/>
-              <a:buSzTx/>
-              <a:buFontTx/>
-              <a:buNone/>
-              <a:defRPr/>
-            </a:pPr>
-            <a:r>
-              <a:rPr lang="en-US" altLang="zh-CN" sz="3600" spc="300" dirty="0">
-                <a:solidFill>
-                  <a:srgbClr val="003F43"/>
-                </a:solidFill>
-                <a:latin typeface="Times New Roman" panose="02020603050405020304" charset="0"/>
-                <a:ea typeface="思源黑体 CN Bold" panose="020B0800000000000000" pitchFamily="34" charset="-122"/>
-                <a:cs typeface="Times New Roman" panose="02020603050405020304" charset="0"/>
-              </a:rPr>
-              <a:t>Methodology</a:t>
-            </a:r>
-            <a:endParaRPr kumimoji="0" lang="zh-CN" altLang="en-US" sz="3600" b="0" i="0" u="none" strike="noStrike" kern="1200" cap="none" spc="300" normalizeH="0" baseline="0" noProof="0" dirty="0">
-              <a:ln>
-                <a:noFill/>
-              </a:ln>
-              <a:solidFill>
-                <a:srgbClr val="003F43"/>
-              </a:solidFill>
-              <a:effectLst/>
-              <a:uLnTx/>
-              <a:uFillTx/>
-              <a:latin typeface="Times New Roman" panose="02020603050405020304" charset="0"/>
-              <a:ea typeface="思源黑体 CN Bold" panose="020B0800000000000000" pitchFamily="34" charset="-122"/>
-              <a:cs typeface="Times New Roman" panose="02020603050405020304" charset="0"/>
-            </a:endParaRPr>
-          </a:p>
-        </p:txBody>
-      </p:sp>
-      <p:pic>
-        <p:nvPicPr>
-          <p:cNvPr id="12" name="图片 11" descr="output3"/>
-          <p:cNvPicPr>
-            <a:picLocks noChangeAspect="1"/>
-          </p:cNvPicPr>
-          <p:nvPr/>
-        </p:nvPicPr>
-        <p:blipFill>
-          <a:blip r:embed="rId4"/>
-          <a:stretch>
-            <a:fillRect/>
-          </a:stretch>
-        </p:blipFill>
-        <p:spPr>
-          <a:xfrm>
-            <a:off x="1207135" y="1875155"/>
-            <a:ext cx="5379085" cy="3296285"/>
-          </a:xfrm>
-          <a:prstGeom prst="rect">
-            <a:avLst/>
-          </a:prstGeom>
-        </p:spPr>
-      </p:pic>
-      <p:sp>
-        <p:nvSpPr>
-          <p:cNvPr id="14" name="文本框 13"/>
-          <p:cNvSpPr txBox="1"/>
-          <p:nvPr/>
-        </p:nvSpPr>
-        <p:spPr>
-          <a:xfrm>
-            <a:off x="1311275" y="1017270"/>
-            <a:ext cx="2219325" cy="391160"/>
-          </a:xfrm>
-          <a:prstGeom prst="rect">
-            <a:avLst/>
-          </a:prstGeom>
-        </p:spPr>
-        <p:txBody>
-          <a:bodyPr>
-            <a:noAutofit/>
-          </a:bodyPr>
-          <a:p>
-            <a:pPr marL="0" indent="0">
-              <a:spcAft>
-                <a:spcPct val="60000"/>
-              </a:spcAft>
-            </a:pPr>
-            <a:r>
-              <a:rPr lang="en-US" altLang="zh-CN" sz="2400" b="0" i="0">
-                <a:solidFill>
-                  <a:srgbClr val="191B1F"/>
-                </a:solidFill>
-                <a:latin typeface="Times New Roman" panose="02020603050405020304" charset="0"/>
-                <a:ea typeface="微软雅黑" panose="020B0503020204020204" pitchFamily="34" charset="-122"/>
-                <a:cs typeface="Times New Roman" panose="02020603050405020304" charset="0"/>
-              </a:rPr>
-              <a:t>AmoebaNet</a:t>
-            </a:r>
-            <a:endParaRPr lang="en-US" altLang="zh-CN" sz="2400" b="0" i="0">
-              <a:solidFill>
-                <a:srgbClr val="191B1F"/>
-              </a:solidFill>
-              <a:latin typeface="Times New Roman" panose="02020603050405020304" charset="0"/>
-              <a:ea typeface="微软雅黑" panose="020B0503020204020204" pitchFamily="34" charset="-122"/>
-              <a:cs typeface="Times New Roman" panose="02020603050405020304" charset="0"/>
-            </a:endParaRPr>
-          </a:p>
-        </p:txBody>
-      </p:sp>
-      <p:pic>
-        <p:nvPicPr>
-          <p:cNvPr id="15" name="图片 14" descr="output"/>
-          <p:cNvPicPr>
-            <a:picLocks noChangeAspect="1"/>
-          </p:cNvPicPr>
-          <p:nvPr/>
-        </p:nvPicPr>
-        <p:blipFill>
-          <a:blip r:embed="rId5"/>
-          <a:stretch>
-            <a:fillRect/>
-          </a:stretch>
-        </p:blipFill>
-        <p:spPr>
-          <a:xfrm>
-            <a:off x="7241540" y="1104265"/>
-            <a:ext cx="3738245" cy="5367020"/>
-          </a:xfrm>
-          <a:prstGeom prst="rect">
-            <a:avLst/>
-          </a:prstGeom>
-        </p:spPr>
-      </p:pic>
-    </p:spTree>
-  </p:cSld>
-  <p:clrMapOvr>
-    <a:masterClrMapping/>
-  </p:clrMapOvr>
-  <p:timing>
-    <p:tnLst>
-      <p:par>
-        <p:cTn id="1" dur="indefinite" restart="never" nodeType="tmRoot"/>
-      </p:par>
-    </p:tnLst>
-  </p:timing>
-</p:sld>
-</file>
-
 <file path=ppt/slides/slide8.xml><?xml version="1.0" encoding="utf-8"?>
 <p:sld xmlns:a="http://schemas.openxmlformats.org/drawingml/2006/main" xmlns:r="http://schemas.openxmlformats.org/officeDocument/2006/relationships" xmlns:p="http://schemas.openxmlformats.org/presentationml/2006/main">
   <p:cSld>
@@ -9702,7 +9097,7 @@
         <p:spPr>
           <a:xfrm>
             <a:off x="515938" y="560070"/>
-            <a:ext cx="3065780" cy="645160"/>
+            <a:ext cx="3647152" cy="646331"/>
           </a:xfrm>
           <a:prstGeom prst="rect">
             <a:avLst/>
@@ -9732,6 +9127,17 @@
               <a:defRPr/>
             </a:pPr>
             <a:r>
+              <a:rPr lang="en-US" altLang="zh-CN" sz="3600" spc="300">
+                <a:solidFill>
+                  <a:srgbClr val="003F43"/>
+                </a:solidFill>
+                <a:latin typeface="Times New Roman" panose="02020603050405020304" charset="0"/>
+                <a:ea typeface="思源黑体 CN Bold" panose="020B0800000000000000" pitchFamily="34" charset="-122"/>
+                <a:cs typeface="Times New Roman" panose="02020603050405020304" charset="0"/>
+              </a:rPr>
+              <a:t>Current </a:t>
+            </a:r>
+            <a:r>
               <a:rPr lang="en-US" altLang="zh-CN" sz="3600" spc="300" dirty="0">
                 <a:solidFill>
                   <a:srgbClr val="003F43"/>
@@ -9740,7 +9146,18 @@
                 <a:ea typeface="思源黑体 CN Bold" panose="020B0800000000000000" pitchFamily="34" charset="-122"/>
                 <a:cs typeface="Times New Roman" panose="02020603050405020304" charset="0"/>
               </a:rPr>
-              <a:t>Methodology</a:t>
+              <a:t>R</a:t>
+            </a:r>
+            <a:r>
+              <a:rPr lang="en-US" altLang="zh-CN" sz="3600" spc="300">
+                <a:solidFill>
+                  <a:srgbClr val="003F43"/>
+                </a:solidFill>
+                <a:latin typeface="Times New Roman" panose="02020603050405020304" charset="0"/>
+                <a:ea typeface="思源黑体 CN Bold" panose="020B0800000000000000" pitchFamily="34" charset="-122"/>
+                <a:cs typeface="Times New Roman" panose="02020603050405020304" charset="0"/>
+              </a:rPr>
+              <a:t>esults</a:t>
             </a:r>
             <a:endParaRPr kumimoji="0" lang="en-US" altLang="zh-CN" sz="3600" b="0" i="0" u="none" strike="noStrike" kern="1200" cap="none" spc="300" normalizeH="0" baseline="0" noProof="0" dirty="0">
               <a:ln>
@@ -9761,14 +9178,14 @@
       </p:sp>
       <p:sp>
         <p:nvSpPr>
-          <p:cNvPr id="6" name="文本框 5"/>
+          <p:cNvPr id="3" name="文本框 2"/>
           <p:cNvSpPr txBox="1"/>
           <p:nvPr/>
         </p:nvSpPr>
         <p:spPr>
           <a:xfrm>
-            <a:off x="1034251" y="1430219"/>
-            <a:ext cx="5181600" cy="4692650"/>
+            <a:off x="515938" y="1265218"/>
+            <a:ext cx="8560435" cy="4219575"/>
           </a:xfrm>
           <a:prstGeom prst="rect">
             <a:avLst/>
@@ -9777,23 +9194,13 @@
         </p:spPr>
         <p:txBody>
           <a:bodyPr wrap="square" rtlCol="0">
-            <a:spAutoFit/>
+            <a:noAutofit/>
           </a:bodyPr>
           <a:lstStyle/>
           <a:p>
-            <a:pPr marL="457200" lvl="0" indent="-457200">
-              <a:lnSpc>
-                <a:spcPct val="150000"/>
-              </a:lnSpc>
-              <a:spcBef>
-                <a:spcPts val="1200"/>
-              </a:spcBef>
-              <a:buFont typeface="Arial" panose="020B0604020202020204" pitchFamily="34" charset="0"/>
-              <a:buChar char="•"/>
-              <a:defRPr/>
-            </a:pPr>
-            <a:r>
-              <a:rPr lang="en-US" altLang="zh-CN" sz="2800" dirty="0">
+            <a:pPr lvl="1"/>
+            <a:r>
+              <a:rPr lang="en-US" altLang="zh-CN" sz="2400" dirty="0">
                 <a:solidFill>
                   <a:schemeClr val="bg2">
                     <a:lumMod val="10000"/>
@@ -9803,9 +9210,9 @@
                 <a:ea typeface="思源黑体 CN Bold" panose="020B0800000000000000"/>
                 <a:cs typeface="Times New Roman" panose="02020603050405020304" charset="0"/>
               </a:rPr>
-              <a:t>Selection:</a:t>
-            </a:r>
-            <a:endParaRPr lang="en-US" altLang="zh-CN" sz="2800" b="1" dirty="0">
+              <a:t>1. Successful loading of the NASBench-101 dataset and implementation of the architecture query interface</a:t>
+            </a:r>
+            <a:endParaRPr lang="en-US" altLang="zh-CN" sz="2400" dirty="0">
               <a:solidFill>
                 <a:schemeClr val="bg2">
                   <a:lumMod val="10000"/>
@@ -9817,18 +9224,21 @@
             </a:endParaRPr>
           </a:p>
           <a:p>
-            <a:pPr marL="457200" lvl="0" indent="-457200">
-              <a:lnSpc>
-                <a:spcPct val="150000"/>
-              </a:lnSpc>
-              <a:spcBef>
-                <a:spcPts val="1200"/>
-              </a:spcBef>
-              <a:buFont typeface="Arial" panose="020B0604020202020204" pitchFamily="34" charset="0"/>
-              <a:buChar char="•"/>
-              <a:defRPr/>
-            </a:pPr>
-            <a:endParaRPr lang="en-US" altLang="zh-CN" sz="2800" b="1" dirty="0">
+            <a:pPr lvl="1"/>
+            <a:r>
+              <a:rPr lang="en-US" altLang="zh-CN" sz="2400" dirty="0">
+                <a:solidFill>
+                  <a:schemeClr val="bg2">
+                    <a:lumMod val="10000"/>
+                  </a:schemeClr>
+                </a:solidFill>
+                <a:latin typeface="Times New Roman" panose="02020603050405020304" charset="0"/>
+                <a:ea typeface="思源黑体 CN Bold" panose="020B0800000000000000"/>
+                <a:cs typeface="Times New Roman" panose="02020603050405020304" charset="0"/>
+              </a:rPr>
+              <a:t>2. Construction of the NAS search space, including both the topological representation (adjacency matrices) and operation definition (node-level operator choices).</a:t>
+            </a:r>
+            <a:endParaRPr lang="en-US" altLang="zh-CN" sz="2400" dirty="0">
               <a:solidFill>
                 <a:schemeClr val="bg2">
                   <a:lumMod val="10000"/>
@@ -9840,7 +9250,21 @@
             </a:endParaRPr>
           </a:p>
           <a:p>
-            <a:endParaRPr lang="en-US" altLang="zh-CN" sz="2800" dirty="0">
+            <a:pPr lvl="1"/>
+            <a:r>
+              <a:rPr lang="en-US" altLang="zh-CN" sz="2400" dirty="0">
+                <a:solidFill>
+                  <a:schemeClr val="bg2">
+                    <a:lumMod val="10000"/>
+                  </a:schemeClr>
+                </a:solidFill>
+                <a:latin typeface="Times New Roman" panose="02020603050405020304" charset="0"/>
+                <a:ea typeface="思源黑体 CN Bold" panose="020B0800000000000000"/>
+                <a:cs typeface="Times New Roman" panose="02020603050405020304" charset="0"/>
+              </a:rPr>
+              <a:t>3. Development of three search algorithms:</a:t>
+            </a:r>
+            <a:endParaRPr lang="en-US" altLang="zh-CN" sz="2400" dirty="0">
               <a:solidFill>
                 <a:schemeClr val="bg2">
                   <a:lumMod val="10000"/>
@@ -9852,12 +9276,12 @@
             </a:endParaRPr>
           </a:p>
           <a:p>
-            <a:pPr marL="457200" indent="-457200">
+            <a:pPr marL="800100" lvl="1" indent="-342900">
               <a:buFont typeface="Arial" panose="020B0604020202020204" pitchFamily="34" charset="0"/>
               <a:buChar char="•"/>
             </a:pPr>
             <a:r>
-              <a:rPr lang="en-US" altLang="zh-CN" sz="2800" dirty="0">
+              <a:rPr lang="en-US" altLang="zh-CN" sz="2400" dirty="0">
                 <a:solidFill>
                   <a:schemeClr val="bg2">
                     <a:lumMod val="10000"/>
@@ -9867,9 +9291,9 @@
                 <a:ea typeface="思源黑体 CN Bold" panose="020B0800000000000000"/>
                 <a:cs typeface="Times New Roman" panose="02020603050405020304" charset="0"/>
               </a:rPr>
-              <a:t>Crossover:</a:t>
-            </a:r>
-            <a:endParaRPr lang="en-US" altLang="zh-CN" sz="2800" dirty="0">
+              <a:t>Random Search</a:t>
+            </a:r>
+            <a:endParaRPr lang="en-US" altLang="zh-CN" sz="2400" dirty="0">
               <a:solidFill>
                 <a:schemeClr val="bg2">
                   <a:lumMod val="10000"/>
@@ -9881,11 +9305,24 @@
             </a:endParaRPr>
           </a:p>
           <a:p>
-            <a:pPr marL="457200" indent="-457200">
+            <a:pPr marL="800100" lvl="1" indent="-342900">
               <a:buFont typeface="Arial" panose="020B0604020202020204" pitchFamily="34" charset="0"/>
               <a:buChar char="•"/>
             </a:pPr>
-            <a:endParaRPr lang="en-US" altLang="zh-CN" sz="2800" dirty="0">
+            <a:r>
+              <a:rPr lang="en-US" altLang="zh-CN" sz="2400" dirty="0">
+                <a:solidFill>
+                  <a:schemeClr val="bg2">
+                    <a:lumMod val="10000"/>
+                  </a:schemeClr>
+                </a:solidFill>
+                <a:latin typeface="Times New Roman" panose="02020603050405020304" charset="0"/>
+                <a:ea typeface="思源黑体 CN Bold" panose="020B0800000000000000"/>
+                <a:cs typeface="Times New Roman" panose="02020603050405020304" charset="0"/>
+              </a:rPr>
+              <a:t>Evolutionary Search with crossover</a:t>
+            </a:r>
+            <a:endParaRPr lang="en-US" altLang="zh-CN" sz="2400" dirty="0">
               <a:solidFill>
                 <a:schemeClr val="bg2">
                   <a:lumMod val="10000"/>
@@ -9897,11 +9334,24 @@
             </a:endParaRPr>
           </a:p>
           <a:p>
-            <a:pPr marL="457200" indent="-457200">
+            <a:pPr marL="800100" lvl="1" indent="-342900">
               <a:buFont typeface="Arial" panose="020B0604020202020204" pitchFamily="34" charset="0"/>
               <a:buChar char="•"/>
             </a:pPr>
-            <a:endParaRPr lang="en-US" altLang="zh-CN" sz="2800" dirty="0">
+            <a:r>
+              <a:rPr lang="en-US" altLang="zh-CN" sz="2400" dirty="0">
+                <a:solidFill>
+                  <a:schemeClr val="bg2">
+                    <a:lumMod val="10000"/>
+                  </a:schemeClr>
+                </a:solidFill>
+                <a:latin typeface="Times New Roman" panose="02020603050405020304" charset="0"/>
+                <a:ea typeface="思源黑体 CN Bold" panose="020B0800000000000000"/>
+                <a:cs typeface="Times New Roman" panose="02020603050405020304" charset="0"/>
+              </a:rPr>
+              <a:t>Evolutionary Search without crossover</a:t>
+            </a:r>
+            <a:endParaRPr lang="en-US" altLang="zh-CN" sz="2400" dirty="0">
               <a:solidFill>
                 <a:schemeClr val="bg2">
                   <a:lumMod val="10000"/>
@@ -9913,43 +9363,9 @@
             </a:endParaRPr>
           </a:p>
           <a:p>
-            <a:pPr marL="457200" indent="-457200">
-              <a:buFont typeface="Arial" panose="020B0604020202020204" pitchFamily="34" charset="0"/>
-              <a:buChar char="•"/>
-            </a:pPr>
-            <a:endParaRPr lang="en-US" altLang="zh-CN" sz="2800" dirty="0">
-              <a:solidFill>
-                <a:schemeClr val="bg2">
-                  <a:lumMod val="10000"/>
-                </a:schemeClr>
-              </a:solidFill>
-              <a:latin typeface="Times New Roman" panose="02020603050405020304" charset="0"/>
-              <a:ea typeface="思源黑体 CN Bold" panose="020B0800000000000000"/>
-              <a:cs typeface="Times New Roman" panose="02020603050405020304" charset="0"/>
-              <a:sym typeface="+mn-ea"/>
-            </a:endParaRPr>
-          </a:p>
-          <a:p>
-            <a:pPr marL="457200" indent="-457200">
-              <a:buFont typeface="Arial" panose="020B0604020202020204" pitchFamily="34" charset="0"/>
-              <a:buChar char="•"/>
-            </a:pPr>
-            <a:r>
-              <a:rPr lang="en-US" altLang="zh-CN" sz="2800" dirty="0">
-                <a:solidFill>
-                  <a:schemeClr val="bg2">
-                    <a:lumMod val="10000"/>
-                  </a:schemeClr>
-                </a:solidFill>
-                <a:latin typeface="Times New Roman" panose="02020603050405020304" charset="0"/>
-                <a:ea typeface="思源黑体 CN Bold" panose="020B0800000000000000"/>
-                <a:cs typeface="Times New Roman" panose="02020603050405020304" charset="0"/>
-                <a:sym typeface="+mn-ea"/>
-              </a:rPr>
-              <a:t>Mutation</a:t>
-            </a:r>
-            <a:r>
-              <a:rPr lang="zh-CN" altLang="en-US" sz="2800" dirty="0">
+            <a:pPr lvl="1"/>
+            <a:r>
+              <a:rPr lang="en-US" altLang="zh-CN" sz="2400" dirty="0">
                 <a:solidFill>
                   <a:schemeClr val="bg2">
                     <a:lumMod val="10000"/>
@@ -9959,160 +9375,19 @@
                 <a:ea typeface="思源黑体 CN Bold" panose="020B0800000000000000"/>
                 <a:cs typeface="Times New Roman" panose="02020603050405020304" charset="0"/>
               </a:rPr>
-              <a:t>：</a:t>
-            </a:r>
-            <a:endParaRPr lang="en-US" altLang="zh-CN" sz="2800" dirty="0">
-              <a:solidFill>
-                <a:schemeClr val="bg2">
-                  <a:lumMod val="10000"/>
-                </a:schemeClr>
-              </a:solidFill>
-              <a:latin typeface="思源黑体 CN Regular"/>
-              <a:ea typeface="思源黑体 CN Bold" panose="020B0800000000000000"/>
-              <a:cs typeface="Calibri" panose="020F0502020204030204" pitchFamily="34" charset="0"/>
-            </a:endParaRPr>
-          </a:p>
-          <a:p>
-            <a:pPr lvl="0">
-              <a:lnSpc>
-                <a:spcPct val="150000"/>
-              </a:lnSpc>
-              <a:spcBef>
-                <a:spcPts val="1200"/>
-              </a:spcBef>
-              <a:defRPr/>
-            </a:pPr>
+              <a:t>4. Visualization of performance and algorithm comparison, illustrating how different search strategies evolve over time and how their efficiency differs under the same computational budget.</a:t>
+            </a:r>
             <a:endParaRPr lang="zh-CN" altLang="en-US" dirty="0">
               <a:solidFill>
                 <a:srgbClr val="06383C"/>
               </a:solidFill>
-              <a:latin typeface="微软雅黑" panose="020B0503020204020204" pitchFamily="34" charset="-122"/>
+              <a:latin typeface="Times New Roman" panose="02020603050405020304" charset="0"/>
               <a:ea typeface="思源黑体 CN Bold" panose="020B0800000000000000"/>
-              <a:cs typeface="Open Sans" panose="020B0606030504020204" pitchFamily="34" charset="0"/>
+              <a:cs typeface="Times New Roman" panose="02020603050405020304" charset="0"/>
             </a:endParaRPr>
           </a:p>
         </p:txBody>
       </p:sp>
-      <p:pic>
-        <p:nvPicPr>
-          <p:cNvPr id="12" name="图片 11"/>
-          <p:cNvPicPr>
-            <a:picLocks noChangeAspect="1"/>
-          </p:cNvPicPr>
-          <p:nvPr/>
-        </p:nvPicPr>
-        <p:blipFill>
-          <a:blip r:embed="rId4"/>
-          <a:stretch>
-            <a:fillRect/>
-          </a:stretch>
-        </p:blipFill>
-        <p:spPr>
-          <a:xfrm>
-            <a:off x="2995301" y="5538885"/>
-            <a:ext cx="2286635" cy="525145"/>
-          </a:xfrm>
-          <a:prstGeom prst="rect">
-            <a:avLst/>
-          </a:prstGeom>
-        </p:spPr>
-      </p:pic>
-      <p:pic>
-        <p:nvPicPr>
-          <p:cNvPr id="13" name="图片 12"/>
-          <p:cNvPicPr>
-            <a:picLocks noChangeAspect="1"/>
-          </p:cNvPicPr>
-          <p:nvPr/>
-        </p:nvPicPr>
-        <p:blipFill>
-          <a:blip r:embed="rId5"/>
-          <a:stretch>
-            <a:fillRect/>
-          </a:stretch>
-        </p:blipFill>
-        <p:spPr>
-          <a:xfrm>
-            <a:off x="5970905" y="5539363"/>
-            <a:ext cx="3423920" cy="532765"/>
-          </a:xfrm>
-          <a:prstGeom prst="rect">
-            <a:avLst/>
-          </a:prstGeom>
-        </p:spPr>
-      </p:pic>
-      <p:pic>
-        <p:nvPicPr>
-          <p:cNvPr id="14" name="图片 13"/>
-          <p:cNvPicPr>
-            <a:picLocks noChangeAspect="1"/>
-          </p:cNvPicPr>
-          <p:nvPr/>
-        </p:nvPicPr>
-        <p:blipFill>
-          <a:blip r:embed="rId6"/>
-          <a:stretch>
-            <a:fillRect/>
-          </a:stretch>
-        </p:blipFill>
-        <p:spPr>
-          <a:xfrm>
-            <a:off x="3989705" y="2239645"/>
-            <a:ext cx="3238500" cy="638175"/>
-          </a:xfrm>
-          <a:prstGeom prst="rect">
-            <a:avLst/>
-          </a:prstGeom>
-        </p:spPr>
-      </p:pic>
-      <p:pic>
-        <p:nvPicPr>
-          <p:cNvPr id="4" name="图片 3"/>
-          <p:cNvPicPr>
-            <a:picLocks noChangeAspect="1"/>
-          </p:cNvPicPr>
-          <p:nvPr/>
-        </p:nvPicPr>
-        <p:blipFill>
-          <a:blip r:embed="rId7"/>
-          <a:stretch>
-            <a:fillRect/>
-          </a:stretch>
-        </p:blipFill>
-        <p:spPr>
-          <a:xfrm>
-            <a:off x="2647950" y="3846195"/>
-            <a:ext cx="3568065" cy="1008380"/>
-          </a:xfrm>
-          <a:prstGeom prst="rect">
-            <a:avLst/>
-          </a:prstGeom>
-        </p:spPr>
-      </p:pic>
-      <p:pic>
-        <p:nvPicPr>
-          <p:cNvPr id="7" name="图片 6"/>
-          <p:cNvPicPr>
-            <a:picLocks noChangeAspect="1"/>
-          </p:cNvPicPr>
-          <p:nvPr/>
-        </p:nvPicPr>
-        <p:blipFill>
-          <a:blip r:embed="rId8"/>
-          <a:stretch>
-            <a:fillRect/>
-          </a:stretch>
-        </p:blipFill>
-        <p:spPr>
-          <a:xfrm>
-            <a:off x="7227570" y="3740150"/>
-            <a:ext cx="3333115" cy="1114425"/>
-          </a:xfrm>
-          <a:prstGeom prst="rect">
-            <a:avLst/>
-          </a:prstGeom>
-        </p:spPr>
-      </p:pic>
     </p:spTree>
   </p:cSld>
   <p:clrMapOvr>
@@ -10152,7 +9427,7 @@
                                           </p:stCondLst>
                                         </p:cTn>
                                         <p:tgtEl>
-                                          <p:spTgt spid="6"/>
+                                          <p:spTgt spid="3"/>
                                         </p:tgtEl>
                                         <p:attrNameLst>
                                           <p:attrName>style.visibility</p:attrName>
@@ -10193,7 +9468,7 @@
       </p:par>
     </p:tnLst>
     <p:bldLst>
-      <p:bldP spid="6" grpId="0"/>
+      <p:bldP spid="3" grpId="0"/>
     </p:bldLst>
   </p:timing>
 </p:sld>
@@ -10280,7 +9555,7 @@
         <p:spPr>
           <a:xfrm>
             <a:off x="515938" y="560070"/>
-            <a:ext cx="3515995" cy="645160"/>
+            <a:ext cx="3647152" cy="646331"/>
           </a:xfrm>
           <a:prstGeom prst="rect">
             <a:avLst/>
@@ -10310,21 +9585,37 @@
               <a:defRPr/>
             </a:pPr>
             <a:r>
-              <a:rPr kumimoji="0" lang="en-US" altLang="zh-CN" sz="3600" b="0" i="0" u="none" strike="noStrike" kern="1200" cap="none" spc="300" normalizeH="0" baseline="0" noProof="0" dirty="0">
-                <a:ln>
-                  <a:noFill/>
-                </a:ln>
+              <a:rPr lang="en-US" altLang="zh-CN" sz="3600" spc="300">
                 <a:solidFill>
                   <a:srgbClr val="003F43"/>
                 </a:solidFill>
-                <a:effectLst/>
-                <a:uLnTx/>
-                <a:uFillTx/>
                 <a:latin typeface="Times New Roman" panose="02020603050405020304" charset="0"/>
                 <a:ea typeface="思源黑体 CN Bold" panose="020B0800000000000000" pitchFamily="34" charset="-122"/>
                 <a:cs typeface="Times New Roman" panose="02020603050405020304" charset="0"/>
               </a:rPr>
-              <a:t>Tools Required</a:t>
+              <a:t>Current </a:t>
+            </a:r>
+            <a:r>
+              <a:rPr lang="en-US" altLang="zh-CN" sz="3600" spc="300" dirty="0">
+                <a:solidFill>
+                  <a:srgbClr val="003F43"/>
+                </a:solidFill>
+                <a:latin typeface="Times New Roman" panose="02020603050405020304" charset="0"/>
+                <a:ea typeface="思源黑体 CN Bold" panose="020B0800000000000000" pitchFamily="34" charset="-122"/>
+                <a:cs typeface="Times New Roman" panose="02020603050405020304" charset="0"/>
+              </a:rPr>
+              <a:t>R</a:t>
+            </a:r>
+            <a:r>
+              <a:rPr lang="en-US" altLang="zh-CN" sz="3600" spc="300">
+                <a:solidFill>
+                  <a:srgbClr val="003F43"/>
+                </a:solidFill>
+                <a:latin typeface="Times New Roman" panose="02020603050405020304" charset="0"/>
+                <a:ea typeface="思源黑体 CN Bold" panose="020B0800000000000000" pitchFamily="34" charset="-122"/>
+                <a:cs typeface="Times New Roman" panose="02020603050405020304" charset="0"/>
+              </a:rPr>
+              <a:t>esults</a:t>
             </a:r>
             <a:endParaRPr kumimoji="0" lang="en-US" altLang="zh-CN" sz="3600" b="0" i="0" u="none" strike="noStrike" kern="1200" cap="none" spc="300" normalizeH="0" baseline="0" noProof="0" dirty="0">
               <a:ln>
@@ -10343,221 +9634,60 @@
           </a:p>
         </p:txBody>
       </p:sp>
-      <p:sp>
-        <p:nvSpPr>
-          <p:cNvPr id="6" name="文本框 5"/>
-          <p:cNvSpPr txBox="1"/>
-          <p:nvPr/>
-        </p:nvSpPr>
-        <p:spPr>
-          <a:xfrm>
-            <a:off x="1034250" y="1620720"/>
-            <a:ext cx="8397710" cy="2722880"/>
-          </a:xfrm>
-          <a:prstGeom prst="rect">
-            <a:avLst/>
-          </a:prstGeom>
-          <a:noFill/>
-        </p:spPr>
-        <p:txBody>
-          <a:bodyPr wrap="square" rtlCol="0">
-            <a:spAutoFit/>
-          </a:bodyPr>
-          <a:lstStyle/>
-          <a:p>
-            <a:pPr marL="457200" lvl="0" indent="-457200">
-              <a:lnSpc>
-                <a:spcPct val="150000"/>
-              </a:lnSpc>
-              <a:spcBef>
-                <a:spcPts val="1200"/>
-              </a:spcBef>
-              <a:buFont typeface="Arial" panose="020B0604020202020204" pitchFamily="34" charset="0"/>
-              <a:buChar char="•"/>
-              <a:defRPr/>
-            </a:pPr>
-            <a:r>
-              <a:rPr lang="en-US" altLang="zh-CN" sz="2800" dirty="0">
-                <a:solidFill>
-                  <a:schemeClr val="bg2">
-                    <a:lumMod val="10000"/>
-                  </a:schemeClr>
-                </a:solidFill>
-                <a:latin typeface="Times New Roman" panose="02020603050405020304" charset="0"/>
-                <a:ea typeface="思源黑体 CN Bold" panose="020B0800000000000000"/>
-                <a:cs typeface="Times New Roman" panose="02020603050405020304" charset="0"/>
-              </a:rPr>
-              <a:t>Python </a:t>
-            </a:r>
-            <a:r>
-              <a:rPr lang="zh-CN" altLang="en-US" sz="2800" dirty="0">
-                <a:solidFill>
-                  <a:schemeClr val="bg2">
-                    <a:lumMod val="10000"/>
-                  </a:schemeClr>
-                </a:solidFill>
-                <a:latin typeface="Times New Roman" panose="02020603050405020304" charset="0"/>
-                <a:ea typeface="思源黑体 CN Bold" panose="020B0800000000000000"/>
-                <a:cs typeface="Times New Roman" panose="02020603050405020304" charset="0"/>
-              </a:rPr>
-              <a:t>：</a:t>
-            </a:r>
-            <a:r>
-              <a:rPr lang="en-US" altLang="zh-CN" sz="2400" dirty="0">
-                <a:solidFill>
-                  <a:schemeClr val="bg2">
-                    <a:lumMod val="10000"/>
-                  </a:schemeClr>
-                </a:solidFill>
-                <a:latin typeface="Times New Roman" panose="02020603050405020304" charset="0"/>
-                <a:ea typeface="思源黑体 CN Bold" panose="020B0800000000000000"/>
-                <a:cs typeface="Times New Roman" panose="02020603050405020304" charset="0"/>
-              </a:rPr>
-              <a:t>packages and modules like </a:t>
-            </a:r>
-            <a:r>
-              <a:rPr lang="en-US" altLang="zh-CN" sz="2400" i="1" dirty="0">
-                <a:solidFill>
-                  <a:schemeClr val="bg2">
-                    <a:lumMod val="10000"/>
-                  </a:schemeClr>
-                </a:solidFill>
-                <a:latin typeface="Times New Roman" panose="02020603050405020304" charset="0"/>
-                <a:ea typeface="思源黑体 CN Bold" panose="020B0800000000000000"/>
-                <a:cs typeface="Times New Roman" panose="02020603050405020304" charset="0"/>
-              </a:rPr>
-              <a:t>NumPy</a:t>
-            </a:r>
-            <a:r>
-              <a:rPr lang="zh-CN" altLang="en-US" sz="2400" i="1" dirty="0">
-                <a:solidFill>
-                  <a:schemeClr val="bg2">
-                    <a:lumMod val="10000"/>
-                  </a:schemeClr>
-                </a:solidFill>
-                <a:latin typeface="Times New Roman" panose="02020603050405020304" charset="0"/>
-                <a:ea typeface="思源黑体 CN Bold" panose="020B0800000000000000"/>
-                <a:cs typeface="Times New Roman" panose="02020603050405020304" charset="0"/>
-              </a:rPr>
-              <a:t>，</a:t>
-            </a:r>
-            <a:r>
-              <a:rPr lang="en-US" altLang="zh-CN" sz="2400" i="1" dirty="0">
-                <a:solidFill>
-                  <a:schemeClr val="bg2">
-                    <a:lumMod val="10000"/>
-                  </a:schemeClr>
-                </a:solidFill>
-                <a:latin typeface="Times New Roman" panose="02020603050405020304" charset="0"/>
-                <a:ea typeface="思源黑体 CN Bold" panose="020B0800000000000000"/>
-                <a:cs typeface="Times New Roman" panose="02020603050405020304" charset="0"/>
-              </a:rPr>
-              <a:t>Pandas, Matplotlib…</a:t>
-            </a:r>
-            <a:endParaRPr lang="en-US" altLang="zh-CN" sz="2400" i="1" dirty="0">
-              <a:solidFill>
-                <a:schemeClr val="bg2">
-                  <a:lumMod val="10000"/>
-                </a:schemeClr>
-              </a:solidFill>
-              <a:latin typeface="Times New Roman" panose="02020603050405020304" charset="0"/>
-              <a:ea typeface="思源黑体 CN Bold" panose="020B0800000000000000"/>
-              <a:cs typeface="Times New Roman" panose="02020603050405020304" charset="0"/>
-            </a:endParaRPr>
-          </a:p>
-          <a:p>
-            <a:endParaRPr lang="en-US" altLang="zh-CN" sz="2800" dirty="0">
-              <a:solidFill>
-                <a:schemeClr val="bg2">
-                  <a:lumMod val="10000"/>
-                </a:schemeClr>
-              </a:solidFill>
-              <a:latin typeface="Times New Roman" panose="02020603050405020304" charset="0"/>
-              <a:ea typeface="思源黑体 CN Bold" panose="020B0800000000000000"/>
-              <a:cs typeface="Times New Roman" panose="02020603050405020304" charset="0"/>
-            </a:endParaRPr>
-          </a:p>
-          <a:p>
-            <a:pPr marL="457200" indent="-457200">
-              <a:buFont typeface="Arial" panose="020B0604020202020204" pitchFamily="34" charset="0"/>
-              <a:buChar char="•"/>
-            </a:pPr>
-            <a:r>
-              <a:rPr lang="en-US" altLang="zh-CN" sz="2800" dirty="0">
-                <a:solidFill>
-                  <a:schemeClr val="bg2">
-                    <a:lumMod val="10000"/>
-                  </a:schemeClr>
-                </a:solidFill>
-                <a:latin typeface="Times New Roman" panose="02020603050405020304" charset="0"/>
-                <a:ea typeface="思源黑体 CN Bold" panose="020B0800000000000000"/>
-                <a:cs typeface="Times New Roman" panose="02020603050405020304" charset="0"/>
-              </a:rPr>
-              <a:t>NAS-Bench-101:</a:t>
-            </a:r>
-            <a:r>
-              <a:rPr lang="en-US" altLang="zh-CN" sz="2800" dirty="0">
-                <a:solidFill>
-                  <a:schemeClr val="bg2">
-                    <a:lumMod val="10000"/>
-                  </a:schemeClr>
-                </a:solidFill>
-                <a:latin typeface="思源黑体 CN Regular"/>
-                <a:ea typeface="思源黑体 CN Bold" panose="020B0800000000000000"/>
-                <a:cs typeface="Calibri" panose="020F0502020204030204" pitchFamily="34" charset="0"/>
-              </a:rPr>
-              <a:t> </a:t>
-            </a:r>
-            <a:endParaRPr lang="en-US" altLang="zh-CN" sz="2800" dirty="0">
-              <a:solidFill>
-                <a:schemeClr val="bg2">
-                  <a:lumMod val="10000"/>
-                </a:schemeClr>
-              </a:solidFill>
-              <a:latin typeface="思源黑体 CN Regular"/>
-              <a:ea typeface="思源黑体 CN Bold" panose="020B0800000000000000"/>
-              <a:cs typeface="Calibri" panose="020F0502020204030204" pitchFamily="34" charset="0"/>
-            </a:endParaRPr>
-          </a:p>
-          <a:p>
-            <a:pPr lvl="0">
-              <a:lnSpc>
-                <a:spcPct val="150000"/>
-              </a:lnSpc>
-              <a:spcBef>
-                <a:spcPts val="1200"/>
-              </a:spcBef>
-              <a:defRPr/>
-            </a:pPr>
-            <a:endParaRPr lang="zh-CN" altLang="en-US" dirty="0">
-              <a:solidFill>
-                <a:srgbClr val="06383C"/>
-              </a:solidFill>
-              <a:latin typeface="微软雅黑" panose="020B0503020204020204" pitchFamily="34" charset="-122"/>
-              <a:ea typeface="思源黑体 CN Bold" panose="020B0800000000000000"/>
-              <a:cs typeface="Open Sans" panose="020B0606030504020204" pitchFamily="34" charset="0"/>
-            </a:endParaRPr>
-          </a:p>
-        </p:txBody>
-      </p:sp>
       <p:pic>
         <p:nvPicPr>
-          <p:cNvPr id="5" name="图片 4" descr="fig3"/>
+          <p:cNvPr id="6" name="图片 5"/>
           <p:cNvPicPr>
             <a:picLocks noChangeAspect="1"/>
           </p:cNvPicPr>
           <p:nvPr/>
         </p:nvPicPr>
         <p:blipFill>
-          <a:blip r:embed="rId4"/>
+          <a:blip r:embed="rId4">
+            <a:extLst>
+              <a:ext uri="{28A0092B-C50C-407E-A947-70E740481C1C}">
+                <a14:useLocalDpi xmlns:a14="http://schemas.microsoft.com/office/drawing/2010/main" val="0"/>
+              </a:ext>
+            </a:extLst>
+          </a:blip>
           <a:stretch>
             <a:fillRect/>
           </a:stretch>
         </p:blipFill>
         <p:spPr>
           <a:xfrm>
-            <a:off x="1407167" y="3941620"/>
-            <a:ext cx="8973512" cy="2356310"/>
+            <a:off x="338271" y="1375072"/>
+            <a:ext cx="5500349" cy="4107856"/>
+          </a:xfrm>
+          <a:prstGeom prst="rect">
+            <a:avLst/>
+          </a:prstGeom>
+        </p:spPr>
+      </p:pic>
+      <p:pic>
+        <p:nvPicPr>
+          <p:cNvPr id="5" name="图片 4"/>
+          <p:cNvPicPr>
+            <a:picLocks noChangeAspect="1"/>
+          </p:cNvPicPr>
+          <p:nvPr/>
+        </p:nvPicPr>
+        <p:blipFill>
+          <a:blip r:embed="rId5">
+            <a:extLst>
+              <a:ext uri="{28A0092B-C50C-407E-A947-70E740481C1C}">
+                <a14:useLocalDpi xmlns:a14="http://schemas.microsoft.com/office/drawing/2010/main" val="0"/>
+              </a:ext>
+            </a:extLst>
+          </a:blip>
+          <a:stretch>
+            <a:fillRect/>
+          </a:stretch>
+        </p:blipFill>
+        <p:spPr>
+          <a:xfrm>
+            <a:off x="6096000" y="1322400"/>
+            <a:ext cx="5580062" cy="4288730"/>
           </a:xfrm>
           <a:prstGeom prst="rect">
             <a:avLst/>
@@ -10569,84 +9699,6 @@
   <p:clrMapOvr>
     <a:masterClrMapping/>
   </p:clrMapOvr>
-  <p:timing>
-    <p:tnLst>
-      <p:par>
-        <p:cTn id="1" dur="indefinite" restart="never" nodeType="tmRoot">
-          <p:childTnLst>
-            <p:seq concurrent="1" nextAc="seek">
-              <p:cTn id="2" dur="indefinite" nodeType="mainSeq">
-                <p:childTnLst>
-                  <p:par>
-                    <p:cTn id="3" fill="hold">
-                      <p:stCondLst>
-                        <p:cond delay="indefinite"/>
-                      </p:stCondLst>
-                      <p:childTnLst>
-                        <p:par>
-                          <p:cTn id="4" fill="hold">
-                            <p:stCondLst>
-                              <p:cond delay="0"/>
-                            </p:stCondLst>
-                            <p:childTnLst>
-                              <p:par>
-                                <p:cTn id="5" presetID="1" presetClass="entr" presetSubtype="0" fill="hold" grpId="0" nodeType="clickEffect">
-                                  <p:stCondLst>
-                                    <p:cond delay="0"/>
-                                  </p:stCondLst>
-                                  <p:childTnLst>
-                                    <p:set>
-                                      <p:cBhvr>
-                                        <p:cTn id="6" dur="1" fill="hold">
-                                          <p:stCondLst>
-                                            <p:cond delay="0"/>
-                                          </p:stCondLst>
-                                        </p:cTn>
-                                        <p:tgtEl>
-                                          <p:spTgt spid="6"/>
-                                        </p:tgtEl>
-                                        <p:attrNameLst>
-                                          <p:attrName>style.visibility</p:attrName>
-                                        </p:attrNameLst>
-                                      </p:cBhvr>
-                                      <p:to>
-                                        <p:strVal val="visible"/>
-                                      </p:to>
-                                    </p:set>
-                                  </p:childTnLst>
-                                </p:cTn>
-                              </p:par>
-                            </p:childTnLst>
-                          </p:cTn>
-                        </p:par>
-                      </p:childTnLst>
-                    </p:cTn>
-                  </p:par>
-                </p:childTnLst>
-              </p:cTn>
-              <p:prevCondLst>
-                <p:cond evt="onPrev" delay="0">
-                  <p:tgtEl>
-                    <p:sldTgt/>
-                  </p:tgtEl>
-                </p:cond>
-              </p:prevCondLst>
-              <p:nextCondLst>
-                <p:cond evt="onNext" delay="0">
-                  <p:tgtEl>
-                    <p:sldTgt/>
-                  </p:tgtEl>
-                </p:cond>
-              </p:nextCondLst>
-            </p:seq>
-          </p:childTnLst>
-        </p:cTn>
-      </p:par>
-    </p:tnLst>
-    <p:bldLst>
-      <p:bldP spid="6" grpId="0"/>
-    </p:bldLst>
-  </p:timing>
 </p:sld>
 </file>
 

--- a/nasbench-master/第8组_中期.pptx
+++ b/nasbench-master/第8组_中期.pptx
@@ -3,26 +3,26 @@
 <p:presentation xmlns:a="http://schemas.openxmlformats.org/drawingml/2006/main" xmlns:r="http://schemas.openxmlformats.org/officeDocument/2006/relationships" xmlns:p="http://schemas.openxmlformats.org/presentationml/2006/main">
   <p:sldMasterIdLst>
     <p:sldMasterId id="2147483648" r:id="rId1"/>
-    <p:sldMasterId id="2147483650" r:id="rId3"/>
-    <p:sldMasterId id="2147483662" r:id="rId4"/>
+    <p:sldMasterId id="2147483650" r:id="rId2"/>
+    <p:sldMasterId id="2147483662" r:id="rId3"/>
   </p:sldMasterIdLst>
   <p:notesMasterIdLst>
-    <p:notesMasterId r:id="rId18"/>
+    <p:notesMasterId r:id="rId17"/>
   </p:notesMasterIdLst>
   <p:sldIdLst>
-    <p:sldId id="268" r:id="rId5"/>
-    <p:sldId id="345" r:id="rId6"/>
-    <p:sldId id="347" r:id="rId7"/>
-    <p:sldId id="339" r:id="rId8"/>
-    <p:sldId id="351" r:id="rId9"/>
-    <p:sldId id="350" r:id="rId10"/>
-    <p:sldId id="342" r:id="rId11"/>
-    <p:sldId id="343" r:id="rId12"/>
-    <p:sldId id="352" r:id="rId13"/>
-    <p:sldId id="353" r:id="rId14"/>
-    <p:sldId id="349" r:id="rId15"/>
-    <p:sldId id="341" r:id="rId16"/>
-    <p:sldId id="287" r:id="rId17"/>
+    <p:sldId id="268" r:id="rId4"/>
+    <p:sldId id="345" r:id="rId5"/>
+    <p:sldId id="347" r:id="rId6"/>
+    <p:sldId id="339" r:id="rId7"/>
+    <p:sldId id="351" r:id="rId8"/>
+    <p:sldId id="350" r:id="rId9"/>
+    <p:sldId id="342" r:id="rId10"/>
+    <p:sldId id="343" r:id="rId11"/>
+    <p:sldId id="352" r:id="rId12"/>
+    <p:sldId id="353" r:id="rId13"/>
+    <p:sldId id="349" r:id="rId14"/>
+    <p:sldId id="341" r:id="rId15"/>
+    <p:sldId id="287" r:id="rId16"/>
   </p:sldIdLst>
   <p:sldSz cx="12192000" cy="6858000"/>
   <p:notesSz cx="6858000" cy="9144000"/>
@@ -242,6 +242,7 @@
           <a:p>
             <a:fld id="{D2A48B96-639E-45A3-A0BA-2464DFDB1FAA}" type="datetimeFigureOut">
               <a:rPr lang="zh-CN" altLang="en-US" smtClean="0"/>
+              <a:t>2025/12/14</a:t>
             </a:fld>
             <a:endParaRPr lang="zh-CN" altLang="en-US"/>
           </a:p>
@@ -308,7 +309,6 @@
               <a:rPr lang="zh-CN" altLang="en-US"/>
               <a:t>单击此处编辑母版文本样式</a:t>
             </a:r>
-            <a:endParaRPr lang="zh-CN" altLang="en-US"/>
           </a:p>
           <a:p>
             <a:pPr lvl="1"/>
@@ -316,7 +316,6 @@
               <a:rPr lang="zh-CN" altLang="en-US"/>
               <a:t>第二级</a:t>
             </a:r>
-            <a:endParaRPr lang="zh-CN" altLang="en-US"/>
           </a:p>
           <a:p>
             <a:pPr lvl="2"/>
@@ -324,7 +323,6 @@
               <a:rPr lang="zh-CN" altLang="en-US"/>
               <a:t>第三级</a:t>
             </a:r>
-            <a:endParaRPr lang="zh-CN" altLang="en-US"/>
           </a:p>
           <a:p>
             <a:pPr lvl="3"/>
@@ -332,7 +330,6 @@
               <a:rPr lang="zh-CN" altLang="en-US"/>
               <a:t>第四级</a:t>
             </a:r>
-            <a:endParaRPr lang="zh-CN" altLang="en-US"/>
           </a:p>
           <a:p>
             <a:pPr lvl="4"/>
@@ -340,7 +337,6 @@
               <a:rPr lang="zh-CN" altLang="en-US"/>
               <a:t>第五级</a:t>
             </a:r>
-            <a:endParaRPr lang="zh-CN" altLang="en-US"/>
           </a:p>
         </p:txBody>
       </p:sp>
@@ -404,6 +400,7 @@
           <a:p>
             <a:fld id="{A6837353-30EB-4A48-80EB-173D804AEFBD}" type="slidenum">
               <a:rPr lang="zh-CN" altLang="en-US" smtClean="0"/>
+              <a:t>‹#›</a:t>
             </a:fld>
             <a:endParaRPr lang="zh-CN" altLang="en-US"/>
           </a:p>
@@ -577,7 +574,6 @@
               <a:rPr lang="en-US"/>
               <a:t>Click to edit Master title style</a:t>
             </a:r>
-            <a:endParaRPr lang="en-US"/>
           </a:p>
         </p:txBody>
       </p:sp>
@@ -704,7 +700,6 @@
               <a:rPr lang="en-US"/>
               <a:t>Click to edit Master text styles</a:t>
             </a:r>
-            <a:endParaRPr lang="en-US"/>
           </a:p>
         </p:txBody>
       </p:sp>
@@ -739,7 +734,6 @@
               <a:rPr lang="en-US"/>
               <a:t>TU3C-2</a:t>
             </a:r>
-            <a:endParaRPr lang="en-US"/>
           </a:p>
         </p:txBody>
       </p:sp>
@@ -787,7 +781,6 @@
               <a:rPr lang="en-US"/>
               <a:t>Click to edit Master title style</a:t>
             </a:r>
-            <a:endParaRPr lang="en-US"/>
           </a:p>
         </p:txBody>
       </p:sp>
@@ -811,7 +804,6 @@
               <a:rPr lang="en-US"/>
               <a:t>Click to edit Master text styles</a:t>
             </a:r>
-            <a:endParaRPr lang="en-US"/>
           </a:p>
           <a:p>
             <a:pPr lvl="1"/>
@@ -819,7 +811,6 @@
               <a:rPr lang="en-US"/>
               <a:t>Second level</a:t>
             </a:r>
-            <a:endParaRPr lang="en-US"/>
           </a:p>
           <a:p>
             <a:pPr lvl="2"/>
@@ -827,7 +818,6 @@
               <a:rPr lang="en-US"/>
               <a:t>Third level</a:t>
             </a:r>
-            <a:endParaRPr lang="en-US"/>
           </a:p>
           <a:p>
             <a:pPr lvl="3"/>
@@ -835,7 +825,6 @@
               <a:rPr lang="en-US"/>
               <a:t>Fourth level</a:t>
             </a:r>
-            <a:endParaRPr lang="en-US"/>
           </a:p>
           <a:p>
             <a:pPr lvl="4"/>
@@ -843,7 +832,6 @@
               <a:rPr lang="en-US"/>
               <a:t>Fifth level</a:t>
             </a:r>
-            <a:endParaRPr lang="en-US"/>
           </a:p>
         </p:txBody>
       </p:sp>
@@ -878,7 +866,6 @@
               <a:rPr lang="en-US"/>
               <a:t>TU3C-2</a:t>
             </a:r>
-            <a:endParaRPr lang="en-US"/>
           </a:p>
         </p:txBody>
       </p:sp>
@@ -931,7 +918,6 @@
               <a:rPr lang="en-US"/>
               <a:t>Click to edit Master title style</a:t>
             </a:r>
-            <a:endParaRPr lang="en-US"/>
           </a:p>
         </p:txBody>
       </p:sp>
@@ -960,7 +946,6 @@
               <a:rPr lang="en-US"/>
               <a:t>Click to edit Master text styles</a:t>
             </a:r>
-            <a:endParaRPr lang="en-US"/>
           </a:p>
           <a:p>
             <a:pPr lvl="1"/>
@@ -968,7 +953,6 @@
               <a:rPr lang="en-US"/>
               <a:t>Second level</a:t>
             </a:r>
-            <a:endParaRPr lang="en-US"/>
           </a:p>
           <a:p>
             <a:pPr lvl="2"/>
@@ -976,7 +960,6 @@
               <a:rPr lang="en-US"/>
               <a:t>Third level</a:t>
             </a:r>
-            <a:endParaRPr lang="en-US"/>
           </a:p>
           <a:p>
             <a:pPr lvl="3"/>
@@ -984,7 +967,6 @@
               <a:rPr lang="en-US"/>
               <a:t>Fourth level</a:t>
             </a:r>
-            <a:endParaRPr lang="en-US"/>
           </a:p>
           <a:p>
             <a:pPr lvl="4"/>
@@ -992,7 +974,6 @@
               <a:rPr lang="en-US"/>
               <a:t>Fifth level</a:t>
             </a:r>
-            <a:endParaRPr lang="en-US"/>
           </a:p>
         </p:txBody>
       </p:sp>
@@ -1027,7 +1008,6 @@
               <a:rPr lang="en-US"/>
               <a:t>TU3C-2</a:t>
             </a:r>
-            <a:endParaRPr lang="en-US"/>
           </a:p>
         </p:txBody>
       </p:sp>
@@ -1105,7 +1085,6 @@
               <a:rPr lang="en-US"/>
               <a:t>Click to edit Master title style</a:t>
             </a:r>
-            <a:endParaRPr lang="en-US"/>
           </a:p>
         </p:txBody>
       </p:sp>
@@ -1224,7 +1203,6 @@
               <a:rPr lang="en-US"/>
               <a:t>Click to edit Master subtitle style</a:t>
             </a:r>
-            <a:endParaRPr lang="en-US"/>
           </a:p>
         </p:txBody>
       </p:sp>
@@ -1259,7 +1237,6 @@
               <a:rPr lang="en-US"/>
               <a:t>TU3C-2</a:t>
             </a:r>
-            <a:endParaRPr lang="en-US"/>
           </a:p>
         </p:txBody>
       </p:sp>
@@ -1307,7 +1284,6 @@
               <a:rPr lang="en-US" dirty="0"/>
               <a:t>Click to edit Master title style</a:t>
             </a:r>
-            <a:endParaRPr lang="en-US" dirty="0"/>
           </a:p>
         </p:txBody>
       </p:sp>
@@ -1331,7 +1307,6 @@
               <a:rPr lang="en-US"/>
               <a:t>Click to edit Master text styles</a:t>
             </a:r>
-            <a:endParaRPr lang="en-US"/>
           </a:p>
           <a:p>
             <a:pPr lvl="1"/>
@@ -1339,7 +1314,6 @@
               <a:rPr lang="en-US"/>
               <a:t>Second level</a:t>
             </a:r>
-            <a:endParaRPr lang="en-US"/>
           </a:p>
           <a:p>
             <a:pPr lvl="2"/>
@@ -1347,7 +1321,6 @@
               <a:rPr lang="en-US"/>
               <a:t>Third level</a:t>
             </a:r>
-            <a:endParaRPr lang="en-US"/>
           </a:p>
           <a:p>
             <a:pPr lvl="3"/>
@@ -1355,7 +1328,6 @@
               <a:rPr lang="en-US"/>
               <a:t>Fourth level</a:t>
             </a:r>
-            <a:endParaRPr lang="en-US"/>
           </a:p>
           <a:p>
             <a:pPr lvl="4"/>
@@ -1363,7 +1335,6 @@
               <a:rPr lang="en-US"/>
               <a:t>Fifth level</a:t>
             </a:r>
-            <a:endParaRPr lang="en-US"/>
           </a:p>
         </p:txBody>
       </p:sp>
@@ -1394,7 +1365,6 @@
               <a:rPr lang="en-US"/>
               <a:t>TU3C-2</a:t>
             </a:r>
-            <a:endParaRPr lang="en-US"/>
           </a:p>
         </p:txBody>
       </p:sp>
@@ -1451,7 +1421,6 @@
               <a:rPr lang="en-US"/>
               <a:t>Click to edit Master title style</a:t>
             </a:r>
-            <a:endParaRPr lang="en-US"/>
           </a:p>
         </p:txBody>
       </p:sp>
@@ -1571,7 +1540,6 @@
               <a:rPr lang="en-US"/>
               <a:t>Click to edit Master text styles</a:t>
             </a:r>
-            <a:endParaRPr lang="en-US"/>
           </a:p>
         </p:txBody>
       </p:sp>
@@ -1602,7 +1570,6 @@
               <a:rPr lang="en-US"/>
               <a:t>TU3C-2</a:t>
             </a:r>
-            <a:endParaRPr lang="en-US"/>
           </a:p>
         </p:txBody>
       </p:sp>
@@ -1650,7 +1617,6 @@
               <a:rPr lang="en-US"/>
               <a:t>Click to edit Master title style</a:t>
             </a:r>
-            <a:endParaRPr lang="en-US"/>
           </a:p>
         </p:txBody>
       </p:sp>
@@ -1707,7 +1673,6 @@
               <a:rPr lang="en-US"/>
               <a:t>Click to edit Master text styles</a:t>
             </a:r>
-            <a:endParaRPr lang="en-US"/>
           </a:p>
           <a:p>
             <a:pPr lvl="1"/>
@@ -1715,7 +1680,6 @@
               <a:rPr lang="en-US"/>
               <a:t>Second level</a:t>
             </a:r>
-            <a:endParaRPr lang="en-US"/>
           </a:p>
           <a:p>
             <a:pPr lvl="2"/>
@@ -1723,7 +1687,6 @@
               <a:rPr lang="en-US"/>
               <a:t>Third level</a:t>
             </a:r>
-            <a:endParaRPr lang="en-US"/>
           </a:p>
           <a:p>
             <a:pPr lvl="3"/>
@@ -1731,7 +1694,6 @@
               <a:rPr lang="en-US"/>
               <a:t>Fourth level</a:t>
             </a:r>
-            <a:endParaRPr lang="en-US"/>
           </a:p>
           <a:p>
             <a:pPr lvl="4"/>
@@ -1739,7 +1701,6 @@
               <a:rPr lang="en-US"/>
               <a:t>Fifth level</a:t>
             </a:r>
-            <a:endParaRPr lang="en-US"/>
           </a:p>
         </p:txBody>
       </p:sp>
@@ -1796,7 +1757,6 @@
               <a:rPr lang="en-US"/>
               <a:t>Click to edit Master text styles</a:t>
             </a:r>
-            <a:endParaRPr lang="en-US"/>
           </a:p>
           <a:p>
             <a:pPr lvl="1"/>
@@ -1804,7 +1764,6 @@
               <a:rPr lang="en-US"/>
               <a:t>Second level</a:t>
             </a:r>
-            <a:endParaRPr lang="en-US"/>
           </a:p>
           <a:p>
             <a:pPr lvl="2"/>
@@ -1812,7 +1771,6 @@
               <a:rPr lang="en-US"/>
               <a:t>Third level</a:t>
             </a:r>
-            <a:endParaRPr lang="en-US"/>
           </a:p>
           <a:p>
             <a:pPr lvl="3"/>
@@ -1820,7 +1778,6 @@
               <a:rPr lang="en-US"/>
               <a:t>Fourth level</a:t>
             </a:r>
-            <a:endParaRPr lang="en-US"/>
           </a:p>
           <a:p>
             <a:pPr lvl="4"/>
@@ -1828,7 +1785,6 @@
               <a:rPr lang="en-US"/>
               <a:t>Fifth level</a:t>
             </a:r>
-            <a:endParaRPr lang="en-US"/>
           </a:p>
         </p:txBody>
       </p:sp>
@@ -1859,7 +1815,6 @@
               <a:rPr lang="en-US"/>
               <a:t>TU3C-2</a:t>
             </a:r>
-            <a:endParaRPr lang="en-US"/>
           </a:p>
         </p:txBody>
       </p:sp>
@@ -1911,7 +1866,6 @@
               <a:rPr lang="en-US"/>
               <a:t>Click to edit Master title style</a:t>
             </a:r>
-            <a:endParaRPr lang="en-US"/>
           </a:p>
         </p:txBody>
       </p:sp>
@@ -1977,7 +1931,6 @@
               <a:rPr lang="en-US"/>
               <a:t>Click to edit Master text styles</a:t>
             </a:r>
-            <a:endParaRPr lang="en-US"/>
           </a:p>
         </p:txBody>
       </p:sp>
@@ -2034,7 +1987,6 @@
               <a:rPr lang="en-US"/>
               <a:t>Click to edit Master text styles</a:t>
             </a:r>
-            <a:endParaRPr lang="en-US"/>
           </a:p>
           <a:p>
             <a:pPr lvl="1"/>
@@ -2042,7 +1994,6 @@
               <a:rPr lang="en-US"/>
               <a:t>Second level</a:t>
             </a:r>
-            <a:endParaRPr lang="en-US"/>
           </a:p>
           <a:p>
             <a:pPr lvl="2"/>
@@ -2050,7 +2001,6 @@
               <a:rPr lang="en-US"/>
               <a:t>Third level</a:t>
             </a:r>
-            <a:endParaRPr lang="en-US"/>
           </a:p>
           <a:p>
             <a:pPr lvl="3"/>
@@ -2058,7 +2008,6 @@
               <a:rPr lang="en-US"/>
               <a:t>Fourth level</a:t>
             </a:r>
-            <a:endParaRPr lang="en-US"/>
           </a:p>
           <a:p>
             <a:pPr lvl="4"/>
@@ -2066,7 +2015,6 @@
               <a:rPr lang="en-US"/>
               <a:t>Fifth level</a:t>
             </a:r>
-            <a:endParaRPr lang="en-US"/>
           </a:p>
         </p:txBody>
       </p:sp>
@@ -2132,7 +2080,6 @@
               <a:rPr lang="en-US"/>
               <a:t>Click to edit Master text styles</a:t>
             </a:r>
-            <a:endParaRPr lang="en-US"/>
           </a:p>
         </p:txBody>
       </p:sp>
@@ -2189,7 +2136,6 @@
               <a:rPr lang="en-US"/>
               <a:t>Click to edit Master text styles</a:t>
             </a:r>
-            <a:endParaRPr lang="en-US"/>
           </a:p>
           <a:p>
             <a:pPr lvl="1"/>
@@ -2197,7 +2143,6 @@
               <a:rPr lang="en-US"/>
               <a:t>Second level</a:t>
             </a:r>
-            <a:endParaRPr lang="en-US"/>
           </a:p>
           <a:p>
             <a:pPr lvl="2"/>
@@ -2205,7 +2150,6 @@
               <a:rPr lang="en-US"/>
               <a:t>Third level</a:t>
             </a:r>
-            <a:endParaRPr lang="en-US"/>
           </a:p>
           <a:p>
             <a:pPr lvl="3"/>
@@ -2213,7 +2157,6 @@
               <a:rPr lang="en-US"/>
               <a:t>Fourth level</a:t>
             </a:r>
-            <a:endParaRPr lang="en-US"/>
           </a:p>
           <a:p>
             <a:pPr lvl="4"/>
@@ -2221,7 +2164,6 @@
               <a:rPr lang="en-US"/>
               <a:t>Fifth level</a:t>
             </a:r>
-            <a:endParaRPr lang="en-US"/>
           </a:p>
         </p:txBody>
       </p:sp>
@@ -2279,7 +2221,6 @@
               <a:rPr lang="en-US"/>
               <a:t>TU3C-2</a:t>
             </a:r>
-            <a:endParaRPr lang="en-US"/>
           </a:p>
         </p:txBody>
       </p:sp>
@@ -2327,7 +2268,6 @@
               <a:rPr lang="en-US"/>
               <a:t>Click to edit Master title style</a:t>
             </a:r>
-            <a:endParaRPr lang="en-US"/>
           </a:p>
         </p:txBody>
       </p:sp>
@@ -2362,7 +2302,6 @@
               <a:rPr lang="en-US"/>
               <a:t>TU3C-2</a:t>
             </a:r>
-            <a:endParaRPr lang="en-US"/>
           </a:p>
         </p:txBody>
       </p:sp>
@@ -2449,7 +2388,6 @@
               <a:rPr lang="en-US"/>
               <a:t>TU3C-2</a:t>
             </a:r>
-            <a:endParaRPr lang="en-US"/>
           </a:p>
         </p:txBody>
       </p:sp>
@@ -2506,7 +2444,6 @@
               <a:rPr lang="en-US"/>
               <a:t>Click to edit Master title style</a:t>
             </a:r>
-            <a:endParaRPr lang="en-US"/>
           </a:p>
         </p:txBody>
       </p:sp>
@@ -2563,7 +2500,6 @@
               <a:rPr lang="en-US"/>
               <a:t>Click to edit Master text styles</a:t>
             </a:r>
-            <a:endParaRPr lang="en-US"/>
           </a:p>
           <a:p>
             <a:pPr lvl="1"/>
@@ -2571,7 +2507,6 @@
               <a:rPr lang="en-US"/>
               <a:t>Second level</a:t>
             </a:r>
-            <a:endParaRPr lang="en-US"/>
           </a:p>
           <a:p>
             <a:pPr lvl="2"/>
@@ -2579,7 +2514,6 @@
               <a:rPr lang="en-US"/>
               <a:t>Third level</a:t>
             </a:r>
-            <a:endParaRPr lang="en-US"/>
           </a:p>
           <a:p>
             <a:pPr lvl="3"/>
@@ -2587,7 +2521,6 @@
               <a:rPr lang="en-US"/>
               <a:t>Fourth level</a:t>
             </a:r>
-            <a:endParaRPr lang="en-US"/>
           </a:p>
           <a:p>
             <a:pPr lvl="4"/>
@@ -2595,7 +2528,6 @@
               <a:rPr lang="en-US"/>
               <a:t>Fifth level</a:t>
             </a:r>
-            <a:endParaRPr lang="en-US"/>
           </a:p>
         </p:txBody>
       </p:sp>
@@ -2661,7 +2593,6 @@
               <a:rPr lang="en-US"/>
               <a:t>Click to edit Master text styles</a:t>
             </a:r>
-            <a:endParaRPr lang="en-US"/>
           </a:p>
         </p:txBody>
       </p:sp>
@@ -2696,7 +2627,6 @@
               <a:rPr lang="en-US"/>
               <a:t>TU3C-2</a:t>
             </a:r>
-            <a:endParaRPr lang="en-US"/>
           </a:p>
         </p:txBody>
       </p:sp>
@@ -3064,11 +2994,11 @@
             <p:nvPr userDrawn="1"/>
           </p:nvPicPr>
           <p:blipFill>
-            <a:blip r:embed="rId12">
+            <a:blip r:embed="rId13">
               <a:extLst>
                 <a:ext uri="{BEBA8EAE-BF5A-486C-A8C5-ECC9F3942E4B}">
                   <a14:imgProps xmlns:a14="http://schemas.microsoft.com/office/drawing/2010/main">
-                    <a14:imgLayer r:embed="rId13">
+                    <a14:imgLayer r:embed="rId14">
                       <a14:imgEffect>
                         <a14:backgroundRemoval t="400" b="90000" l="1900" r="99300">
                           <a14:foregroundMark x1="99333" y1="622" x2="99333" y2="622"/>
@@ -3107,11 +3037,11 @@
             <p:nvPr userDrawn="1"/>
           </p:nvPicPr>
           <p:blipFill rotWithShape="1">
-            <a:blip r:embed="rId12">
+            <a:blip r:embed="rId13">
               <a:extLst>
                 <a:ext uri="{BEBA8EAE-BF5A-486C-A8C5-ECC9F3942E4B}">
                   <a14:imgProps xmlns:a14="http://schemas.microsoft.com/office/drawing/2010/main">
-                    <a14:imgLayer r:embed="rId13">
+                    <a14:imgLayer r:embed="rId14">
                       <a14:imgEffect>
                         <a14:backgroundRemoval t="400" b="90000" l="1900" r="99300">
                           <a14:foregroundMark x1="99333" y1="622" x2="99333" y2="622"/>
@@ -3172,7 +3102,6 @@
               <a:rPr lang="en-US" dirty="0"/>
               <a:t>Click to edit Master title style</a:t>
             </a:r>
-            <a:endParaRPr lang="en-US" dirty="0"/>
           </a:p>
         </p:txBody>
       </p:sp>
@@ -3206,7 +3135,6 @@
               <a:rPr lang="en-US" dirty="0"/>
               <a:t>Click to edit Master text styles</a:t>
             </a:r>
-            <a:endParaRPr lang="en-US" dirty="0"/>
           </a:p>
           <a:p>
             <a:pPr lvl="1"/>
@@ -3214,7 +3142,6 @@
               <a:rPr lang="en-US" dirty="0"/>
               <a:t>Second level</a:t>
             </a:r>
-            <a:endParaRPr lang="en-US" dirty="0"/>
           </a:p>
           <a:p>
             <a:pPr lvl="2"/>
@@ -3222,7 +3149,6 @@
               <a:rPr lang="en-US" dirty="0"/>
               <a:t>Third level</a:t>
             </a:r>
-            <a:endParaRPr lang="en-US" dirty="0"/>
           </a:p>
           <a:p>
             <a:pPr lvl="3"/>
@@ -3230,7 +3156,6 @@
               <a:rPr lang="en-US" dirty="0"/>
               <a:t>Fourth level</a:t>
             </a:r>
-            <a:endParaRPr lang="en-US" dirty="0"/>
           </a:p>
           <a:p>
             <a:pPr lvl="4"/>
@@ -3238,43 +3163,12 @@
               <a:rPr lang="en-US" dirty="0"/>
               <a:t>Fifth level</a:t>
             </a:r>
-            <a:endParaRPr lang="en-US" dirty="0"/>
           </a:p>
         </p:txBody>
       </p:sp>
       <p:pic>
         <p:nvPicPr>
           <p:cNvPr id="5" name="Picture 4"/>
-          <p:cNvPicPr>
-            <a:picLocks noChangeAspect="1"/>
-          </p:cNvPicPr>
-          <p:nvPr userDrawn="1"/>
-        </p:nvPicPr>
-        <p:blipFill>
-          <a:blip r:embed="rId14" cstate="print">
-            <a:extLst>
-              <a:ext uri="{28A0092B-C50C-407E-A947-70E740481C1C}">
-                <a14:useLocalDpi xmlns:a14="http://schemas.microsoft.com/office/drawing/2010/main" val="0"/>
-              </a:ext>
-            </a:extLst>
-          </a:blip>
-          <a:stretch>
-            <a:fillRect/>
-          </a:stretch>
-        </p:blipFill>
-        <p:spPr>
-          <a:xfrm>
-            <a:off x="1" y="-10304"/>
-            <a:ext cx="1814284" cy="457200"/>
-          </a:xfrm>
-          <a:prstGeom prst="rect">
-            <a:avLst/>
-          </a:prstGeom>
-        </p:spPr>
-      </p:pic>
-      <p:pic>
-        <p:nvPicPr>
-          <p:cNvPr id="6" name="Picture 5"/>
           <p:cNvPicPr>
             <a:picLocks noChangeAspect="1"/>
           </p:cNvPicPr>
@@ -3294,6 +3188,36 @@
         </p:blipFill>
         <p:spPr>
           <a:xfrm>
+            <a:off x="1" y="-10304"/>
+            <a:ext cx="1814284" cy="457200"/>
+          </a:xfrm>
+          <a:prstGeom prst="rect">
+            <a:avLst/>
+          </a:prstGeom>
+        </p:spPr>
+      </p:pic>
+      <p:pic>
+        <p:nvPicPr>
+          <p:cNvPr id="6" name="Picture 5"/>
+          <p:cNvPicPr>
+            <a:picLocks noChangeAspect="1"/>
+          </p:cNvPicPr>
+          <p:nvPr userDrawn="1"/>
+        </p:nvPicPr>
+        <p:blipFill>
+          <a:blip r:embed="rId16" cstate="print">
+            <a:extLst>
+              <a:ext uri="{28A0092B-C50C-407E-A947-70E740481C1C}">
+                <a14:useLocalDpi xmlns:a14="http://schemas.microsoft.com/office/drawing/2010/main" val="0"/>
+              </a:ext>
+            </a:extLst>
+          </a:blip>
+          <a:stretch>
+            <a:fillRect/>
+          </a:stretch>
+        </p:blipFill>
+        <p:spPr>
+          <a:xfrm>
             <a:off x="1695751" y="103996"/>
             <a:ext cx="529047" cy="274320"/>
           </a:xfrm>
@@ -3330,6 +3254,7 @@
                   <a:schemeClr val="tx1"/>
                 </a:solidFill>
               </a:rPr>
+              <a:t>‹#›</a:t>
             </a:fld>
             <a:endParaRPr lang="en-US" sz="1400" dirty="0">
               <a:solidFill>
@@ -3370,7 +3295,6 @@
               <a:rPr lang="en-US"/>
               <a:t>TU3C-2</a:t>
             </a:r>
-            <a:endParaRPr lang="en-US"/>
           </a:p>
         </p:txBody>
       </p:sp>
@@ -3383,7 +3307,7 @@
           <p:nvPr userDrawn="1"/>
         </p:nvPicPr>
         <p:blipFill>
-          <a:blip r:embed="rId16">
+          <a:blip r:embed="rId17">
             <a:extLst>
               <a:ext uri="{28A0092B-C50C-407E-A947-70E740481C1C}">
                 <a14:useLocalDpi xmlns:a14="http://schemas.microsoft.com/office/drawing/2010/main" val="0"/>
@@ -3459,12 +3383,6 @@
               </a:rPr>
               <a:t>IMS</a:t>
             </a:r>
-            <a:endParaRPr lang="en-US" sz="2400" dirty="0">
-              <a:solidFill>
-                <a:schemeClr val="bg1"/>
-              </a:solidFill>
-              <a:latin typeface="+mj-lt"/>
-            </a:endParaRPr>
           </a:p>
         </p:txBody>
       </p:sp>
@@ -3477,7 +3395,7 @@
           <p:nvPr userDrawn="1"/>
         </p:nvPicPr>
         <p:blipFill rotWithShape="1">
-          <a:blip r:embed="rId17"/>
+          <a:blip r:embed="rId18"/>
           <a:srcRect l="75099" t="89739" r="1372" b="2026"/>
           <a:stretch>
             <a:fillRect/>
@@ -4100,10 +4018,10 @@
           <p:nvPr/>
         </p:nvPicPr>
         <p:blipFill>
-          <a:blip r:embed="rId1">
+          <a:blip r:embed="rId2">
             <a:extLst>
               <a:ext uri="{96DAC541-7B7A-43D3-8B79-37D633B846F1}">
-                <asvg:svgBlip xmlns:asvg="http://schemas.microsoft.com/office/drawing/2016/SVG/main" r:embed="rId2"/>
+                <asvg:svgBlip xmlns:asvg="http://schemas.microsoft.com/office/drawing/2016/SVG/main" r:embed="rId3"/>
               </a:ext>
             </a:extLst>
           </a:blip>
@@ -4130,13 +4048,13 @@
           <p:nvPr/>
         </p:nvPicPr>
         <p:blipFill>
-          <a:blip r:embed="rId3">
+          <a:blip r:embed="rId4">
             <a:extLst>
               <a:ext uri="{28A0092B-C50C-407E-A947-70E740481C1C}">
                 <a14:useLocalDpi xmlns:a14="http://schemas.microsoft.com/office/drawing/2010/main" val="0"/>
               </a:ext>
               <a:ext uri="{96DAC541-7B7A-43D3-8B79-37D633B846F1}">
-                <asvg:svgBlip xmlns:asvg="http://schemas.microsoft.com/office/drawing/2016/SVG/main" r:embed="rId4"/>
+                <asvg:svgBlip xmlns:asvg="http://schemas.microsoft.com/office/drawing/2016/SVG/main" r:embed="rId5"/>
               </a:ext>
             </a:extLst>
           </a:blip>
@@ -4207,17 +4125,6 @@
               </a:rPr>
               <a:t>Project Progress</a:t>
             </a:r>
-            <a:endParaRPr kumimoji="0" lang="en-US" altLang="zh-CN" sz="4000" i="0" u="none" strike="noStrike" kern="1200" cap="none" spc="300" normalizeH="0" baseline="0" noProof="0" dirty="0">
-              <a:ln>
-                <a:noFill/>
-              </a:ln>
-              <a:effectLst/>
-              <a:uLnTx/>
-              <a:uFillTx/>
-              <a:latin typeface="Times New Roman" panose="02020603050405020304" charset="0"/>
-              <a:ea typeface="思源黑体 CN Light" panose="020B0300000000000000" pitchFamily="34" charset="-122"/>
-              <a:cs typeface="Times New Roman" panose="02020603050405020304" charset="0"/>
-            </a:endParaRPr>
           </a:p>
           <a:p>
             <a:pPr marL="0" marR="0" lvl="0" indent="0" algn="ctr" defTabSz="914400" rtl="0" eaLnBrk="1" fontAlgn="auto" latinLnBrk="0" hangingPunct="1">
@@ -4253,20 +4160,6 @@
               </a:rPr>
               <a:t>Evolutionary Neural Architecture Search </a:t>
             </a:r>
-            <a:endParaRPr kumimoji="0" lang="en-US" altLang="zh-CN" sz="4000" i="0" u="none" strike="noStrike" kern="1200" cap="none" spc="300" normalizeH="0" baseline="0" noProof="0" dirty="0">
-              <a:ln>
-                <a:noFill/>
-              </a:ln>
-              <a:solidFill>
-                <a:srgbClr val="2BB7B3"/>
-              </a:solidFill>
-              <a:effectLst/>
-              <a:uLnTx/>
-              <a:uFillTx/>
-              <a:latin typeface="Times New Roman" panose="02020603050405020304" charset="0"/>
-              <a:ea typeface="思源黑体 CN Light" panose="020B0300000000000000" pitchFamily="34" charset="-122"/>
-              <a:cs typeface="Times New Roman" panose="02020603050405020304" charset="0"/>
-            </a:endParaRPr>
           </a:p>
           <a:p>
             <a:pPr marL="0" marR="0" lvl="0" indent="0" algn="ctr" defTabSz="914400" rtl="0" eaLnBrk="1" fontAlgn="auto" latinLnBrk="0" hangingPunct="1">
@@ -4302,20 +4195,6 @@
               </a:rPr>
               <a:t>Based on NAS-Bench-101</a:t>
             </a:r>
-            <a:endParaRPr kumimoji="0" lang="en-US" altLang="zh-CN" sz="4000" i="0" u="none" strike="noStrike" kern="1200" cap="none" spc="300" normalizeH="0" baseline="0" noProof="0" dirty="0">
-              <a:ln>
-                <a:noFill/>
-              </a:ln>
-              <a:solidFill>
-                <a:srgbClr val="2BB7B3"/>
-              </a:solidFill>
-              <a:effectLst/>
-              <a:uLnTx/>
-              <a:uFillTx/>
-              <a:latin typeface="Times New Roman" panose="02020603050405020304" charset="0"/>
-              <a:ea typeface="思源黑体 CN Light" panose="020B0300000000000000" pitchFamily="34" charset="-122"/>
-              <a:cs typeface="Times New Roman" panose="02020603050405020304" charset="0"/>
-            </a:endParaRPr>
           </a:p>
         </p:txBody>
       </p:sp>
@@ -4402,10 +4281,10 @@
           <p:nvPr/>
         </p:nvPicPr>
         <p:blipFill>
-          <a:blip r:embed="rId5">
+          <a:blip r:embed="rId6">
             <a:extLst>
               <a:ext uri="{96DAC541-7B7A-43D3-8B79-37D633B846F1}">
-                <asvg:svgBlip xmlns:asvg="http://schemas.microsoft.com/office/drawing/2016/SVG/main" r:embed="rId6"/>
+                <asvg:svgBlip xmlns:asvg="http://schemas.microsoft.com/office/drawing/2016/SVG/main" r:embed="rId7"/>
               </a:ext>
             </a:extLst>
           </a:blip>
@@ -4631,16 +4510,6 @@
               </a:rPr>
               <a:t>540020</a:t>
             </a:r>
-            <a:endParaRPr lang="en-US" altLang="zh-CN" sz="2000" spc="300" dirty="0">
-              <a:solidFill>
-                <a:schemeClr val="bg2">
-                  <a:lumMod val="10000"/>
-                </a:schemeClr>
-              </a:solidFill>
-              <a:latin typeface="Times New Roman" panose="02020603050405020304" charset="0"/>
-              <a:ea typeface="思源黑体 CN Light" panose="020B0300000000000000" pitchFamily="34" charset="-122"/>
-              <a:cs typeface="Times New Roman" panose="02020603050405020304" charset="0"/>
-            </a:endParaRPr>
           </a:p>
           <a:p>
             <a:pPr marL="0" marR="0" lvl="0" indent="0" algn="ctr" defTabSz="914400" rtl="0" eaLnBrk="1" fontAlgn="auto" latinLnBrk="0" hangingPunct="1">
@@ -4697,22 +4566,6 @@
               </a:rPr>
               <a:t>12532567</a:t>
             </a:r>
-            <a:endParaRPr kumimoji="0" lang="en-US" altLang="zh-CN" sz="2000" b="0" i="0" u="none" strike="noStrike" kern="1200" cap="none" spc="300" normalizeH="0" baseline="0" noProof="0" dirty="0">
-              <a:ln>
-                <a:noFill/>
-              </a:ln>
-              <a:solidFill>
-                <a:schemeClr val="bg2">
-                  <a:lumMod val="10000"/>
-                </a:schemeClr>
-              </a:solidFill>
-              <a:effectLst/>
-              <a:uLnTx/>
-              <a:uFillTx/>
-              <a:latin typeface="Times New Roman" panose="02020603050405020304" charset="0"/>
-              <a:ea typeface="思源黑体 CN Light" panose="020B0300000000000000" pitchFamily="34" charset="-122"/>
-              <a:cs typeface="Times New Roman" panose="02020603050405020304" charset="0"/>
-            </a:endParaRPr>
           </a:p>
           <a:p>
             <a:pPr marL="0" marR="0" lvl="0" indent="0" algn="ctr" defTabSz="914400" rtl="0" eaLnBrk="1" fontAlgn="auto" latinLnBrk="0" hangingPunct="1">
@@ -4991,7 +4844,7 @@
           <p:nvPr/>
         </p:nvPicPr>
         <p:blipFill rotWithShape="1">
-          <a:blip r:embed="rId1"/>
+          <a:blip r:embed="rId2"/>
           <a:srcRect b="30952"/>
           <a:stretch>
             <a:fillRect/>
@@ -5016,10 +4869,10 @@
           <p:nvPr/>
         </p:nvPicPr>
         <p:blipFill>
-          <a:blip r:embed="rId2">
+          <a:blip r:embed="rId3">
             <a:extLst>
               <a:ext uri="{96DAC541-7B7A-43D3-8B79-37D633B846F1}">
-                <asvg:svgBlip xmlns:asvg="http://schemas.microsoft.com/office/drawing/2016/SVG/main" r:embed="rId3"/>
+                <asvg:svgBlip xmlns:asvg="http://schemas.microsoft.com/office/drawing/2016/SVG/main" r:embed="rId4"/>
               </a:ext>
             </a:extLst>
           </a:blip>
@@ -5134,7 +4987,7 @@
           <p:nvPr/>
         </p:nvPicPr>
         <p:blipFill>
-          <a:blip r:embed="rId4"/>
+          <a:blip r:embed="rId5"/>
           <a:stretch>
             <a:fillRect/>
           </a:stretch>
@@ -5183,7 +5036,7 @@
           <p:nvPr/>
         </p:nvPicPr>
         <p:blipFill rotWithShape="1">
-          <a:blip r:embed="rId1"/>
+          <a:blip r:embed="rId2"/>
           <a:srcRect b="30952"/>
           <a:stretch>
             <a:fillRect/>
@@ -5208,10 +5061,10 @@
           <p:nvPr/>
         </p:nvPicPr>
         <p:blipFill>
-          <a:blip r:embed="rId2">
+          <a:blip r:embed="rId3">
             <a:extLst>
               <a:ext uri="{96DAC541-7B7A-43D3-8B79-37D633B846F1}">
-                <asvg:svgBlip xmlns:asvg="http://schemas.microsoft.com/office/drawing/2016/SVG/main" r:embed="rId3"/>
+                <asvg:svgBlip xmlns:asvg="http://schemas.microsoft.com/office/drawing/2016/SVG/main" r:embed="rId4"/>
               </a:ext>
             </a:extLst>
           </a:blip>
@@ -5284,20 +5137,6 @@
               </a:rPr>
               <a:t>Future Work</a:t>
             </a:r>
-            <a:endParaRPr kumimoji="0" lang="en-US" altLang="zh-CN" sz="3600" b="0" i="0" u="none" strike="noStrike" kern="1200" cap="none" spc="300" normalizeH="0" baseline="0" noProof="0" dirty="0">
-              <a:ln>
-                <a:noFill/>
-              </a:ln>
-              <a:solidFill>
-                <a:srgbClr val="003F43"/>
-              </a:solidFill>
-              <a:effectLst/>
-              <a:uLnTx/>
-              <a:uFillTx/>
-              <a:latin typeface="Times New Roman" panose="02020603050405020304" charset="0"/>
-              <a:ea typeface="思源黑体 CN Bold" panose="020B0800000000000000" pitchFamily="34" charset="-122"/>
-              <a:cs typeface="Times New Roman" panose="02020603050405020304" charset="0"/>
-            </a:endParaRPr>
           </a:p>
         </p:txBody>
       </p:sp>
@@ -5347,16 +5186,6 @@
               </a:rPr>
               <a:t>Explore multi-objective optimization</a:t>
             </a:r>
-            <a:endParaRPr lang="en-US" altLang="zh-CN" sz="2800" dirty="0">
-              <a:solidFill>
-                <a:schemeClr val="bg2">
-                  <a:lumMod val="10000"/>
-                </a:schemeClr>
-              </a:solidFill>
-              <a:latin typeface="Times New Roman" panose="02020603050405020304" charset="0"/>
-              <a:ea typeface="思源黑体 CN Bold" panose="020B0800000000000000"/>
-              <a:cs typeface="Times New Roman" panose="02020603050405020304" charset="0"/>
-            </a:endParaRPr>
           </a:p>
           <a:p>
             <a:pPr marL="457200" lvl="0" indent="-457200">
@@ -5429,16 +5258,6 @@
               </a:rPr>
               <a:t>PSO, BSO</a:t>
             </a:r>
-            <a:endParaRPr lang="en-US" altLang="zh-CN" sz="2800" dirty="0">
-              <a:solidFill>
-                <a:schemeClr val="bg2">
-                  <a:lumMod val="10000"/>
-                </a:schemeClr>
-              </a:solidFill>
-              <a:latin typeface="Times New Roman" panose="02020603050405020304" charset="0"/>
-              <a:ea typeface="思源黑体 CN Bold" panose="020B0800000000000000"/>
-              <a:cs typeface="Times New Roman" panose="02020603050405020304" charset="0"/>
-            </a:endParaRPr>
           </a:p>
           <a:p>
             <a:pPr marL="457200" lvl="0" indent="-457200">
@@ -5506,16 +5325,6 @@
               </a:rPr>
               <a:t> </a:t>
             </a:r>
-            <a:endParaRPr lang="en-US" altLang="zh-CN" sz="2800" dirty="0">
-              <a:solidFill>
-                <a:schemeClr val="bg2">
-                  <a:lumMod val="10000"/>
-                </a:schemeClr>
-              </a:solidFill>
-              <a:latin typeface="思源黑体 CN Regular"/>
-              <a:ea typeface="思源黑体 CN Bold" panose="020B0800000000000000"/>
-              <a:cs typeface="Calibri" panose="020F0502020204030204" pitchFamily="34" charset="0"/>
-            </a:endParaRPr>
           </a:p>
           <a:p>
             <a:pPr lvl="0">
@@ -5547,7 +5356,7 @@
           <p:nvPr/>
         </p:nvPicPr>
         <p:blipFill>
-          <a:blip r:embed="rId4"/>
+          <a:blip r:embed="rId5"/>
           <a:stretch>
             <a:fillRect/>
           </a:stretch>
@@ -5674,7 +5483,7 @@
           <p:nvPr/>
         </p:nvPicPr>
         <p:blipFill rotWithShape="1">
-          <a:blip r:embed="rId1"/>
+          <a:blip r:embed="rId2"/>
           <a:srcRect b="30952"/>
           <a:stretch>
             <a:fillRect/>
@@ -5699,10 +5508,10 @@
           <p:nvPr/>
         </p:nvPicPr>
         <p:blipFill>
-          <a:blip r:embed="rId2">
+          <a:blip r:embed="rId3">
             <a:extLst>
               <a:ext uri="{96DAC541-7B7A-43D3-8B79-37D633B846F1}">
-                <asvg:svgBlip xmlns:asvg="http://schemas.microsoft.com/office/drawing/2016/SVG/main" r:embed="rId3"/>
+                <asvg:svgBlip xmlns:asvg="http://schemas.microsoft.com/office/drawing/2016/SVG/main" r:embed="rId4"/>
               </a:ext>
             </a:extLst>
           </a:blip>
@@ -5775,20 +5584,6 @@
               </a:rPr>
               <a:t>Time Management</a:t>
             </a:r>
-            <a:endParaRPr kumimoji="0" lang="en-US" altLang="zh-CN" sz="3600" b="0" i="0" u="none" strike="noStrike" kern="1200" cap="none" spc="300" normalizeH="0" baseline="0" noProof="0" dirty="0">
-              <a:ln>
-                <a:noFill/>
-              </a:ln>
-              <a:solidFill>
-                <a:srgbClr val="003F43"/>
-              </a:solidFill>
-              <a:effectLst/>
-              <a:uLnTx/>
-              <a:uFillTx/>
-              <a:latin typeface="Times New Roman" panose="02020603050405020304" charset="0"/>
-              <a:ea typeface="思源黑体 CN Bold" panose="020B0800000000000000" pitchFamily="34" charset="-122"/>
-              <a:cs typeface="Times New Roman" panose="02020603050405020304" charset="0"/>
-            </a:endParaRPr>
           </a:p>
         </p:txBody>
       </p:sp>
@@ -5838,16 +5633,6 @@
               </a:rPr>
               <a:t>Python </a:t>
             </a:r>
-            <a:endParaRPr lang="en-US" altLang="zh-CN" sz="2800" dirty="0">
-              <a:solidFill>
-                <a:schemeClr val="bg2">
-                  <a:lumMod val="10000"/>
-                </a:schemeClr>
-              </a:solidFill>
-              <a:latin typeface="思源黑体 CN Regular"/>
-              <a:ea typeface="思源黑体 CN Bold" panose="020B0800000000000000"/>
-              <a:cs typeface="Calibri" panose="020F0502020204030204" pitchFamily="34" charset="0"/>
-            </a:endParaRPr>
           </a:p>
           <a:p>
             <a:endParaRPr lang="en-US" altLang="zh-CN" sz="2800" dirty="0">
@@ -5879,16 +5664,6 @@
               </a:rPr>
               <a:t>NAS-Bench-101: </a:t>
             </a:r>
-            <a:endParaRPr lang="en-US" altLang="zh-CN" sz="2800" dirty="0">
-              <a:solidFill>
-                <a:schemeClr val="bg2">
-                  <a:lumMod val="10000"/>
-                </a:schemeClr>
-              </a:solidFill>
-              <a:latin typeface="思源黑体 CN Regular"/>
-              <a:ea typeface="思源黑体 CN Bold" panose="020B0800000000000000"/>
-              <a:cs typeface="Calibri" panose="020F0502020204030204" pitchFamily="34" charset="0"/>
-            </a:endParaRPr>
           </a:p>
           <a:p>
             <a:pPr lvl="0">
@@ -5920,7 +5695,7 @@
           <p:nvPr/>
         </p:nvPicPr>
         <p:blipFill>
-          <a:blip r:embed="rId4" cstate="print">
+          <a:blip r:embed="rId5" cstate="print">
             <a:extLst>
               <a:ext uri="{28A0092B-C50C-407E-A947-70E740481C1C}">
                 <a14:useLocalDpi xmlns:a14="http://schemas.microsoft.com/office/drawing/2010/main" val="0"/>
@@ -6053,10 +5828,10 @@
           <p:nvPr/>
         </p:nvPicPr>
         <p:blipFill>
-          <a:blip r:embed="rId1">
+          <a:blip r:embed="rId2">
             <a:extLst>
               <a:ext uri="{96DAC541-7B7A-43D3-8B79-37D633B846F1}">
-                <asvg:svgBlip xmlns:asvg="http://schemas.microsoft.com/office/drawing/2016/SVG/main" r:embed="rId2"/>
+                <asvg:svgBlip xmlns:asvg="http://schemas.microsoft.com/office/drawing/2016/SVG/main" r:embed="rId3"/>
               </a:ext>
             </a:extLst>
           </a:blip>
@@ -6129,20 +5904,6 @@
               </a:rPr>
               <a:t>Thank You</a:t>
             </a:r>
-            <a:endParaRPr kumimoji="0" lang="en-US" altLang="zh-CN" sz="6000" b="0" i="0" u="none" strike="noStrike" kern="1200" cap="none" spc="300" normalizeH="0" baseline="0" noProof="0" dirty="0">
-              <a:ln>
-                <a:noFill/>
-              </a:ln>
-              <a:solidFill>
-                <a:srgbClr val="2BB7B3"/>
-              </a:solidFill>
-              <a:effectLst/>
-              <a:uLnTx/>
-              <a:uFillTx/>
-              <a:latin typeface="Times New Roman" panose="02020603050405020304" charset="0"/>
-              <a:ea typeface="思源黑体 CN Light" panose="020B0300000000000000" pitchFamily="34" charset="-122"/>
-              <a:cs typeface="Times New Roman" panose="02020603050405020304" charset="0"/>
-            </a:endParaRPr>
           </a:p>
           <a:p>
             <a:pPr marL="0" marR="0" lvl="0" indent="0" algn="l" defTabSz="914400" rtl="0" eaLnBrk="1" fontAlgn="auto" latinLnBrk="0" hangingPunct="1">
@@ -6178,20 +5939,6 @@
               </a:rPr>
               <a:t>for your listening</a:t>
             </a:r>
-            <a:endParaRPr kumimoji="0" lang="en-US" altLang="zh-CN" sz="3600" b="0" i="0" u="none" strike="noStrike" kern="1200" cap="none" spc="300" normalizeH="0" baseline="0" noProof="0" dirty="0">
-              <a:ln>
-                <a:noFill/>
-              </a:ln>
-              <a:solidFill>
-                <a:srgbClr val="2F2E41"/>
-              </a:solidFill>
-              <a:effectLst/>
-              <a:uLnTx/>
-              <a:uFillTx/>
-              <a:latin typeface="Times New Roman" panose="02020603050405020304" charset="0"/>
-              <a:ea typeface="思源黑体 CN Bold" panose="020B0800000000000000" pitchFamily="34" charset="-122"/>
-              <a:cs typeface="Times New Roman" panose="02020603050405020304" charset="0"/>
-            </a:endParaRPr>
           </a:p>
         </p:txBody>
       </p:sp>
@@ -6278,10 +6025,10 @@
           <p:nvPr/>
         </p:nvPicPr>
         <p:blipFill>
-          <a:blip r:embed="rId3">
+          <a:blip r:embed="rId4">
             <a:extLst>
               <a:ext uri="{96DAC541-7B7A-43D3-8B79-37D633B846F1}">
-                <asvg:svgBlip xmlns:asvg="http://schemas.microsoft.com/office/drawing/2016/SVG/main" r:embed="rId4"/>
+                <asvg:svgBlip xmlns:asvg="http://schemas.microsoft.com/office/drawing/2016/SVG/main" r:embed="rId5"/>
               </a:ext>
             </a:extLst>
           </a:blip>
@@ -6308,13 +6055,13 @@
           <p:nvPr/>
         </p:nvPicPr>
         <p:blipFill>
-          <a:blip r:embed="rId5">
+          <a:blip r:embed="rId6">
             <a:extLst>
               <a:ext uri="{28A0092B-C50C-407E-A947-70E740481C1C}">
                 <a14:useLocalDpi xmlns:a14="http://schemas.microsoft.com/office/drawing/2010/main" val="0"/>
               </a:ext>
               <a:ext uri="{96DAC541-7B7A-43D3-8B79-37D633B846F1}">
-                <asvg:svgBlip xmlns:asvg="http://schemas.microsoft.com/office/drawing/2016/SVG/main" r:embed="rId6"/>
+                <asvg:svgBlip xmlns:asvg="http://schemas.microsoft.com/office/drawing/2016/SVG/main" r:embed="rId7"/>
               </a:ext>
             </a:extLst>
           </a:blip>
@@ -6367,7 +6114,7 @@
           <p:nvPr/>
         </p:nvPicPr>
         <p:blipFill rotWithShape="1">
-          <a:blip r:embed="rId1"/>
+          <a:blip r:embed="rId2"/>
           <a:srcRect b="30952"/>
           <a:stretch>
             <a:fillRect/>
@@ -6392,10 +6139,10 @@
           <p:nvPr/>
         </p:nvPicPr>
         <p:blipFill>
-          <a:blip r:embed="rId2">
+          <a:blip r:embed="rId3">
             <a:extLst>
               <a:ext uri="{96DAC541-7B7A-43D3-8B79-37D633B846F1}">
-                <asvg:svgBlip xmlns:asvg="http://schemas.microsoft.com/office/drawing/2016/SVG/main" r:embed="rId3"/>
+                <asvg:svgBlip xmlns:asvg="http://schemas.microsoft.com/office/drawing/2016/SVG/main" r:embed="rId4"/>
               </a:ext>
             </a:extLst>
           </a:blip>
@@ -6544,16 +6291,6 @@
               </a:rPr>
               <a:t> Apply evolutionary algorithms to search the NAS-Bench-101 cell space. </a:t>
             </a:r>
-            <a:endParaRPr lang="en-US" altLang="zh-CN" sz="2400" dirty="0">
-              <a:solidFill>
-                <a:schemeClr val="bg2">
-                  <a:lumMod val="10000"/>
-                </a:schemeClr>
-              </a:solidFill>
-              <a:latin typeface="Times New Roman" panose="02020603050405020304" charset="0"/>
-              <a:ea typeface="思源黑体 CN Bold" panose="020B0800000000000000"/>
-              <a:cs typeface="Times New Roman" panose="02020603050405020304" charset="0"/>
-            </a:endParaRPr>
           </a:p>
           <a:p>
             <a:pPr marL="800100" lvl="1" indent="-342900">
@@ -6586,16 +6323,6 @@
               </a:rPr>
               <a:t>aims to automatically design neural network architectures by exploring a large and discrete search space. </a:t>
             </a:r>
-            <a:endParaRPr lang="en-US" altLang="zh-CN" sz="2400" dirty="0">
-              <a:solidFill>
-                <a:schemeClr val="bg2">
-                  <a:lumMod val="10000"/>
-                </a:schemeClr>
-              </a:solidFill>
-              <a:latin typeface="Times New Roman" panose="02020603050405020304" charset="0"/>
-              <a:ea typeface="微软雅黑" panose="020B0503020204020204" pitchFamily="34" charset="-122"/>
-              <a:cs typeface="Times New Roman" panose="02020603050405020304" charset="0"/>
-            </a:endParaRPr>
           </a:p>
           <a:p>
             <a:pPr marL="800100" lvl="1" indent="-342900" algn="just">
@@ -6751,7 +6478,7 @@
           <p:nvPr/>
         </p:nvPicPr>
         <p:blipFill rotWithShape="1">
-          <a:blip r:embed="rId1"/>
+          <a:blip r:embed="rId2"/>
           <a:srcRect b="30952"/>
           <a:stretch>
             <a:fillRect/>
@@ -6776,10 +6503,10 @@
           <p:nvPr/>
         </p:nvPicPr>
         <p:blipFill>
-          <a:blip r:embed="rId2">
+          <a:blip r:embed="rId3">
             <a:extLst>
               <a:ext uri="{96DAC541-7B7A-43D3-8B79-37D633B846F1}">
-                <asvg:svgBlip xmlns:asvg="http://schemas.microsoft.com/office/drawing/2016/SVG/main" r:embed="rId3"/>
+                <asvg:svgBlip xmlns:asvg="http://schemas.microsoft.com/office/drawing/2016/SVG/main" r:embed="rId4"/>
               </a:ext>
             </a:extLst>
           </a:blip>
@@ -6852,20 +6579,6 @@
               </a:rPr>
               <a:t>Topic Review</a:t>
             </a:r>
-            <a:endParaRPr kumimoji="0" lang="en-US" altLang="zh-CN" sz="3600" b="0" i="0" u="none" strike="noStrike" kern="1200" cap="none" spc="300" normalizeH="0" baseline="0" noProof="0" dirty="0">
-              <a:ln>
-                <a:noFill/>
-              </a:ln>
-              <a:solidFill>
-                <a:srgbClr val="003F43"/>
-              </a:solidFill>
-              <a:effectLst/>
-              <a:uLnTx/>
-              <a:uFillTx/>
-              <a:latin typeface="Times New Roman" panose="02020603050405020304" charset="0"/>
-              <a:ea typeface="思源黑体 CN Bold" panose="020B0800000000000000" pitchFamily="34" charset="-122"/>
-              <a:cs typeface="Times New Roman" panose="02020603050405020304" charset="0"/>
-            </a:endParaRPr>
           </a:p>
         </p:txBody>
       </p:sp>
@@ -6905,16 +6618,6 @@
               </a:rPr>
               <a:t>NAS-Bench-101: Towards Reproducible Neural Architecture Search</a:t>
             </a:r>
-            <a:endParaRPr lang="en-US" altLang="zh-CN" sz="2400" dirty="0">
-              <a:solidFill>
-                <a:schemeClr val="bg2">
-                  <a:lumMod val="10000"/>
-                </a:schemeClr>
-              </a:solidFill>
-              <a:latin typeface="Times New Roman" panose="02020603050405020304" charset="0"/>
-              <a:ea typeface="思源黑体 CN Bold" panose="020B0800000000000000"/>
-              <a:cs typeface="Times New Roman" panose="02020603050405020304" charset="0"/>
-            </a:endParaRPr>
           </a:p>
         </p:txBody>
       </p:sp>
@@ -6927,7 +6630,7 @@
           <p:nvPr/>
         </p:nvPicPr>
         <p:blipFill>
-          <a:blip r:embed="rId4"/>
+          <a:blip r:embed="rId5"/>
           <a:stretch>
             <a:fillRect/>
           </a:stretch>
@@ -7054,7 +6757,7 @@
           <p:nvPr/>
         </p:nvPicPr>
         <p:blipFill rotWithShape="1">
-          <a:blip r:embed="rId1"/>
+          <a:blip r:embed="rId2"/>
           <a:srcRect b="30952"/>
           <a:stretch>
             <a:fillRect/>
@@ -7079,10 +6782,10 @@
           <p:nvPr/>
         </p:nvPicPr>
         <p:blipFill>
-          <a:blip r:embed="rId2">
+          <a:blip r:embed="rId3">
             <a:extLst>
               <a:ext uri="{96DAC541-7B7A-43D3-8B79-37D633B846F1}">
-                <asvg:svgBlip xmlns:asvg="http://schemas.microsoft.com/office/drawing/2016/SVG/main" r:embed="rId3"/>
+                <asvg:svgBlip xmlns:asvg="http://schemas.microsoft.com/office/drawing/2016/SVG/main" r:embed="rId4"/>
               </a:ext>
             </a:extLst>
           </a:blip>
@@ -7225,16 +6928,6 @@
               </a:rPr>
               <a:t>:</a:t>
             </a:r>
-            <a:endParaRPr lang="en-US" altLang="zh-CN" sz="2800" b="1" dirty="0">
-              <a:solidFill>
-                <a:schemeClr val="bg2">
-                  <a:lumMod val="10000"/>
-                </a:schemeClr>
-              </a:solidFill>
-              <a:latin typeface="Times New Roman" panose="02020603050405020304" charset="0"/>
-              <a:ea typeface="思源黑体 CN Bold" panose="020B0800000000000000"/>
-              <a:cs typeface="Times New Roman" panose="02020603050405020304" charset="0"/>
-            </a:endParaRPr>
           </a:p>
           <a:p>
             <a:pPr lvl="1"/>
@@ -7251,16 +6944,6 @@
               </a:rPr>
               <a:t>  0 → 1×1 Convolution</a:t>
             </a:r>
-            <a:endParaRPr lang="en-US" altLang="zh-CN" sz="2400" dirty="0">
-              <a:solidFill>
-                <a:schemeClr val="bg2">
-                  <a:lumMod val="10000"/>
-                </a:schemeClr>
-              </a:solidFill>
-              <a:latin typeface="Times New Roman" panose="02020603050405020304" charset="0"/>
-              <a:ea typeface="思源黑体 CN Bold" panose="020B0800000000000000"/>
-              <a:cs typeface="Times New Roman" panose="02020603050405020304" charset="0"/>
-            </a:endParaRPr>
           </a:p>
           <a:p>
             <a:pPr lvl="1"/>
@@ -7277,16 +6960,6 @@
               </a:rPr>
               <a:t>  1 → 3×3 Convolution</a:t>
             </a:r>
-            <a:endParaRPr lang="en-US" altLang="zh-CN" sz="2400" dirty="0">
-              <a:solidFill>
-                <a:schemeClr val="bg2">
-                  <a:lumMod val="10000"/>
-                </a:schemeClr>
-              </a:solidFill>
-              <a:latin typeface="Times New Roman" panose="02020603050405020304" charset="0"/>
-              <a:ea typeface="思源黑体 CN Bold" panose="020B0800000000000000"/>
-              <a:cs typeface="Times New Roman" panose="02020603050405020304" charset="0"/>
-            </a:endParaRPr>
           </a:p>
           <a:p>
             <a:pPr lvl="1"/>
@@ -7421,14 +7094,6 @@
               </a:rPr>
               <a:t> </a:t>
             </a:r>
-            <a:endParaRPr lang="en-US" altLang="zh-CN" sz="1600" dirty="0">
-              <a:solidFill>
-                <a:srgbClr val="06383C"/>
-              </a:solidFill>
-              <a:latin typeface="微软雅黑" panose="020B0503020204020204" pitchFamily="34" charset="-122"/>
-              <a:ea typeface="思源黑体 CN Bold" panose="020B0800000000000000"/>
-              <a:cs typeface="Open Sans" panose="020B0606030504020204" pitchFamily="34" charset="0"/>
-            </a:endParaRPr>
           </a:p>
         </p:txBody>
       </p:sp>
@@ -7441,7 +7106,7 @@
           <p:nvPr/>
         </p:nvPicPr>
         <p:blipFill>
-          <a:blip r:embed="rId4"/>
+          <a:blip r:embed="rId5"/>
           <a:stretch>
             <a:fillRect/>
           </a:stretch>
@@ -7490,14 +7155,6 @@
               </a:rPr>
               <a:t>Cell DAG Visualization</a:t>
             </a:r>
-            <a:endParaRPr lang="en-US" altLang="zh-CN" sz="1600" dirty="0">
-              <a:solidFill>
-                <a:srgbClr val="06383C"/>
-              </a:solidFill>
-              <a:latin typeface="Times New Roman" panose="02020603050405020304" charset="0"/>
-              <a:ea typeface="思源黑体 CN Bold" panose="020B0800000000000000"/>
-              <a:cs typeface="Times New Roman" panose="02020603050405020304" charset="0"/>
-            </a:endParaRPr>
           </a:p>
         </p:txBody>
       </p:sp>
@@ -7510,7 +7167,7 @@
           <p:nvPr/>
         </p:nvPicPr>
         <p:blipFill>
-          <a:blip r:embed="rId5"/>
+          <a:blip r:embed="rId6"/>
           <a:srcRect r="3009" b="4016"/>
           <a:stretch>
             <a:fillRect/>
@@ -7638,7 +7295,7 @@
           <p:nvPr/>
         </p:nvPicPr>
         <p:blipFill rotWithShape="1">
-          <a:blip r:embed="rId1"/>
+          <a:blip r:embed="rId2"/>
           <a:srcRect b="30952"/>
           <a:stretch>
             <a:fillRect/>
@@ -7663,10 +7320,10 @@
           <p:nvPr/>
         </p:nvPicPr>
         <p:blipFill>
-          <a:blip r:embed="rId2">
+          <a:blip r:embed="rId3">
             <a:extLst>
               <a:ext uri="{96DAC541-7B7A-43D3-8B79-37D633B846F1}">
-                <asvg:svgBlip xmlns:asvg="http://schemas.microsoft.com/office/drawing/2016/SVG/main" r:embed="rId3"/>
+                <asvg:svgBlip xmlns:asvg="http://schemas.microsoft.com/office/drawing/2016/SVG/main" r:embed="rId4"/>
               </a:ext>
             </a:extLst>
           </a:blip>
@@ -7809,16 +7466,6 @@
               </a:rPr>
               <a:t>:</a:t>
             </a:r>
-            <a:endParaRPr lang="en-US" altLang="zh-CN" sz="2800" b="1" dirty="0">
-              <a:solidFill>
-                <a:schemeClr val="bg2">
-                  <a:lumMod val="10000"/>
-                </a:schemeClr>
-              </a:solidFill>
-              <a:latin typeface="Times New Roman" panose="02020603050405020304" charset="0"/>
-              <a:ea typeface="思源黑体 CN Bold" panose="020B0800000000000000"/>
-              <a:cs typeface="Times New Roman" panose="02020603050405020304" charset="0"/>
-            </a:endParaRPr>
           </a:p>
           <a:p>
             <a:pPr lvl="1"/>
@@ -7835,16 +7482,6 @@
               </a:rPr>
               <a:t>  0 → 1×1 Convolution</a:t>
             </a:r>
-            <a:endParaRPr lang="en-US" altLang="zh-CN" sz="2400" dirty="0">
-              <a:solidFill>
-                <a:schemeClr val="bg2">
-                  <a:lumMod val="10000"/>
-                </a:schemeClr>
-              </a:solidFill>
-              <a:latin typeface="Times New Roman" panose="02020603050405020304" charset="0"/>
-              <a:ea typeface="思源黑体 CN Bold" panose="020B0800000000000000"/>
-              <a:cs typeface="Times New Roman" panose="02020603050405020304" charset="0"/>
-            </a:endParaRPr>
           </a:p>
           <a:p>
             <a:pPr lvl="1"/>
@@ -7861,16 +7498,6 @@
               </a:rPr>
               <a:t>  1 → 3×3 Convolution</a:t>
             </a:r>
-            <a:endParaRPr lang="en-US" altLang="zh-CN" sz="2400" dirty="0">
-              <a:solidFill>
-                <a:schemeClr val="bg2">
-                  <a:lumMod val="10000"/>
-                </a:schemeClr>
-              </a:solidFill>
-              <a:latin typeface="Times New Roman" panose="02020603050405020304" charset="0"/>
-              <a:ea typeface="思源黑体 CN Bold" panose="020B0800000000000000"/>
-              <a:cs typeface="Times New Roman" panose="02020603050405020304" charset="0"/>
-            </a:endParaRPr>
           </a:p>
           <a:p>
             <a:pPr lvl="1"/>
@@ -8005,14 +7632,6 @@
               </a:rPr>
               <a:t> </a:t>
             </a:r>
-            <a:endParaRPr lang="en-US" altLang="zh-CN" sz="1600" dirty="0">
-              <a:solidFill>
-                <a:srgbClr val="06383C"/>
-              </a:solidFill>
-              <a:latin typeface="微软雅黑" panose="020B0503020204020204" pitchFamily="34" charset="-122"/>
-              <a:ea typeface="思源黑体 CN Bold" panose="020B0800000000000000"/>
-              <a:cs typeface="Open Sans" panose="020B0606030504020204" pitchFamily="34" charset="0"/>
-            </a:endParaRPr>
           </a:p>
         </p:txBody>
       </p:sp>
@@ -8025,7 +7644,7 @@
           <p:nvPr/>
         </p:nvPicPr>
         <p:blipFill>
-          <a:blip r:embed="rId4"/>
+          <a:blip r:embed="rId5"/>
           <a:stretch>
             <a:fillRect/>
           </a:stretch>
@@ -8074,14 +7693,6 @@
               </a:rPr>
               <a:t>Cell DAG Visualization</a:t>
             </a:r>
-            <a:endParaRPr lang="en-US" altLang="zh-CN" sz="1600" dirty="0">
-              <a:solidFill>
-                <a:srgbClr val="06383C"/>
-              </a:solidFill>
-              <a:latin typeface="Times New Roman" panose="02020603050405020304" charset="0"/>
-              <a:ea typeface="思源黑体 CN Bold" panose="020B0800000000000000"/>
-              <a:cs typeface="Times New Roman" panose="02020603050405020304" charset="0"/>
-            </a:endParaRPr>
           </a:p>
         </p:txBody>
       </p:sp>
@@ -8094,7 +7705,7 @@
           <p:nvPr/>
         </p:nvPicPr>
         <p:blipFill>
-          <a:blip r:embed="rId5"/>
+          <a:blip r:embed="rId6"/>
           <a:srcRect r="3009" b="4016"/>
           <a:stretch>
             <a:fillRect/>
@@ -8119,7 +7730,7 @@
           <p:nvPr/>
         </p:nvPicPr>
         <p:blipFill>
-          <a:blip r:embed="rId6"/>
+          <a:blip r:embed="rId7"/>
           <a:srcRect t="8452" r="-837"/>
           <a:stretch>
             <a:fillRect/>
@@ -8247,7 +7858,7 @@
           <p:nvPr/>
         </p:nvPicPr>
         <p:blipFill rotWithShape="1">
-          <a:blip r:embed="rId1"/>
+          <a:blip r:embed="rId2"/>
           <a:srcRect b="30952"/>
           <a:stretch>
             <a:fillRect/>
@@ -8272,10 +7883,10 @@
           <p:nvPr/>
         </p:nvPicPr>
         <p:blipFill>
-          <a:blip r:embed="rId2">
+          <a:blip r:embed="rId3">
             <a:extLst>
               <a:ext uri="{96DAC541-7B7A-43D3-8B79-37D633B846F1}">
-                <asvg:svgBlip xmlns:asvg="http://schemas.microsoft.com/office/drawing/2016/SVG/main" r:embed="rId3"/>
+                <asvg:svgBlip xmlns:asvg="http://schemas.microsoft.com/office/drawing/2016/SVG/main" r:embed="rId4"/>
               </a:ext>
             </a:extLst>
           </a:blip>
@@ -8368,7 +7979,7 @@
           <p:nvPr/>
         </p:nvPicPr>
         <p:blipFill>
-          <a:blip r:embed="rId4"/>
+          <a:blip r:embed="rId5"/>
           <a:stretch>
             <a:fillRect/>
           </a:stretch>
@@ -8420,14 +8031,6 @@
               </a:rPr>
               <a:t>AmoebaNet</a:t>
             </a:r>
-            <a:endParaRPr lang="en-US" altLang="zh-CN" sz="2400" b="0" i="0">
-              <a:solidFill>
-                <a:srgbClr val="191B1F"/>
-              </a:solidFill>
-              <a:latin typeface="Times New Roman" panose="02020603050405020304" charset="0"/>
-              <a:ea typeface="微软雅黑" panose="020B0503020204020204" pitchFamily="34" charset="-122"/>
-              <a:cs typeface="Times New Roman" panose="02020603050405020304" charset="0"/>
-            </a:endParaRPr>
           </a:p>
         </p:txBody>
       </p:sp>
@@ -8440,7 +8043,7 @@
           <p:nvPr/>
         </p:nvPicPr>
         <p:blipFill>
-          <a:blip r:embed="rId5"/>
+          <a:blip r:embed="rId6"/>
           <a:stretch>
             <a:fillRect/>
           </a:stretch>
@@ -8489,7 +8092,7 @@
           <p:nvPr/>
         </p:nvPicPr>
         <p:blipFill rotWithShape="1">
-          <a:blip r:embed="rId1"/>
+          <a:blip r:embed="rId2"/>
           <a:srcRect b="30952"/>
           <a:stretch>
             <a:fillRect/>
@@ -8514,10 +8117,10 @@
           <p:nvPr/>
         </p:nvPicPr>
         <p:blipFill>
-          <a:blip r:embed="rId2">
+          <a:blip r:embed="rId3">
             <a:extLst>
               <a:ext uri="{96DAC541-7B7A-43D3-8B79-37D633B846F1}">
-                <asvg:svgBlip xmlns:asvg="http://schemas.microsoft.com/office/drawing/2016/SVG/main" r:embed="rId3"/>
+                <asvg:svgBlip xmlns:asvg="http://schemas.microsoft.com/office/drawing/2016/SVG/main" r:embed="rId4"/>
               </a:ext>
             </a:extLst>
           </a:blip>
@@ -8652,16 +8255,6 @@
               </a:rPr>
               <a:t>Crossover:</a:t>
             </a:r>
-            <a:endParaRPr lang="en-US" altLang="zh-CN" sz="2800" dirty="0">
-              <a:solidFill>
-                <a:schemeClr val="bg2">
-                  <a:lumMod val="10000"/>
-                </a:schemeClr>
-              </a:solidFill>
-              <a:latin typeface="Times New Roman" panose="02020603050405020304" charset="0"/>
-              <a:ea typeface="思源黑体 CN Bold" panose="020B0800000000000000"/>
-              <a:cs typeface="Times New Roman" panose="02020603050405020304" charset="0"/>
-            </a:endParaRPr>
           </a:p>
           <a:p>
             <a:pPr marL="457200" indent="-457200">
@@ -8819,30 +8412,6 @@
           <p:nvPr/>
         </p:nvPicPr>
         <p:blipFill>
-          <a:blip r:embed="rId4"/>
-          <a:stretch>
-            <a:fillRect/>
-          </a:stretch>
-        </p:blipFill>
-        <p:spPr>
-          <a:xfrm>
-            <a:off x="985000" y="4822509"/>
-            <a:ext cx="2286635" cy="525145"/>
-          </a:xfrm>
-          <a:prstGeom prst="rect">
-            <a:avLst/>
-          </a:prstGeom>
-        </p:spPr>
-      </p:pic>
-      <p:pic>
-        <p:nvPicPr>
-          <p:cNvPr id="13" name="图片 12"/>
-          <p:cNvPicPr>
-            <a:picLocks noChangeAspect="1"/>
-          </p:cNvPicPr>
-          <p:nvPr/>
-        </p:nvPicPr>
-        <p:blipFill>
           <a:blip r:embed="rId5"/>
           <a:stretch>
             <a:fillRect/>
@@ -8850,8 +8419,8 @@
         </p:blipFill>
         <p:spPr>
           <a:xfrm>
-            <a:off x="416357" y="5443930"/>
-            <a:ext cx="3423920" cy="532765"/>
+            <a:off x="985000" y="4822509"/>
+            <a:ext cx="2286635" cy="525145"/>
           </a:xfrm>
           <a:prstGeom prst="rect">
             <a:avLst/>
@@ -8860,7 +8429,7 @@
       </p:pic>
       <p:pic>
         <p:nvPicPr>
-          <p:cNvPr id="4" name="图片 3"/>
+          <p:cNvPr id="13" name="图片 12"/>
           <p:cNvPicPr>
             <a:picLocks noChangeAspect="1"/>
           </p:cNvPicPr>
@@ -8874,8 +8443,8 @@
         </p:blipFill>
         <p:spPr>
           <a:xfrm>
-            <a:off x="515938" y="2121977"/>
-            <a:ext cx="3568065" cy="1008380"/>
+            <a:off x="416357" y="5443930"/>
+            <a:ext cx="3423920" cy="532765"/>
           </a:xfrm>
           <a:prstGeom prst="rect">
             <a:avLst/>
@@ -8884,7 +8453,7 @@
       </p:pic>
       <p:pic>
         <p:nvPicPr>
-          <p:cNvPr id="7" name="图片 6"/>
+          <p:cNvPr id="4" name="图片 3"/>
           <p:cNvPicPr>
             <a:picLocks noChangeAspect="1"/>
           </p:cNvPicPr>
@@ -8898,6 +8467,30 @@
         </p:blipFill>
         <p:spPr>
           <a:xfrm>
+            <a:off x="515938" y="2121977"/>
+            <a:ext cx="3568065" cy="1008380"/>
+          </a:xfrm>
+          <a:prstGeom prst="rect">
+            <a:avLst/>
+          </a:prstGeom>
+        </p:spPr>
+      </p:pic>
+      <p:pic>
+        <p:nvPicPr>
+          <p:cNvPr id="7" name="图片 6"/>
+          <p:cNvPicPr>
+            <a:picLocks noChangeAspect="1"/>
+          </p:cNvPicPr>
+          <p:nvPr/>
+        </p:nvPicPr>
+        <p:blipFill>
+          <a:blip r:embed="rId8"/>
+          <a:stretch>
+            <a:fillRect/>
+          </a:stretch>
+        </p:blipFill>
+        <p:spPr>
+          <a:xfrm>
             <a:off x="586437" y="3226633"/>
             <a:ext cx="3333115" cy="1114425"/>
           </a:xfrm>
@@ -8915,7 +8508,7 @@
           <p:nvPr/>
         </p:nvPicPr>
         <p:blipFill>
-          <a:blip r:embed="rId8"/>
+          <a:blip r:embed="rId9"/>
           <a:stretch>
             <a:fillRect/>
           </a:stretch>
@@ -9042,7 +8635,7 @@
           <p:nvPr/>
         </p:nvPicPr>
         <p:blipFill rotWithShape="1">
-          <a:blip r:embed="rId1"/>
+          <a:blip r:embed="rId2"/>
           <a:srcRect b="30952"/>
           <a:stretch>
             <a:fillRect/>
@@ -9067,10 +8660,10 @@
           <p:nvPr/>
         </p:nvPicPr>
         <p:blipFill>
-          <a:blip r:embed="rId2">
+          <a:blip r:embed="rId3">
             <a:extLst>
               <a:ext uri="{96DAC541-7B7A-43D3-8B79-37D633B846F1}">
-                <asvg:svgBlip xmlns:asvg="http://schemas.microsoft.com/office/drawing/2016/SVG/main" r:embed="rId3"/>
+                <asvg:svgBlip xmlns:asvg="http://schemas.microsoft.com/office/drawing/2016/SVG/main" r:embed="rId4"/>
               </a:ext>
             </a:extLst>
           </a:blip>
@@ -9212,16 +8805,6 @@
               </a:rPr>
               <a:t>1. Successful loading of the NASBench-101 dataset and implementation of the architecture query interface</a:t>
             </a:r>
-            <a:endParaRPr lang="en-US" altLang="zh-CN" sz="2400" dirty="0">
-              <a:solidFill>
-                <a:schemeClr val="bg2">
-                  <a:lumMod val="10000"/>
-                </a:schemeClr>
-              </a:solidFill>
-              <a:latin typeface="Times New Roman" panose="02020603050405020304" charset="0"/>
-              <a:ea typeface="思源黑体 CN Bold" panose="020B0800000000000000"/>
-              <a:cs typeface="Times New Roman" panose="02020603050405020304" charset="0"/>
-            </a:endParaRPr>
           </a:p>
           <a:p>
             <a:pPr lvl="1"/>
@@ -9238,16 +8821,6 @@
               </a:rPr>
               <a:t>2. Construction of the NAS search space, including both the topological representation (adjacency matrices) and operation definition (node-level operator choices).</a:t>
             </a:r>
-            <a:endParaRPr lang="en-US" altLang="zh-CN" sz="2400" dirty="0">
-              <a:solidFill>
-                <a:schemeClr val="bg2">
-                  <a:lumMod val="10000"/>
-                </a:schemeClr>
-              </a:solidFill>
-              <a:latin typeface="Times New Roman" panose="02020603050405020304" charset="0"/>
-              <a:ea typeface="思源黑体 CN Bold" panose="020B0800000000000000"/>
-              <a:cs typeface="Times New Roman" panose="02020603050405020304" charset="0"/>
-            </a:endParaRPr>
           </a:p>
           <a:p>
             <a:pPr lvl="1"/>
@@ -9264,16 +8837,6 @@
               </a:rPr>
               <a:t>3. Development of three search algorithms:</a:t>
             </a:r>
-            <a:endParaRPr lang="en-US" altLang="zh-CN" sz="2400" dirty="0">
-              <a:solidFill>
-                <a:schemeClr val="bg2">
-                  <a:lumMod val="10000"/>
-                </a:schemeClr>
-              </a:solidFill>
-              <a:latin typeface="Times New Roman" panose="02020603050405020304" charset="0"/>
-              <a:ea typeface="思源黑体 CN Bold" panose="020B0800000000000000"/>
-              <a:cs typeface="Times New Roman" panose="02020603050405020304" charset="0"/>
-            </a:endParaRPr>
           </a:p>
           <a:p>
             <a:pPr marL="800100" lvl="1" indent="-342900">
@@ -9293,16 +8856,6 @@
               </a:rPr>
               <a:t>Random Search</a:t>
             </a:r>
-            <a:endParaRPr lang="en-US" altLang="zh-CN" sz="2400" dirty="0">
-              <a:solidFill>
-                <a:schemeClr val="bg2">
-                  <a:lumMod val="10000"/>
-                </a:schemeClr>
-              </a:solidFill>
-              <a:latin typeface="Times New Roman" panose="02020603050405020304" charset="0"/>
-              <a:ea typeface="思源黑体 CN Bold" panose="020B0800000000000000"/>
-              <a:cs typeface="Times New Roman" panose="02020603050405020304" charset="0"/>
-            </a:endParaRPr>
           </a:p>
           <a:p>
             <a:pPr marL="800100" lvl="1" indent="-342900">
@@ -9322,16 +8875,6 @@
               </a:rPr>
               <a:t>Evolutionary Search with crossover</a:t>
             </a:r>
-            <a:endParaRPr lang="en-US" altLang="zh-CN" sz="2400" dirty="0">
-              <a:solidFill>
-                <a:schemeClr val="bg2">
-                  <a:lumMod val="10000"/>
-                </a:schemeClr>
-              </a:solidFill>
-              <a:latin typeface="Times New Roman" panose="02020603050405020304" charset="0"/>
-              <a:ea typeface="思源黑体 CN Bold" panose="020B0800000000000000"/>
-              <a:cs typeface="Times New Roman" panose="02020603050405020304" charset="0"/>
-            </a:endParaRPr>
           </a:p>
           <a:p>
             <a:pPr marL="800100" lvl="1" indent="-342900">
@@ -9351,16 +8894,6 @@
               </a:rPr>
               <a:t>Evolutionary Search without crossover</a:t>
             </a:r>
-            <a:endParaRPr lang="en-US" altLang="zh-CN" sz="2400" dirty="0">
-              <a:solidFill>
-                <a:schemeClr val="bg2">
-                  <a:lumMod val="10000"/>
-                </a:schemeClr>
-              </a:solidFill>
-              <a:latin typeface="Times New Roman" panose="02020603050405020304" charset="0"/>
-              <a:ea typeface="思源黑体 CN Bold" panose="020B0800000000000000"/>
-              <a:cs typeface="Times New Roman" panose="02020603050405020304" charset="0"/>
-            </a:endParaRPr>
           </a:p>
           <a:p>
             <a:pPr lvl="1"/>
@@ -9500,7 +9033,7 @@
           <p:nvPr/>
         </p:nvPicPr>
         <p:blipFill rotWithShape="1">
-          <a:blip r:embed="rId1"/>
+          <a:blip r:embed="rId2"/>
           <a:srcRect b="30952"/>
           <a:stretch>
             <a:fillRect/>
@@ -9525,10 +9058,10 @@
           <p:nvPr/>
         </p:nvPicPr>
         <p:blipFill>
-          <a:blip r:embed="rId2">
+          <a:blip r:embed="rId3">
             <a:extLst>
               <a:ext uri="{96DAC541-7B7A-43D3-8B79-37D633B846F1}">
-                <asvg:svgBlip xmlns:asvg="http://schemas.microsoft.com/office/drawing/2016/SVG/main" r:embed="rId3"/>
+                <asvg:svgBlip xmlns:asvg="http://schemas.microsoft.com/office/drawing/2016/SVG/main" r:embed="rId4"/>
               </a:ext>
             </a:extLst>
           </a:blip>
@@ -9643,7 +9176,7 @@
           <p:nvPr/>
         </p:nvPicPr>
         <p:blipFill>
-          <a:blip r:embed="rId4">
+          <a:blip r:embed="rId5">
             <a:extLst>
               <a:ext uri="{28A0092B-C50C-407E-A947-70E740481C1C}">
                 <a14:useLocalDpi xmlns:a14="http://schemas.microsoft.com/office/drawing/2010/main" val="0"/>
@@ -9673,7 +9206,7 @@
           <p:nvPr/>
         </p:nvPicPr>
         <p:blipFill>
-          <a:blip r:embed="rId5">
+          <a:blip r:embed="rId6">
             <a:extLst>
               <a:ext uri="{28A0092B-C50C-407E-A947-70E740481C1C}">
                 <a14:useLocalDpi xmlns:a14="http://schemas.microsoft.com/office/drawing/2010/main" val="0"/>
@@ -9953,6 +9486,8 @@
       </a:bgFillStyleLst>
     </a:fmtScheme>
   </a:themeElements>
+  <a:objectDefaults/>
+  <a:extraClrSchemeLst/>
   <a:extLst>
     <a:ext uri="{05A4C25C-085E-4340-85A3-A5531E510DB2}">
       <thm15:themeFamily xmlns:thm15="http://schemas.microsoft.com/office/thememl/2012/main" name="Office Theme" id="{62F939B6-93AF-4DB8-9C6B-D6C7DFDC589F}" vid="{4A3C46E8-61CC-4603-A589-7422A47A8E4A}"/>
@@ -10275,6 +9810,7 @@
       </a:style>
     </a:lnDef>
   </a:objectDefaults>
+  <a:extraClrSchemeLst/>
   <a:extLst>
     <a:ext uri="{05A4C25C-085E-4340-85A3-A5531E510DB2}">
       <thm15:themeFamily xmlns:thm15="http://schemas.microsoft.com/office/thememl/2012/main" name="Office Theme" id="{62F939B6-93AF-4DB8-9C6B-D6C7DFDC589F}" vid="{4A3C46E8-61CC-4603-A589-7422A47A8E4A}"/>
@@ -10534,6 +10070,8 @@
       </a:bgFillStyleLst>
     </a:fmtScheme>
   </a:themeElements>
+  <a:objectDefaults/>
+  <a:extraClrSchemeLst/>
   <a:extLst>
     <a:ext uri="{05A4C25C-085E-4340-85A3-A5531E510DB2}">
       <thm15:themeFamily xmlns:thm15="http://schemas.microsoft.com/office/thememl/2012/main" name="Office Theme" id="{62F939B6-93AF-4DB8-9C6B-D6C7DFDC589F}" vid="{4A3C46E8-61CC-4603-A589-7422A47A8E4A}"/>
@@ -10793,6 +10331,8 @@
       </a:bgFillStyleLst>
     </a:fmtScheme>
   </a:themeElements>
+  <a:objectDefaults/>
+  <a:extraClrSchemeLst/>
   <a:extLst>
     <a:ext uri="{05A4C25C-085E-4340-85A3-A5531E510DB2}">
       <thm15:themeFamily xmlns:thm15="http://schemas.microsoft.com/office/thememl/2012/main" name="Office Theme" id="{62F939B6-93AF-4DB8-9C6B-D6C7DFDC589F}" vid="{4A3C46E8-61CC-4603-A589-7422A47A8E4A}"/>
